--- a/Documentation/Finals_Sysadd1.pptx
+++ b/Documentation/Finals_Sysadd1.pptx
@@ -9,27 +9,27 @@
   </p:notesMasterIdLst>
   <p:sldIdLst>
     <p:sldId id="256" r:id="rId2"/>
-    <p:sldId id="257" r:id="rId3"/>
-    <p:sldId id="317" r:id="rId4"/>
-    <p:sldId id="258" r:id="rId5"/>
-    <p:sldId id="259" r:id="rId6"/>
-    <p:sldId id="260" r:id="rId7"/>
-    <p:sldId id="261" r:id="rId8"/>
-    <p:sldId id="316" r:id="rId9"/>
-    <p:sldId id="315" r:id="rId10"/>
-    <p:sldId id="318" r:id="rId11"/>
-    <p:sldId id="309" r:id="rId12"/>
-    <p:sldId id="319" r:id="rId13"/>
-    <p:sldId id="324" r:id="rId14"/>
-    <p:sldId id="323" r:id="rId15"/>
-    <p:sldId id="328" r:id="rId16"/>
-    <p:sldId id="332" r:id="rId17"/>
-    <p:sldId id="329" r:id="rId18"/>
-    <p:sldId id="330" r:id="rId19"/>
-    <p:sldId id="331" r:id="rId20"/>
-    <p:sldId id="333" r:id="rId21"/>
-    <p:sldId id="325" r:id="rId22"/>
-    <p:sldId id="327" r:id="rId23"/>
+    <p:sldId id="334" r:id="rId3"/>
+    <p:sldId id="335" r:id="rId4"/>
+    <p:sldId id="257" r:id="rId5"/>
+    <p:sldId id="317" r:id="rId6"/>
+    <p:sldId id="258" r:id="rId7"/>
+    <p:sldId id="259" r:id="rId8"/>
+    <p:sldId id="260" r:id="rId9"/>
+    <p:sldId id="261" r:id="rId10"/>
+    <p:sldId id="316" r:id="rId11"/>
+    <p:sldId id="315" r:id="rId12"/>
+    <p:sldId id="318" r:id="rId13"/>
+    <p:sldId id="309" r:id="rId14"/>
+    <p:sldId id="319" r:id="rId15"/>
+    <p:sldId id="324" r:id="rId16"/>
+    <p:sldId id="323" r:id="rId17"/>
+    <p:sldId id="328" r:id="rId18"/>
+    <p:sldId id="332" r:id="rId19"/>
+    <p:sldId id="329" r:id="rId20"/>
+    <p:sldId id="330" r:id="rId21"/>
+    <p:sldId id="331" r:id="rId22"/>
+    <p:sldId id="333" r:id="rId23"/>
     <p:sldId id="326" r:id="rId24"/>
     <p:sldId id="305" r:id="rId25"/>
     <p:sldId id="306" r:id="rId26"/>
@@ -222,7 +222,7 @@
           <a:p>
             <a:fld id="{F1CEF2E9-17B4-484C-ABAA-8C715D79D306}" type="datetimeFigureOut">
               <a:rPr lang="en-PH" smtClean="0"/>
-              <a:t>01/09/2016</a:t>
+              <a:t>02/09/2016</a:t>
             </a:fld>
             <a:endParaRPr lang="en-PH"/>
           </a:p>
@@ -567,7 +567,7 @@
     </p:spTree>
     <p:extLst>
       <p:ext uri="{BB962C8B-B14F-4D97-AF65-F5344CB8AC3E}">
-        <p14:creationId xmlns:p14="http://schemas.microsoft.com/office/powerpoint/2010/main" val="1343645120"/>
+        <p14:creationId xmlns:p14="http://schemas.microsoft.com/office/powerpoint/2010/main" val="1727372912"/>
       </p:ext>
     </p:extLst>
   </p:cSld>
@@ -623,7 +623,7 @@
           <a:p>
             <a:r>
               <a:rPr lang="en-PH" dirty="0"/>
-              <a:t>Joanna</a:t>
+              <a:t>Maj</a:t>
             </a:r>
           </a:p>
         </p:txBody>
@@ -654,7 +654,7 @@
     </p:spTree>
     <p:extLst>
       <p:ext uri="{BB962C8B-B14F-4D97-AF65-F5344CB8AC3E}">
-        <p14:creationId xmlns:p14="http://schemas.microsoft.com/office/powerpoint/2010/main" val="4254574594"/>
+        <p14:creationId xmlns:p14="http://schemas.microsoft.com/office/powerpoint/2010/main" val="4142822703"/>
       </p:ext>
     </p:extLst>
   </p:cSld>
@@ -710,7 +710,7 @@
           <a:p>
             <a:r>
               <a:rPr lang="en-PH" dirty="0"/>
-              <a:t>Joanna</a:t>
+              <a:t>Maj</a:t>
             </a:r>
           </a:p>
         </p:txBody>
@@ -741,7 +741,7 @@
     </p:spTree>
     <p:extLst>
       <p:ext uri="{BB962C8B-B14F-4D97-AF65-F5344CB8AC3E}">
-        <p14:creationId xmlns:p14="http://schemas.microsoft.com/office/powerpoint/2010/main" val="533209247"/>
+        <p14:creationId xmlns:p14="http://schemas.microsoft.com/office/powerpoint/2010/main" val="3238782515"/>
       </p:ext>
     </p:extLst>
   </p:cSld>
@@ -797,7 +797,7 @@
           <a:p>
             <a:r>
               <a:rPr lang="en-PH" dirty="0"/>
-              <a:t>Maj</a:t>
+              <a:t>Joanna</a:t>
             </a:r>
           </a:p>
         </p:txBody>
@@ -828,7 +828,7 @@
     </p:spTree>
     <p:extLst>
       <p:ext uri="{BB962C8B-B14F-4D97-AF65-F5344CB8AC3E}">
-        <p14:creationId xmlns:p14="http://schemas.microsoft.com/office/powerpoint/2010/main" val="2959679728"/>
+        <p14:creationId xmlns:p14="http://schemas.microsoft.com/office/powerpoint/2010/main" val="4254574594"/>
       </p:ext>
     </p:extLst>
   </p:cSld>
@@ -883,10 +883,9 @@
           <a:lstStyle/>
           <a:p>
             <a:r>
-              <a:rPr lang="en-PH" dirty="0" err="1"/>
-              <a:t>Mikha</a:t>
-            </a:r>
-            <a:endParaRPr lang="en-PH" dirty="0"/>
+              <a:rPr lang="en-PH" dirty="0"/>
+              <a:t>Joanna</a:t>
+            </a:r>
           </a:p>
         </p:txBody>
       </p:sp>
@@ -916,7 +915,7 @@
     </p:spTree>
     <p:extLst>
       <p:ext uri="{BB962C8B-B14F-4D97-AF65-F5344CB8AC3E}">
-        <p14:creationId xmlns:p14="http://schemas.microsoft.com/office/powerpoint/2010/main" val="3750333623"/>
+        <p14:creationId xmlns:p14="http://schemas.microsoft.com/office/powerpoint/2010/main" val="533209247"/>
       </p:ext>
     </p:extLst>
   </p:cSld>
@@ -1003,7 +1002,7 @@
     </p:spTree>
     <p:extLst>
       <p:ext uri="{BB962C8B-B14F-4D97-AF65-F5344CB8AC3E}">
-        <p14:creationId xmlns:p14="http://schemas.microsoft.com/office/powerpoint/2010/main" val="1549380938"/>
+        <p14:creationId xmlns:p14="http://schemas.microsoft.com/office/powerpoint/2010/main" val="2959679728"/>
       </p:ext>
     </p:extLst>
   </p:cSld>
@@ -1058,9 +1057,10 @@
           <a:lstStyle/>
           <a:p>
             <a:r>
-              <a:rPr lang="en-PH" dirty="0"/>
-              <a:t>Maj</a:t>
-            </a:r>
+              <a:rPr lang="en-PH" dirty="0" err="1"/>
+              <a:t>Mikha</a:t>
+            </a:r>
+            <a:endParaRPr lang="en-PH" dirty="0"/>
           </a:p>
         </p:txBody>
       </p:sp>
@@ -1090,7 +1090,7 @@
     </p:spTree>
     <p:extLst>
       <p:ext uri="{BB962C8B-B14F-4D97-AF65-F5344CB8AC3E}">
-        <p14:creationId xmlns:p14="http://schemas.microsoft.com/office/powerpoint/2010/main" val="668485282"/>
+        <p14:creationId xmlns:p14="http://schemas.microsoft.com/office/powerpoint/2010/main" val="3750333623"/>
       </p:ext>
     </p:extLst>
   </p:cSld>
@@ -1177,7 +1177,7 @@
     </p:spTree>
     <p:extLst>
       <p:ext uri="{BB962C8B-B14F-4D97-AF65-F5344CB8AC3E}">
-        <p14:creationId xmlns:p14="http://schemas.microsoft.com/office/powerpoint/2010/main" val="132444961"/>
+        <p14:creationId xmlns:p14="http://schemas.microsoft.com/office/powerpoint/2010/main" val="1549380938"/>
       </p:ext>
     </p:extLst>
   </p:cSld>
@@ -1264,7 +1264,7 @@
     </p:spTree>
     <p:extLst>
       <p:ext uri="{BB962C8B-B14F-4D97-AF65-F5344CB8AC3E}">
-        <p14:creationId xmlns:p14="http://schemas.microsoft.com/office/powerpoint/2010/main" val="3605014372"/>
+        <p14:creationId xmlns:p14="http://schemas.microsoft.com/office/powerpoint/2010/main" val="668485282"/>
       </p:ext>
     </p:extLst>
   </p:cSld>
@@ -1351,7 +1351,7 @@
     </p:spTree>
     <p:extLst>
       <p:ext uri="{BB962C8B-B14F-4D97-AF65-F5344CB8AC3E}">
-        <p14:creationId xmlns:p14="http://schemas.microsoft.com/office/powerpoint/2010/main" val="4280139934"/>
+        <p14:creationId xmlns:p14="http://schemas.microsoft.com/office/powerpoint/2010/main" val="132444961"/>
       </p:ext>
     </p:extLst>
   </p:cSld>
@@ -1438,7 +1438,7 @@
     </p:spTree>
     <p:extLst>
       <p:ext uri="{BB962C8B-B14F-4D97-AF65-F5344CB8AC3E}">
-        <p14:creationId xmlns:p14="http://schemas.microsoft.com/office/powerpoint/2010/main" val="178890007"/>
+        <p14:creationId xmlns:p14="http://schemas.microsoft.com/office/powerpoint/2010/main" val="3605014372"/>
       </p:ext>
     </p:extLst>
   </p:cSld>
@@ -1493,10 +1493,9 @@
           <a:lstStyle/>
           <a:p>
             <a:r>
-              <a:rPr lang="en-PH" dirty="0" err="1"/>
-              <a:t>Mikha</a:t>
-            </a:r>
-            <a:endParaRPr lang="en-PH" dirty="0"/>
+              <a:rPr lang="en-PH" dirty="0"/>
+              <a:t>Joanna</a:t>
+            </a:r>
           </a:p>
         </p:txBody>
       </p:sp>
@@ -1526,7 +1525,7 @@
     </p:spTree>
     <p:extLst>
       <p:ext uri="{BB962C8B-B14F-4D97-AF65-F5344CB8AC3E}">
-        <p14:creationId xmlns:p14="http://schemas.microsoft.com/office/powerpoint/2010/main" val="2048470819"/>
+        <p14:creationId xmlns:p14="http://schemas.microsoft.com/office/powerpoint/2010/main" val="3831648606"/>
       </p:ext>
     </p:extLst>
   </p:cSld>
@@ -1613,7 +1612,7 @@
     </p:spTree>
     <p:extLst>
       <p:ext uri="{BB962C8B-B14F-4D97-AF65-F5344CB8AC3E}">
-        <p14:creationId xmlns:p14="http://schemas.microsoft.com/office/powerpoint/2010/main" val="3497327733"/>
+        <p14:creationId xmlns:p14="http://schemas.microsoft.com/office/powerpoint/2010/main" val="4280139934"/>
       </p:ext>
     </p:extLst>
   </p:cSld>
@@ -1700,7 +1699,7 @@
     </p:spTree>
     <p:extLst>
       <p:ext uri="{BB962C8B-B14F-4D97-AF65-F5344CB8AC3E}">
-        <p14:creationId xmlns:p14="http://schemas.microsoft.com/office/powerpoint/2010/main" val="3467453778"/>
+        <p14:creationId xmlns:p14="http://schemas.microsoft.com/office/powerpoint/2010/main" val="178890007"/>
       </p:ext>
     </p:extLst>
   </p:cSld>
@@ -1843,7 +1842,7 @@
           <a:p>
             <a:r>
               <a:rPr lang="en-PH" dirty="0"/>
-              <a:t>Maj</a:t>
+              <a:t>Joanna</a:t>
             </a:r>
           </a:p>
         </p:txBody>
@@ -1874,7 +1873,7 @@
     </p:spTree>
     <p:extLst>
       <p:ext uri="{BB962C8B-B14F-4D97-AF65-F5344CB8AC3E}">
-        <p14:creationId xmlns:p14="http://schemas.microsoft.com/office/powerpoint/2010/main" val="4143472024"/>
+        <p14:creationId xmlns:p14="http://schemas.microsoft.com/office/powerpoint/2010/main" val="1343645120"/>
       </p:ext>
     </p:extLst>
   </p:cSld>
@@ -1929,9 +1928,10 @@
           <a:lstStyle/>
           <a:p>
             <a:r>
-              <a:rPr lang="en-PH" dirty="0"/>
-              <a:t>Maj</a:t>
-            </a:r>
+              <a:rPr lang="en-PH" dirty="0" err="1"/>
+              <a:t>Mikha</a:t>
+            </a:r>
+            <a:endParaRPr lang="en-PH" dirty="0"/>
           </a:p>
         </p:txBody>
       </p:sp>
@@ -1961,7 +1961,7 @@
     </p:spTree>
     <p:extLst>
       <p:ext uri="{BB962C8B-B14F-4D97-AF65-F5344CB8AC3E}">
-        <p14:creationId xmlns:p14="http://schemas.microsoft.com/office/powerpoint/2010/main" val="1704061640"/>
+        <p14:creationId xmlns:p14="http://schemas.microsoft.com/office/powerpoint/2010/main" val="2048470819"/>
       </p:ext>
     </p:extLst>
   </p:cSld>
@@ -2016,10 +2016,9 @@
           <a:lstStyle/>
           <a:p>
             <a:r>
-              <a:rPr lang="en-PH" dirty="0" err="1"/>
-              <a:t>Mikha</a:t>
-            </a:r>
-            <a:endParaRPr lang="en-PH" dirty="0"/>
+              <a:rPr lang="en-PH" dirty="0"/>
+              <a:t>Maj</a:t>
+            </a:r>
           </a:p>
         </p:txBody>
       </p:sp>
@@ -2049,7 +2048,7 @@
     </p:spTree>
     <p:extLst>
       <p:ext uri="{BB962C8B-B14F-4D97-AF65-F5344CB8AC3E}">
-        <p14:creationId xmlns:p14="http://schemas.microsoft.com/office/powerpoint/2010/main" val="2115264609"/>
+        <p14:creationId xmlns:p14="http://schemas.microsoft.com/office/powerpoint/2010/main" val="4143472024"/>
       </p:ext>
     </p:extLst>
   </p:cSld>
@@ -2105,7 +2104,7 @@
           <a:p>
             <a:r>
               <a:rPr lang="en-PH" dirty="0"/>
-              <a:t>Joanna</a:t>
+              <a:t>Maj</a:t>
             </a:r>
           </a:p>
         </p:txBody>
@@ -2136,7 +2135,7 @@
     </p:spTree>
     <p:extLst>
       <p:ext uri="{BB962C8B-B14F-4D97-AF65-F5344CB8AC3E}">
-        <p14:creationId xmlns:p14="http://schemas.microsoft.com/office/powerpoint/2010/main" val="4096915334"/>
+        <p14:creationId xmlns:p14="http://schemas.microsoft.com/office/powerpoint/2010/main" val="1704061640"/>
       </p:ext>
     </p:extLst>
   </p:cSld>
@@ -2224,7 +2223,7 @@
     </p:spTree>
     <p:extLst>
       <p:ext uri="{BB962C8B-B14F-4D97-AF65-F5344CB8AC3E}">
-        <p14:creationId xmlns:p14="http://schemas.microsoft.com/office/powerpoint/2010/main" val="1147813241"/>
+        <p14:creationId xmlns:p14="http://schemas.microsoft.com/office/powerpoint/2010/main" val="2115264609"/>
       </p:ext>
     </p:extLst>
   </p:cSld>
@@ -2280,7 +2279,7 @@
           <a:p>
             <a:r>
               <a:rPr lang="en-PH" dirty="0"/>
-              <a:t>Maj</a:t>
+              <a:t>Joanna</a:t>
             </a:r>
           </a:p>
         </p:txBody>
@@ -2311,7 +2310,7 @@
     </p:spTree>
     <p:extLst>
       <p:ext uri="{BB962C8B-B14F-4D97-AF65-F5344CB8AC3E}">
-        <p14:creationId xmlns:p14="http://schemas.microsoft.com/office/powerpoint/2010/main" val="4142822703"/>
+        <p14:creationId xmlns:p14="http://schemas.microsoft.com/office/powerpoint/2010/main" val="4096915334"/>
       </p:ext>
     </p:extLst>
   </p:cSld>
@@ -2366,9 +2365,10 @@
           <a:lstStyle/>
           <a:p>
             <a:r>
-              <a:rPr lang="en-PH" dirty="0"/>
-              <a:t>Maj</a:t>
-            </a:r>
+              <a:rPr lang="en-PH" dirty="0" err="1"/>
+              <a:t>Mikha</a:t>
+            </a:r>
+            <a:endParaRPr lang="en-PH" dirty="0"/>
           </a:p>
         </p:txBody>
       </p:sp>
@@ -2398,7 +2398,7 @@
     </p:spTree>
     <p:extLst>
       <p:ext uri="{BB962C8B-B14F-4D97-AF65-F5344CB8AC3E}">
-        <p14:creationId xmlns:p14="http://schemas.microsoft.com/office/powerpoint/2010/main" val="3238782515"/>
+        <p14:creationId xmlns:p14="http://schemas.microsoft.com/office/powerpoint/2010/main" val="1147813241"/>
       </p:ext>
     </p:extLst>
   </p:cSld>
@@ -2539,7 +2539,7 @@
           <a:p>
             <a:fld id="{F07C20CE-7E6E-46AA-9B32-76D88BCAE5C9}" type="datetimeFigureOut">
               <a:rPr lang="en-PH" smtClean="0"/>
-              <a:t>01/09/2016</a:t>
+              <a:t>02/09/2016</a:t>
             </a:fld>
             <a:endParaRPr lang="en-PH"/>
           </a:p>
@@ -2709,7 +2709,7 @@
           <a:p>
             <a:fld id="{F07C20CE-7E6E-46AA-9B32-76D88BCAE5C9}" type="datetimeFigureOut">
               <a:rPr lang="en-PH" smtClean="0"/>
-              <a:t>01/09/2016</a:t>
+              <a:t>02/09/2016</a:t>
             </a:fld>
             <a:endParaRPr lang="en-PH"/>
           </a:p>
@@ -2889,7 +2889,7 @@
           <a:p>
             <a:fld id="{F07C20CE-7E6E-46AA-9B32-76D88BCAE5C9}" type="datetimeFigureOut">
               <a:rPr lang="en-PH" smtClean="0"/>
-              <a:t>01/09/2016</a:t>
+              <a:t>02/09/2016</a:t>
             </a:fld>
             <a:endParaRPr lang="en-PH"/>
           </a:p>
@@ -3059,7 +3059,7 @@
           <a:p>
             <a:fld id="{F07C20CE-7E6E-46AA-9B32-76D88BCAE5C9}" type="datetimeFigureOut">
               <a:rPr lang="en-PH" smtClean="0"/>
-              <a:t>01/09/2016</a:t>
+              <a:t>02/09/2016</a:t>
             </a:fld>
             <a:endParaRPr lang="en-PH"/>
           </a:p>
@@ -3305,7 +3305,7 @@
           <a:p>
             <a:fld id="{F07C20CE-7E6E-46AA-9B32-76D88BCAE5C9}" type="datetimeFigureOut">
               <a:rPr lang="en-PH" smtClean="0"/>
-              <a:t>01/09/2016</a:t>
+              <a:t>02/09/2016</a:t>
             </a:fld>
             <a:endParaRPr lang="en-PH"/>
           </a:p>
@@ -3537,7 +3537,7 @@
           <a:p>
             <a:fld id="{F07C20CE-7E6E-46AA-9B32-76D88BCAE5C9}" type="datetimeFigureOut">
               <a:rPr lang="en-PH" smtClean="0"/>
-              <a:t>01/09/2016</a:t>
+              <a:t>02/09/2016</a:t>
             </a:fld>
             <a:endParaRPr lang="en-PH"/>
           </a:p>
@@ -3904,7 +3904,7 @@
           <a:p>
             <a:fld id="{F07C20CE-7E6E-46AA-9B32-76D88BCAE5C9}" type="datetimeFigureOut">
               <a:rPr lang="en-PH" smtClean="0"/>
-              <a:t>01/09/2016</a:t>
+              <a:t>02/09/2016</a:t>
             </a:fld>
             <a:endParaRPr lang="en-PH"/>
           </a:p>
@@ -4022,7 +4022,7 @@
           <a:p>
             <a:fld id="{F07C20CE-7E6E-46AA-9B32-76D88BCAE5C9}" type="datetimeFigureOut">
               <a:rPr lang="en-PH" smtClean="0"/>
-              <a:t>01/09/2016</a:t>
+              <a:t>02/09/2016</a:t>
             </a:fld>
             <a:endParaRPr lang="en-PH"/>
           </a:p>
@@ -4117,7 +4117,7 @@
           <a:p>
             <a:fld id="{F07C20CE-7E6E-46AA-9B32-76D88BCAE5C9}" type="datetimeFigureOut">
               <a:rPr lang="en-PH" smtClean="0"/>
-              <a:t>01/09/2016</a:t>
+              <a:t>02/09/2016</a:t>
             </a:fld>
             <a:endParaRPr lang="en-PH"/>
           </a:p>
@@ -4394,7 +4394,7 @@
           <a:p>
             <a:fld id="{F07C20CE-7E6E-46AA-9B32-76D88BCAE5C9}" type="datetimeFigureOut">
               <a:rPr lang="en-PH" smtClean="0"/>
-              <a:t>01/09/2016</a:t>
+              <a:t>02/09/2016</a:t>
             </a:fld>
             <a:endParaRPr lang="en-PH"/>
           </a:p>
@@ -4647,7 +4647,7 @@
           <a:p>
             <a:fld id="{F07C20CE-7E6E-46AA-9B32-76D88BCAE5C9}" type="datetimeFigureOut">
               <a:rPr lang="en-PH" smtClean="0"/>
-              <a:t>01/09/2016</a:t>
+              <a:t>02/09/2016</a:t>
             </a:fld>
             <a:endParaRPr lang="en-PH"/>
           </a:p>
@@ -4860,7 +4860,7 @@
           <a:p>
             <a:fld id="{F07C20CE-7E6E-46AA-9B32-76D88BCAE5C9}" type="datetimeFigureOut">
               <a:rPr lang="en-PH" smtClean="0"/>
-              <a:t>01/09/2016</a:t>
+              <a:t>02/09/2016</a:t>
             </a:fld>
             <a:endParaRPr lang="en-PH"/>
           </a:p>
@@ -5439,52 +5439,8 @@
           <a:p>
             <a:r>
               <a:rPr lang="en-PH" dirty="0"/>
-              <a:t>Theoretical Background</a:t>
-            </a:r>
-          </a:p>
-        </p:txBody>
-      </p:sp>
-      <p:sp>
-        <p:nvSpPr>
-          <p:cNvPr id="3" name="Content Placeholder 2"/>
-          <p:cNvSpPr>
-            <a:spLocks noGrp="1"/>
-          </p:cNvSpPr>
-          <p:nvPr>
-            <p:ph idx="1"/>
-          </p:nvPr>
-        </p:nvSpPr>
-        <p:spPr>
-          <a:xfrm>
-            <a:off x="838200" y="1835125"/>
-            <a:ext cx="9896061" cy="4679467"/>
-          </a:xfrm>
-        </p:spPr>
-        <p:txBody>
-          <a:bodyPr>
-            <a:normAutofit/>
-          </a:bodyPr>
-          <a:lstStyle/>
-          <a:p>
-            <a:r>
-              <a:rPr lang="en-PH" b="1" dirty="0"/>
-              <a:t>What is a hash code?</a:t>
-            </a:r>
-          </a:p>
-          <a:p>
-            <a:r>
-              <a:rPr lang="en-PH" dirty="0"/>
-              <a:t>A hash code is a value – a combination of letters and numbers – generated by a function for an electronic document, data file, or program.</a:t>
-            </a:r>
-          </a:p>
-          <a:p>
-            <a:r>
-              <a:rPr lang="en-PH" dirty="0"/>
-              <a:t>It serves as a digital fingerprint, meaning it is unique for every file, and is “a security measure used to ensure that the integrity of an electronic document, data file, or a program has not been compromised,” the National Citizens' Movement for Free Elections (NAMFREL) explained in a news release on Thursday (May 12).</a:t>
-            </a:r>
-          </a:p>
-          <a:p>
-            <a:endParaRPr lang="en-PH" dirty="0"/>
+              <a:t>Related Literature</a:t>
+            </a:r>
           </a:p>
         </p:txBody>
       </p:sp>
@@ -5510,7 +5466,7 @@
         </p:blipFill>
         <p:spPr>
           <a:xfrm>
-            <a:off x="10595595" y="4723195"/>
+            <a:off x="10343804" y="4696690"/>
             <a:ext cx="2435221" cy="2435221"/>
           </a:xfrm>
           <a:prstGeom prst="rect">
@@ -5540,7 +5496,7 @@
         </p:blipFill>
         <p:spPr>
           <a:xfrm>
-            <a:off x="10734261" y="3561822"/>
+            <a:off x="9882312" y="4197927"/>
             <a:ext cx="1391006" cy="1391006"/>
           </a:xfrm>
           <a:prstGeom prst="rect">
@@ -5548,10 +5504,43 @@
           </a:prstGeom>
         </p:spPr>
       </p:pic>
+      <p:sp>
+        <p:nvSpPr>
+          <p:cNvPr id="3" name="Content Placeholder 2"/>
+          <p:cNvSpPr>
+            <a:spLocks noGrp="1"/>
+          </p:cNvSpPr>
+          <p:nvPr>
+            <p:ph idx="1"/>
+          </p:nvPr>
+        </p:nvSpPr>
+        <p:spPr>
+          <a:xfrm>
+            <a:off x="838200" y="1825625"/>
+            <a:ext cx="8862391" cy="4351338"/>
+          </a:xfrm>
+        </p:spPr>
+        <p:txBody>
+          <a:bodyPr/>
+          <a:lstStyle/>
+          <a:p>
+            <a:r>
+              <a:rPr lang="en-PH" dirty="0"/>
+              <a:t>The primary application of hash functions in cryptography is message integrity. </a:t>
+            </a:r>
+          </a:p>
+          <a:p>
+            <a:r>
+              <a:rPr lang="en-PH" dirty="0"/>
+              <a:t>The hash value provides a digital fingerprint of a message's contents, which ensures that the message has not been altered by an intruder, virus, or by other means. </a:t>
+            </a:r>
+          </a:p>
+        </p:txBody>
+      </p:sp>
     </p:spTree>
     <p:extLst>
       <p:ext uri="{BB962C8B-B14F-4D97-AF65-F5344CB8AC3E}">
-        <p14:creationId xmlns:p14="http://schemas.microsoft.com/office/powerpoint/2010/main" val="597051216"/>
+        <p14:creationId xmlns:p14="http://schemas.microsoft.com/office/powerpoint/2010/main" val="284703695"/>
       </p:ext>
     </p:extLst>
   </p:cSld>
@@ -5595,7 +5584,7 @@
           <a:p>
             <a:r>
               <a:rPr lang="en-PH" dirty="0"/>
-              <a:t>Theoretical Background</a:t>
+              <a:t>Related Study</a:t>
             </a:r>
           </a:p>
         </p:txBody>
@@ -5670,6 +5659,365 @@
             <p:ph idx="1"/>
           </p:nvPr>
         </p:nvSpPr>
+        <p:spPr/>
+        <p:txBody>
+          <a:bodyPr/>
+          <a:lstStyle/>
+          <a:p>
+            <a:endParaRPr lang="en-PH" dirty="0"/>
+          </a:p>
+          <a:p>
+            <a:endParaRPr lang="en-PH" dirty="0"/>
+          </a:p>
+        </p:txBody>
+      </p:sp>
+      <p:sp>
+        <p:nvSpPr>
+          <p:cNvPr id="8" name="Rectangle 7"/>
+          <p:cNvSpPr/>
+          <p:nvPr/>
+        </p:nvSpPr>
+        <p:spPr>
+          <a:xfrm>
+            <a:off x="353291" y="1720840"/>
+            <a:ext cx="9990513" cy="3539430"/>
+          </a:xfrm>
+          <a:prstGeom prst="rect">
+            <a:avLst/>
+          </a:prstGeom>
+        </p:spPr>
+        <p:txBody>
+          <a:bodyPr wrap="square">
+            <a:spAutoFit/>
+          </a:bodyPr>
+          <a:lstStyle/>
+          <a:p>
+            <a:pPr marL="914400" lvl="1" indent="-457200">
+              <a:buFont typeface="Arial" panose="020B0604020202020204" pitchFamily="34" charset="0"/>
+              <a:buChar char="•"/>
+            </a:pPr>
+            <a:r>
+              <a:rPr lang="en-PH" sz="2800" dirty="0"/>
+              <a:t>Experimental Design of Worldwide Internet Voting System using PKI</a:t>
+            </a:r>
+          </a:p>
+          <a:p>
+            <a:pPr marL="1371600" lvl="2" indent="-457200">
+              <a:buFont typeface="Arial" panose="020B0604020202020204" pitchFamily="34" charset="0"/>
+              <a:buChar char="•"/>
+            </a:pPr>
+            <a:r>
+              <a:rPr lang="en-PH" sz="2800" dirty="0"/>
+              <a:t>Voter’s privacy was guaranteed by using blind signature.</a:t>
+            </a:r>
+          </a:p>
+          <a:p>
+            <a:pPr marL="1371600" lvl="2" indent="-457200">
+              <a:buFont typeface="Arial" panose="020B0604020202020204" pitchFamily="34" charset="0"/>
+              <a:buChar char="•"/>
+            </a:pPr>
+            <a:r>
+              <a:rPr lang="en-PH" sz="2800" dirty="0"/>
+              <a:t>PKI allowed worldwide key distribution and “one certificate-one vote” policy.</a:t>
+            </a:r>
+          </a:p>
+          <a:p>
+            <a:pPr marL="1371600" lvl="2" indent="-457200">
+              <a:buFont typeface="Arial" panose="020B0604020202020204" pitchFamily="34" charset="0"/>
+              <a:buChar char="•"/>
+            </a:pPr>
+            <a:r>
+              <a:rPr lang="en-PH" sz="2800" dirty="0"/>
+              <a:t>Anyone can participate as long as certificate was given Certificate Authority (CA).</a:t>
+            </a:r>
+          </a:p>
+          <a:p>
+            <a:pPr marL="1371600" lvl="2" indent="-457200">
+              <a:buFont typeface="Arial" panose="020B0604020202020204" pitchFamily="34" charset="0"/>
+              <a:buChar char="•"/>
+            </a:pPr>
+            <a:endParaRPr lang="en-PH" sz="2800" dirty="0"/>
+          </a:p>
+        </p:txBody>
+      </p:sp>
+    </p:spTree>
+    <p:extLst>
+      <p:ext uri="{BB962C8B-B14F-4D97-AF65-F5344CB8AC3E}">
+        <p14:creationId xmlns:p14="http://schemas.microsoft.com/office/powerpoint/2010/main" val="979530947"/>
+      </p:ext>
+    </p:extLst>
+  </p:cSld>
+  <p:clrMapOvr>
+    <a:masterClrMapping/>
+  </p:clrMapOvr>
+</p:sld>
+</file>
+
+<file path=ppt/slides/slide12.xml><?xml version="1.0" encoding="utf-8"?>
+<p:sld xmlns:a="http://schemas.openxmlformats.org/drawingml/2006/main" xmlns:r="http://schemas.openxmlformats.org/officeDocument/2006/relationships" xmlns:p="http://schemas.openxmlformats.org/presentationml/2006/main">
+  <p:cSld>
+    <p:spTree>
+      <p:nvGrpSpPr>
+        <p:cNvPr id="1" name=""/>
+        <p:cNvGrpSpPr/>
+        <p:nvPr/>
+      </p:nvGrpSpPr>
+      <p:grpSpPr>
+        <a:xfrm>
+          <a:off x="0" y="0"/>
+          <a:ext cx="0" cy="0"/>
+          <a:chOff x="0" y="0"/>
+          <a:chExt cx="0" cy="0"/>
+        </a:xfrm>
+      </p:grpSpPr>
+      <p:sp>
+        <p:nvSpPr>
+          <p:cNvPr id="2" name="Title 1"/>
+          <p:cNvSpPr>
+            <a:spLocks noGrp="1"/>
+          </p:cNvSpPr>
+          <p:nvPr>
+            <p:ph type="title"/>
+          </p:nvPr>
+        </p:nvSpPr>
+        <p:spPr/>
+        <p:txBody>
+          <a:bodyPr/>
+          <a:lstStyle/>
+          <a:p>
+            <a:r>
+              <a:rPr lang="en-PH" dirty="0"/>
+              <a:t>Theoretical Background</a:t>
+            </a:r>
+          </a:p>
+        </p:txBody>
+      </p:sp>
+      <p:sp>
+        <p:nvSpPr>
+          <p:cNvPr id="3" name="Content Placeholder 2"/>
+          <p:cNvSpPr>
+            <a:spLocks noGrp="1"/>
+          </p:cNvSpPr>
+          <p:nvPr>
+            <p:ph idx="1"/>
+          </p:nvPr>
+        </p:nvSpPr>
+        <p:spPr>
+          <a:xfrm>
+            <a:off x="838200" y="1835125"/>
+            <a:ext cx="9896061" cy="4679467"/>
+          </a:xfrm>
+        </p:spPr>
+        <p:txBody>
+          <a:bodyPr>
+            <a:normAutofit/>
+          </a:bodyPr>
+          <a:lstStyle/>
+          <a:p>
+            <a:r>
+              <a:rPr lang="en-PH" b="1" dirty="0"/>
+              <a:t>What is a hash code?</a:t>
+            </a:r>
+          </a:p>
+          <a:p>
+            <a:r>
+              <a:rPr lang="en-PH" dirty="0"/>
+              <a:t>A hash code is a value – a combination of letters and numbers – generated by a function for an electronic document, data file, or program.</a:t>
+            </a:r>
+          </a:p>
+          <a:p>
+            <a:r>
+              <a:rPr lang="en-PH" dirty="0"/>
+              <a:t>It serves as a digital fingerprint, meaning it is unique for every file, and is “a security measure used to ensure that the integrity of an electronic document, data file, or a program has not been compromised,” the National Citizens' Movement for Free Elections (NAMFREL) explained in a news release on Thursday (May 12).</a:t>
+            </a:r>
+          </a:p>
+          <a:p>
+            <a:endParaRPr lang="en-PH" dirty="0"/>
+          </a:p>
+        </p:txBody>
+      </p:sp>
+      <p:pic>
+        <p:nvPicPr>
+          <p:cNvPr id="4" name="Picture 3"/>
+          <p:cNvPicPr>
+            <a:picLocks noChangeAspect="1"/>
+          </p:cNvPicPr>
+          <p:nvPr/>
+        </p:nvPicPr>
+        <p:blipFill>
+          <a:blip r:embed="rId3">
+            <a:extLst>
+              <a:ext uri="{28A0092B-C50C-407E-A947-70E740481C1C}">
+                <a14:useLocalDpi xmlns:a14="http://schemas.microsoft.com/office/drawing/2010/main" val="0"/>
+              </a:ext>
+            </a:extLst>
+          </a:blip>
+          <a:stretch>
+            <a:fillRect/>
+          </a:stretch>
+        </p:blipFill>
+        <p:spPr>
+          <a:xfrm>
+            <a:off x="10595595" y="4723195"/>
+            <a:ext cx="2435221" cy="2435221"/>
+          </a:xfrm>
+          <a:prstGeom prst="rect">
+            <a:avLst/>
+          </a:prstGeom>
+        </p:spPr>
+      </p:pic>
+      <p:pic>
+        <p:nvPicPr>
+          <p:cNvPr id="5" name="Picture 4"/>
+          <p:cNvPicPr>
+            <a:picLocks noChangeAspect="1"/>
+          </p:cNvPicPr>
+          <p:nvPr/>
+        </p:nvPicPr>
+        <p:blipFill>
+          <a:blip r:embed="rId4" cstate="hqprint">
+            <a:extLst>
+              <a:ext uri="{28A0092B-C50C-407E-A947-70E740481C1C}">
+                <a14:useLocalDpi xmlns:a14="http://schemas.microsoft.com/office/drawing/2010/main" val="0"/>
+              </a:ext>
+            </a:extLst>
+          </a:blip>
+          <a:stretch>
+            <a:fillRect/>
+          </a:stretch>
+        </p:blipFill>
+        <p:spPr>
+          <a:xfrm>
+            <a:off x="10734261" y="3561822"/>
+            <a:ext cx="1391006" cy="1391006"/>
+          </a:xfrm>
+          <a:prstGeom prst="rect">
+            <a:avLst/>
+          </a:prstGeom>
+        </p:spPr>
+      </p:pic>
+    </p:spTree>
+    <p:extLst>
+      <p:ext uri="{BB962C8B-B14F-4D97-AF65-F5344CB8AC3E}">
+        <p14:creationId xmlns:p14="http://schemas.microsoft.com/office/powerpoint/2010/main" val="597051216"/>
+      </p:ext>
+    </p:extLst>
+  </p:cSld>
+  <p:clrMapOvr>
+    <a:masterClrMapping/>
+  </p:clrMapOvr>
+</p:sld>
+</file>
+
+<file path=ppt/slides/slide13.xml><?xml version="1.0" encoding="utf-8"?>
+<p:sld xmlns:a="http://schemas.openxmlformats.org/drawingml/2006/main" xmlns:r="http://schemas.openxmlformats.org/officeDocument/2006/relationships" xmlns:p="http://schemas.openxmlformats.org/presentationml/2006/main">
+  <p:cSld>
+    <p:spTree>
+      <p:nvGrpSpPr>
+        <p:cNvPr id="1" name=""/>
+        <p:cNvGrpSpPr/>
+        <p:nvPr/>
+      </p:nvGrpSpPr>
+      <p:grpSpPr>
+        <a:xfrm>
+          <a:off x="0" y="0"/>
+          <a:ext cx="0" cy="0"/>
+          <a:chOff x="0" y="0"/>
+          <a:chExt cx="0" cy="0"/>
+        </a:xfrm>
+      </p:grpSpPr>
+      <p:sp>
+        <p:nvSpPr>
+          <p:cNvPr id="2" name="Title 1"/>
+          <p:cNvSpPr>
+            <a:spLocks noGrp="1"/>
+          </p:cNvSpPr>
+          <p:nvPr>
+            <p:ph type="title"/>
+          </p:nvPr>
+        </p:nvSpPr>
+        <p:spPr/>
+        <p:txBody>
+          <a:bodyPr/>
+          <a:lstStyle/>
+          <a:p>
+            <a:r>
+              <a:rPr lang="en-PH" dirty="0"/>
+              <a:t>Theoretical Background</a:t>
+            </a:r>
+          </a:p>
+        </p:txBody>
+      </p:sp>
+      <p:pic>
+        <p:nvPicPr>
+          <p:cNvPr id="4" name="Picture 3"/>
+          <p:cNvPicPr>
+            <a:picLocks noChangeAspect="1"/>
+          </p:cNvPicPr>
+          <p:nvPr/>
+        </p:nvPicPr>
+        <p:blipFill>
+          <a:blip r:embed="rId3">
+            <a:extLst>
+              <a:ext uri="{28A0092B-C50C-407E-A947-70E740481C1C}">
+                <a14:useLocalDpi xmlns:a14="http://schemas.microsoft.com/office/drawing/2010/main" val="0"/>
+              </a:ext>
+            </a:extLst>
+          </a:blip>
+          <a:stretch>
+            <a:fillRect/>
+          </a:stretch>
+        </p:blipFill>
+        <p:spPr>
+          <a:xfrm>
+            <a:off x="10343804" y="4696690"/>
+            <a:ext cx="2435221" cy="2435221"/>
+          </a:xfrm>
+          <a:prstGeom prst="rect">
+            <a:avLst/>
+          </a:prstGeom>
+        </p:spPr>
+      </p:pic>
+      <p:pic>
+        <p:nvPicPr>
+          <p:cNvPr id="5" name="Picture 4"/>
+          <p:cNvPicPr>
+            <a:picLocks noChangeAspect="1"/>
+          </p:cNvPicPr>
+          <p:nvPr/>
+        </p:nvPicPr>
+        <p:blipFill>
+          <a:blip r:embed="rId4" cstate="hqprint">
+            <a:extLst>
+              <a:ext uri="{28A0092B-C50C-407E-A947-70E740481C1C}">
+                <a14:useLocalDpi xmlns:a14="http://schemas.microsoft.com/office/drawing/2010/main" val="0"/>
+              </a:ext>
+            </a:extLst>
+          </a:blip>
+          <a:stretch>
+            <a:fillRect/>
+          </a:stretch>
+        </p:blipFill>
+        <p:spPr>
+          <a:xfrm>
+            <a:off x="9882312" y="4197927"/>
+            <a:ext cx="1391006" cy="1391006"/>
+          </a:xfrm>
+          <a:prstGeom prst="rect">
+            <a:avLst/>
+          </a:prstGeom>
+        </p:spPr>
+      </p:pic>
+      <p:sp>
+        <p:nvSpPr>
+          <p:cNvPr id="3" name="Content Placeholder 2"/>
+          <p:cNvSpPr>
+            <a:spLocks noGrp="1"/>
+          </p:cNvSpPr>
+          <p:nvPr>
+            <p:ph idx="1"/>
+          </p:nvPr>
+        </p:nvSpPr>
         <p:spPr>
           <a:xfrm>
             <a:off x="838200" y="1825625"/>
@@ -5718,7 +6066,7 @@
 </p:sld>
 </file>
 
-<file path=ppt/slides/slide12.xml><?xml version="1.0" encoding="utf-8"?>
+<file path=ppt/slides/slide14.xml><?xml version="1.0" encoding="utf-8"?>
 <p:sld xmlns:a="http://schemas.openxmlformats.org/drawingml/2006/main" xmlns:r="http://schemas.openxmlformats.org/officeDocument/2006/relationships" xmlns:p="http://schemas.openxmlformats.org/presentationml/2006/main">
   <p:cSld>
     <p:spTree>
@@ -10796,7 +11144,7 @@
 </p:sld>
 </file>
 
-<file path=ppt/slides/slide13.xml><?xml version="1.0" encoding="utf-8"?>
+<file path=ppt/slides/slide15.xml><?xml version="1.0" encoding="utf-8"?>
 <p:sld xmlns:a="http://schemas.openxmlformats.org/drawingml/2006/main" xmlns:r="http://schemas.openxmlformats.org/officeDocument/2006/relationships" xmlns:p="http://schemas.openxmlformats.org/presentationml/2006/main">
   <p:cSld>
     <p:spTree>
@@ -11497,7 +11845,7 @@
 </p:sld>
 </file>
 
-<file path=ppt/slides/slide14.xml><?xml version="1.0" encoding="utf-8"?>
+<file path=ppt/slides/slide16.xml><?xml version="1.0" encoding="utf-8"?>
 <p:sld xmlns:a="http://schemas.openxmlformats.org/drawingml/2006/main" xmlns:r="http://schemas.openxmlformats.org/officeDocument/2006/relationships" xmlns:p="http://schemas.openxmlformats.org/presentationml/2006/main">
   <p:cSld>
     <p:spTree>
@@ -11647,8 +11995,8 @@
 </p:sld>
 </file>
 
-<file path=ppt/slides/slide15.xml><?xml version="1.0" encoding="utf-8"?>
-<p:sld xmlns:a="http://schemas.openxmlformats.org/drawingml/2006/main" xmlns:r="http://schemas.openxmlformats.org/officeDocument/2006/relationships" xmlns:p="http://schemas.openxmlformats.org/presentationml/2006/main">
+<file path=ppt/slides/slide17.xml><?xml version="1.0" encoding="utf-8"?>
+<p:sld xmlns:a="http://schemas.openxmlformats.org/drawingml/2006/main" xmlns:r="http://schemas.openxmlformats.org/officeDocument/2006/relationships" xmlns:p="http://schemas.openxmlformats.org/presentationml/2006/main" show="0">
   <p:cSld>
     <p:spTree>
       <p:nvGrpSpPr>
@@ -12753,7 +13101,7 @@
 </p:sld>
 </file>
 
-<file path=ppt/slides/slide16.xml><?xml version="1.0" encoding="utf-8"?>
+<file path=ppt/slides/slide18.xml><?xml version="1.0" encoding="utf-8"?>
 <p:sld xmlns:a="http://schemas.openxmlformats.org/drawingml/2006/main" xmlns:r="http://schemas.openxmlformats.org/officeDocument/2006/relationships" xmlns:p="http://schemas.openxmlformats.org/presentationml/2006/main">
   <p:cSld>
     <p:spTree>
@@ -13395,1335 +13743,6 @@
     <p:extLst>
       <p:ext uri="{BB962C8B-B14F-4D97-AF65-F5344CB8AC3E}">
         <p14:creationId xmlns:p14="http://schemas.microsoft.com/office/powerpoint/2010/main" val="3102187417"/>
-      </p:ext>
-    </p:extLst>
-  </p:cSld>
-  <p:clrMapOvr>
-    <a:masterClrMapping/>
-  </p:clrMapOvr>
-</p:sld>
-</file>
-
-<file path=ppt/slides/slide17.xml><?xml version="1.0" encoding="utf-8"?>
-<p:sld xmlns:a="http://schemas.openxmlformats.org/drawingml/2006/main" xmlns:r="http://schemas.openxmlformats.org/officeDocument/2006/relationships" xmlns:p="http://schemas.openxmlformats.org/presentationml/2006/main">
-  <p:cSld>
-    <p:spTree>
-      <p:nvGrpSpPr>
-        <p:cNvPr id="1" name=""/>
-        <p:cNvGrpSpPr/>
-        <p:nvPr/>
-      </p:nvGrpSpPr>
-      <p:grpSpPr>
-        <a:xfrm>
-          <a:off x="0" y="0"/>
-          <a:ext cx="0" cy="0"/>
-          <a:chOff x="0" y="0"/>
-          <a:chExt cx="0" cy="0"/>
-        </a:xfrm>
-      </p:grpSpPr>
-      <p:sp>
-        <p:nvSpPr>
-          <p:cNvPr id="2" name="Title 1"/>
-          <p:cNvSpPr>
-            <a:spLocks noGrp="1"/>
-          </p:cNvSpPr>
-          <p:nvPr>
-            <p:ph type="title"/>
-          </p:nvPr>
-        </p:nvSpPr>
-        <p:spPr/>
-        <p:txBody>
-          <a:bodyPr/>
-          <a:lstStyle/>
-          <a:p>
-            <a:r>
-              <a:rPr lang="en-PH" dirty="0"/>
-              <a:t>Proposed System</a:t>
-            </a:r>
-          </a:p>
-        </p:txBody>
-      </p:sp>
-      <p:pic>
-        <p:nvPicPr>
-          <p:cNvPr id="4" name="Picture 3"/>
-          <p:cNvPicPr>
-            <a:picLocks noChangeAspect="1"/>
-          </p:cNvPicPr>
-          <p:nvPr/>
-        </p:nvPicPr>
-        <p:blipFill>
-          <a:blip r:embed="rId3">
-            <a:extLst>
-              <a:ext uri="{28A0092B-C50C-407E-A947-70E740481C1C}">
-                <a14:useLocalDpi xmlns:a14="http://schemas.microsoft.com/office/drawing/2010/main" val="0"/>
-              </a:ext>
-            </a:extLst>
-          </a:blip>
-          <a:stretch>
-            <a:fillRect/>
-          </a:stretch>
-        </p:blipFill>
-        <p:spPr>
-          <a:xfrm>
-            <a:off x="10343804" y="4696690"/>
-            <a:ext cx="2435221" cy="2435221"/>
-          </a:xfrm>
-          <a:prstGeom prst="rect">
-            <a:avLst/>
-          </a:prstGeom>
-        </p:spPr>
-      </p:pic>
-      <p:pic>
-        <p:nvPicPr>
-          <p:cNvPr id="5" name="Picture 4"/>
-          <p:cNvPicPr>
-            <a:picLocks noChangeAspect="1"/>
-          </p:cNvPicPr>
-          <p:nvPr/>
-        </p:nvPicPr>
-        <p:blipFill>
-          <a:blip r:embed="rId4" cstate="hqprint">
-            <a:extLst>
-              <a:ext uri="{28A0092B-C50C-407E-A947-70E740481C1C}">
-                <a14:useLocalDpi xmlns:a14="http://schemas.microsoft.com/office/drawing/2010/main" val="0"/>
-              </a:ext>
-            </a:extLst>
-          </a:blip>
-          <a:stretch>
-            <a:fillRect/>
-          </a:stretch>
-        </p:blipFill>
-        <p:spPr>
-          <a:xfrm>
-            <a:off x="9882312" y="4197927"/>
-            <a:ext cx="1391006" cy="1391006"/>
-          </a:xfrm>
-          <a:prstGeom prst="rect">
-            <a:avLst/>
-          </a:prstGeom>
-        </p:spPr>
-      </p:pic>
-      <p:sp>
-        <p:nvSpPr>
-          <p:cNvPr id="26" name="TextBox 25"/>
-          <p:cNvSpPr txBox="1"/>
-          <p:nvPr/>
-        </p:nvSpPr>
-        <p:spPr>
-          <a:xfrm>
-            <a:off x="4687962" y="5294236"/>
-            <a:ext cx="1539240" cy="369332"/>
-          </a:xfrm>
-          <a:prstGeom prst="rect">
-            <a:avLst/>
-          </a:prstGeom>
-          <a:noFill/>
-        </p:spPr>
-        <p:txBody>
-          <a:bodyPr wrap="square" rtlCol="0">
-            <a:spAutoFit/>
-          </a:bodyPr>
-          <a:lstStyle/>
-          <a:p>
-            <a:pPr algn="ctr"/>
-            <a:r>
-              <a:rPr lang="en-PH" dirty="0"/>
-              <a:t>VCM</a:t>
-            </a:r>
-          </a:p>
-        </p:txBody>
-      </p:sp>
-      <p:sp>
-        <p:nvSpPr>
-          <p:cNvPr id="30" name="TextBox 29"/>
-          <p:cNvSpPr txBox="1"/>
-          <p:nvPr/>
-        </p:nvSpPr>
-        <p:spPr>
-          <a:xfrm>
-            <a:off x="4556165" y="1942509"/>
-            <a:ext cx="1842868" cy="369332"/>
-          </a:xfrm>
-          <a:prstGeom prst="rect">
-            <a:avLst/>
-          </a:prstGeom>
-          <a:noFill/>
-        </p:spPr>
-        <p:txBody>
-          <a:bodyPr wrap="square" rtlCol="0">
-            <a:spAutoFit/>
-          </a:bodyPr>
-          <a:lstStyle/>
-          <a:p>
-            <a:pPr algn="ctr"/>
-            <a:r>
-              <a:rPr lang="en-PH" dirty="0"/>
-              <a:t>Central Server</a:t>
-            </a:r>
-          </a:p>
-        </p:txBody>
-      </p:sp>
-      <p:sp>
-        <p:nvSpPr>
-          <p:cNvPr id="31" name="TextBox 30"/>
-          <p:cNvSpPr txBox="1"/>
-          <p:nvPr/>
-        </p:nvSpPr>
-        <p:spPr>
-          <a:xfrm>
-            <a:off x="6413203" y="1693645"/>
-            <a:ext cx="1842868" cy="646331"/>
-          </a:xfrm>
-          <a:prstGeom prst="rect">
-            <a:avLst/>
-          </a:prstGeom>
-          <a:noFill/>
-        </p:spPr>
-        <p:txBody>
-          <a:bodyPr wrap="square" rtlCol="0">
-            <a:spAutoFit/>
-          </a:bodyPr>
-          <a:lstStyle/>
-          <a:p>
-            <a:pPr algn="ctr"/>
-            <a:r>
-              <a:rPr lang="en-PH" dirty="0"/>
-              <a:t>Transparency Server</a:t>
-            </a:r>
-          </a:p>
-        </p:txBody>
-      </p:sp>
-      <p:sp>
-        <p:nvSpPr>
-          <p:cNvPr id="32" name="TextBox 31"/>
-          <p:cNvSpPr txBox="1"/>
-          <p:nvPr/>
-        </p:nvSpPr>
-        <p:spPr>
-          <a:xfrm>
-            <a:off x="4556165" y="2246366"/>
-            <a:ext cx="1842868" cy="276999"/>
-          </a:xfrm>
-          <a:prstGeom prst="rect">
-            <a:avLst/>
-          </a:prstGeom>
-          <a:noFill/>
-        </p:spPr>
-        <p:txBody>
-          <a:bodyPr wrap="square" rtlCol="0">
-            <a:spAutoFit/>
-          </a:bodyPr>
-          <a:lstStyle/>
-          <a:p>
-            <a:pPr algn="ctr"/>
-            <a:r>
-              <a:rPr lang="en-PH" sz="1200" dirty="0"/>
-              <a:t>Handled by COMELEC</a:t>
-            </a:r>
-          </a:p>
-        </p:txBody>
-      </p:sp>
-      <p:sp>
-        <p:nvSpPr>
-          <p:cNvPr id="33" name="TextBox 32"/>
-          <p:cNvSpPr txBox="1"/>
-          <p:nvPr/>
-        </p:nvSpPr>
-        <p:spPr>
-          <a:xfrm>
-            <a:off x="6413203" y="2246362"/>
-            <a:ext cx="1842868" cy="276999"/>
-          </a:xfrm>
-          <a:prstGeom prst="rect">
-            <a:avLst/>
-          </a:prstGeom>
-          <a:noFill/>
-        </p:spPr>
-        <p:txBody>
-          <a:bodyPr wrap="square" rtlCol="0">
-            <a:spAutoFit/>
-          </a:bodyPr>
-          <a:lstStyle/>
-          <a:p>
-            <a:pPr algn="ctr"/>
-            <a:r>
-              <a:rPr lang="en-PH" sz="1200" dirty="0"/>
-              <a:t>Handled by PPCRV</a:t>
-            </a:r>
-          </a:p>
-        </p:txBody>
-      </p:sp>
-      <p:pic>
-        <p:nvPicPr>
-          <p:cNvPr id="8" name="Picture 7"/>
-          <p:cNvPicPr>
-            <a:picLocks noChangeAspect="1"/>
-          </p:cNvPicPr>
-          <p:nvPr/>
-        </p:nvPicPr>
-        <p:blipFill>
-          <a:blip r:embed="rId5">
-            <a:extLst>
-              <a:ext uri="{28A0092B-C50C-407E-A947-70E740481C1C}">
-                <a14:useLocalDpi xmlns:a14="http://schemas.microsoft.com/office/drawing/2010/main" val="0"/>
-              </a:ext>
-            </a:extLst>
-          </a:blip>
-          <a:stretch>
-            <a:fillRect/>
-          </a:stretch>
-        </p:blipFill>
-        <p:spPr>
-          <a:xfrm>
-            <a:off x="5003281" y="2587876"/>
-            <a:ext cx="948637" cy="948637"/>
-          </a:xfrm>
-          <a:prstGeom prst="rect">
-            <a:avLst/>
-          </a:prstGeom>
-        </p:spPr>
-      </p:pic>
-      <p:pic>
-        <p:nvPicPr>
-          <p:cNvPr id="6" name="Content Placeholder 5"/>
-          <p:cNvPicPr>
-            <a:picLocks noGrp="1" noChangeAspect="1"/>
-          </p:cNvPicPr>
-          <p:nvPr>
-            <p:ph idx="1"/>
-          </p:nvPr>
-        </p:nvPicPr>
-        <p:blipFill>
-          <a:blip r:embed="rId6">
-            <a:extLst>
-              <a:ext uri="{28A0092B-C50C-407E-A947-70E740481C1C}">
-                <a14:useLocalDpi xmlns:a14="http://schemas.microsoft.com/office/drawing/2010/main" val="0"/>
-              </a:ext>
-            </a:extLst>
-          </a:blip>
-          <a:stretch>
-            <a:fillRect/>
-          </a:stretch>
-        </p:blipFill>
-        <p:spPr>
-          <a:xfrm>
-            <a:off x="4846532" y="4214331"/>
-            <a:ext cx="1262135" cy="1262135"/>
-          </a:xfrm>
-        </p:spPr>
-      </p:pic>
-      <p:pic>
-        <p:nvPicPr>
-          <p:cNvPr id="39" name="Picture 38"/>
-          <p:cNvPicPr>
-            <a:picLocks noChangeAspect="1"/>
-          </p:cNvPicPr>
-          <p:nvPr/>
-        </p:nvPicPr>
-        <p:blipFill>
-          <a:blip r:embed="rId5">
-            <a:extLst>
-              <a:ext uri="{28A0092B-C50C-407E-A947-70E740481C1C}">
-                <a14:useLocalDpi xmlns:a14="http://schemas.microsoft.com/office/drawing/2010/main" val="0"/>
-              </a:ext>
-            </a:extLst>
-          </a:blip>
-          <a:stretch>
-            <a:fillRect/>
-          </a:stretch>
-        </p:blipFill>
-        <p:spPr>
-          <a:xfrm>
-            <a:off x="3118108" y="2587875"/>
-            <a:ext cx="948637" cy="948637"/>
-          </a:xfrm>
-          <a:prstGeom prst="rect">
-            <a:avLst/>
-          </a:prstGeom>
-        </p:spPr>
-      </p:pic>
-      <p:pic>
-        <p:nvPicPr>
-          <p:cNvPr id="12" name="Picture 11"/>
-          <p:cNvPicPr>
-            <a:picLocks noChangeAspect="1"/>
-          </p:cNvPicPr>
-          <p:nvPr/>
-        </p:nvPicPr>
-        <p:blipFill>
-          <a:blip r:embed="rId5">
-            <a:extLst>
-              <a:ext uri="{28A0092B-C50C-407E-A947-70E740481C1C}">
-                <a14:useLocalDpi xmlns:a14="http://schemas.microsoft.com/office/drawing/2010/main" val="0"/>
-              </a:ext>
-            </a:extLst>
-          </a:blip>
-          <a:stretch>
-            <a:fillRect/>
-          </a:stretch>
-        </p:blipFill>
-        <p:spPr>
-          <a:xfrm>
-            <a:off x="6860319" y="2587876"/>
-            <a:ext cx="948637" cy="948637"/>
-          </a:xfrm>
-          <a:prstGeom prst="rect">
-            <a:avLst/>
-          </a:prstGeom>
-        </p:spPr>
-      </p:pic>
-      <p:sp>
-        <p:nvSpPr>
-          <p:cNvPr id="37" name="TextBox 36"/>
-          <p:cNvSpPr txBox="1"/>
-          <p:nvPr/>
-        </p:nvSpPr>
-        <p:spPr>
-          <a:xfrm>
-            <a:off x="1969895" y="3948621"/>
-            <a:ext cx="1503997" cy="461665"/>
-          </a:xfrm>
-          <a:prstGeom prst="rect">
-            <a:avLst/>
-          </a:prstGeom>
-          <a:noFill/>
-        </p:spPr>
-        <p:txBody>
-          <a:bodyPr wrap="square" rtlCol="0">
-            <a:spAutoFit/>
-          </a:bodyPr>
-          <a:lstStyle/>
-          <a:p>
-            <a:pPr algn="ctr"/>
-            <a:r>
-              <a:rPr lang="en-PH" sz="1200" dirty="0"/>
-              <a:t>Decrypted data using VCM’s private key </a:t>
-            </a:r>
-          </a:p>
-        </p:txBody>
-      </p:sp>
-      <p:sp>
-        <p:nvSpPr>
-          <p:cNvPr id="27" name="TextBox 26"/>
-          <p:cNvSpPr txBox="1"/>
-          <p:nvPr/>
-        </p:nvSpPr>
-        <p:spPr>
-          <a:xfrm>
-            <a:off x="2670992" y="1848126"/>
-            <a:ext cx="1842868" cy="584775"/>
-          </a:xfrm>
-          <a:prstGeom prst="rect">
-            <a:avLst/>
-          </a:prstGeom>
-          <a:noFill/>
-        </p:spPr>
-        <p:txBody>
-          <a:bodyPr wrap="square" rtlCol="0">
-            <a:spAutoFit/>
-          </a:bodyPr>
-          <a:lstStyle/>
-          <a:p>
-            <a:pPr algn="ctr"/>
-            <a:r>
-              <a:rPr lang="en-PH" sz="1600" dirty="0"/>
-              <a:t>Consolidation and Canvassing Server</a:t>
-            </a:r>
-          </a:p>
-        </p:txBody>
-      </p:sp>
-      <p:cxnSp>
-        <p:nvCxnSpPr>
-          <p:cNvPr id="9" name="Connector: Elbow 8"/>
-          <p:cNvCxnSpPr>
-            <a:stCxn id="6" idx="1"/>
-            <a:endCxn id="39" idx="2"/>
-          </p:cNvCxnSpPr>
-          <p:nvPr/>
-        </p:nvCxnSpPr>
-        <p:spPr>
-          <a:xfrm rot="10800000">
-            <a:off x="3592428" y="3536513"/>
-            <a:ext cx="1254105" cy="1308887"/>
-          </a:xfrm>
-          <a:prstGeom prst="bentConnector2">
-            <a:avLst/>
-          </a:prstGeom>
-          <a:ln>
-            <a:tailEnd type="triangle"/>
-          </a:ln>
-        </p:spPr>
-        <p:style>
-          <a:lnRef idx="1">
-            <a:schemeClr val="accent1"/>
-          </a:lnRef>
-          <a:fillRef idx="0">
-            <a:schemeClr val="accent1"/>
-          </a:fillRef>
-          <a:effectRef idx="0">
-            <a:schemeClr val="accent1"/>
-          </a:effectRef>
-          <a:fontRef idx="minor">
-            <a:schemeClr val="tx1"/>
-          </a:fontRef>
-        </p:style>
-      </p:cxnSp>
-      <p:cxnSp>
-        <p:nvCxnSpPr>
-          <p:cNvPr id="11" name="Straight Arrow Connector 10"/>
-          <p:cNvCxnSpPr>
-            <a:endCxn id="8" idx="2"/>
-          </p:cNvCxnSpPr>
-          <p:nvPr/>
-        </p:nvCxnSpPr>
-        <p:spPr>
-          <a:xfrm flipV="1">
-            <a:off x="5477600" y="3536513"/>
-            <a:ext cx="0" cy="873772"/>
-          </a:xfrm>
-          <a:prstGeom prst="straightConnector1">
-            <a:avLst/>
-          </a:prstGeom>
-          <a:ln>
-            <a:tailEnd type="triangle"/>
-          </a:ln>
-        </p:spPr>
-        <p:style>
-          <a:lnRef idx="1">
-            <a:schemeClr val="accent1"/>
-          </a:lnRef>
-          <a:fillRef idx="0">
-            <a:schemeClr val="accent1"/>
-          </a:fillRef>
-          <a:effectRef idx="0">
-            <a:schemeClr val="accent1"/>
-          </a:effectRef>
-          <a:fontRef idx="minor">
-            <a:schemeClr val="tx1"/>
-          </a:fontRef>
-        </p:style>
-      </p:cxnSp>
-      <p:cxnSp>
-        <p:nvCxnSpPr>
-          <p:cNvPr id="17" name="Connector: Elbow 16"/>
-          <p:cNvCxnSpPr>
-            <a:stCxn id="6" idx="3"/>
-            <a:endCxn id="12" idx="2"/>
-          </p:cNvCxnSpPr>
-          <p:nvPr/>
-        </p:nvCxnSpPr>
-        <p:spPr>
-          <a:xfrm flipV="1">
-            <a:off x="6108667" y="3536513"/>
-            <a:ext cx="1225971" cy="1308886"/>
-          </a:xfrm>
-          <a:prstGeom prst="bentConnector2">
-            <a:avLst/>
-          </a:prstGeom>
-          <a:ln>
-            <a:tailEnd type="triangle"/>
-          </a:ln>
-        </p:spPr>
-        <p:style>
-          <a:lnRef idx="1">
-            <a:schemeClr val="accent1"/>
-          </a:lnRef>
-          <a:fillRef idx="0">
-            <a:schemeClr val="accent1"/>
-          </a:fillRef>
-          <a:effectRef idx="0">
-            <a:schemeClr val="accent1"/>
-          </a:effectRef>
-          <a:fontRef idx="minor">
-            <a:schemeClr val="tx1"/>
-          </a:fontRef>
-        </p:style>
-      </p:cxnSp>
-      <p:sp>
-        <p:nvSpPr>
-          <p:cNvPr id="20" name="Oval 19"/>
-          <p:cNvSpPr/>
-          <p:nvPr/>
-        </p:nvSpPr>
-        <p:spPr>
-          <a:xfrm>
-            <a:off x="1270640" y="1774753"/>
-            <a:ext cx="731520" cy="731520"/>
-          </a:xfrm>
-          <a:prstGeom prst="ellipse">
-            <a:avLst/>
-          </a:prstGeom>
-        </p:spPr>
-        <p:style>
-          <a:lnRef idx="2">
-            <a:schemeClr val="accent1">
-              <a:shade val="50000"/>
-            </a:schemeClr>
-          </a:lnRef>
-          <a:fillRef idx="1">
-            <a:schemeClr val="accent1"/>
-          </a:fillRef>
-          <a:effectRef idx="0">
-            <a:schemeClr val="accent1"/>
-          </a:effectRef>
-          <a:fontRef idx="minor">
-            <a:schemeClr val="lt1"/>
-          </a:fontRef>
-        </p:style>
-        <p:txBody>
-          <a:bodyPr rtlCol="0" anchor="ctr"/>
-          <a:lstStyle/>
-          <a:p>
-            <a:pPr algn="ctr"/>
-            <a:r>
-              <a:rPr lang="en-PH" sz="3200" dirty="0"/>
-              <a:t>2</a:t>
-            </a:r>
-          </a:p>
-        </p:txBody>
-      </p:sp>
-      <p:sp>
-        <p:nvSpPr>
-          <p:cNvPr id="34" name="TextBox 33"/>
-          <p:cNvSpPr txBox="1"/>
-          <p:nvPr/>
-        </p:nvSpPr>
-        <p:spPr>
-          <a:xfrm>
-            <a:off x="5477599" y="3748033"/>
-            <a:ext cx="1503997" cy="461665"/>
-          </a:xfrm>
-          <a:prstGeom prst="rect">
-            <a:avLst/>
-          </a:prstGeom>
-          <a:noFill/>
-        </p:spPr>
-        <p:txBody>
-          <a:bodyPr wrap="square" rtlCol="0">
-            <a:spAutoFit/>
-          </a:bodyPr>
-          <a:lstStyle/>
-          <a:p>
-            <a:pPr algn="ctr"/>
-            <a:r>
-              <a:rPr lang="en-PH" sz="1200" dirty="0"/>
-              <a:t>Decrypted data using VCM’s private key </a:t>
-            </a:r>
-          </a:p>
-        </p:txBody>
-      </p:sp>
-      <p:sp>
-        <p:nvSpPr>
-          <p:cNvPr id="35" name="TextBox 34"/>
-          <p:cNvSpPr txBox="1"/>
-          <p:nvPr/>
-        </p:nvSpPr>
-        <p:spPr>
-          <a:xfrm>
-            <a:off x="7491731" y="3948620"/>
-            <a:ext cx="1503997" cy="461665"/>
-          </a:xfrm>
-          <a:prstGeom prst="rect">
-            <a:avLst/>
-          </a:prstGeom>
-          <a:noFill/>
-        </p:spPr>
-        <p:txBody>
-          <a:bodyPr wrap="square" rtlCol="0">
-            <a:spAutoFit/>
-          </a:bodyPr>
-          <a:lstStyle/>
-          <a:p>
-            <a:pPr algn="ctr"/>
-            <a:r>
-              <a:rPr lang="en-PH" sz="1200" dirty="0"/>
-              <a:t>Decrypted data using VCM’s private key </a:t>
-            </a:r>
-          </a:p>
-        </p:txBody>
-      </p:sp>
-    </p:spTree>
-    <p:extLst>
-      <p:ext uri="{BB962C8B-B14F-4D97-AF65-F5344CB8AC3E}">
-        <p14:creationId xmlns:p14="http://schemas.microsoft.com/office/powerpoint/2010/main" val="1021339983"/>
-      </p:ext>
-    </p:extLst>
-  </p:cSld>
-  <p:clrMapOvr>
-    <a:masterClrMapping/>
-  </p:clrMapOvr>
-</p:sld>
-</file>
-
-<file path=ppt/slides/slide18.xml><?xml version="1.0" encoding="utf-8"?>
-<p:sld xmlns:a="http://schemas.openxmlformats.org/drawingml/2006/main" xmlns:r="http://schemas.openxmlformats.org/officeDocument/2006/relationships" xmlns:p="http://schemas.openxmlformats.org/presentationml/2006/main">
-  <p:cSld>
-    <p:spTree>
-      <p:nvGrpSpPr>
-        <p:cNvPr id="1" name=""/>
-        <p:cNvGrpSpPr/>
-        <p:nvPr/>
-      </p:nvGrpSpPr>
-      <p:grpSpPr>
-        <a:xfrm>
-          <a:off x="0" y="0"/>
-          <a:ext cx="0" cy="0"/>
-          <a:chOff x="0" y="0"/>
-          <a:chExt cx="0" cy="0"/>
-        </a:xfrm>
-      </p:grpSpPr>
-      <p:sp>
-        <p:nvSpPr>
-          <p:cNvPr id="2" name="Title 1"/>
-          <p:cNvSpPr>
-            <a:spLocks noGrp="1"/>
-          </p:cNvSpPr>
-          <p:nvPr>
-            <p:ph type="title"/>
-          </p:nvPr>
-        </p:nvSpPr>
-        <p:spPr/>
-        <p:txBody>
-          <a:bodyPr/>
-          <a:lstStyle/>
-          <a:p>
-            <a:r>
-              <a:rPr lang="en-PH" dirty="0"/>
-              <a:t>Proposed System</a:t>
-            </a:r>
-          </a:p>
-        </p:txBody>
-      </p:sp>
-      <p:pic>
-        <p:nvPicPr>
-          <p:cNvPr id="4" name="Picture 3"/>
-          <p:cNvPicPr>
-            <a:picLocks noChangeAspect="1"/>
-          </p:cNvPicPr>
-          <p:nvPr/>
-        </p:nvPicPr>
-        <p:blipFill>
-          <a:blip r:embed="rId3">
-            <a:extLst>
-              <a:ext uri="{28A0092B-C50C-407E-A947-70E740481C1C}">
-                <a14:useLocalDpi xmlns:a14="http://schemas.microsoft.com/office/drawing/2010/main" val="0"/>
-              </a:ext>
-            </a:extLst>
-          </a:blip>
-          <a:stretch>
-            <a:fillRect/>
-          </a:stretch>
-        </p:blipFill>
-        <p:spPr>
-          <a:xfrm>
-            <a:off x="10343804" y="4696690"/>
-            <a:ext cx="2435221" cy="2435221"/>
-          </a:xfrm>
-          <a:prstGeom prst="rect">
-            <a:avLst/>
-          </a:prstGeom>
-        </p:spPr>
-      </p:pic>
-      <p:pic>
-        <p:nvPicPr>
-          <p:cNvPr id="5" name="Picture 4"/>
-          <p:cNvPicPr>
-            <a:picLocks noChangeAspect="1"/>
-          </p:cNvPicPr>
-          <p:nvPr/>
-        </p:nvPicPr>
-        <p:blipFill>
-          <a:blip r:embed="rId4" cstate="hqprint">
-            <a:extLst>
-              <a:ext uri="{28A0092B-C50C-407E-A947-70E740481C1C}">
-                <a14:useLocalDpi xmlns:a14="http://schemas.microsoft.com/office/drawing/2010/main" val="0"/>
-              </a:ext>
-            </a:extLst>
-          </a:blip>
-          <a:stretch>
-            <a:fillRect/>
-          </a:stretch>
-        </p:blipFill>
-        <p:spPr>
-          <a:xfrm>
-            <a:off x="9882312" y="4197927"/>
-            <a:ext cx="1391006" cy="1391006"/>
-          </a:xfrm>
-          <a:prstGeom prst="rect">
-            <a:avLst/>
-          </a:prstGeom>
-        </p:spPr>
-      </p:pic>
-      <p:sp>
-        <p:nvSpPr>
-          <p:cNvPr id="26" name="TextBox 25"/>
-          <p:cNvSpPr txBox="1"/>
-          <p:nvPr/>
-        </p:nvSpPr>
-        <p:spPr>
-          <a:xfrm>
-            <a:off x="4687962" y="5294236"/>
-            <a:ext cx="1539240" cy="369332"/>
-          </a:xfrm>
-          <a:prstGeom prst="rect">
-            <a:avLst/>
-          </a:prstGeom>
-          <a:noFill/>
-        </p:spPr>
-        <p:txBody>
-          <a:bodyPr wrap="square" rtlCol="0">
-            <a:spAutoFit/>
-          </a:bodyPr>
-          <a:lstStyle/>
-          <a:p>
-            <a:pPr algn="ctr"/>
-            <a:r>
-              <a:rPr lang="en-PH" dirty="0"/>
-              <a:t>VCM</a:t>
-            </a:r>
-          </a:p>
-        </p:txBody>
-      </p:sp>
-      <p:sp>
-        <p:nvSpPr>
-          <p:cNvPr id="30" name="TextBox 29"/>
-          <p:cNvSpPr txBox="1"/>
-          <p:nvPr/>
-        </p:nvSpPr>
-        <p:spPr>
-          <a:xfrm>
-            <a:off x="4556165" y="1942509"/>
-            <a:ext cx="1842868" cy="369332"/>
-          </a:xfrm>
-          <a:prstGeom prst="rect">
-            <a:avLst/>
-          </a:prstGeom>
-          <a:noFill/>
-        </p:spPr>
-        <p:txBody>
-          <a:bodyPr wrap="square" rtlCol="0">
-            <a:spAutoFit/>
-          </a:bodyPr>
-          <a:lstStyle/>
-          <a:p>
-            <a:pPr algn="ctr"/>
-            <a:r>
-              <a:rPr lang="en-PH" dirty="0"/>
-              <a:t>Central Server</a:t>
-            </a:r>
-          </a:p>
-        </p:txBody>
-      </p:sp>
-      <p:sp>
-        <p:nvSpPr>
-          <p:cNvPr id="31" name="TextBox 30"/>
-          <p:cNvSpPr txBox="1"/>
-          <p:nvPr/>
-        </p:nvSpPr>
-        <p:spPr>
-          <a:xfrm>
-            <a:off x="6413203" y="1693645"/>
-            <a:ext cx="1842868" cy="646331"/>
-          </a:xfrm>
-          <a:prstGeom prst="rect">
-            <a:avLst/>
-          </a:prstGeom>
-          <a:noFill/>
-        </p:spPr>
-        <p:txBody>
-          <a:bodyPr wrap="square" rtlCol="0">
-            <a:spAutoFit/>
-          </a:bodyPr>
-          <a:lstStyle/>
-          <a:p>
-            <a:pPr algn="ctr"/>
-            <a:r>
-              <a:rPr lang="en-PH" dirty="0"/>
-              <a:t>Transparency Server</a:t>
-            </a:r>
-          </a:p>
-        </p:txBody>
-      </p:sp>
-      <p:sp>
-        <p:nvSpPr>
-          <p:cNvPr id="32" name="TextBox 31"/>
-          <p:cNvSpPr txBox="1"/>
-          <p:nvPr/>
-        </p:nvSpPr>
-        <p:spPr>
-          <a:xfrm>
-            <a:off x="4556165" y="2246366"/>
-            <a:ext cx="1842868" cy="276999"/>
-          </a:xfrm>
-          <a:prstGeom prst="rect">
-            <a:avLst/>
-          </a:prstGeom>
-          <a:noFill/>
-        </p:spPr>
-        <p:txBody>
-          <a:bodyPr wrap="square" rtlCol="0">
-            <a:spAutoFit/>
-          </a:bodyPr>
-          <a:lstStyle/>
-          <a:p>
-            <a:pPr algn="ctr"/>
-            <a:r>
-              <a:rPr lang="en-PH" sz="1200" dirty="0"/>
-              <a:t>Handled by COMELEC</a:t>
-            </a:r>
-          </a:p>
-        </p:txBody>
-      </p:sp>
-      <p:sp>
-        <p:nvSpPr>
-          <p:cNvPr id="33" name="TextBox 32"/>
-          <p:cNvSpPr txBox="1"/>
-          <p:nvPr/>
-        </p:nvSpPr>
-        <p:spPr>
-          <a:xfrm>
-            <a:off x="6413203" y="2246362"/>
-            <a:ext cx="1842868" cy="276999"/>
-          </a:xfrm>
-          <a:prstGeom prst="rect">
-            <a:avLst/>
-          </a:prstGeom>
-          <a:noFill/>
-        </p:spPr>
-        <p:txBody>
-          <a:bodyPr wrap="square" rtlCol="0">
-            <a:spAutoFit/>
-          </a:bodyPr>
-          <a:lstStyle/>
-          <a:p>
-            <a:pPr algn="ctr"/>
-            <a:r>
-              <a:rPr lang="en-PH" sz="1200" dirty="0"/>
-              <a:t>Handled by PPCRV</a:t>
-            </a:r>
-          </a:p>
-        </p:txBody>
-      </p:sp>
-      <p:pic>
-        <p:nvPicPr>
-          <p:cNvPr id="8" name="Picture 7"/>
-          <p:cNvPicPr>
-            <a:picLocks noChangeAspect="1"/>
-          </p:cNvPicPr>
-          <p:nvPr/>
-        </p:nvPicPr>
-        <p:blipFill>
-          <a:blip r:embed="rId5">
-            <a:extLst>
-              <a:ext uri="{28A0092B-C50C-407E-A947-70E740481C1C}">
-                <a14:useLocalDpi xmlns:a14="http://schemas.microsoft.com/office/drawing/2010/main" val="0"/>
-              </a:ext>
-            </a:extLst>
-          </a:blip>
-          <a:stretch>
-            <a:fillRect/>
-          </a:stretch>
-        </p:blipFill>
-        <p:spPr>
-          <a:xfrm>
-            <a:off x="5003281" y="2587876"/>
-            <a:ext cx="948637" cy="948637"/>
-          </a:xfrm>
-          <a:prstGeom prst="rect">
-            <a:avLst/>
-          </a:prstGeom>
-        </p:spPr>
-      </p:pic>
-      <p:pic>
-        <p:nvPicPr>
-          <p:cNvPr id="6" name="Content Placeholder 5"/>
-          <p:cNvPicPr>
-            <a:picLocks noGrp="1" noChangeAspect="1"/>
-          </p:cNvPicPr>
-          <p:nvPr>
-            <p:ph idx="1"/>
-          </p:nvPr>
-        </p:nvPicPr>
-        <p:blipFill>
-          <a:blip r:embed="rId6">
-            <a:extLst>
-              <a:ext uri="{28A0092B-C50C-407E-A947-70E740481C1C}">
-                <a14:useLocalDpi xmlns:a14="http://schemas.microsoft.com/office/drawing/2010/main" val="0"/>
-              </a:ext>
-            </a:extLst>
-          </a:blip>
-          <a:stretch>
-            <a:fillRect/>
-          </a:stretch>
-        </p:blipFill>
-        <p:spPr>
-          <a:xfrm>
-            <a:off x="4846532" y="4214331"/>
-            <a:ext cx="1262135" cy="1262135"/>
-          </a:xfrm>
-        </p:spPr>
-      </p:pic>
-      <p:pic>
-        <p:nvPicPr>
-          <p:cNvPr id="39" name="Picture 38"/>
-          <p:cNvPicPr>
-            <a:picLocks noChangeAspect="1"/>
-          </p:cNvPicPr>
-          <p:nvPr/>
-        </p:nvPicPr>
-        <p:blipFill>
-          <a:blip r:embed="rId5">
-            <a:extLst>
-              <a:ext uri="{28A0092B-C50C-407E-A947-70E740481C1C}">
-                <a14:useLocalDpi xmlns:a14="http://schemas.microsoft.com/office/drawing/2010/main" val="0"/>
-              </a:ext>
-            </a:extLst>
-          </a:blip>
-          <a:stretch>
-            <a:fillRect/>
-          </a:stretch>
-        </p:blipFill>
-        <p:spPr>
-          <a:xfrm>
-            <a:off x="3118108" y="2587875"/>
-            <a:ext cx="948637" cy="948637"/>
-          </a:xfrm>
-          <a:prstGeom prst="rect">
-            <a:avLst/>
-          </a:prstGeom>
-        </p:spPr>
-      </p:pic>
-      <p:pic>
-        <p:nvPicPr>
-          <p:cNvPr id="12" name="Picture 11"/>
-          <p:cNvPicPr>
-            <a:picLocks noChangeAspect="1"/>
-          </p:cNvPicPr>
-          <p:nvPr/>
-        </p:nvPicPr>
-        <p:blipFill>
-          <a:blip r:embed="rId5">
-            <a:extLst>
-              <a:ext uri="{28A0092B-C50C-407E-A947-70E740481C1C}">
-                <a14:useLocalDpi xmlns:a14="http://schemas.microsoft.com/office/drawing/2010/main" val="0"/>
-              </a:ext>
-            </a:extLst>
-          </a:blip>
-          <a:stretch>
-            <a:fillRect/>
-          </a:stretch>
-        </p:blipFill>
-        <p:spPr>
-          <a:xfrm>
-            <a:off x="6860319" y="2587876"/>
-            <a:ext cx="948637" cy="948637"/>
-          </a:xfrm>
-          <a:prstGeom prst="rect">
-            <a:avLst/>
-          </a:prstGeom>
-        </p:spPr>
-      </p:pic>
-      <p:sp>
-        <p:nvSpPr>
-          <p:cNvPr id="37" name="TextBox 36"/>
-          <p:cNvSpPr txBox="1"/>
-          <p:nvPr/>
-        </p:nvSpPr>
-        <p:spPr>
-          <a:xfrm>
-            <a:off x="1969895" y="3948621"/>
-            <a:ext cx="1503997" cy="646331"/>
-          </a:xfrm>
-          <a:prstGeom prst="rect">
-            <a:avLst/>
-          </a:prstGeom>
-          <a:noFill/>
-        </p:spPr>
-        <p:txBody>
-          <a:bodyPr wrap="square" rtlCol="0">
-            <a:spAutoFit/>
-          </a:bodyPr>
-          <a:lstStyle/>
-          <a:p>
-            <a:pPr algn="ctr"/>
-            <a:r>
-              <a:rPr lang="en-PH" sz="1200" dirty="0"/>
-              <a:t>Key exchange using </a:t>
-            </a:r>
-            <a:r>
-              <a:rPr lang="en-PH" sz="1200" dirty="0" err="1"/>
-              <a:t>Diffie</a:t>
-            </a:r>
-            <a:r>
-              <a:rPr lang="en-PH" sz="1200" dirty="0"/>
-              <a:t>-Hellman algorithm</a:t>
-            </a:r>
-          </a:p>
-        </p:txBody>
-      </p:sp>
-      <p:sp>
-        <p:nvSpPr>
-          <p:cNvPr id="27" name="TextBox 26"/>
-          <p:cNvSpPr txBox="1"/>
-          <p:nvPr/>
-        </p:nvSpPr>
-        <p:spPr>
-          <a:xfrm>
-            <a:off x="2670992" y="1848126"/>
-            <a:ext cx="1842868" cy="584775"/>
-          </a:xfrm>
-          <a:prstGeom prst="rect">
-            <a:avLst/>
-          </a:prstGeom>
-          <a:noFill/>
-        </p:spPr>
-        <p:txBody>
-          <a:bodyPr wrap="square" rtlCol="0">
-            <a:spAutoFit/>
-          </a:bodyPr>
-          <a:lstStyle/>
-          <a:p>
-            <a:pPr algn="ctr"/>
-            <a:r>
-              <a:rPr lang="en-PH" sz="1600" dirty="0"/>
-              <a:t>Consolidation and Canvassing Server</a:t>
-            </a:r>
-          </a:p>
-        </p:txBody>
-      </p:sp>
-      <p:sp>
-        <p:nvSpPr>
-          <p:cNvPr id="20" name="Oval 19"/>
-          <p:cNvSpPr/>
-          <p:nvPr/>
-        </p:nvSpPr>
-        <p:spPr>
-          <a:xfrm>
-            <a:off x="1270640" y="1774753"/>
-            <a:ext cx="731520" cy="731520"/>
-          </a:xfrm>
-          <a:prstGeom prst="ellipse">
-            <a:avLst/>
-          </a:prstGeom>
-        </p:spPr>
-        <p:style>
-          <a:lnRef idx="2">
-            <a:schemeClr val="accent1">
-              <a:shade val="50000"/>
-            </a:schemeClr>
-          </a:lnRef>
-          <a:fillRef idx="1">
-            <a:schemeClr val="accent1"/>
-          </a:fillRef>
-          <a:effectRef idx="0">
-            <a:schemeClr val="accent1"/>
-          </a:effectRef>
-          <a:fontRef idx="minor">
-            <a:schemeClr val="lt1"/>
-          </a:fontRef>
-        </p:style>
-        <p:txBody>
-          <a:bodyPr rtlCol="0" anchor="ctr"/>
-          <a:lstStyle/>
-          <a:p>
-            <a:pPr algn="ctr"/>
-            <a:r>
-              <a:rPr lang="en-PH" sz="3200" dirty="0"/>
-              <a:t>3</a:t>
-            </a:r>
-          </a:p>
-        </p:txBody>
-      </p:sp>
-      <p:cxnSp>
-        <p:nvCxnSpPr>
-          <p:cNvPr id="7" name="Connector: Elbow 6"/>
-          <p:cNvCxnSpPr>
-            <a:stCxn id="39" idx="2"/>
-            <a:endCxn id="6" idx="1"/>
-          </p:cNvCxnSpPr>
-          <p:nvPr/>
-        </p:nvCxnSpPr>
-        <p:spPr>
-          <a:xfrm rot="16200000" flipH="1">
-            <a:off x="3565036" y="3563902"/>
-            <a:ext cx="1308887" cy="1254105"/>
-          </a:xfrm>
-          <a:prstGeom prst="bentConnector2">
-            <a:avLst/>
-          </a:prstGeom>
-          <a:ln>
-            <a:headEnd type="triangle"/>
-            <a:tailEnd type="triangle"/>
-          </a:ln>
-        </p:spPr>
-        <p:style>
-          <a:lnRef idx="1">
-            <a:schemeClr val="accent1"/>
-          </a:lnRef>
-          <a:fillRef idx="0">
-            <a:schemeClr val="accent1"/>
-          </a:fillRef>
-          <a:effectRef idx="0">
-            <a:schemeClr val="accent1"/>
-          </a:effectRef>
-          <a:fontRef idx="minor">
-            <a:schemeClr val="tx1"/>
-          </a:fontRef>
-        </p:style>
-      </p:cxnSp>
-      <p:cxnSp>
-        <p:nvCxnSpPr>
-          <p:cNvPr id="14" name="Straight Arrow Connector 13"/>
-          <p:cNvCxnSpPr>
-            <a:stCxn id="8" idx="2"/>
-          </p:cNvCxnSpPr>
-          <p:nvPr/>
-        </p:nvCxnSpPr>
-        <p:spPr>
-          <a:xfrm>
-            <a:off x="5477600" y="3536513"/>
-            <a:ext cx="0" cy="873772"/>
-          </a:xfrm>
-          <a:prstGeom prst="straightConnector1">
-            <a:avLst/>
-          </a:prstGeom>
-          <a:ln>
-            <a:headEnd type="triangle"/>
-            <a:tailEnd type="triangle"/>
-          </a:ln>
-        </p:spPr>
-        <p:style>
-          <a:lnRef idx="1">
-            <a:schemeClr val="accent1"/>
-          </a:lnRef>
-          <a:fillRef idx="0">
-            <a:schemeClr val="accent1"/>
-          </a:fillRef>
-          <a:effectRef idx="0">
-            <a:schemeClr val="accent1"/>
-          </a:effectRef>
-          <a:fontRef idx="minor">
-            <a:schemeClr val="tx1"/>
-          </a:fontRef>
-        </p:style>
-      </p:cxnSp>
-      <p:cxnSp>
-        <p:nvCxnSpPr>
-          <p:cNvPr id="23" name="Connector: Elbow 22"/>
-          <p:cNvCxnSpPr>
-            <a:stCxn id="12" idx="2"/>
-            <a:endCxn id="6" idx="3"/>
-          </p:cNvCxnSpPr>
-          <p:nvPr/>
-        </p:nvCxnSpPr>
-        <p:spPr>
-          <a:xfrm rot="5400000">
-            <a:off x="6067210" y="3577971"/>
-            <a:ext cx="1308886" cy="1225971"/>
-          </a:xfrm>
-          <a:prstGeom prst="bentConnector2">
-            <a:avLst/>
-          </a:prstGeom>
-          <a:ln>
-            <a:headEnd type="triangle"/>
-            <a:tailEnd type="triangle"/>
-          </a:ln>
-        </p:spPr>
-        <p:style>
-          <a:lnRef idx="1">
-            <a:schemeClr val="accent1"/>
-          </a:lnRef>
-          <a:fillRef idx="0">
-            <a:schemeClr val="accent1"/>
-          </a:fillRef>
-          <a:effectRef idx="0">
-            <a:schemeClr val="accent1"/>
-          </a:effectRef>
-          <a:fontRef idx="minor">
-            <a:schemeClr val="tx1"/>
-          </a:fontRef>
-        </p:style>
-      </p:cxnSp>
-      <p:sp>
-        <p:nvSpPr>
-          <p:cNvPr id="35" name="TextBox 34"/>
-          <p:cNvSpPr txBox="1"/>
-          <p:nvPr/>
-        </p:nvSpPr>
-        <p:spPr>
-          <a:xfrm>
-            <a:off x="5477598" y="3665207"/>
-            <a:ext cx="1503997" cy="646331"/>
-          </a:xfrm>
-          <a:prstGeom prst="rect">
-            <a:avLst/>
-          </a:prstGeom>
-          <a:noFill/>
-        </p:spPr>
-        <p:txBody>
-          <a:bodyPr wrap="square" rtlCol="0">
-            <a:spAutoFit/>
-          </a:bodyPr>
-          <a:lstStyle/>
-          <a:p>
-            <a:pPr algn="ctr"/>
-            <a:r>
-              <a:rPr lang="en-PH" sz="1200" dirty="0"/>
-              <a:t>Key exchange using </a:t>
-            </a:r>
-            <a:r>
-              <a:rPr lang="en-PH" sz="1200" dirty="0" err="1"/>
-              <a:t>Diffie</a:t>
-            </a:r>
-            <a:r>
-              <a:rPr lang="en-PH" sz="1200" dirty="0"/>
-              <a:t>-Hellman algorithm</a:t>
-            </a:r>
-          </a:p>
-        </p:txBody>
-      </p:sp>
-      <p:sp>
-        <p:nvSpPr>
-          <p:cNvPr id="38" name="TextBox 37"/>
-          <p:cNvSpPr txBox="1"/>
-          <p:nvPr/>
-        </p:nvSpPr>
-        <p:spPr>
-          <a:xfrm>
-            <a:off x="7455914" y="3948620"/>
-            <a:ext cx="1503997" cy="646331"/>
-          </a:xfrm>
-          <a:prstGeom prst="rect">
-            <a:avLst/>
-          </a:prstGeom>
-          <a:noFill/>
-        </p:spPr>
-        <p:txBody>
-          <a:bodyPr wrap="square" rtlCol="0">
-            <a:spAutoFit/>
-          </a:bodyPr>
-          <a:lstStyle/>
-          <a:p>
-            <a:pPr algn="ctr"/>
-            <a:r>
-              <a:rPr lang="en-PH" sz="1200" dirty="0"/>
-              <a:t>Key exchange using </a:t>
-            </a:r>
-            <a:r>
-              <a:rPr lang="en-PH" sz="1200" dirty="0" err="1"/>
-              <a:t>Diffie</a:t>
-            </a:r>
-            <a:r>
-              <a:rPr lang="en-PH" sz="1200" dirty="0"/>
-              <a:t>-Hellman algorithm</a:t>
-            </a:r>
-          </a:p>
-        </p:txBody>
-      </p:sp>
-    </p:spTree>
-    <p:extLst>
-      <p:ext uri="{BB962C8B-B14F-4D97-AF65-F5344CB8AC3E}">
-        <p14:creationId xmlns:p14="http://schemas.microsoft.com/office/powerpoint/2010/main" val="2982356189"/>
       </p:ext>
     </p:extLst>
   </p:cSld>
@@ -15110,7 +14129,7 @@
         <p:spPr>
           <a:xfrm>
             <a:off x="1969895" y="3948621"/>
-            <a:ext cx="1503997" cy="646331"/>
+            <a:ext cx="1503997" cy="461665"/>
           </a:xfrm>
           <a:prstGeom prst="rect">
             <a:avLst/>
@@ -15126,7 +14145,7 @@
             <a:pPr algn="ctr"/>
             <a:r>
               <a:rPr lang="en-PH" sz="1200" dirty="0"/>
-              <a:t>Encrypted election returns using the generated key</a:t>
+              <a:t>Decrypted data using VCM’s private key </a:t>
             </a:r>
           </a:p>
         </p:txBody>
@@ -15306,21 +14325,21 @@
             <a:pPr algn="ctr"/>
             <a:r>
               <a:rPr lang="en-PH" sz="3200" dirty="0"/>
-              <a:t>4</a:t>
-            </a:r>
-          </a:p>
-        </p:txBody>
-      </p:sp>
-      <p:sp>
-        <p:nvSpPr>
-          <p:cNvPr id="22" name="TextBox 21"/>
+              <a:t>2</a:t>
+            </a:r>
+          </a:p>
+        </p:txBody>
+      </p:sp>
+      <p:sp>
+        <p:nvSpPr>
+          <p:cNvPr id="34" name="TextBox 33"/>
           <p:cNvSpPr txBox="1"/>
           <p:nvPr/>
         </p:nvSpPr>
         <p:spPr>
           <a:xfrm>
-            <a:off x="5435215" y="3650233"/>
-            <a:ext cx="1503997" cy="646331"/>
+            <a:off x="5477599" y="3748033"/>
+            <a:ext cx="1503997" cy="461665"/>
           </a:xfrm>
           <a:prstGeom prst="rect">
             <a:avLst/>
@@ -15336,21 +14355,21 @@
             <a:pPr algn="ctr"/>
             <a:r>
               <a:rPr lang="en-PH" sz="1200" dirty="0"/>
-              <a:t>Encrypted election returns using the generated key</a:t>
-            </a:r>
-          </a:p>
-        </p:txBody>
-      </p:sp>
-      <p:sp>
-        <p:nvSpPr>
-          <p:cNvPr id="23" name="TextBox 22"/>
+              <a:t>Decrypted data using VCM’s private key </a:t>
+            </a:r>
+          </a:p>
+        </p:txBody>
+      </p:sp>
+      <p:sp>
+        <p:nvSpPr>
+          <p:cNvPr id="35" name="TextBox 34"/>
           <p:cNvSpPr txBox="1"/>
           <p:nvPr/>
         </p:nvSpPr>
         <p:spPr>
           <a:xfrm>
-            <a:off x="7449347" y="3948620"/>
-            <a:ext cx="1503997" cy="646331"/>
+            <a:off x="7491731" y="3948620"/>
+            <a:ext cx="1503997" cy="461665"/>
           </a:xfrm>
           <a:prstGeom prst="rect">
             <a:avLst/>
@@ -15366,7 +14385,7 @@
             <a:pPr algn="ctr"/>
             <a:r>
               <a:rPr lang="en-PH" sz="1200" dirty="0"/>
-              <a:t>Encrypted election returns using the generated key</a:t>
+              <a:t>Decrypted data using VCM’s private key </a:t>
             </a:r>
           </a:p>
         </p:txBody>
@@ -15374,7 +14393,7 @@
     </p:spTree>
     <p:extLst>
       <p:ext uri="{BB962C8B-B14F-4D97-AF65-F5344CB8AC3E}">
-        <p14:creationId xmlns:p14="http://schemas.microsoft.com/office/powerpoint/2010/main" val="544009215"/>
+        <p14:creationId xmlns:p14="http://schemas.microsoft.com/office/powerpoint/2010/main" val="1021339983"/>
       </p:ext>
     </p:extLst>
   </p:cSld>
@@ -15441,72 +14460,64 @@
         </p:spPr>
         <p:txBody>
           <a:bodyPr>
-            <a:normAutofit/>
+            <a:normAutofit lnSpcReduction="10000"/>
           </a:bodyPr>
           <a:lstStyle/>
           <a:p>
             <a:r>
               <a:rPr lang="en-PH" dirty="0"/>
-              <a:t>In the 2016 election, the ñ controversy showed that the entire automated election system uses a hash function called MD5.</a:t>
-            </a:r>
-          </a:p>
-          <a:p>
+              <a:t>During the 2016 elections, Bong </a:t>
+            </a:r>
             <a:r>
               <a:rPr lang="en-PH" dirty="0" err="1"/>
-              <a:t>Comelec-Smartmatic</a:t>
+              <a:t>Bong</a:t>
             </a:r>
             <a:r>
               <a:rPr lang="en-PH" dirty="0"/>
-              <a:t> still used it </a:t>
-            </a:r>
-            <a:r>
-              <a:rPr lang="en-PH" b="1" dirty="0"/>
-              <a:t>even if </a:t>
-            </a:r>
+              <a:t> Marcos’ camp believes that there exists a “Fourth Server” or also known as the “Queue Server”.</a:t>
+            </a:r>
+          </a:p>
+          <a:p>
             <a:r>
               <a:rPr lang="en-PH" dirty="0"/>
-              <a:t>many developers have suggested to avoid the usage of the technology.</a:t>
-            </a:r>
-          </a:p>
-          <a:p>
-            <a:pPr lvl="1"/>
-            <a:r>
-              <a:rPr lang="en-PH" i="1" dirty="0"/>
-              <a:t>Carnegie Mellon University – Software Engineering Institute </a:t>
+              <a:t>It has been revealed that the </a:t>
+            </a:r>
+            <a:r>
+              <a:rPr lang="en-PH" dirty="0" err="1"/>
+              <a:t>Comelec</a:t>
             </a:r>
             <a:r>
               <a:rPr lang="en-PH" dirty="0"/>
-              <a:t>stated that: “Software developers, Certification Authorities, website owners, and users should avoid using the MD5 algorithm in any capacity. As previous research has demonstrated, it should be considered cryptographically broken and unsuitable for further use.”</a:t>
-            </a:r>
-          </a:p>
-          <a:p>
-            <a:pPr lvl="1"/>
+              <a:t> and </a:t>
+            </a:r>
+            <a:r>
+              <a:rPr lang="en-PH" dirty="0" err="1"/>
+              <a:t>Smartmatic</a:t>
+            </a:r>
             <a:r>
               <a:rPr lang="en-PH" dirty="0"/>
-              <a:t>Recently, </a:t>
-            </a:r>
-            <a:r>
-              <a:rPr lang="en-PH" i="1" dirty="0"/>
-              <a:t>Microsoft</a:t>
-            </a:r>
+              <a:t> has been keeping it from the public. </a:t>
+            </a:r>
+          </a:p>
+          <a:p>
             <a:r>
               <a:rPr lang="en-PH" dirty="0"/>
-              <a:t> announced </a:t>
-            </a:r>
-            <a:r>
-              <a:rPr lang="en-PH" i="1" dirty="0">
-                <a:hlinkClick r:id="rId3"/>
-              </a:rPr>
-              <a:t>Security Advisory 2862973</a:t>
+              <a:t>Instead of letting the ERs be directly transmitted to the three official servers, namely the Municipal Board of Canvassing Server, </a:t>
+            </a:r>
+            <a:r>
+              <a:rPr lang="en-PH" dirty="0" err="1"/>
+              <a:t>Comelec</a:t>
             </a:r>
             <a:r>
               <a:rPr lang="en-PH" dirty="0"/>
-              <a:t> that will block the MD5 has algorithm. This hashing algorithm is quite long in the tooth and has not been a recommended hash for many years.</a:t>
-            </a:r>
-          </a:p>
-          <a:p>
-            <a:pPr lvl="1"/>
-            <a:endParaRPr lang="en-PH" dirty="0"/>
+              <a:t> Server, and the Transparency server, the results were first being processed and consolidated in the “Queue Server”.</a:t>
+            </a:r>
+          </a:p>
+          <a:p>
+            <a:r>
+              <a:rPr lang="en-PH" dirty="0"/>
+              <a:t>Another problem with the secret server is that the source code being used was never reviewed despite of it being a requirement in the law. </a:t>
+            </a:r>
           </a:p>
         </p:txBody>
       </p:sp>
@@ -15519,7 +14530,7 @@
           <p:nvPr/>
         </p:nvPicPr>
         <p:blipFill>
-          <a:blip r:embed="rId4">
+          <a:blip r:embed="rId3">
             <a:extLst>
               <a:ext uri="{28A0092B-C50C-407E-A947-70E740481C1C}">
                 <a14:useLocalDpi xmlns:a14="http://schemas.microsoft.com/office/drawing/2010/main" val="0"/>
@@ -15549,7 +14560,7 @@
           <p:nvPr/>
         </p:nvPicPr>
         <p:blipFill>
-          <a:blip r:embed="rId5" cstate="hqprint">
+          <a:blip r:embed="rId4" cstate="hqprint">
             <a:extLst>
               <a:ext uri="{28A0092B-C50C-407E-A947-70E740481C1C}">
                 <a14:useLocalDpi xmlns:a14="http://schemas.microsoft.com/office/drawing/2010/main" val="0"/>
@@ -15573,7 +14584,7 @@
     </p:spTree>
     <p:extLst>
       <p:ext uri="{BB962C8B-B14F-4D97-AF65-F5344CB8AC3E}">
-        <p14:creationId xmlns:p14="http://schemas.microsoft.com/office/powerpoint/2010/main" val="459273828"/>
+        <p14:creationId xmlns:p14="http://schemas.microsoft.com/office/powerpoint/2010/main" val="2625723871"/>
       </p:ext>
     </p:extLst>
   </p:cSld>
@@ -15960,7 +14971,7 @@
         <p:spPr>
           <a:xfrm>
             <a:off x="1969895" y="3948621"/>
-            <a:ext cx="1503997" cy="461665"/>
+            <a:ext cx="1503997" cy="646331"/>
           </a:xfrm>
           <a:prstGeom prst="rect">
             <a:avLst/>
@@ -15976,7 +14987,15 @@
             <a:pPr algn="ctr"/>
             <a:r>
               <a:rPr lang="en-PH" sz="1200" dirty="0"/>
-              <a:t>Hash value verification</a:t>
+              <a:t>Key exchange using </a:t>
+            </a:r>
+            <a:r>
+              <a:rPr lang="en-PH" sz="1200" dirty="0" err="1"/>
+              <a:t>Diffie</a:t>
+            </a:r>
+            <a:r>
+              <a:rPr lang="en-PH" sz="1200" dirty="0"/>
+              <a:t>-Hellman algorithm</a:t>
             </a:r>
           </a:p>
         </p:txBody>
@@ -16011,9 +15030,52 @@
           </a:p>
         </p:txBody>
       </p:sp>
+      <p:sp>
+        <p:nvSpPr>
+          <p:cNvPr id="20" name="Oval 19"/>
+          <p:cNvSpPr/>
+          <p:nvPr/>
+        </p:nvSpPr>
+        <p:spPr>
+          <a:xfrm>
+            <a:off x="1270640" y="1774753"/>
+            <a:ext cx="731520" cy="731520"/>
+          </a:xfrm>
+          <a:prstGeom prst="ellipse">
+            <a:avLst/>
+          </a:prstGeom>
+        </p:spPr>
+        <p:style>
+          <a:lnRef idx="2">
+            <a:schemeClr val="accent1">
+              <a:shade val="50000"/>
+            </a:schemeClr>
+          </a:lnRef>
+          <a:fillRef idx="1">
+            <a:schemeClr val="accent1"/>
+          </a:fillRef>
+          <a:effectRef idx="0">
+            <a:schemeClr val="accent1"/>
+          </a:effectRef>
+          <a:fontRef idx="minor">
+            <a:schemeClr val="lt1"/>
+          </a:fontRef>
+        </p:style>
+        <p:txBody>
+          <a:bodyPr rtlCol="0" anchor="ctr"/>
+          <a:lstStyle/>
+          <a:p>
+            <a:pPr algn="ctr"/>
+            <a:r>
+              <a:rPr lang="en-PH" sz="3200" dirty="0"/>
+              <a:t>3</a:t>
+            </a:r>
+          </a:p>
+        </p:txBody>
+      </p:sp>
       <p:cxnSp>
         <p:nvCxnSpPr>
-          <p:cNvPr id="9" name="Connector: Elbow 8"/>
+          <p:cNvPr id="7" name="Connector: Elbow 6"/>
           <p:cNvCxnSpPr>
             <a:stCxn id="39" idx="2"/>
             <a:endCxn id="6" idx="1"/>
@@ -16029,6 +15091,7 @@
             <a:avLst/>
           </a:prstGeom>
           <a:ln>
+            <a:headEnd type="triangle"/>
             <a:tailEnd type="triangle"/>
           </a:ln>
         </p:spPr>
@@ -16049,7 +15112,7 @@
       </p:cxnSp>
       <p:cxnSp>
         <p:nvCxnSpPr>
-          <p:cNvPr id="11" name="Straight Arrow Connector 10"/>
+          <p:cNvPr id="14" name="Straight Arrow Connector 13"/>
           <p:cNvCxnSpPr>
             <a:stCxn id="8" idx="2"/>
           </p:cNvCxnSpPr>
@@ -16064,6 +15127,7 @@
             <a:avLst/>
           </a:prstGeom>
           <a:ln>
+            <a:headEnd type="triangle"/>
             <a:tailEnd type="triangle"/>
           </a:ln>
         </p:spPr>
@@ -16084,7 +15148,7 @@
       </p:cxnSp>
       <p:cxnSp>
         <p:nvCxnSpPr>
-          <p:cNvPr id="17" name="Connector: Elbow 16"/>
+          <p:cNvPr id="23" name="Connector: Elbow 22"/>
           <p:cNvCxnSpPr>
             <a:stCxn id="12" idx="2"/>
             <a:endCxn id="6" idx="3"/>
@@ -16100,6 +15164,7 @@
             <a:avLst/>
           </a:prstGeom>
           <a:ln>
+            <a:headEnd type="triangle"/>
             <a:tailEnd type="triangle"/>
           </a:ln>
         </p:spPr>
@@ -16120,57 +15185,14 @@
       </p:cxnSp>
       <p:sp>
         <p:nvSpPr>
-          <p:cNvPr id="20" name="Oval 19"/>
-          <p:cNvSpPr/>
-          <p:nvPr/>
-        </p:nvSpPr>
-        <p:spPr>
-          <a:xfrm>
-            <a:off x="1270640" y="1774753"/>
-            <a:ext cx="731520" cy="731520"/>
-          </a:xfrm>
-          <a:prstGeom prst="ellipse">
-            <a:avLst/>
-          </a:prstGeom>
-        </p:spPr>
-        <p:style>
-          <a:lnRef idx="2">
-            <a:schemeClr val="accent1">
-              <a:shade val="50000"/>
-            </a:schemeClr>
-          </a:lnRef>
-          <a:fillRef idx="1">
-            <a:schemeClr val="accent1"/>
-          </a:fillRef>
-          <a:effectRef idx="0">
-            <a:schemeClr val="accent1"/>
-          </a:effectRef>
-          <a:fontRef idx="minor">
-            <a:schemeClr val="lt1"/>
-          </a:fontRef>
-        </p:style>
-        <p:txBody>
-          <a:bodyPr rtlCol="0" anchor="ctr"/>
-          <a:lstStyle/>
-          <a:p>
-            <a:pPr algn="ctr"/>
-            <a:r>
-              <a:rPr lang="en-PH" sz="3200" dirty="0"/>
-              <a:t>5</a:t>
-            </a:r>
-          </a:p>
-        </p:txBody>
-      </p:sp>
-      <p:sp>
-        <p:nvSpPr>
-          <p:cNvPr id="22" name="TextBox 21"/>
+          <p:cNvPr id="35" name="TextBox 34"/>
           <p:cNvSpPr txBox="1"/>
           <p:nvPr/>
         </p:nvSpPr>
         <p:spPr>
           <a:xfrm>
-            <a:off x="5320851" y="3736262"/>
-            <a:ext cx="1503997" cy="461665"/>
+            <a:off x="5477598" y="3665207"/>
+            <a:ext cx="1503997" cy="646331"/>
           </a:xfrm>
           <a:prstGeom prst="rect">
             <a:avLst/>
@@ -16186,21 +15208,29 @@
             <a:pPr algn="ctr"/>
             <a:r>
               <a:rPr lang="en-PH" sz="1200" dirty="0"/>
-              <a:t>Hash value verification</a:t>
-            </a:r>
-          </a:p>
-        </p:txBody>
-      </p:sp>
-      <p:sp>
-        <p:nvSpPr>
-          <p:cNvPr id="23" name="TextBox 22"/>
+              <a:t>Key exchange using </a:t>
+            </a:r>
+            <a:r>
+              <a:rPr lang="en-PH" sz="1200" dirty="0" err="1"/>
+              <a:t>Diffie</a:t>
+            </a:r>
+            <a:r>
+              <a:rPr lang="en-PH" sz="1200" dirty="0"/>
+              <a:t>-Hellman algorithm</a:t>
+            </a:r>
+          </a:p>
+        </p:txBody>
+      </p:sp>
+      <p:sp>
+        <p:nvSpPr>
+          <p:cNvPr id="38" name="TextBox 37"/>
           <p:cNvSpPr txBox="1"/>
           <p:nvPr/>
         </p:nvSpPr>
         <p:spPr>
           <a:xfrm>
-            <a:off x="7370802" y="3967094"/>
-            <a:ext cx="1503997" cy="461665"/>
+            <a:off x="7455914" y="3948620"/>
+            <a:ext cx="1503997" cy="646331"/>
           </a:xfrm>
           <a:prstGeom prst="rect">
             <a:avLst/>
@@ -16216,7 +15246,15 @@
             <a:pPr algn="ctr"/>
             <a:r>
               <a:rPr lang="en-PH" sz="1200" dirty="0"/>
-              <a:t>Hash value verification</a:t>
+              <a:t>Key exchange using </a:t>
+            </a:r>
+            <a:r>
+              <a:rPr lang="en-PH" sz="1200" dirty="0" err="1"/>
+              <a:t>Diffie</a:t>
+            </a:r>
+            <a:r>
+              <a:rPr lang="en-PH" sz="1200" dirty="0"/>
+              <a:t>-Hellman algorithm</a:t>
             </a:r>
           </a:p>
         </p:txBody>
@@ -16224,7 +15262,7 @@
     </p:spTree>
     <p:extLst>
       <p:ext uri="{BB962C8B-B14F-4D97-AF65-F5344CB8AC3E}">
-        <p14:creationId xmlns:p14="http://schemas.microsoft.com/office/powerpoint/2010/main" val="3818953530"/>
+        <p14:creationId xmlns:p14="http://schemas.microsoft.com/office/powerpoint/2010/main" val="2982356189"/>
       </p:ext>
     </p:extLst>
   </p:cSld>
@@ -16268,7 +15306,7 @@
           <a:p>
             <a:r>
               <a:rPr lang="en-PH" dirty="0"/>
-              <a:t>Current System</a:t>
+              <a:t>Proposed System</a:t>
             </a:r>
           </a:p>
         </p:txBody>
@@ -16335,64 +15373,547 @@
       </p:pic>
       <p:sp>
         <p:nvSpPr>
-          <p:cNvPr id="3" name="Content Placeholder 2"/>
-          <p:cNvSpPr>
-            <a:spLocks noGrp="1"/>
-          </p:cNvSpPr>
+          <p:cNvPr id="26" name="TextBox 25"/>
+          <p:cNvSpPr txBox="1"/>
+          <p:nvPr/>
+        </p:nvSpPr>
+        <p:spPr>
+          <a:xfrm>
+            <a:off x="4687962" y="5294236"/>
+            <a:ext cx="1539240" cy="369332"/>
+          </a:xfrm>
+          <a:prstGeom prst="rect">
+            <a:avLst/>
+          </a:prstGeom>
+          <a:noFill/>
+        </p:spPr>
+        <p:txBody>
+          <a:bodyPr wrap="square" rtlCol="0">
+            <a:spAutoFit/>
+          </a:bodyPr>
+          <a:lstStyle/>
+          <a:p>
+            <a:pPr algn="ctr"/>
+            <a:r>
+              <a:rPr lang="en-PH" dirty="0"/>
+              <a:t>VCM</a:t>
+            </a:r>
+          </a:p>
+        </p:txBody>
+      </p:sp>
+      <p:sp>
+        <p:nvSpPr>
+          <p:cNvPr id="30" name="TextBox 29"/>
+          <p:cNvSpPr txBox="1"/>
+          <p:nvPr/>
+        </p:nvSpPr>
+        <p:spPr>
+          <a:xfrm>
+            <a:off x="4556165" y="1942509"/>
+            <a:ext cx="1842868" cy="369332"/>
+          </a:xfrm>
+          <a:prstGeom prst="rect">
+            <a:avLst/>
+          </a:prstGeom>
+          <a:noFill/>
+        </p:spPr>
+        <p:txBody>
+          <a:bodyPr wrap="square" rtlCol="0">
+            <a:spAutoFit/>
+          </a:bodyPr>
+          <a:lstStyle/>
+          <a:p>
+            <a:pPr algn="ctr"/>
+            <a:r>
+              <a:rPr lang="en-PH" dirty="0"/>
+              <a:t>Central Server</a:t>
+            </a:r>
+          </a:p>
+        </p:txBody>
+      </p:sp>
+      <p:sp>
+        <p:nvSpPr>
+          <p:cNvPr id="31" name="TextBox 30"/>
+          <p:cNvSpPr txBox="1"/>
+          <p:nvPr/>
+        </p:nvSpPr>
+        <p:spPr>
+          <a:xfrm>
+            <a:off x="6413203" y="1693645"/>
+            <a:ext cx="1842868" cy="646331"/>
+          </a:xfrm>
+          <a:prstGeom prst="rect">
+            <a:avLst/>
+          </a:prstGeom>
+          <a:noFill/>
+        </p:spPr>
+        <p:txBody>
+          <a:bodyPr wrap="square" rtlCol="0">
+            <a:spAutoFit/>
+          </a:bodyPr>
+          <a:lstStyle/>
+          <a:p>
+            <a:pPr algn="ctr"/>
+            <a:r>
+              <a:rPr lang="en-PH" dirty="0"/>
+              <a:t>Transparency Server</a:t>
+            </a:r>
+          </a:p>
+        </p:txBody>
+      </p:sp>
+      <p:sp>
+        <p:nvSpPr>
+          <p:cNvPr id="32" name="TextBox 31"/>
+          <p:cNvSpPr txBox="1"/>
+          <p:nvPr/>
+        </p:nvSpPr>
+        <p:spPr>
+          <a:xfrm>
+            <a:off x="4556165" y="2246366"/>
+            <a:ext cx="1842868" cy="276999"/>
+          </a:xfrm>
+          <a:prstGeom prst="rect">
+            <a:avLst/>
+          </a:prstGeom>
+          <a:noFill/>
+        </p:spPr>
+        <p:txBody>
+          <a:bodyPr wrap="square" rtlCol="0">
+            <a:spAutoFit/>
+          </a:bodyPr>
+          <a:lstStyle/>
+          <a:p>
+            <a:pPr algn="ctr"/>
+            <a:r>
+              <a:rPr lang="en-PH" sz="1200" dirty="0"/>
+              <a:t>Handled by COMELEC</a:t>
+            </a:r>
+          </a:p>
+        </p:txBody>
+      </p:sp>
+      <p:sp>
+        <p:nvSpPr>
+          <p:cNvPr id="33" name="TextBox 32"/>
+          <p:cNvSpPr txBox="1"/>
+          <p:nvPr/>
+        </p:nvSpPr>
+        <p:spPr>
+          <a:xfrm>
+            <a:off x="6413203" y="2246362"/>
+            <a:ext cx="1842868" cy="276999"/>
+          </a:xfrm>
+          <a:prstGeom prst="rect">
+            <a:avLst/>
+          </a:prstGeom>
+          <a:noFill/>
+        </p:spPr>
+        <p:txBody>
+          <a:bodyPr wrap="square" rtlCol="0">
+            <a:spAutoFit/>
+          </a:bodyPr>
+          <a:lstStyle/>
+          <a:p>
+            <a:pPr algn="ctr"/>
+            <a:r>
+              <a:rPr lang="en-PH" sz="1200" dirty="0"/>
+              <a:t>Handled by PPCRV</a:t>
+            </a:r>
+          </a:p>
+        </p:txBody>
+      </p:sp>
+      <p:pic>
+        <p:nvPicPr>
+          <p:cNvPr id="8" name="Picture 7"/>
+          <p:cNvPicPr>
+            <a:picLocks noChangeAspect="1"/>
+          </p:cNvPicPr>
+          <p:nvPr/>
+        </p:nvPicPr>
+        <p:blipFill>
+          <a:blip r:embed="rId5">
+            <a:extLst>
+              <a:ext uri="{28A0092B-C50C-407E-A947-70E740481C1C}">
+                <a14:useLocalDpi xmlns:a14="http://schemas.microsoft.com/office/drawing/2010/main" val="0"/>
+              </a:ext>
+            </a:extLst>
+          </a:blip>
+          <a:stretch>
+            <a:fillRect/>
+          </a:stretch>
+        </p:blipFill>
+        <p:spPr>
+          <a:xfrm>
+            <a:off x="5003281" y="2587876"/>
+            <a:ext cx="948637" cy="948637"/>
+          </a:xfrm>
+          <a:prstGeom prst="rect">
+            <a:avLst/>
+          </a:prstGeom>
+        </p:spPr>
+      </p:pic>
+      <p:pic>
+        <p:nvPicPr>
+          <p:cNvPr id="6" name="Content Placeholder 5"/>
+          <p:cNvPicPr>
+            <a:picLocks noGrp="1" noChangeAspect="1"/>
+          </p:cNvPicPr>
           <p:nvPr>
             <p:ph idx="1"/>
           </p:nvPr>
-        </p:nvSpPr>
-        <p:spPr>
-          <a:xfrm>
-            <a:off x="924103" y="1518410"/>
-            <a:ext cx="9204635" cy="4980276"/>
-          </a:xfrm>
-        </p:spPr>
-        <p:txBody>
-          <a:bodyPr>
-            <a:normAutofit/>
+        </p:nvPicPr>
+        <p:blipFill>
+          <a:blip r:embed="rId6">
+            <a:extLst>
+              <a:ext uri="{28A0092B-C50C-407E-A947-70E740481C1C}">
+                <a14:useLocalDpi xmlns:a14="http://schemas.microsoft.com/office/drawing/2010/main" val="0"/>
+              </a:ext>
+            </a:extLst>
+          </a:blip>
+          <a:stretch>
+            <a:fillRect/>
+          </a:stretch>
+        </p:blipFill>
+        <p:spPr>
+          <a:xfrm>
+            <a:off x="4846532" y="4214331"/>
+            <a:ext cx="1262135" cy="1262135"/>
+          </a:xfrm>
+        </p:spPr>
+      </p:pic>
+      <p:pic>
+        <p:nvPicPr>
+          <p:cNvPr id="39" name="Picture 38"/>
+          <p:cNvPicPr>
+            <a:picLocks noChangeAspect="1"/>
+          </p:cNvPicPr>
+          <p:nvPr/>
+        </p:nvPicPr>
+        <p:blipFill>
+          <a:blip r:embed="rId5">
+            <a:extLst>
+              <a:ext uri="{28A0092B-C50C-407E-A947-70E740481C1C}">
+                <a14:useLocalDpi xmlns:a14="http://schemas.microsoft.com/office/drawing/2010/main" val="0"/>
+              </a:ext>
+            </a:extLst>
+          </a:blip>
+          <a:stretch>
+            <a:fillRect/>
+          </a:stretch>
+        </p:blipFill>
+        <p:spPr>
+          <a:xfrm>
+            <a:off x="3118108" y="2587875"/>
+            <a:ext cx="948637" cy="948637"/>
+          </a:xfrm>
+          <a:prstGeom prst="rect">
+            <a:avLst/>
+          </a:prstGeom>
+        </p:spPr>
+      </p:pic>
+      <p:pic>
+        <p:nvPicPr>
+          <p:cNvPr id="12" name="Picture 11"/>
+          <p:cNvPicPr>
+            <a:picLocks noChangeAspect="1"/>
+          </p:cNvPicPr>
+          <p:nvPr/>
+        </p:nvPicPr>
+        <p:blipFill>
+          <a:blip r:embed="rId5">
+            <a:extLst>
+              <a:ext uri="{28A0092B-C50C-407E-A947-70E740481C1C}">
+                <a14:useLocalDpi xmlns:a14="http://schemas.microsoft.com/office/drawing/2010/main" val="0"/>
+              </a:ext>
+            </a:extLst>
+          </a:blip>
+          <a:stretch>
+            <a:fillRect/>
+          </a:stretch>
+        </p:blipFill>
+        <p:spPr>
+          <a:xfrm>
+            <a:off x="6860319" y="2587876"/>
+            <a:ext cx="948637" cy="948637"/>
+          </a:xfrm>
+          <a:prstGeom prst="rect">
+            <a:avLst/>
+          </a:prstGeom>
+        </p:spPr>
+      </p:pic>
+      <p:sp>
+        <p:nvSpPr>
+          <p:cNvPr id="37" name="TextBox 36"/>
+          <p:cNvSpPr txBox="1"/>
+          <p:nvPr/>
+        </p:nvSpPr>
+        <p:spPr>
+          <a:xfrm>
+            <a:off x="1969895" y="3948621"/>
+            <a:ext cx="1503997" cy="646331"/>
+          </a:xfrm>
+          <a:prstGeom prst="rect">
+            <a:avLst/>
+          </a:prstGeom>
+          <a:noFill/>
+        </p:spPr>
+        <p:txBody>
+          <a:bodyPr wrap="square" rtlCol="0">
+            <a:spAutoFit/>
           </a:bodyPr>
           <a:lstStyle/>
           <a:p>
-            <a:r>
-              <a:rPr lang="en-PH" dirty="0"/>
-              <a:t>Only uses a hash function to know if the source code have been tampered with.</a:t>
-            </a:r>
-          </a:p>
-          <a:p>
-            <a:r>
-              <a:rPr lang="en-PH" dirty="0"/>
-              <a:t>The system uses MD5 to be specific.</a:t>
-            </a:r>
-          </a:p>
-          <a:p>
-            <a:r>
-              <a:rPr lang="en-PH" dirty="0"/>
-              <a:t>This generates a hash code, which serves as the digital fingerprint of the file.</a:t>
-            </a:r>
-          </a:p>
-          <a:p>
-            <a:r>
-              <a:rPr lang="en-PH" dirty="0"/>
-              <a:t>The hash code is the assurance that whatever has been tested will be the same for the machines that will be used for the elections.</a:t>
-            </a:r>
-          </a:p>
-          <a:p>
-            <a:endParaRPr lang="en-PH" dirty="0"/>
-          </a:p>
-          <a:p>
-            <a:endParaRPr lang="en-PH" dirty="0"/>
-          </a:p>
-          <a:p>
-            <a:endParaRPr lang="en-PH" dirty="0"/>
+            <a:pPr algn="ctr"/>
+            <a:r>
+              <a:rPr lang="en-PH" sz="1200" dirty="0"/>
+              <a:t>Encrypted election returns using the generated key</a:t>
+            </a:r>
+          </a:p>
+        </p:txBody>
+      </p:sp>
+      <p:sp>
+        <p:nvSpPr>
+          <p:cNvPr id="27" name="TextBox 26"/>
+          <p:cNvSpPr txBox="1"/>
+          <p:nvPr/>
+        </p:nvSpPr>
+        <p:spPr>
+          <a:xfrm>
+            <a:off x="2670992" y="1848126"/>
+            <a:ext cx="1842868" cy="584775"/>
+          </a:xfrm>
+          <a:prstGeom prst="rect">
+            <a:avLst/>
+          </a:prstGeom>
+          <a:noFill/>
+        </p:spPr>
+        <p:txBody>
+          <a:bodyPr wrap="square" rtlCol="0">
+            <a:spAutoFit/>
+          </a:bodyPr>
+          <a:lstStyle/>
+          <a:p>
+            <a:pPr algn="ctr"/>
+            <a:r>
+              <a:rPr lang="en-PH" sz="1600" dirty="0"/>
+              <a:t>Consolidation and Canvassing Server</a:t>
+            </a:r>
+          </a:p>
+        </p:txBody>
+      </p:sp>
+      <p:cxnSp>
+        <p:nvCxnSpPr>
+          <p:cNvPr id="9" name="Connector: Elbow 8"/>
+          <p:cNvCxnSpPr>
+            <a:stCxn id="6" idx="1"/>
+            <a:endCxn id="39" idx="2"/>
+          </p:cNvCxnSpPr>
+          <p:nvPr/>
+        </p:nvCxnSpPr>
+        <p:spPr>
+          <a:xfrm rot="10800000">
+            <a:off x="3592428" y="3536513"/>
+            <a:ext cx="1254105" cy="1308887"/>
+          </a:xfrm>
+          <a:prstGeom prst="bentConnector2">
+            <a:avLst/>
+          </a:prstGeom>
+          <a:ln>
+            <a:tailEnd type="triangle"/>
+          </a:ln>
+        </p:spPr>
+        <p:style>
+          <a:lnRef idx="1">
+            <a:schemeClr val="accent1"/>
+          </a:lnRef>
+          <a:fillRef idx="0">
+            <a:schemeClr val="accent1"/>
+          </a:fillRef>
+          <a:effectRef idx="0">
+            <a:schemeClr val="accent1"/>
+          </a:effectRef>
+          <a:fontRef idx="minor">
+            <a:schemeClr val="tx1"/>
+          </a:fontRef>
+        </p:style>
+      </p:cxnSp>
+      <p:cxnSp>
+        <p:nvCxnSpPr>
+          <p:cNvPr id="11" name="Straight Arrow Connector 10"/>
+          <p:cNvCxnSpPr>
+            <a:endCxn id="8" idx="2"/>
+          </p:cNvCxnSpPr>
+          <p:nvPr/>
+        </p:nvCxnSpPr>
+        <p:spPr>
+          <a:xfrm flipV="1">
+            <a:off x="5477600" y="3536513"/>
+            <a:ext cx="0" cy="873772"/>
+          </a:xfrm>
+          <a:prstGeom prst="straightConnector1">
+            <a:avLst/>
+          </a:prstGeom>
+          <a:ln>
+            <a:tailEnd type="triangle"/>
+          </a:ln>
+        </p:spPr>
+        <p:style>
+          <a:lnRef idx="1">
+            <a:schemeClr val="accent1"/>
+          </a:lnRef>
+          <a:fillRef idx="0">
+            <a:schemeClr val="accent1"/>
+          </a:fillRef>
+          <a:effectRef idx="0">
+            <a:schemeClr val="accent1"/>
+          </a:effectRef>
+          <a:fontRef idx="minor">
+            <a:schemeClr val="tx1"/>
+          </a:fontRef>
+        </p:style>
+      </p:cxnSp>
+      <p:cxnSp>
+        <p:nvCxnSpPr>
+          <p:cNvPr id="17" name="Connector: Elbow 16"/>
+          <p:cNvCxnSpPr>
+            <a:stCxn id="6" idx="3"/>
+            <a:endCxn id="12" idx="2"/>
+          </p:cNvCxnSpPr>
+          <p:nvPr/>
+        </p:nvCxnSpPr>
+        <p:spPr>
+          <a:xfrm flipV="1">
+            <a:off x="6108667" y="3536513"/>
+            <a:ext cx="1225971" cy="1308886"/>
+          </a:xfrm>
+          <a:prstGeom prst="bentConnector2">
+            <a:avLst/>
+          </a:prstGeom>
+          <a:ln>
+            <a:tailEnd type="triangle"/>
+          </a:ln>
+        </p:spPr>
+        <p:style>
+          <a:lnRef idx="1">
+            <a:schemeClr val="accent1"/>
+          </a:lnRef>
+          <a:fillRef idx="0">
+            <a:schemeClr val="accent1"/>
+          </a:fillRef>
+          <a:effectRef idx="0">
+            <a:schemeClr val="accent1"/>
+          </a:effectRef>
+          <a:fontRef idx="minor">
+            <a:schemeClr val="tx1"/>
+          </a:fontRef>
+        </p:style>
+      </p:cxnSp>
+      <p:sp>
+        <p:nvSpPr>
+          <p:cNvPr id="20" name="Oval 19"/>
+          <p:cNvSpPr/>
+          <p:nvPr/>
+        </p:nvSpPr>
+        <p:spPr>
+          <a:xfrm>
+            <a:off x="1270640" y="1774753"/>
+            <a:ext cx="731520" cy="731520"/>
+          </a:xfrm>
+          <a:prstGeom prst="ellipse">
+            <a:avLst/>
+          </a:prstGeom>
+        </p:spPr>
+        <p:style>
+          <a:lnRef idx="2">
+            <a:schemeClr val="accent1">
+              <a:shade val="50000"/>
+            </a:schemeClr>
+          </a:lnRef>
+          <a:fillRef idx="1">
+            <a:schemeClr val="accent1"/>
+          </a:fillRef>
+          <a:effectRef idx="0">
+            <a:schemeClr val="accent1"/>
+          </a:effectRef>
+          <a:fontRef idx="minor">
+            <a:schemeClr val="lt1"/>
+          </a:fontRef>
+        </p:style>
+        <p:txBody>
+          <a:bodyPr rtlCol="0" anchor="ctr"/>
+          <a:lstStyle/>
+          <a:p>
+            <a:pPr algn="ctr"/>
+            <a:r>
+              <a:rPr lang="en-PH" sz="3200" dirty="0"/>
+              <a:t>4</a:t>
+            </a:r>
+          </a:p>
+        </p:txBody>
+      </p:sp>
+      <p:sp>
+        <p:nvSpPr>
+          <p:cNvPr id="22" name="TextBox 21"/>
+          <p:cNvSpPr txBox="1"/>
+          <p:nvPr/>
+        </p:nvSpPr>
+        <p:spPr>
+          <a:xfrm>
+            <a:off x="5435215" y="3650233"/>
+            <a:ext cx="1503997" cy="646331"/>
+          </a:xfrm>
+          <a:prstGeom prst="rect">
+            <a:avLst/>
+          </a:prstGeom>
+          <a:noFill/>
+        </p:spPr>
+        <p:txBody>
+          <a:bodyPr wrap="square" rtlCol="0">
+            <a:spAutoFit/>
+          </a:bodyPr>
+          <a:lstStyle/>
+          <a:p>
+            <a:pPr algn="ctr"/>
+            <a:r>
+              <a:rPr lang="en-PH" sz="1200" dirty="0"/>
+              <a:t>Encrypted election returns using the generated key</a:t>
+            </a:r>
+          </a:p>
+        </p:txBody>
+      </p:sp>
+      <p:sp>
+        <p:nvSpPr>
+          <p:cNvPr id="23" name="TextBox 22"/>
+          <p:cNvSpPr txBox="1"/>
+          <p:nvPr/>
+        </p:nvSpPr>
+        <p:spPr>
+          <a:xfrm>
+            <a:off x="7449347" y="3948620"/>
+            <a:ext cx="1503997" cy="646331"/>
+          </a:xfrm>
+          <a:prstGeom prst="rect">
+            <a:avLst/>
+          </a:prstGeom>
+          <a:noFill/>
+        </p:spPr>
+        <p:txBody>
+          <a:bodyPr wrap="square" rtlCol="0">
+            <a:spAutoFit/>
+          </a:bodyPr>
+          <a:lstStyle/>
+          <a:p>
+            <a:pPr algn="ctr"/>
+            <a:r>
+              <a:rPr lang="en-PH" sz="1200" dirty="0"/>
+              <a:t>Encrypted election returns using the generated key</a:t>
+            </a:r>
           </a:p>
         </p:txBody>
       </p:sp>
     </p:spTree>
     <p:extLst>
       <p:ext uri="{BB962C8B-B14F-4D97-AF65-F5344CB8AC3E}">
-        <p14:creationId xmlns:p14="http://schemas.microsoft.com/office/powerpoint/2010/main" val="1587596680"/>
+        <p14:creationId xmlns:p14="http://schemas.microsoft.com/office/powerpoint/2010/main" val="544009215"/>
       </p:ext>
     </p:extLst>
   </p:cSld>
@@ -16436,7 +15957,7 @@
           <a:p>
             <a:r>
               <a:rPr lang="en-PH" dirty="0"/>
-              <a:t>Current System</a:t>
+              <a:t>Proposed System</a:t>
             </a:r>
           </a:p>
         </p:txBody>
@@ -16503,65 +16024,539 @@
       </p:pic>
       <p:sp>
         <p:nvSpPr>
-          <p:cNvPr id="3" name="Content Placeholder 2"/>
-          <p:cNvSpPr>
-            <a:spLocks noGrp="1"/>
-          </p:cNvSpPr>
+          <p:cNvPr id="26" name="TextBox 25"/>
+          <p:cNvSpPr txBox="1"/>
+          <p:nvPr/>
+        </p:nvSpPr>
+        <p:spPr>
+          <a:xfrm>
+            <a:off x="4687962" y="5294236"/>
+            <a:ext cx="1539240" cy="369332"/>
+          </a:xfrm>
+          <a:prstGeom prst="rect">
+            <a:avLst/>
+          </a:prstGeom>
+          <a:noFill/>
+        </p:spPr>
+        <p:txBody>
+          <a:bodyPr wrap="square" rtlCol="0">
+            <a:spAutoFit/>
+          </a:bodyPr>
+          <a:lstStyle/>
+          <a:p>
+            <a:pPr algn="ctr"/>
+            <a:r>
+              <a:rPr lang="en-PH" dirty="0"/>
+              <a:t>VCM</a:t>
+            </a:r>
+          </a:p>
+        </p:txBody>
+      </p:sp>
+      <p:sp>
+        <p:nvSpPr>
+          <p:cNvPr id="30" name="TextBox 29"/>
+          <p:cNvSpPr txBox="1"/>
+          <p:nvPr/>
+        </p:nvSpPr>
+        <p:spPr>
+          <a:xfrm>
+            <a:off x="4556165" y="1942509"/>
+            <a:ext cx="1842868" cy="369332"/>
+          </a:xfrm>
+          <a:prstGeom prst="rect">
+            <a:avLst/>
+          </a:prstGeom>
+          <a:noFill/>
+        </p:spPr>
+        <p:txBody>
+          <a:bodyPr wrap="square" rtlCol="0">
+            <a:spAutoFit/>
+          </a:bodyPr>
+          <a:lstStyle/>
+          <a:p>
+            <a:pPr algn="ctr"/>
+            <a:r>
+              <a:rPr lang="en-PH" dirty="0"/>
+              <a:t>Central Server</a:t>
+            </a:r>
+          </a:p>
+        </p:txBody>
+      </p:sp>
+      <p:sp>
+        <p:nvSpPr>
+          <p:cNvPr id="31" name="TextBox 30"/>
+          <p:cNvSpPr txBox="1"/>
+          <p:nvPr/>
+        </p:nvSpPr>
+        <p:spPr>
+          <a:xfrm>
+            <a:off x="6413203" y="1693645"/>
+            <a:ext cx="1842868" cy="646331"/>
+          </a:xfrm>
+          <a:prstGeom prst="rect">
+            <a:avLst/>
+          </a:prstGeom>
+          <a:noFill/>
+        </p:spPr>
+        <p:txBody>
+          <a:bodyPr wrap="square" rtlCol="0">
+            <a:spAutoFit/>
+          </a:bodyPr>
+          <a:lstStyle/>
+          <a:p>
+            <a:pPr algn="ctr"/>
+            <a:r>
+              <a:rPr lang="en-PH" dirty="0"/>
+              <a:t>Transparency Server</a:t>
+            </a:r>
+          </a:p>
+        </p:txBody>
+      </p:sp>
+      <p:sp>
+        <p:nvSpPr>
+          <p:cNvPr id="32" name="TextBox 31"/>
+          <p:cNvSpPr txBox="1"/>
+          <p:nvPr/>
+        </p:nvSpPr>
+        <p:spPr>
+          <a:xfrm>
+            <a:off x="4556165" y="2246366"/>
+            <a:ext cx="1842868" cy="276999"/>
+          </a:xfrm>
+          <a:prstGeom prst="rect">
+            <a:avLst/>
+          </a:prstGeom>
+          <a:noFill/>
+        </p:spPr>
+        <p:txBody>
+          <a:bodyPr wrap="square" rtlCol="0">
+            <a:spAutoFit/>
+          </a:bodyPr>
+          <a:lstStyle/>
+          <a:p>
+            <a:pPr algn="ctr"/>
+            <a:r>
+              <a:rPr lang="en-PH" sz="1200" dirty="0"/>
+              <a:t>Handled by COMELEC</a:t>
+            </a:r>
+          </a:p>
+        </p:txBody>
+      </p:sp>
+      <p:sp>
+        <p:nvSpPr>
+          <p:cNvPr id="33" name="TextBox 32"/>
+          <p:cNvSpPr txBox="1"/>
+          <p:nvPr/>
+        </p:nvSpPr>
+        <p:spPr>
+          <a:xfrm>
+            <a:off x="6413203" y="2246362"/>
+            <a:ext cx="1842868" cy="276999"/>
+          </a:xfrm>
+          <a:prstGeom prst="rect">
+            <a:avLst/>
+          </a:prstGeom>
+          <a:noFill/>
+        </p:spPr>
+        <p:txBody>
+          <a:bodyPr wrap="square" rtlCol="0">
+            <a:spAutoFit/>
+          </a:bodyPr>
+          <a:lstStyle/>
+          <a:p>
+            <a:pPr algn="ctr"/>
+            <a:r>
+              <a:rPr lang="en-PH" sz="1200" dirty="0"/>
+              <a:t>Handled by PPCRV</a:t>
+            </a:r>
+          </a:p>
+        </p:txBody>
+      </p:sp>
+      <p:pic>
+        <p:nvPicPr>
+          <p:cNvPr id="8" name="Picture 7"/>
+          <p:cNvPicPr>
+            <a:picLocks noChangeAspect="1"/>
+          </p:cNvPicPr>
+          <p:nvPr/>
+        </p:nvPicPr>
+        <p:blipFill>
+          <a:blip r:embed="rId5">
+            <a:extLst>
+              <a:ext uri="{28A0092B-C50C-407E-A947-70E740481C1C}">
+                <a14:useLocalDpi xmlns:a14="http://schemas.microsoft.com/office/drawing/2010/main" val="0"/>
+              </a:ext>
+            </a:extLst>
+          </a:blip>
+          <a:stretch>
+            <a:fillRect/>
+          </a:stretch>
+        </p:blipFill>
+        <p:spPr>
+          <a:xfrm>
+            <a:off x="5003281" y="2587876"/>
+            <a:ext cx="948637" cy="948637"/>
+          </a:xfrm>
+          <a:prstGeom prst="rect">
+            <a:avLst/>
+          </a:prstGeom>
+        </p:spPr>
+      </p:pic>
+      <p:pic>
+        <p:nvPicPr>
+          <p:cNvPr id="6" name="Content Placeholder 5"/>
+          <p:cNvPicPr>
+            <a:picLocks noGrp="1" noChangeAspect="1"/>
+          </p:cNvPicPr>
           <p:nvPr>
             <p:ph idx="1"/>
           </p:nvPr>
-        </p:nvSpPr>
-        <p:spPr>
-          <a:xfrm>
-            <a:off x="924103" y="1518410"/>
-            <a:ext cx="9653712" cy="4980276"/>
-          </a:xfrm>
-        </p:spPr>
-        <p:txBody>
-          <a:bodyPr>
-            <a:normAutofit/>
+        </p:nvPicPr>
+        <p:blipFill>
+          <a:blip r:embed="rId6">
+            <a:extLst>
+              <a:ext uri="{28A0092B-C50C-407E-A947-70E740481C1C}">
+                <a14:useLocalDpi xmlns:a14="http://schemas.microsoft.com/office/drawing/2010/main" val="0"/>
+              </a:ext>
+            </a:extLst>
+          </a:blip>
+          <a:stretch>
+            <a:fillRect/>
+          </a:stretch>
+        </p:blipFill>
+        <p:spPr>
+          <a:xfrm>
+            <a:off x="4846532" y="4214331"/>
+            <a:ext cx="1262135" cy="1262135"/>
+          </a:xfrm>
+        </p:spPr>
+      </p:pic>
+      <p:pic>
+        <p:nvPicPr>
+          <p:cNvPr id="39" name="Picture 38"/>
+          <p:cNvPicPr>
+            <a:picLocks noChangeAspect="1"/>
+          </p:cNvPicPr>
+          <p:nvPr/>
+        </p:nvPicPr>
+        <p:blipFill>
+          <a:blip r:embed="rId5">
+            <a:extLst>
+              <a:ext uri="{28A0092B-C50C-407E-A947-70E740481C1C}">
+                <a14:useLocalDpi xmlns:a14="http://schemas.microsoft.com/office/drawing/2010/main" val="0"/>
+              </a:ext>
+            </a:extLst>
+          </a:blip>
+          <a:stretch>
+            <a:fillRect/>
+          </a:stretch>
+        </p:blipFill>
+        <p:spPr>
+          <a:xfrm>
+            <a:off x="3118108" y="2587875"/>
+            <a:ext cx="948637" cy="948637"/>
+          </a:xfrm>
+          <a:prstGeom prst="rect">
+            <a:avLst/>
+          </a:prstGeom>
+        </p:spPr>
+      </p:pic>
+      <p:pic>
+        <p:nvPicPr>
+          <p:cNvPr id="12" name="Picture 11"/>
+          <p:cNvPicPr>
+            <a:picLocks noChangeAspect="1"/>
+          </p:cNvPicPr>
+          <p:nvPr/>
+        </p:nvPicPr>
+        <p:blipFill>
+          <a:blip r:embed="rId5">
+            <a:extLst>
+              <a:ext uri="{28A0092B-C50C-407E-A947-70E740481C1C}">
+                <a14:useLocalDpi xmlns:a14="http://schemas.microsoft.com/office/drawing/2010/main" val="0"/>
+              </a:ext>
+            </a:extLst>
+          </a:blip>
+          <a:stretch>
+            <a:fillRect/>
+          </a:stretch>
+        </p:blipFill>
+        <p:spPr>
+          <a:xfrm>
+            <a:off x="6860319" y="2587876"/>
+            <a:ext cx="948637" cy="948637"/>
+          </a:xfrm>
+          <a:prstGeom prst="rect">
+            <a:avLst/>
+          </a:prstGeom>
+        </p:spPr>
+      </p:pic>
+      <p:sp>
+        <p:nvSpPr>
+          <p:cNvPr id="37" name="TextBox 36"/>
+          <p:cNvSpPr txBox="1"/>
+          <p:nvPr/>
+        </p:nvSpPr>
+        <p:spPr>
+          <a:xfrm>
+            <a:off x="1969895" y="3948621"/>
+            <a:ext cx="1503997" cy="461665"/>
+          </a:xfrm>
+          <a:prstGeom prst="rect">
+            <a:avLst/>
+          </a:prstGeom>
+          <a:noFill/>
+        </p:spPr>
+        <p:txBody>
+          <a:bodyPr wrap="square" rtlCol="0">
+            <a:spAutoFit/>
           </a:bodyPr>
           <a:lstStyle/>
           <a:p>
-            <a:r>
-              <a:rPr lang="en-PH" dirty="0"/>
-              <a:t>However, many developers have already suggested to avoid the usage of the technology.</a:t>
-            </a:r>
-          </a:p>
-          <a:p>
-            <a:pPr lvl="1"/>
-            <a:r>
-              <a:rPr lang="en-PH" i="1" dirty="0"/>
-              <a:t>Carnegie Mellon University – Software Engineering Institute </a:t>
-            </a:r>
-            <a:r>
-              <a:rPr lang="en-PH" dirty="0"/>
-              <a:t>stated that: “Software developers, Certification Authorities, website owners, and users should avoid using the MD5 algorithm in any capacity. As previous research has demonstrated, it should be considered cryptographically broken and unsuitable for further use.”</a:t>
-            </a:r>
-          </a:p>
-          <a:p>
-            <a:pPr lvl="1"/>
-            <a:r>
-              <a:rPr lang="en-PH" dirty="0"/>
-              <a:t>Recently, </a:t>
-            </a:r>
-            <a:r>
-              <a:rPr lang="en-PH" i="1" dirty="0"/>
-              <a:t>Microsoft</a:t>
-            </a:r>
-            <a:r>
-              <a:rPr lang="en-PH" dirty="0"/>
-              <a:t> announced </a:t>
-            </a:r>
-            <a:r>
-              <a:rPr lang="en-PH" i="1" dirty="0">
-                <a:hlinkClick r:id="rId5"/>
-              </a:rPr>
-              <a:t>Security Advisory 2862973</a:t>
-            </a:r>
-            <a:r>
-              <a:rPr lang="en-PH" dirty="0"/>
-              <a:t> that will block the MD5 has algorithm. This hashing algorithm is quite long in the tooth and has not been a recommended hash for many years.</a:t>
+            <a:pPr algn="ctr"/>
+            <a:r>
+              <a:rPr lang="en-PH" sz="1200" dirty="0"/>
+              <a:t>Hash value verification</a:t>
+            </a:r>
+          </a:p>
+        </p:txBody>
+      </p:sp>
+      <p:sp>
+        <p:nvSpPr>
+          <p:cNvPr id="27" name="TextBox 26"/>
+          <p:cNvSpPr txBox="1"/>
+          <p:nvPr/>
+        </p:nvSpPr>
+        <p:spPr>
+          <a:xfrm>
+            <a:off x="2670992" y="1848126"/>
+            <a:ext cx="1842868" cy="584775"/>
+          </a:xfrm>
+          <a:prstGeom prst="rect">
+            <a:avLst/>
+          </a:prstGeom>
+          <a:noFill/>
+        </p:spPr>
+        <p:txBody>
+          <a:bodyPr wrap="square" rtlCol="0">
+            <a:spAutoFit/>
+          </a:bodyPr>
+          <a:lstStyle/>
+          <a:p>
+            <a:pPr algn="ctr"/>
+            <a:r>
+              <a:rPr lang="en-PH" sz="1600" dirty="0"/>
+              <a:t>Consolidation and Canvassing Server</a:t>
+            </a:r>
+          </a:p>
+        </p:txBody>
+      </p:sp>
+      <p:cxnSp>
+        <p:nvCxnSpPr>
+          <p:cNvPr id="9" name="Connector: Elbow 8"/>
+          <p:cNvCxnSpPr>
+            <a:stCxn id="39" idx="2"/>
+            <a:endCxn id="6" idx="1"/>
+          </p:cNvCxnSpPr>
+          <p:nvPr/>
+        </p:nvCxnSpPr>
+        <p:spPr>
+          <a:xfrm rot="16200000" flipH="1">
+            <a:off x="3565036" y="3563902"/>
+            <a:ext cx="1308887" cy="1254105"/>
+          </a:xfrm>
+          <a:prstGeom prst="bentConnector2">
+            <a:avLst/>
+          </a:prstGeom>
+          <a:ln>
+            <a:tailEnd type="triangle"/>
+          </a:ln>
+        </p:spPr>
+        <p:style>
+          <a:lnRef idx="1">
+            <a:schemeClr val="accent1"/>
+          </a:lnRef>
+          <a:fillRef idx="0">
+            <a:schemeClr val="accent1"/>
+          </a:fillRef>
+          <a:effectRef idx="0">
+            <a:schemeClr val="accent1"/>
+          </a:effectRef>
+          <a:fontRef idx="minor">
+            <a:schemeClr val="tx1"/>
+          </a:fontRef>
+        </p:style>
+      </p:cxnSp>
+      <p:cxnSp>
+        <p:nvCxnSpPr>
+          <p:cNvPr id="11" name="Straight Arrow Connector 10"/>
+          <p:cNvCxnSpPr>
+            <a:stCxn id="8" idx="2"/>
+          </p:cNvCxnSpPr>
+          <p:nvPr/>
+        </p:nvCxnSpPr>
+        <p:spPr>
+          <a:xfrm>
+            <a:off x="5477600" y="3536513"/>
+            <a:ext cx="0" cy="873772"/>
+          </a:xfrm>
+          <a:prstGeom prst="straightConnector1">
+            <a:avLst/>
+          </a:prstGeom>
+          <a:ln>
+            <a:tailEnd type="triangle"/>
+          </a:ln>
+        </p:spPr>
+        <p:style>
+          <a:lnRef idx="1">
+            <a:schemeClr val="accent1"/>
+          </a:lnRef>
+          <a:fillRef idx="0">
+            <a:schemeClr val="accent1"/>
+          </a:fillRef>
+          <a:effectRef idx="0">
+            <a:schemeClr val="accent1"/>
+          </a:effectRef>
+          <a:fontRef idx="minor">
+            <a:schemeClr val="tx1"/>
+          </a:fontRef>
+        </p:style>
+      </p:cxnSp>
+      <p:cxnSp>
+        <p:nvCxnSpPr>
+          <p:cNvPr id="17" name="Connector: Elbow 16"/>
+          <p:cNvCxnSpPr>
+            <a:stCxn id="12" idx="2"/>
+            <a:endCxn id="6" idx="3"/>
+          </p:cNvCxnSpPr>
+          <p:nvPr/>
+        </p:nvCxnSpPr>
+        <p:spPr>
+          <a:xfrm rot="5400000">
+            <a:off x="6067210" y="3577971"/>
+            <a:ext cx="1308886" cy="1225971"/>
+          </a:xfrm>
+          <a:prstGeom prst="bentConnector2">
+            <a:avLst/>
+          </a:prstGeom>
+          <a:ln>
+            <a:tailEnd type="triangle"/>
+          </a:ln>
+        </p:spPr>
+        <p:style>
+          <a:lnRef idx="1">
+            <a:schemeClr val="accent1"/>
+          </a:lnRef>
+          <a:fillRef idx="0">
+            <a:schemeClr val="accent1"/>
+          </a:fillRef>
+          <a:effectRef idx="0">
+            <a:schemeClr val="accent1"/>
+          </a:effectRef>
+          <a:fontRef idx="minor">
+            <a:schemeClr val="tx1"/>
+          </a:fontRef>
+        </p:style>
+      </p:cxnSp>
+      <p:sp>
+        <p:nvSpPr>
+          <p:cNvPr id="20" name="Oval 19"/>
+          <p:cNvSpPr/>
+          <p:nvPr/>
+        </p:nvSpPr>
+        <p:spPr>
+          <a:xfrm>
+            <a:off x="1270640" y="1774753"/>
+            <a:ext cx="731520" cy="731520"/>
+          </a:xfrm>
+          <a:prstGeom prst="ellipse">
+            <a:avLst/>
+          </a:prstGeom>
+        </p:spPr>
+        <p:style>
+          <a:lnRef idx="2">
+            <a:schemeClr val="accent1">
+              <a:shade val="50000"/>
+            </a:schemeClr>
+          </a:lnRef>
+          <a:fillRef idx="1">
+            <a:schemeClr val="accent1"/>
+          </a:fillRef>
+          <a:effectRef idx="0">
+            <a:schemeClr val="accent1"/>
+          </a:effectRef>
+          <a:fontRef idx="minor">
+            <a:schemeClr val="lt1"/>
+          </a:fontRef>
+        </p:style>
+        <p:txBody>
+          <a:bodyPr rtlCol="0" anchor="ctr"/>
+          <a:lstStyle/>
+          <a:p>
+            <a:pPr algn="ctr"/>
+            <a:r>
+              <a:rPr lang="en-PH" sz="3200" dirty="0"/>
+              <a:t>5</a:t>
+            </a:r>
+          </a:p>
+        </p:txBody>
+      </p:sp>
+      <p:sp>
+        <p:nvSpPr>
+          <p:cNvPr id="22" name="TextBox 21"/>
+          <p:cNvSpPr txBox="1"/>
+          <p:nvPr/>
+        </p:nvSpPr>
+        <p:spPr>
+          <a:xfrm>
+            <a:off x="5320851" y="3736262"/>
+            <a:ext cx="1503997" cy="461665"/>
+          </a:xfrm>
+          <a:prstGeom prst="rect">
+            <a:avLst/>
+          </a:prstGeom>
+          <a:noFill/>
+        </p:spPr>
+        <p:txBody>
+          <a:bodyPr wrap="square" rtlCol="0">
+            <a:spAutoFit/>
+          </a:bodyPr>
+          <a:lstStyle/>
+          <a:p>
+            <a:pPr algn="ctr"/>
+            <a:r>
+              <a:rPr lang="en-PH" sz="1200" dirty="0"/>
+              <a:t>Hash value verification</a:t>
+            </a:r>
+          </a:p>
+        </p:txBody>
+      </p:sp>
+      <p:sp>
+        <p:nvSpPr>
+          <p:cNvPr id="23" name="TextBox 22"/>
+          <p:cNvSpPr txBox="1"/>
+          <p:nvPr/>
+        </p:nvSpPr>
+        <p:spPr>
+          <a:xfrm>
+            <a:off x="7370802" y="3967094"/>
+            <a:ext cx="1503997" cy="461665"/>
+          </a:xfrm>
+          <a:prstGeom prst="rect">
+            <a:avLst/>
+          </a:prstGeom>
+          <a:noFill/>
+        </p:spPr>
+        <p:txBody>
+          <a:bodyPr wrap="square" rtlCol="0">
+            <a:spAutoFit/>
+          </a:bodyPr>
+          <a:lstStyle/>
+          <a:p>
+            <a:pPr algn="ctr"/>
+            <a:r>
+              <a:rPr lang="en-PH" sz="1200" dirty="0"/>
+              <a:t>Hash value verification</a:t>
             </a:r>
           </a:p>
         </p:txBody>
@@ -16569,7 +16564,7 @@
     </p:spTree>
     <p:extLst>
       <p:ext uri="{BB962C8B-B14F-4D97-AF65-F5344CB8AC3E}">
-        <p14:creationId xmlns:p14="http://schemas.microsoft.com/office/powerpoint/2010/main" val="1293617798"/>
+        <p14:creationId xmlns:p14="http://schemas.microsoft.com/office/powerpoint/2010/main" val="3818953530"/>
       </p:ext>
     </p:extLst>
   </p:cSld>
@@ -16747,8 +16742,8 @@
         </p:blipFill>
         <p:spPr>
           <a:xfrm>
-            <a:off x="2223987" y="3043356"/>
-            <a:ext cx="7053943" cy="3455330"/>
+            <a:off x="1499054" y="1961866"/>
+            <a:ext cx="8068765" cy="3952434"/>
           </a:xfrm>
           <a:prstGeom prst="rect">
             <a:avLst/>
@@ -16769,7 +16764,7 @@
 </file>
 
 <file path=ppt/slides/slide24.xml><?xml version="1.0" encoding="utf-8"?>
-<p:sld xmlns:a="http://schemas.openxmlformats.org/drawingml/2006/main" xmlns:r="http://schemas.openxmlformats.org/officeDocument/2006/relationships" xmlns:p="http://schemas.openxmlformats.org/presentationml/2006/main">
+<p:sld xmlns:a="http://schemas.openxmlformats.org/drawingml/2006/main" xmlns:r="http://schemas.openxmlformats.org/officeDocument/2006/relationships" xmlns:p="http://schemas.openxmlformats.org/presentationml/2006/main" show="0">
   <p:cSld>
     <p:spTree>
       <p:nvGrpSpPr>
@@ -16850,7 +16845,7 @@
 </file>
 
 <file path=ppt/slides/slide25.xml><?xml version="1.0" encoding="utf-8"?>
-<p:sld xmlns:a="http://schemas.openxmlformats.org/drawingml/2006/main" xmlns:r="http://schemas.openxmlformats.org/officeDocument/2006/relationships" xmlns:p="http://schemas.openxmlformats.org/presentationml/2006/main">
+<p:sld xmlns:a="http://schemas.openxmlformats.org/drawingml/2006/main" xmlns:r="http://schemas.openxmlformats.org/officeDocument/2006/relationships" xmlns:p="http://schemas.openxmlformats.org/presentationml/2006/main" show="0">
   <p:cSld>
     <p:spTree>
       <p:nvGrpSpPr>
@@ -16931,7 +16926,7 @@
 </file>
 
 <file path=ppt/slides/slide26.xml><?xml version="1.0" encoding="utf-8"?>
-<p:sld xmlns:a="http://schemas.openxmlformats.org/drawingml/2006/main" xmlns:r="http://schemas.openxmlformats.org/officeDocument/2006/relationships" xmlns:p="http://schemas.openxmlformats.org/presentationml/2006/main">
+<p:sld xmlns:a="http://schemas.openxmlformats.org/drawingml/2006/main" xmlns:r="http://schemas.openxmlformats.org/officeDocument/2006/relationships" xmlns:p="http://schemas.openxmlformats.org/presentationml/2006/main" show="0">
   <p:cSld>
     <p:spTree>
       <p:nvGrpSpPr>
@@ -17066,38 +17061,54 @@
         </p:nvSpPr>
         <p:spPr>
           <a:xfrm>
-            <a:off x="838200" y="1825625"/>
-            <a:ext cx="9867314" cy="4351338"/>
+            <a:off x="838200" y="1497496"/>
+            <a:ext cx="9896061" cy="4679467"/>
           </a:xfrm>
         </p:spPr>
         <p:txBody>
           <a:bodyPr>
-            <a:normAutofit/>
+            <a:normAutofit lnSpcReduction="10000"/>
           </a:bodyPr>
           <a:lstStyle/>
           <a:p>
             <a:r>
               <a:rPr lang="en-PH" dirty="0"/>
-              <a:t>MD5 is just a hash function – not encryption at all.</a:t>
+              <a:t>Moreover, there were no poll watchers assigned for these servers making it questionable to both the public and the administrators. </a:t>
             </a:r>
           </a:p>
           <a:p>
             <a:r>
               <a:rPr lang="en-PH" dirty="0"/>
-              <a:t>Furthermore, the law states that digital signatures must be incorporated to election returns to consider it as official.</a:t>
-            </a:r>
-          </a:p>
-          <a:p>
-            <a:pPr lvl="1"/>
+              <a:t>According to a statement made by Rodriguez, a representative of Marcos’ camp, the integrity of the 2016 May elections has been questioned because of the unexpected situation made by the </a:t>
+            </a:r>
+            <a:r>
+              <a:rPr lang="en-PH" dirty="0" err="1"/>
+              <a:t>Comelec</a:t>
+            </a:r>
             <a:r>
               <a:rPr lang="en-PH" dirty="0"/>
-              <a:t>According to the republic act 9369 section 22, </a:t>
-            </a:r>
-            <a:r>
-              <a:rPr lang="en-PH" i="1" dirty="0"/>
-              <a:t>“The election returns transmitted electronically and digitally signed shall be considered as official election results and shall be used as the basis for the canvassing of votes and the proclamation of a candidate”. </a:t>
-            </a:r>
-            <a:endParaRPr lang="en-PH" dirty="0"/>
+              <a:t> and </a:t>
+            </a:r>
+            <a:r>
+              <a:rPr lang="en-PH" dirty="0" err="1"/>
+              <a:t>Smartmatic</a:t>
+            </a:r>
+            <a:r>
+              <a:rPr lang="en-PH" dirty="0"/>
+              <a:t>.</a:t>
+            </a:r>
+          </a:p>
+          <a:p>
+            <a:r>
+              <a:rPr lang="en-PH" dirty="0"/>
+              <a:t>The ERs that were presented to the public did not come directly from the transparency server. </a:t>
+            </a:r>
+          </a:p>
+          <a:p>
+            <a:r>
+              <a:rPr lang="en-PH" dirty="0"/>
+              <a:t>Alternatively, the results were first transmitted to a “Queue Server” where they were “consolidated and processed” and the “Queue Server” sends the data to the transparency servers which is against the law. </a:t>
+            </a:r>
           </a:p>
         </p:txBody>
       </p:sp>
@@ -17123,7 +17134,7 @@
         </p:blipFill>
         <p:spPr>
           <a:xfrm>
-            <a:off x="10343804" y="4696690"/>
+            <a:off x="10595595" y="4723195"/>
             <a:ext cx="2435221" cy="2435221"/>
           </a:xfrm>
           <a:prstGeom prst="rect">
@@ -17153,7 +17164,7 @@
         </p:blipFill>
         <p:spPr>
           <a:xfrm>
-            <a:off x="10469217" y="3641336"/>
+            <a:off x="10734261" y="3561822"/>
             <a:ext cx="1391006" cy="1391006"/>
           </a:xfrm>
           <a:prstGeom prst="rect">
@@ -17164,7 +17175,7 @@
     </p:spTree>
     <p:extLst>
       <p:ext uri="{BB962C8B-B14F-4D97-AF65-F5344CB8AC3E}">
-        <p14:creationId xmlns:p14="http://schemas.microsoft.com/office/powerpoint/2010/main" val="2796707930"/>
+        <p14:creationId xmlns:p14="http://schemas.microsoft.com/office/powerpoint/2010/main" val="3315150344"/>
       </p:ext>
     </p:extLst>
   </p:cSld>
@@ -17208,7 +17219,7 @@
           <a:p>
             <a:r>
               <a:rPr lang="en-PH" dirty="0"/>
-              <a:t>Statement of the Problem</a:t>
+              <a:t>Background of the Problem</a:t>
             </a:r>
           </a:p>
         </p:txBody>
@@ -17223,26 +17234,80 @@
             <p:ph idx="1"/>
           </p:nvPr>
         </p:nvSpPr>
-        <p:spPr/>
+        <p:spPr>
+          <a:xfrm>
+            <a:off x="838200" y="1497496"/>
+            <a:ext cx="9896061" cy="4679467"/>
+          </a:xfrm>
+        </p:spPr>
         <p:txBody>
           <a:bodyPr>
             <a:normAutofit/>
           </a:bodyPr>
           <a:lstStyle/>
           <a:p>
-            <a:pPr marL="457200" lvl="1" indent="0" algn="ctr">
-              <a:buNone/>
-            </a:pPr>
-            <a:endParaRPr lang="en-PH" sz="3200" dirty="0"/>
-          </a:p>
-          <a:p>
-            <a:pPr marL="457200" lvl="1" indent="0" algn="ctr">
-              <a:buNone/>
-            </a:pPr>
-            <a:r>
-              <a:rPr lang="en-PH" sz="3200" dirty="0"/>
-              <a:t>How can the Philippine automated election system eliminate the possibility of secret servers to secure the transmission of election returns on the server-level?</a:t>
-            </a:r>
+            <a:r>
+              <a:rPr lang="en-PH" dirty="0"/>
+              <a:t>Furthermore, the ñ controversy showed that the entire automated election system uses a hash function called MD5.</a:t>
+            </a:r>
+          </a:p>
+          <a:p>
+            <a:r>
+              <a:rPr lang="en-PH" dirty="0" err="1"/>
+              <a:t>Comelec-Smartmatic</a:t>
+            </a:r>
+            <a:r>
+              <a:rPr lang="en-PH" dirty="0"/>
+              <a:t> still used it </a:t>
+            </a:r>
+            <a:r>
+              <a:rPr lang="en-PH" b="1" dirty="0"/>
+              <a:t>even if </a:t>
+            </a:r>
+            <a:r>
+              <a:rPr lang="en-PH" dirty="0"/>
+              <a:t>many developers have suggested to avoid the usage of the technology.</a:t>
+            </a:r>
+          </a:p>
+          <a:p>
+            <a:pPr lvl="1"/>
+            <a:r>
+              <a:rPr lang="en-PH" i="1" dirty="0"/>
+              <a:t>Carnegie Mellon University – Software Engineering Institute </a:t>
+            </a:r>
+            <a:r>
+              <a:rPr lang="en-PH" dirty="0"/>
+              <a:t>stated that: “Software developers, Certification Authorities, website owners, and users should avoid using the MD5 algorithm in any capacity. As previous research has demonstrated, it should be considered cryptographically broken and unsuitable for further use.”</a:t>
+            </a:r>
+          </a:p>
+          <a:p>
+            <a:pPr lvl="1"/>
+            <a:r>
+              <a:rPr lang="en-PH" dirty="0"/>
+              <a:t>Recently, </a:t>
+            </a:r>
+            <a:r>
+              <a:rPr lang="en-PH" i="1" dirty="0"/>
+              <a:t>Microsoft</a:t>
+            </a:r>
+            <a:r>
+              <a:rPr lang="en-PH" dirty="0"/>
+              <a:t> announced </a:t>
+            </a:r>
+            <a:r>
+              <a:rPr lang="en-PH" i="1" dirty="0">
+                <a:hlinkClick r:id="rId3"/>
+              </a:rPr>
+              <a:t>Security Advisory 2862973</a:t>
+            </a:r>
+            <a:r>
+              <a:rPr lang="en-PH" dirty="0"/>
+              <a:t> that will block the MD5 has algorithm. This hashing algorithm is quite long in the tooth and has not been a recommended hash for many years.</a:t>
+            </a:r>
+          </a:p>
+          <a:p>
+            <a:pPr lvl="1"/>
+            <a:endParaRPr lang="en-PH" dirty="0"/>
           </a:p>
         </p:txBody>
       </p:sp>
@@ -17255,7 +17320,7 @@
           <p:nvPr/>
         </p:nvPicPr>
         <p:blipFill>
-          <a:blip r:embed="rId3">
+          <a:blip r:embed="rId4">
             <a:extLst>
               <a:ext uri="{28A0092B-C50C-407E-A947-70E740481C1C}">
                 <a14:useLocalDpi xmlns:a14="http://schemas.microsoft.com/office/drawing/2010/main" val="0"/>
@@ -17268,7 +17333,7 @@
         </p:blipFill>
         <p:spPr>
           <a:xfrm>
-            <a:off x="10343804" y="4696690"/>
+            <a:off x="10595595" y="4723195"/>
             <a:ext cx="2435221" cy="2435221"/>
           </a:xfrm>
           <a:prstGeom prst="rect">
@@ -17285,7 +17350,7 @@
           <p:nvPr/>
         </p:nvPicPr>
         <p:blipFill>
-          <a:blip r:embed="rId4" cstate="hqprint">
+          <a:blip r:embed="rId5" cstate="hqprint">
             <a:extLst>
               <a:ext uri="{28A0092B-C50C-407E-A947-70E740481C1C}">
                 <a14:useLocalDpi xmlns:a14="http://schemas.microsoft.com/office/drawing/2010/main" val="0"/>
@@ -17298,7 +17363,7 @@
         </p:blipFill>
         <p:spPr>
           <a:xfrm>
-            <a:off x="9882312" y="4197927"/>
+            <a:off x="10734261" y="3561822"/>
             <a:ext cx="1391006" cy="1391006"/>
           </a:xfrm>
           <a:prstGeom prst="rect">
@@ -17309,7 +17374,7 @@
     </p:spTree>
     <p:extLst>
       <p:ext uri="{BB962C8B-B14F-4D97-AF65-F5344CB8AC3E}">
-        <p14:creationId xmlns:p14="http://schemas.microsoft.com/office/powerpoint/2010/main" val="1509484594"/>
+        <p14:creationId xmlns:p14="http://schemas.microsoft.com/office/powerpoint/2010/main" val="459273828"/>
       </p:ext>
     </p:extLst>
   </p:cSld>
@@ -17353,7 +17418,7 @@
           <a:p>
             <a:r>
               <a:rPr lang="en-PH" dirty="0"/>
-              <a:t>Objectives</a:t>
+              <a:t>Background of the Problem</a:t>
             </a:r>
           </a:p>
         </p:txBody>
@@ -17371,44 +17436,25 @@
         <p:spPr>
           <a:xfrm>
             <a:off x="838200" y="1825625"/>
-            <a:ext cx="8623300" cy="4351338"/>
-          </a:xfrm>
-        </p:spPr>
-        <p:txBody>
-          <a:bodyPr/>
+            <a:ext cx="9867314" cy="4351338"/>
+          </a:xfrm>
+        </p:spPr>
+        <p:txBody>
+          <a:bodyPr>
+            <a:normAutofit/>
+          </a:bodyPr>
           <a:lstStyle/>
           <a:p>
             <a:r>
               <a:rPr lang="en-PH" dirty="0"/>
-              <a:t>General Objectives</a:t>
-            </a:r>
-          </a:p>
-          <a:p>
-            <a:pPr lvl="1"/>
-            <a:r>
-              <a:rPr lang="en-PH" dirty="0"/>
-              <a:t>To know the vital issues currently present in the transmission of the votes</a:t>
-            </a:r>
-          </a:p>
-          <a:p>
-            <a:pPr lvl="1"/>
-            <a:r>
-              <a:rPr lang="en-PH" dirty="0"/>
-              <a:t>To propose a system that would prevent electoral fraud in the transmission of votes in the automated election system</a:t>
-            </a:r>
-          </a:p>
-          <a:p>
-            <a:r>
-              <a:rPr lang="en-PH" dirty="0"/>
-              <a:t>Specific Objectives</a:t>
-            </a:r>
-          </a:p>
-          <a:p>
-            <a:pPr lvl="1"/>
-            <a:r>
-              <a:rPr lang="en-PH" dirty="0"/>
-              <a:t>To provide a technical solution that allows the verification of  the servers’ authenticity through the use of a public key infrastructure as a security mechanism</a:t>
-            </a:r>
+              <a:t>MD5 is just a hash function – not encryption at all.</a:t>
+            </a:r>
+          </a:p>
+          <a:p>
+            <a:pPr marL="0" indent="0">
+              <a:buNone/>
+            </a:pPr>
+            <a:endParaRPr lang="en-PH" dirty="0"/>
           </a:p>
         </p:txBody>
       </p:sp>
@@ -17464,8 +17510,38 @@
         </p:blipFill>
         <p:spPr>
           <a:xfrm>
-            <a:off x="9882312" y="4197927"/>
+            <a:off x="10469217" y="3641336"/>
             <a:ext cx="1391006" cy="1391006"/>
+          </a:xfrm>
+          <a:prstGeom prst="rect">
+            <a:avLst/>
+          </a:prstGeom>
+        </p:spPr>
+      </p:pic>
+      <p:pic>
+        <p:nvPicPr>
+          <p:cNvPr id="6" name="Picture 5"/>
+          <p:cNvPicPr>
+            <a:picLocks noChangeAspect="1"/>
+          </p:cNvPicPr>
+          <p:nvPr/>
+        </p:nvPicPr>
+        <p:blipFill>
+          <a:blip r:embed="rId5">
+            <a:extLst>
+              <a:ext uri="{28A0092B-C50C-407E-A947-70E740481C1C}">
+                <a14:useLocalDpi xmlns:a14="http://schemas.microsoft.com/office/drawing/2010/main" val="0"/>
+              </a:ext>
+            </a:extLst>
+          </a:blip>
+          <a:stretch>
+            <a:fillRect/>
+          </a:stretch>
+        </p:blipFill>
+        <p:spPr>
+          <a:xfrm>
+            <a:off x="2030827" y="2516981"/>
+            <a:ext cx="7471733" cy="3659982"/>
           </a:xfrm>
           <a:prstGeom prst="rect">
             <a:avLst/>
@@ -17475,7 +17551,7 @@
     </p:spTree>
     <p:extLst>
       <p:ext uri="{BB962C8B-B14F-4D97-AF65-F5344CB8AC3E}">
-        <p14:creationId xmlns:p14="http://schemas.microsoft.com/office/powerpoint/2010/main" val="62891387"/>
+        <p14:creationId xmlns:p14="http://schemas.microsoft.com/office/powerpoint/2010/main" val="2796707930"/>
       </p:ext>
     </p:extLst>
   </p:cSld>
@@ -17519,7 +17595,7 @@
           <a:p>
             <a:r>
               <a:rPr lang="en-PH" dirty="0"/>
-              <a:t>Significance of the Study</a:t>
+              <a:t>Statement of the Problem</a:t>
             </a:r>
           </a:p>
         </p:txBody>
@@ -17534,56 +17610,26 @@
             <p:ph idx="1"/>
           </p:nvPr>
         </p:nvSpPr>
-        <p:spPr>
-          <a:xfrm>
-            <a:off x="838200" y="1825625"/>
-            <a:ext cx="9044112" cy="4351338"/>
-          </a:xfrm>
-        </p:spPr>
-        <p:txBody>
-          <a:bodyPr/>
-          <a:lstStyle/>
-          <a:p>
-            <a:r>
-              <a:rPr lang="en-US" sz="2400" dirty="0"/>
-              <a:t>To the Filipino Citizens</a:t>
-            </a:r>
-          </a:p>
-          <a:p>
-            <a:pPr lvl="1"/>
-            <a:r>
-              <a:rPr lang="en-US" dirty="0"/>
-              <a:t>This study will benefit the Filipino citizens for ensuring the security of the casted votes. Also, it would prevent malicious individuals from manipulating the votes. 	</a:t>
-            </a:r>
-          </a:p>
-          <a:p>
-            <a:r>
-              <a:rPr lang="en-US" sz="2400" dirty="0"/>
-              <a:t>To the COMELEC</a:t>
-            </a:r>
-          </a:p>
-          <a:p>
-            <a:pPr lvl="1"/>
-            <a:r>
-              <a:rPr lang="en-US" dirty="0"/>
-              <a:t>This research would significantly contribute to the goal of the COMELEC to conduct a fair and transparent election. </a:t>
-            </a:r>
-          </a:p>
-          <a:p>
-            <a:r>
-              <a:rPr lang="en-US" sz="2400" dirty="0"/>
-              <a:t>To the Future Researchers</a:t>
-            </a:r>
-          </a:p>
-          <a:p>
-            <a:pPr lvl="1"/>
-            <a:r>
-              <a:rPr lang="en-US" dirty="0"/>
-              <a:t>The system that would be created will serve as a guide and inspiration for other developers who would also want to pursue the prospect of automated election system.</a:t>
-            </a:r>
-          </a:p>
-          <a:p>
-            <a:endParaRPr lang="en-PH" dirty="0"/>
+        <p:spPr/>
+        <p:txBody>
+          <a:bodyPr>
+            <a:normAutofit/>
+          </a:bodyPr>
+          <a:lstStyle/>
+          <a:p>
+            <a:pPr marL="457200" lvl="1" indent="0" algn="ctr">
+              <a:buNone/>
+            </a:pPr>
+            <a:endParaRPr lang="en-PH" sz="3200" dirty="0"/>
+          </a:p>
+          <a:p>
+            <a:pPr marL="457200" lvl="1" indent="0" algn="ctr">
+              <a:buNone/>
+            </a:pPr>
+            <a:r>
+              <a:rPr lang="en-PH" sz="3200" dirty="0"/>
+              <a:t>How can the Philippine automated election system eliminate the possibility of secret servers to secure the transmission of election returns on the server-level?</a:t>
+            </a:r>
           </a:p>
         </p:txBody>
       </p:sp>
@@ -17650,7 +17696,7 @@
     </p:spTree>
     <p:extLst>
       <p:ext uri="{BB962C8B-B14F-4D97-AF65-F5344CB8AC3E}">
-        <p14:creationId xmlns:p14="http://schemas.microsoft.com/office/powerpoint/2010/main" val="760615654"/>
+        <p14:creationId xmlns:p14="http://schemas.microsoft.com/office/powerpoint/2010/main" val="1509484594"/>
       </p:ext>
     </p:extLst>
   </p:cSld>
@@ -17694,7 +17740,7 @@
           <a:p>
             <a:r>
               <a:rPr lang="en-PH" dirty="0"/>
-              <a:t>Scope and Limitations</a:t>
+              <a:t>Objectives</a:t>
             </a:r>
           </a:p>
         </p:txBody>
@@ -17711,26 +17757,44 @@
         </p:nvSpPr>
         <p:spPr>
           <a:xfrm>
-            <a:off x="1097281" y="1812373"/>
-            <a:ext cx="9330524" cy="4351338"/>
+            <a:off x="838200" y="1825625"/>
+            <a:ext cx="8623300" cy="4351338"/>
           </a:xfrm>
         </p:spPr>
         <p:txBody>
           <a:bodyPr/>
           <a:lstStyle/>
           <a:p>
-            <a:pPr marL="0" indent="0" algn="ctr">
-              <a:buNone/>
-            </a:pPr>
-            <a:endParaRPr lang="en-PH" dirty="0"/>
-          </a:p>
-          <a:p>
-            <a:pPr marL="0" indent="0" algn="ctr">
-              <a:buNone/>
-            </a:pPr>
             <a:r>
               <a:rPr lang="en-PH" dirty="0"/>
-              <a:t>The scope of the study would only include the issues and possible solutions for the security of the transmission of election returns on the server-level of the automated election system in the Philippines. Further study on the other parts of the automated election system will no longer be covered.</a:t>
+              <a:t>General Objectives</a:t>
+            </a:r>
+          </a:p>
+          <a:p>
+            <a:pPr lvl="1"/>
+            <a:r>
+              <a:rPr lang="en-PH" dirty="0"/>
+              <a:t>To know the vital issues currently present in the transmission of the votes</a:t>
+            </a:r>
+          </a:p>
+          <a:p>
+            <a:pPr lvl="1"/>
+            <a:r>
+              <a:rPr lang="en-PH" dirty="0"/>
+              <a:t>To propose a system that would prevent electoral fraud in the transmission of votes in the automated election system</a:t>
+            </a:r>
+          </a:p>
+          <a:p>
+            <a:r>
+              <a:rPr lang="en-PH" dirty="0"/>
+              <a:t>Specific Objectives</a:t>
+            </a:r>
+          </a:p>
+          <a:p>
+            <a:pPr lvl="1"/>
+            <a:r>
+              <a:rPr lang="en-PH" dirty="0"/>
+              <a:t>To provide a technical solution that allows the verification of  the servers’ authenticity through the use of a public key infrastructure as a security mechanism</a:t>
             </a:r>
           </a:p>
         </p:txBody>
@@ -17798,7 +17862,7 @@
     </p:spTree>
     <p:extLst>
       <p:ext uri="{BB962C8B-B14F-4D97-AF65-F5344CB8AC3E}">
-        <p14:creationId xmlns:p14="http://schemas.microsoft.com/office/powerpoint/2010/main" val="4098786842"/>
+        <p14:creationId xmlns:p14="http://schemas.microsoft.com/office/powerpoint/2010/main" val="62891387"/>
       </p:ext>
     </p:extLst>
   </p:cSld>
@@ -17842,8 +17906,71 @@
           <a:p>
             <a:r>
               <a:rPr lang="en-PH" dirty="0"/>
-              <a:t>Related Literature</a:t>
-            </a:r>
+              <a:t>Significance of the Study</a:t>
+            </a:r>
+          </a:p>
+        </p:txBody>
+      </p:sp>
+      <p:sp>
+        <p:nvSpPr>
+          <p:cNvPr id="3" name="Content Placeholder 2"/>
+          <p:cNvSpPr>
+            <a:spLocks noGrp="1"/>
+          </p:cNvSpPr>
+          <p:nvPr>
+            <p:ph idx="1"/>
+          </p:nvPr>
+        </p:nvSpPr>
+        <p:spPr>
+          <a:xfrm>
+            <a:off x="838200" y="1825625"/>
+            <a:ext cx="9044112" cy="4351338"/>
+          </a:xfrm>
+        </p:spPr>
+        <p:txBody>
+          <a:bodyPr/>
+          <a:lstStyle/>
+          <a:p>
+            <a:r>
+              <a:rPr lang="en-US" sz="2400" dirty="0"/>
+              <a:t>To the Filipino Citizens</a:t>
+            </a:r>
+          </a:p>
+          <a:p>
+            <a:pPr lvl="1"/>
+            <a:r>
+              <a:rPr lang="en-US" dirty="0"/>
+              <a:t>This study will benefit the Filipino citizens for ensuring the security of the casted votes. Also, it would prevent malicious individuals from manipulating the votes. 	</a:t>
+            </a:r>
+          </a:p>
+          <a:p>
+            <a:r>
+              <a:rPr lang="en-US" sz="2400" dirty="0"/>
+              <a:t>To the COMELEC</a:t>
+            </a:r>
+          </a:p>
+          <a:p>
+            <a:pPr lvl="1"/>
+            <a:r>
+              <a:rPr lang="en-US" dirty="0"/>
+              <a:t>This research would significantly contribute to the goal of the COMELEC to conduct a fair and transparent election. </a:t>
+            </a:r>
+          </a:p>
+          <a:p>
+            <a:r>
+              <a:rPr lang="en-US" sz="2400" dirty="0"/>
+              <a:t>To the Future Researchers</a:t>
+            </a:r>
+          </a:p>
+          <a:p>
+            <a:pPr lvl="1"/>
+            <a:r>
+              <a:rPr lang="en-US" dirty="0"/>
+              <a:t>The system that would be created will serve as a guide and inspiration for other developers who would also want to pursue the prospect of automated election system.</a:t>
+            </a:r>
+          </a:p>
+          <a:p>
+            <a:endParaRPr lang="en-PH" dirty="0"/>
           </a:p>
         </p:txBody>
       </p:sp>
@@ -17907,43 +18034,10 @@
           </a:prstGeom>
         </p:spPr>
       </p:pic>
-      <p:sp>
-        <p:nvSpPr>
-          <p:cNvPr id="3" name="Content Placeholder 2"/>
-          <p:cNvSpPr>
-            <a:spLocks noGrp="1"/>
-          </p:cNvSpPr>
-          <p:nvPr>
-            <p:ph idx="1"/>
-          </p:nvPr>
-        </p:nvSpPr>
-        <p:spPr>
-          <a:xfrm>
-            <a:off x="838200" y="1825625"/>
-            <a:ext cx="8862391" cy="4351338"/>
-          </a:xfrm>
-        </p:spPr>
-        <p:txBody>
-          <a:bodyPr/>
-          <a:lstStyle/>
-          <a:p>
-            <a:r>
-              <a:rPr lang="en-PH" dirty="0"/>
-              <a:t>The primary application of hash functions in cryptography is message integrity. </a:t>
-            </a:r>
-          </a:p>
-          <a:p>
-            <a:r>
-              <a:rPr lang="en-PH" dirty="0"/>
-              <a:t>The hash value provides a digital fingerprint of a message's contents, which ensures that the message has not been altered by an intruder, virus, or by other means. </a:t>
-            </a:r>
-          </a:p>
-        </p:txBody>
-      </p:sp>
     </p:spTree>
     <p:extLst>
       <p:ext uri="{BB962C8B-B14F-4D97-AF65-F5344CB8AC3E}">
-        <p14:creationId xmlns:p14="http://schemas.microsoft.com/office/powerpoint/2010/main" val="284703695"/>
+        <p14:creationId xmlns:p14="http://schemas.microsoft.com/office/powerpoint/2010/main" val="760615654"/>
       </p:ext>
     </p:extLst>
   </p:cSld>
@@ -17987,7 +18081,43 @@
           <a:p>
             <a:r>
               <a:rPr lang="en-PH" dirty="0"/>
-              <a:t>Related Study</a:t>
+              <a:t>Scope and Limitations</a:t>
+            </a:r>
+          </a:p>
+        </p:txBody>
+      </p:sp>
+      <p:sp>
+        <p:nvSpPr>
+          <p:cNvPr id="3" name="Content Placeholder 2"/>
+          <p:cNvSpPr>
+            <a:spLocks noGrp="1"/>
+          </p:cNvSpPr>
+          <p:nvPr>
+            <p:ph idx="1"/>
+          </p:nvPr>
+        </p:nvSpPr>
+        <p:spPr>
+          <a:xfrm>
+            <a:off x="1097281" y="1812373"/>
+            <a:ext cx="9330524" cy="4351338"/>
+          </a:xfrm>
+        </p:spPr>
+        <p:txBody>
+          <a:bodyPr/>
+          <a:lstStyle/>
+          <a:p>
+            <a:pPr marL="0" indent="0" algn="ctr">
+              <a:buNone/>
+            </a:pPr>
+            <a:endParaRPr lang="en-PH" dirty="0"/>
+          </a:p>
+          <a:p>
+            <a:pPr marL="0" indent="0" algn="ctr">
+              <a:buNone/>
+            </a:pPr>
+            <a:r>
+              <a:rPr lang="en-PH" dirty="0"/>
+              <a:t>The scope of the study would only include the issues and possible solutions for the security of the transmission of election returns on the server-level of the automated election system in the Philippines. Further study on the other parts of the automated election system will no longer be covered.</a:t>
             </a:r>
           </a:p>
         </p:txBody>
@@ -18052,101 +18182,10 @@
           </a:prstGeom>
         </p:spPr>
       </p:pic>
-      <p:sp>
-        <p:nvSpPr>
-          <p:cNvPr id="3" name="Content Placeholder 2"/>
-          <p:cNvSpPr>
-            <a:spLocks noGrp="1"/>
-          </p:cNvSpPr>
-          <p:nvPr>
-            <p:ph idx="1"/>
-          </p:nvPr>
-        </p:nvSpPr>
-        <p:spPr/>
-        <p:txBody>
-          <a:bodyPr/>
-          <a:lstStyle/>
-          <a:p>
-            <a:endParaRPr lang="en-PH" dirty="0"/>
-          </a:p>
-          <a:p>
-            <a:endParaRPr lang="en-PH" dirty="0"/>
-          </a:p>
-        </p:txBody>
-      </p:sp>
-      <p:sp>
-        <p:nvSpPr>
-          <p:cNvPr id="8" name="Rectangle 7"/>
-          <p:cNvSpPr/>
-          <p:nvPr/>
-        </p:nvSpPr>
-        <p:spPr>
-          <a:xfrm>
-            <a:off x="353291" y="1720840"/>
-            <a:ext cx="9990513" cy="3539430"/>
-          </a:xfrm>
-          <a:prstGeom prst="rect">
-            <a:avLst/>
-          </a:prstGeom>
-        </p:spPr>
-        <p:txBody>
-          <a:bodyPr wrap="square">
-            <a:spAutoFit/>
-          </a:bodyPr>
-          <a:lstStyle/>
-          <a:p>
-            <a:pPr marL="914400" lvl="1" indent="-457200">
-              <a:buFont typeface="Arial" panose="020B0604020202020204" pitchFamily="34" charset="0"/>
-              <a:buChar char="•"/>
-            </a:pPr>
-            <a:r>
-              <a:rPr lang="en-PH" sz="2800" dirty="0"/>
-              <a:t>Experimental Design of Worldwide Internet Voting System using PKI</a:t>
-            </a:r>
-          </a:p>
-          <a:p>
-            <a:pPr marL="1371600" lvl="2" indent="-457200">
-              <a:buFont typeface="Arial" panose="020B0604020202020204" pitchFamily="34" charset="0"/>
-              <a:buChar char="•"/>
-            </a:pPr>
-            <a:r>
-              <a:rPr lang="en-PH" sz="2800" dirty="0"/>
-              <a:t>Voter’s privacy was guaranteed by using blind signature.</a:t>
-            </a:r>
-          </a:p>
-          <a:p>
-            <a:pPr marL="1371600" lvl="2" indent="-457200">
-              <a:buFont typeface="Arial" panose="020B0604020202020204" pitchFamily="34" charset="0"/>
-              <a:buChar char="•"/>
-            </a:pPr>
-            <a:r>
-              <a:rPr lang="en-PH" sz="2800" dirty="0"/>
-              <a:t>PKI allowed worldwide key distribution and “one certificate-one vote” policy.</a:t>
-            </a:r>
-          </a:p>
-          <a:p>
-            <a:pPr marL="1371600" lvl="2" indent="-457200">
-              <a:buFont typeface="Arial" panose="020B0604020202020204" pitchFamily="34" charset="0"/>
-              <a:buChar char="•"/>
-            </a:pPr>
-            <a:r>
-              <a:rPr lang="en-PH" sz="2800" dirty="0"/>
-              <a:t>Anyone can participate as long as certificate was given Certificate Authority (CA).</a:t>
-            </a:r>
-          </a:p>
-          <a:p>
-            <a:pPr marL="1371600" lvl="2" indent="-457200">
-              <a:buFont typeface="Arial" panose="020B0604020202020204" pitchFamily="34" charset="0"/>
-              <a:buChar char="•"/>
-            </a:pPr>
-            <a:endParaRPr lang="en-PH" sz="2800" dirty="0"/>
-          </a:p>
-        </p:txBody>
-      </p:sp>
     </p:spTree>
     <p:extLst>
       <p:ext uri="{BB962C8B-B14F-4D97-AF65-F5344CB8AC3E}">
-        <p14:creationId xmlns:p14="http://schemas.microsoft.com/office/powerpoint/2010/main" val="979530947"/>
+        <p14:creationId xmlns:p14="http://schemas.microsoft.com/office/powerpoint/2010/main" val="4098786842"/>
       </p:ext>
     </p:extLst>
   </p:cSld>

--- a/Documentation/Finals_Sysadd1.pptx
+++ b/Documentation/Finals_Sysadd1.pptx
@@ -5,7 +5,7 @@
     <p:sldMasterId id="2147483648" r:id="rId1"/>
   </p:sldMasterIdLst>
   <p:notesMasterIdLst>
-    <p:notesMasterId r:id="rId28"/>
+    <p:notesMasterId r:id="rId27"/>
   </p:notesMasterIdLst>
   <p:sldIdLst>
     <p:sldId id="256" r:id="rId2"/>
@@ -30,10 +30,9 @@
     <p:sldId id="330" r:id="rId21"/>
     <p:sldId id="331" r:id="rId22"/>
     <p:sldId id="333" r:id="rId23"/>
-    <p:sldId id="326" r:id="rId24"/>
-    <p:sldId id="305" r:id="rId25"/>
-    <p:sldId id="306" r:id="rId26"/>
-    <p:sldId id="307" r:id="rId27"/>
+    <p:sldId id="305" r:id="rId24"/>
+    <p:sldId id="306" r:id="rId25"/>
+    <p:sldId id="307" r:id="rId26"/>
   </p:sldIdLst>
   <p:sldSz cx="12192000" cy="6858000"/>
   <p:notesSz cx="6858000" cy="9144000"/>
@@ -1700,93 +1699,6 @@
     <p:extLst>
       <p:ext uri="{BB962C8B-B14F-4D97-AF65-F5344CB8AC3E}">
         <p14:creationId xmlns:p14="http://schemas.microsoft.com/office/powerpoint/2010/main" val="178890007"/>
-      </p:ext>
-    </p:extLst>
-  </p:cSld>
-  <p:clrMapOvr>
-    <a:masterClrMapping/>
-  </p:clrMapOvr>
-</p:notes>
-</file>
-
-<file path=ppt/notesSlides/notesSlide22.xml><?xml version="1.0" encoding="utf-8"?>
-<p:notes xmlns:a="http://schemas.openxmlformats.org/drawingml/2006/main" xmlns:r="http://schemas.openxmlformats.org/officeDocument/2006/relationships" xmlns:p="http://schemas.openxmlformats.org/presentationml/2006/main">
-  <p:cSld>
-    <p:spTree>
-      <p:nvGrpSpPr>
-        <p:cNvPr id="1" name=""/>
-        <p:cNvGrpSpPr/>
-        <p:nvPr/>
-      </p:nvGrpSpPr>
-      <p:grpSpPr>
-        <a:xfrm>
-          <a:off x="0" y="0"/>
-          <a:ext cx="0" cy="0"/>
-          <a:chOff x="0" y="0"/>
-          <a:chExt cx="0" cy="0"/>
-        </a:xfrm>
-      </p:grpSpPr>
-      <p:sp>
-        <p:nvSpPr>
-          <p:cNvPr id="2" name="Slide Image Placeholder 1"/>
-          <p:cNvSpPr>
-            <a:spLocks noGrp="1" noRot="1" noChangeAspect="1"/>
-          </p:cNvSpPr>
-          <p:nvPr>
-            <p:ph type="sldImg"/>
-          </p:nvPr>
-        </p:nvSpPr>
-        <p:spPr/>
-      </p:sp>
-      <p:sp>
-        <p:nvSpPr>
-          <p:cNvPr id="3" name="Notes Placeholder 2"/>
-          <p:cNvSpPr>
-            <a:spLocks noGrp="1"/>
-          </p:cNvSpPr>
-          <p:nvPr>
-            <p:ph type="body" idx="1"/>
-          </p:nvPr>
-        </p:nvSpPr>
-        <p:spPr/>
-        <p:txBody>
-          <a:bodyPr/>
-          <a:lstStyle/>
-          <a:p>
-            <a:r>
-              <a:rPr lang="en-PH" dirty="0"/>
-              <a:t>Maj</a:t>
-            </a:r>
-          </a:p>
-        </p:txBody>
-      </p:sp>
-      <p:sp>
-        <p:nvSpPr>
-          <p:cNvPr id="4" name="Slide Number Placeholder 3"/>
-          <p:cNvSpPr>
-            <a:spLocks noGrp="1"/>
-          </p:cNvSpPr>
-          <p:nvPr>
-            <p:ph type="sldNum" sz="quarter" idx="10"/>
-          </p:nvPr>
-        </p:nvSpPr>
-        <p:spPr/>
-        <p:txBody>
-          <a:bodyPr/>
-          <a:lstStyle/>
-          <a:p>
-            <a:fld id="{86FFBDB5-9589-48C5-8577-C15F048505D7}" type="slidenum">
-              <a:rPr lang="en-PH" smtClean="0"/>
-              <a:t>23</a:t>
-            </a:fld>
-            <a:endParaRPr lang="en-PH"/>
-          </a:p>
-        </p:txBody>
-      </p:sp>
-    </p:spTree>
-    <p:extLst>
-      <p:ext uri="{BB962C8B-B14F-4D97-AF65-F5344CB8AC3E}">
-        <p14:creationId xmlns:p14="http://schemas.microsoft.com/office/powerpoint/2010/main" val="2650805779"/>
       </p:ext>
     </p:extLst>
   </p:cSld>
@@ -16575,7 +16487,7 @@
 </file>
 
 <file path=ppt/slides/slide23.xml><?xml version="1.0" encoding="utf-8"?>
-<p:sld xmlns:a="http://schemas.openxmlformats.org/drawingml/2006/main" xmlns:r="http://schemas.openxmlformats.org/officeDocument/2006/relationships" xmlns:p="http://schemas.openxmlformats.org/presentationml/2006/main">
+<p:sld xmlns:a="http://schemas.openxmlformats.org/drawingml/2006/main" xmlns:r="http://schemas.openxmlformats.org/officeDocument/2006/relationships" xmlns:p="http://schemas.openxmlformats.org/presentationml/2006/main" show="0">
   <p:cSld>
     <p:spTree>
       <p:nvGrpSpPr>
@@ -16608,21 +16520,23 @@
           <a:p>
             <a:r>
               <a:rPr lang="en-PH" dirty="0"/>
-              <a:t>Current System</a:t>
+              <a:t>Trello Screenshot</a:t>
             </a:r>
           </a:p>
         </p:txBody>
       </p:sp>
       <p:pic>
         <p:nvPicPr>
-          <p:cNvPr id="4" name="Picture 3"/>
+          <p:cNvPr id="4" name="Content Placeholder 3" descr="Screen Clipping"/>
           <p:cNvPicPr>
-            <a:picLocks noChangeAspect="1"/>
+            <a:picLocks noGrp="1" noChangeAspect="1"/>
           </p:cNvPicPr>
-          <p:nvPr/>
+          <p:nvPr>
+            <p:ph idx="1"/>
+          </p:nvPr>
         </p:nvPicPr>
         <p:blipFill>
-          <a:blip r:embed="rId3">
+          <a:blip r:embed="rId2">
             <a:extLst>
               <a:ext uri="{28A0092B-C50C-407E-A947-70E740481C1C}">
                 <a14:useLocalDpi xmlns:a14="http://schemas.microsoft.com/office/drawing/2010/main" val="0"/>
@@ -16635,125 +16549,15 @@
         </p:blipFill>
         <p:spPr>
           <a:xfrm>
-            <a:off x="10343804" y="4696690"/>
-            <a:ext cx="2435221" cy="2435221"/>
-          </a:xfrm>
-          <a:prstGeom prst="rect">
-            <a:avLst/>
-          </a:prstGeom>
-        </p:spPr>
-      </p:pic>
-      <p:pic>
-        <p:nvPicPr>
-          <p:cNvPr id="5" name="Picture 4"/>
-          <p:cNvPicPr>
-            <a:picLocks noChangeAspect="1"/>
-          </p:cNvPicPr>
-          <p:nvPr/>
-        </p:nvPicPr>
-        <p:blipFill>
-          <a:blip r:embed="rId4" cstate="hqprint">
-            <a:extLst>
-              <a:ext uri="{28A0092B-C50C-407E-A947-70E740481C1C}">
-                <a14:useLocalDpi xmlns:a14="http://schemas.microsoft.com/office/drawing/2010/main" val="0"/>
-              </a:ext>
-            </a:extLst>
-          </a:blip>
-          <a:stretch>
-            <a:fillRect/>
-          </a:stretch>
-        </p:blipFill>
-        <p:spPr>
-          <a:xfrm>
-            <a:off x="9882312" y="4197927"/>
-            <a:ext cx="1391006" cy="1391006"/>
-          </a:xfrm>
-          <a:prstGeom prst="rect">
-            <a:avLst/>
-          </a:prstGeom>
-        </p:spPr>
-      </p:pic>
-      <p:sp>
-        <p:nvSpPr>
-          <p:cNvPr id="3" name="Content Placeholder 2"/>
-          <p:cNvSpPr>
-            <a:spLocks noGrp="1"/>
-          </p:cNvSpPr>
-          <p:nvPr>
-            <p:ph idx="1"/>
-          </p:nvPr>
-        </p:nvSpPr>
-        <p:spPr>
-          <a:xfrm>
-            <a:off x="924103" y="1518410"/>
-            <a:ext cx="9653712" cy="4980276"/>
-          </a:xfrm>
-        </p:spPr>
-        <p:txBody>
-          <a:bodyPr>
-            <a:normAutofit/>
-          </a:bodyPr>
-          <a:lstStyle/>
-          <a:p>
-            <a:r>
-              <a:rPr lang="en-PH" dirty="0"/>
-              <a:t>Uses a hash function for security measures</a:t>
-            </a:r>
-          </a:p>
-          <a:p>
-            <a:r>
-              <a:rPr lang="en-PH" dirty="0"/>
-              <a:t>MD5 is a command that generates a hash code, which serves as the digital fingerprint of the file.</a:t>
-            </a:r>
-          </a:p>
-          <a:p>
-            <a:r>
-              <a:rPr lang="en-PH" dirty="0"/>
-              <a:t>Specifically called MD5, which have been proven to be a weak technology over the years</a:t>
-            </a:r>
-          </a:p>
-          <a:p>
-            <a:endParaRPr lang="en-PH" dirty="0"/>
-          </a:p>
-          <a:p>
-            <a:endParaRPr lang="en-PH" dirty="0"/>
-          </a:p>
-        </p:txBody>
-      </p:sp>
-      <p:pic>
-        <p:nvPicPr>
-          <p:cNvPr id="7" name="Picture 6"/>
-          <p:cNvPicPr>
-            <a:picLocks noChangeAspect="1"/>
-          </p:cNvPicPr>
-          <p:nvPr/>
-        </p:nvPicPr>
-        <p:blipFill>
-          <a:blip r:embed="rId5">
-            <a:extLst>
-              <a:ext uri="{28A0092B-C50C-407E-A947-70E740481C1C}">
-                <a14:useLocalDpi xmlns:a14="http://schemas.microsoft.com/office/drawing/2010/main" val="0"/>
-              </a:ext>
-            </a:extLst>
-          </a:blip>
-          <a:stretch>
-            <a:fillRect/>
-          </a:stretch>
-        </p:blipFill>
-        <p:spPr>
-          <a:xfrm>
-            <a:off x="1499054" y="1961866"/>
-            <a:ext cx="8068765" cy="3952434"/>
-          </a:xfrm>
-          <a:prstGeom prst="rect">
-            <a:avLst/>
-          </a:prstGeom>
+            <a:off x="1476940" y="1825625"/>
+            <a:ext cx="9238120" cy="4351338"/>
+          </a:xfrm>
         </p:spPr>
       </p:pic>
     </p:spTree>
     <p:extLst>
       <p:ext uri="{BB962C8B-B14F-4D97-AF65-F5344CB8AC3E}">
-        <p14:creationId xmlns:p14="http://schemas.microsoft.com/office/powerpoint/2010/main" val="3991731921"/>
+        <p14:creationId xmlns:p14="http://schemas.microsoft.com/office/powerpoint/2010/main" val="1488904389"/>
       </p:ext>
     </p:extLst>
   </p:cSld>
@@ -16797,7 +16601,7 @@
           <a:p>
             <a:r>
               <a:rPr lang="en-PH" dirty="0"/>
-              <a:t>Trello Screenshot</a:t>
+              <a:t>Trello Screenshot cont.</a:t>
             </a:r>
           </a:p>
         </p:txBody>
@@ -16826,87 +16630,6 @@
         </p:blipFill>
         <p:spPr>
           <a:xfrm>
-            <a:off x="1476940" y="1825625"/>
-            <a:ext cx="9238120" cy="4351338"/>
-          </a:xfrm>
-        </p:spPr>
-      </p:pic>
-    </p:spTree>
-    <p:extLst>
-      <p:ext uri="{BB962C8B-B14F-4D97-AF65-F5344CB8AC3E}">
-        <p14:creationId xmlns:p14="http://schemas.microsoft.com/office/powerpoint/2010/main" val="1488904389"/>
-      </p:ext>
-    </p:extLst>
-  </p:cSld>
-  <p:clrMapOvr>
-    <a:masterClrMapping/>
-  </p:clrMapOvr>
-</p:sld>
-</file>
-
-<file path=ppt/slides/slide25.xml><?xml version="1.0" encoding="utf-8"?>
-<p:sld xmlns:a="http://schemas.openxmlformats.org/drawingml/2006/main" xmlns:r="http://schemas.openxmlformats.org/officeDocument/2006/relationships" xmlns:p="http://schemas.openxmlformats.org/presentationml/2006/main" show="0">
-  <p:cSld>
-    <p:spTree>
-      <p:nvGrpSpPr>
-        <p:cNvPr id="1" name=""/>
-        <p:cNvGrpSpPr/>
-        <p:nvPr/>
-      </p:nvGrpSpPr>
-      <p:grpSpPr>
-        <a:xfrm>
-          <a:off x="0" y="0"/>
-          <a:ext cx="0" cy="0"/>
-          <a:chOff x="0" y="0"/>
-          <a:chExt cx="0" cy="0"/>
-        </a:xfrm>
-      </p:grpSpPr>
-      <p:sp>
-        <p:nvSpPr>
-          <p:cNvPr id="2" name="Title 1"/>
-          <p:cNvSpPr>
-            <a:spLocks noGrp="1"/>
-          </p:cNvSpPr>
-          <p:nvPr>
-            <p:ph type="title"/>
-          </p:nvPr>
-        </p:nvSpPr>
-        <p:spPr/>
-        <p:txBody>
-          <a:bodyPr/>
-          <a:lstStyle/>
-          <a:p>
-            <a:r>
-              <a:rPr lang="en-PH" dirty="0"/>
-              <a:t>Trello Screenshot cont.</a:t>
-            </a:r>
-          </a:p>
-        </p:txBody>
-      </p:sp>
-      <p:pic>
-        <p:nvPicPr>
-          <p:cNvPr id="4" name="Content Placeholder 3" descr="Screen Clipping"/>
-          <p:cNvPicPr>
-            <a:picLocks noGrp="1" noChangeAspect="1"/>
-          </p:cNvPicPr>
-          <p:nvPr>
-            <p:ph idx="1"/>
-          </p:nvPr>
-        </p:nvPicPr>
-        <p:blipFill>
-          <a:blip r:embed="rId2">
-            <a:extLst>
-              <a:ext uri="{28A0092B-C50C-407E-A947-70E740481C1C}">
-                <a14:useLocalDpi xmlns:a14="http://schemas.microsoft.com/office/drawing/2010/main" val="0"/>
-              </a:ext>
-            </a:extLst>
-          </a:blip>
-          <a:stretch>
-            <a:fillRect/>
-          </a:stretch>
-        </p:blipFill>
-        <p:spPr>
-          <a:xfrm>
             <a:off x="1613202" y="1825625"/>
             <a:ext cx="8965596" cy="4351338"/>
           </a:xfrm>
@@ -16925,7 +16648,7 @@
 </p:sld>
 </file>
 
-<file path=ppt/slides/slide26.xml><?xml version="1.0" encoding="utf-8"?>
+<file path=ppt/slides/slide25.xml><?xml version="1.0" encoding="utf-8"?>
 <p:sld xmlns:a="http://schemas.openxmlformats.org/drawingml/2006/main" xmlns:r="http://schemas.openxmlformats.org/officeDocument/2006/relationships" xmlns:p="http://schemas.openxmlformats.org/presentationml/2006/main" show="0">
   <p:cSld>
     <p:spTree>

--- a/Documentation/Finals_Sysadd1.pptx
+++ b/Documentation/Finals_Sysadd1.pptx
@@ -5,7 +5,7 @@
     <p:sldMasterId id="2147483648" r:id="rId1"/>
   </p:sldMasterIdLst>
   <p:notesMasterIdLst>
-    <p:notesMasterId r:id="rId38"/>
+    <p:notesMasterId r:id="rId39"/>
   </p:notesMasterIdLst>
   <p:sldIdLst>
     <p:sldId id="256" r:id="rId2"/>
@@ -26,24 +26,25 @@
     <p:sldId id="319" r:id="rId17"/>
     <p:sldId id="324" r:id="rId18"/>
     <p:sldId id="323" r:id="rId19"/>
-    <p:sldId id="328" r:id="rId20"/>
-    <p:sldId id="332" r:id="rId21"/>
-    <p:sldId id="329" r:id="rId22"/>
-    <p:sldId id="330" r:id="rId23"/>
-    <p:sldId id="331" r:id="rId24"/>
-    <p:sldId id="333" r:id="rId25"/>
-    <p:sldId id="336" r:id="rId26"/>
-    <p:sldId id="337" r:id="rId27"/>
-    <p:sldId id="338" r:id="rId28"/>
-    <p:sldId id="339" r:id="rId29"/>
-    <p:sldId id="340" r:id="rId30"/>
-    <p:sldId id="341" r:id="rId31"/>
-    <p:sldId id="342" r:id="rId32"/>
-    <p:sldId id="343" r:id="rId33"/>
-    <p:sldId id="344" r:id="rId34"/>
-    <p:sldId id="305" r:id="rId35"/>
-    <p:sldId id="306" r:id="rId36"/>
-    <p:sldId id="307" r:id="rId37"/>
+    <p:sldId id="347" r:id="rId20"/>
+    <p:sldId id="328" r:id="rId21"/>
+    <p:sldId id="332" r:id="rId22"/>
+    <p:sldId id="329" r:id="rId23"/>
+    <p:sldId id="330" r:id="rId24"/>
+    <p:sldId id="331" r:id="rId25"/>
+    <p:sldId id="333" r:id="rId26"/>
+    <p:sldId id="336" r:id="rId27"/>
+    <p:sldId id="337" r:id="rId28"/>
+    <p:sldId id="338" r:id="rId29"/>
+    <p:sldId id="339" r:id="rId30"/>
+    <p:sldId id="340" r:id="rId31"/>
+    <p:sldId id="341" r:id="rId32"/>
+    <p:sldId id="342" r:id="rId33"/>
+    <p:sldId id="343" r:id="rId34"/>
+    <p:sldId id="344" r:id="rId35"/>
+    <p:sldId id="305" r:id="rId36"/>
+    <p:sldId id="306" r:id="rId37"/>
+    <p:sldId id="307" r:id="rId38"/>
   </p:sldIdLst>
   <p:sldSz cx="12192000" cy="6858000"/>
   <p:notesSz cx="6858000" cy="9144000"/>
@@ -1363,7 +1364,7 @@
     </p:spTree>
     <p:extLst>
       <p:ext uri="{BB962C8B-B14F-4D97-AF65-F5344CB8AC3E}">
-        <p14:creationId xmlns:p14="http://schemas.microsoft.com/office/powerpoint/2010/main" val="1549380938"/>
+        <p14:creationId xmlns:p14="http://schemas.microsoft.com/office/powerpoint/2010/main" val="3834291173"/>
       </p:ext>
     </p:extLst>
   </p:cSld>
@@ -1450,7 +1451,7 @@
     </p:spTree>
     <p:extLst>
       <p:ext uri="{BB962C8B-B14F-4D97-AF65-F5344CB8AC3E}">
-        <p14:creationId xmlns:p14="http://schemas.microsoft.com/office/powerpoint/2010/main" val="668485282"/>
+        <p14:creationId xmlns:p14="http://schemas.microsoft.com/office/powerpoint/2010/main" val="1549380938"/>
       </p:ext>
     </p:extLst>
   </p:cSld>
@@ -1624,7 +1625,7 @@
     </p:spTree>
     <p:extLst>
       <p:ext uri="{BB962C8B-B14F-4D97-AF65-F5344CB8AC3E}">
-        <p14:creationId xmlns:p14="http://schemas.microsoft.com/office/powerpoint/2010/main" val="132444961"/>
+        <p14:creationId xmlns:p14="http://schemas.microsoft.com/office/powerpoint/2010/main" val="668485282"/>
       </p:ext>
     </p:extLst>
   </p:cSld>
@@ -1711,7 +1712,7 @@
     </p:spTree>
     <p:extLst>
       <p:ext uri="{BB962C8B-B14F-4D97-AF65-F5344CB8AC3E}">
-        <p14:creationId xmlns:p14="http://schemas.microsoft.com/office/powerpoint/2010/main" val="3605014372"/>
+        <p14:creationId xmlns:p14="http://schemas.microsoft.com/office/powerpoint/2010/main" val="132444961"/>
       </p:ext>
     </p:extLst>
   </p:cSld>
@@ -1798,7 +1799,7 @@
     </p:spTree>
     <p:extLst>
       <p:ext uri="{BB962C8B-B14F-4D97-AF65-F5344CB8AC3E}">
-        <p14:creationId xmlns:p14="http://schemas.microsoft.com/office/powerpoint/2010/main" val="4280139934"/>
+        <p14:creationId xmlns:p14="http://schemas.microsoft.com/office/powerpoint/2010/main" val="3605014372"/>
       </p:ext>
     </p:extLst>
   </p:cSld>
@@ -1877,6 +1878,93 @@
             <a:fld id="{86FFBDB5-9589-48C5-8577-C15F048505D7}" type="slidenum">
               <a:rPr lang="en-PH" smtClean="0"/>
               <a:t>24</a:t>
+            </a:fld>
+            <a:endParaRPr lang="en-PH"/>
+          </a:p>
+        </p:txBody>
+      </p:sp>
+    </p:spTree>
+    <p:extLst>
+      <p:ext uri="{BB962C8B-B14F-4D97-AF65-F5344CB8AC3E}">
+        <p14:creationId xmlns:p14="http://schemas.microsoft.com/office/powerpoint/2010/main" val="4280139934"/>
+      </p:ext>
+    </p:extLst>
+  </p:cSld>
+  <p:clrMapOvr>
+    <a:masterClrMapping/>
+  </p:clrMapOvr>
+</p:notes>
+</file>
+
+<file path=ppt/notesSlides/notesSlide24.xml><?xml version="1.0" encoding="utf-8"?>
+<p:notes xmlns:a="http://schemas.openxmlformats.org/drawingml/2006/main" xmlns:r="http://schemas.openxmlformats.org/officeDocument/2006/relationships" xmlns:p="http://schemas.openxmlformats.org/presentationml/2006/main">
+  <p:cSld>
+    <p:spTree>
+      <p:nvGrpSpPr>
+        <p:cNvPr id="1" name=""/>
+        <p:cNvGrpSpPr/>
+        <p:nvPr/>
+      </p:nvGrpSpPr>
+      <p:grpSpPr>
+        <a:xfrm>
+          <a:off x="0" y="0"/>
+          <a:ext cx="0" cy="0"/>
+          <a:chOff x="0" y="0"/>
+          <a:chExt cx="0" cy="0"/>
+        </a:xfrm>
+      </p:grpSpPr>
+      <p:sp>
+        <p:nvSpPr>
+          <p:cNvPr id="2" name="Slide Image Placeholder 1"/>
+          <p:cNvSpPr>
+            <a:spLocks noGrp="1" noRot="1" noChangeAspect="1"/>
+          </p:cNvSpPr>
+          <p:nvPr>
+            <p:ph type="sldImg"/>
+          </p:nvPr>
+        </p:nvSpPr>
+        <p:spPr/>
+      </p:sp>
+      <p:sp>
+        <p:nvSpPr>
+          <p:cNvPr id="3" name="Notes Placeholder 2"/>
+          <p:cNvSpPr>
+            <a:spLocks noGrp="1"/>
+          </p:cNvSpPr>
+          <p:nvPr>
+            <p:ph type="body" idx="1"/>
+          </p:nvPr>
+        </p:nvSpPr>
+        <p:spPr/>
+        <p:txBody>
+          <a:bodyPr/>
+          <a:lstStyle/>
+          <a:p>
+            <a:r>
+              <a:rPr lang="en-PH" dirty="0"/>
+              <a:t>Maj</a:t>
+            </a:r>
+          </a:p>
+        </p:txBody>
+      </p:sp>
+      <p:sp>
+        <p:nvSpPr>
+          <p:cNvPr id="4" name="Slide Number Placeholder 3"/>
+          <p:cNvSpPr>
+            <a:spLocks noGrp="1"/>
+          </p:cNvSpPr>
+          <p:nvPr>
+            <p:ph type="sldNum" sz="quarter" idx="10"/>
+          </p:nvPr>
+        </p:nvSpPr>
+        <p:spPr/>
+        <p:txBody>
+          <a:bodyPr/>
+          <a:lstStyle/>
+          <a:p>
+            <a:fld id="{86FFBDB5-9589-48C5-8577-C15F048505D7}" type="slidenum">
+              <a:rPr lang="en-PH" smtClean="0"/>
+              <a:t>25</a:t>
             </a:fld>
             <a:endParaRPr lang="en-PH"/>
           </a:p>
@@ -12436,6 +12524,803 @@
 </file>
 
 <file path=ppt/slides/slide19.xml><?xml version="1.0" encoding="utf-8"?>
+<p:sld xmlns:a="http://schemas.openxmlformats.org/drawingml/2006/main" xmlns:r="http://schemas.openxmlformats.org/officeDocument/2006/relationships" xmlns:p="http://schemas.openxmlformats.org/presentationml/2006/main">
+  <p:cSld>
+    <p:spTree>
+      <p:nvGrpSpPr>
+        <p:cNvPr id="1" name=""/>
+        <p:cNvGrpSpPr/>
+        <p:nvPr/>
+      </p:nvGrpSpPr>
+      <p:grpSpPr>
+        <a:xfrm>
+          <a:off x="0" y="0"/>
+          <a:ext cx="0" cy="0"/>
+          <a:chOff x="0" y="0"/>
+          <a:chExt cx="0" cy="0"/>
+        </a:xfrm>
+      </p:grpSpPr>
+      <p:sp>
+        <p:nvSpPr>
+          <p:cNvPr id="2" name="Title 1"/>
+          <p:cNvSpPr>
+            <a:spLocks noGrp="1"/>
+          </p:cNvSpPr>
+          <p:nvPr>
+            <p:ph type="title"/>
+          </p:nvPr>
+        </p:nvSpPr>
+        <p:spPr/>
+        <p:txBody>
+          <a:bodyPr/>
+          <a:lstStyle/>
+          <a:p>
+            <a:r>
+              <a:rPr lang="en-PH" dirty="0"/>
+              <a:t>Current System with Secret Server</a:t>
+            </a:r>
+          </a:p>
+        </p:txBody>
+      </p:sp>
+      <p:pic>
+        <p:nvPicPr>
+          <p:cNvPr id="4" name="Picture 3"/>
+          <p:cNvPicPr>
+            <a:picLocks noChangeAspect="1"/>
+          </p:cNvPicPr>
+          <p:nvPr/>
+        </p:nvPicPr>
+        <p:blipFill>
+          <a:blip r:embed="rId3">
+            <a:extLst>
+              <a:ext uri="{28A0092B-C50C-407E-A947-70E740481C1C}">
+                <a14:useLocalDpi xmlns:a14="http://schemas.microsoft.com/office/drawing/2010/main" val="0"/>
+              </a:ext>
+            </a:extLst>
+          </a:blip>
+          <a:stretch>
+            <a:fillRect/>
+          </a:stretch>
+        </p:blipFill>
+        <p:spPr>
+          <a:xfrm>
+            <a:off x="10343804" y="4696690"/>
+            <a:ext cx="2435221" cy="2435221"/>
+          </a:xfrm>
+          <a:prstGeom prst="rect">
+            <a:avLst/>
+          </a:prstGeom>
+        </p:spPr>
+      </p:pic>
+      <p:pic>
+        <p:nvPicPr>
+          <p:cNvPr id="5" name="Picture 4"/>
+          <p:cNvPicPr>
+            <a:picLocks noChangeAspect="1"/>
+          </p:cNvPicPr>
+          <p:nvPr/>
+        </p:nvPicPr>
+        <p:blipFill>
+          <a:blip r:embed="rId4" cstate="hqprint">
+            <a:extLst>
+              <a:ext uri="{28A0092B-C50C-407E-A947-70E740481C1C}">
+                <a14:useLocalDpi xmlns:a14="http://schemas.microsoft.com/office/drawing/2010/main" val="0"/>
+              </a:ext>
+            </a:extLst>
+          </a:blip>
+          <a:stretch>
+            <a:fillRect/>
+          </a:stretch>
+        </p:blipFill>
+        <p:spPr>
+          <a:xfrm>
+            <a:off x="9882312" y="4197927"/>
+            <a:ext cx="1391006" cy="1391006"/>
+          </a:xfrm>
+          <a:prstGeom prst="rect">
+            <a:avLst/>
+          </a:prstGeom>
+        </p:spPr>
+      </p:pic>
+      <p:pic>
+        <p:nvPicPr>
+          <p:cNvPr id="12" name="Picture 11"/>
+          <p:cNvPicPr>
+            <a:picLocks noChangeAspect="1"/>
+          </p:cNvPicPr>
+          <p:nvPr/>
+        </p:nvPicPr>
+        <p:blipFill>
+          <a:blip r:embed="rId5">
+            <a:extLst>
+              <a:ext uri="{28A0092B-C50C-407E-A947-70E740481C1C}">
+                <a14:useLocalDpi xmlns:a14="http://schemas.microsoft.com/office/drawing/2010/main" val="0"/>
+              </a:ext>
+            </a:extLst>
+          </a:blip>
+          <a:stretch>
+            <a:fillRect/>
+          </a:stretch>
+        </p:blipFill>
+        <p:spPr>
+          <a:xfrm>
+            <a:off x="7193953" y="2416105"/>
+            <a:ext cx="948637" cy="948637"/>
+          </a:xfrm>
+          <a:prstGeom prst="rect">
+            <a:avLst/>
+          </a:prstGeom>
+        </p:spPr>
+      </p:pic>
+      <p:cxnSp>
+        <p:nvCxnSpPr>
+          <p:cNvPr id="14" name="Straight Arrow Connector 13"/>
+          <p:cNvCxnSpPr>
+            <a:endCxn id="8" idx="2"/>
+          </p:cNvCxnSpPr>
+          <p:nvPr/>
+        </p:nvCxnSpPr>
+        <p:spPr>
+          <a:xfrm flipV="1">
+            <a:off x="5797166" y="3364742"/>
+            <a:ext cx="0" cy="2234198"/>
+          </a:xfrm>
+          <a:prstGeom prst="straightConnector1">
+            <a:avLst/>
+          </a:prstGeom>
+          <a:ln>
+            <a:tailEnd type="triangle"/>
+          </a:ln>
+        </p:spPr>
+        <p:style>
+          <a:lnRef idx="1">
+            <a:schemeClr val="accent1"/>
+          </a:lnRef>
+          <a:fillRef idx="0">
+            <a:schemeClr val="accent1"/>
+          </a:fillRef>
+          <a:effectRef idx="0">
+            <a:schemeClr val="accent1"/>
+          </a:effectRef>
+          <a:fontRef idx="minor">
+            <a:schemeClr val="tx1"/>
+          </a:fontRef>
+        </p:style>
+      </p:cxnSp>
+      <p:sp>
+        <p:nvSpPr>
+          <p:cNvPr id="26" name="TextBox 25"/>
+          <p:cNvSpPr txBox="1"/>
+          <p:nvPr/>
+        </p:nvSpPr>
+        <p:spPr>
+          <a:xfrm>
+            <a:off x="5021596" y="6205673"/>
+            <a:ext cx="1539240" cy="369332"/>
+          </a:xfrm>
+          <a:prstGeom prst="rect">
+            <a:avLst/>
+          </a:prstGeom>
+          <a:noFill/>
+        </p:spPr>
+        <p:txBody>
+          <a:bodyPr wrap="square" rtlCol="0">
+            <a:spAutoFit/>
+          </a:bodyPr>
+          <a:lstStyle/>
+          <a:p>
+            <a:pPr algn="ctr"/>
+            <a:r>
+              <a:rPr lang="en-PH" dirty="0"/>
+              <a:t>VCM</a:t>
+            </a:r>
+          </a:p>
+        </p:txBody>
+      </p:sp>
+      <p:sp>
+        <p:nvSpPr>
+          <p:cNvPr id="30" name="TextBox 29"/>
+          <p:cNvSpPr txBox="1"/>
+          <p:nvPr/>
+        </p:nvSpPr>
+        <p:spPr>
+          <a:xfrm>
+            <a:off x="4875731" y="1770738"/>
+            <a:ext cx="1842868" cy="369332"/>
+          </a:xfrm>
+          <a:prstGeom prst="rect">
+            <a:avLst/>
+          </a:prstGeom>
+          <a:noFill/>
+        </p:spPr>
+        <p:txBody>
+          <a:bodyPr wrap="square" rtlCol="0">
+            <a:spAutoFit/>
+          </a:bodyPr>
+          <a:lstStyle/>
+          <a:p>
+            <a:pPr algn="ctr"/>
+            <a:r>
+              <a:rPr lang="en-PH" dirty="0"/>
+              <a:t>Central Server</a:t>
+            </a:r>
+          </a:p>
+        </p:txBody>
+      </p:sp>
+      <p:sp>
+        <p:nvSpPr>
+          <p:cNvPr id="31" name="TextBox 30"/>
+          <p:cNvSpPr txBox="1"/>
+          <p:nvPr/>
+        </p:nvSpPr>
+        <p:spPr>
+          <a:xfrm>
+            <a:off x="6746837" y="1521874"/>
+            <a:ext cx="1842868" cy="646331"/>
+          </a:xfrm>
+          <a:prstGeom prst="rect">
+            <a:avLst/>
+          </a:prstGeom>
+          <a:noFill/>
+        </p:spPr>
+        <p:txBody>
+          <a:bodyPr wrap="square" rtlCol="0">
+            <a:spAutoFit/>
+          </a:bodyPr>
+          <a:lstStyle/>
+          <a:p>
+            <a:pPr algn="ctr"/>
+            <a:r>
+              <a:rPr lang="en-PH" dirty="0"/>
+              <a:t>Transparency Server</a:t>
+            </a:r>
+          </a:p>
+        </p:txBody>
+      </p:sp>
+      <p:sp>
+        <p:nvSpPr>
+          <p:cNvPr id="32" name="TextBox 31"/>
+          <p:cNvSpPr txBox="1"/>
+          <p:nvPr/>
+        </p:nvSpPr>
+        <p:spPr>
+          <a:xfrm>
+            <a:off x="4875731" y="2074595"/>
+            <a:ext cx="1842868" cy="276999"/>
+          </a:xfrm>
+          <a:prstGeom prst="rect">
+            <a:avLst/>
+          </a:prstGeom>
+          <a:noFill/>
+        </p:spPr>
+        <p:txBody>
+          <a:bodyPr wrap="square" rtlCol="0">
+            <a:spAutoFit/>
+          </a:bodyPr>
+          <a:lstStyle/>
+          <a:p>
+            <a:pPr algn="ctr"/>
+            <a:r>
+              <a:rPr lang="en-PH" sz="1200" dirty="0"/>
+              <a:t>Handled by COMELEC</a:t>
+            </a:r>
+          </a:p>
+        </p:txBody>
+      </p:sp>
+      <p:sp>
+        <p:nvSpPr>
+          <p:cNvPr id="33" name="TextBox 32"/>
+          <p:cNvSpPr txBox="1"/>
+          <p:nvPr/>
+        </p:nvSpPr>
+        <p:spPr>
+          <a:xfrm>
+            <a:off x="6746837" y="2074591"/>
+            <a:ext cx="1842868" cy="276999"/>
+          </a:xfrm>
+          <a:prstGeom prst="rect">
+            <a:avLst/>
+          </a:prstGeom>
+          <a:noFill/>
+        </p:spPr>
+        <p:txBody>
+          <a:bodyPr wrap="square" rtlCol="0">
+            <a:spAutoFit/>
+          </a:bodyPr>
+          <a:lstStyle/>
+          <a:p>
+            <a:pPr algn="ctr"/>
+            <a:r>
+              <a:rPr lang="en-PH" sz="1200" dirty="0"/>
+              <a:t>Handled by PPCRV</a:t>
+            </a:r>
+          </a:p>
+        </p:txBody>
+      </p:sp>
+      <p:pic>
+        <p:nvPicPr>
+          <p:cNvPr id="8" name="Picture 7"/>
+          <p:cNvPicPr>
+            <a:picLocks noChangeAspect="1"/>
+          </p:cNvPicPr>
+          <p:nvPr/>
+        </p:nvPicPr>
+        <p:blipFill>
+          <a:blip r:embed="rId5">
+            <a:extLst>
+              <a:ext uri="{28A0092B-C50C-407E-A947-70E740481C1C}">
+                <a14:useLocalDpi xmlns:a14="http://schemas.microsoft.com/office/drawing/2010/main" val="0"/>
+              </a:ext>
+            </a:extLst>
+          </a:blip>
+          <a:stretch>
+            <a:fillRect/>
+          </a:stretch>
+        </p:blipFill>
+        <p:spPr>
+          <a:xfrm>
+            <a:off x="5322847" y="2416105"/>
+            <a:ext cx="948637" cy="948637"/>
+          </a:xfrm>
+          <a:prstGeom prst="rect">
+            <a:avLst/>
+          </a:prstGeom>
+        </p:spPr>
+      </p:pic>
+      <p:pic>
+        <p:nvPicPr>
+          <p:cNvPr id="39" name="Picture 38"/>
+          <p:cNvPicPr>
+            <a:picLocks noChangeAspect="1"/>
+          </p:cNvPicPr>
+          <p:nvPr/>
+        </p:nvPicPr>
+        <p:blipFill>
+          <a:blip r:embed="rId5">
+            <a:extLst>
+              <a:ext uri="{28A0092B-C50C-407E-A947-70E740481C1C}">
+                <a14:useLocalDpi xmlns:a14="http://schemas.microsoft.com/office/drawing/2010/main" val="0"/>
+              </a:ext>
+            </a:extLst>
+          </a:blip>
+          <a:stretch>
+            <a:fillRect/>
+          </a:stretch>
+        </p:blipFill>
+        <p:spPr>
+          <a:xfrm>
+            <a:off x="3451742" y="2416104"/>
+            <a:ext cx="948637" cy="948637"/>
+          </a:xfrm>
+          <a:prstGeom prst="rect">
+            <a:avLst/>
+          </a:prstGeom>
+        </p:spPr>
+      </p:pic>
+      <p:sp>
+        <p:nvSpPr>
+          <p:cNvPr id="42" name="TextBox 41"/>
+          <p:cNvSpPr txBox="1"/>
+          <p:nvPr/>
+        </p:nvSpPr>
+        <p:spPr>
+          <a:xfrm>
+            <a:off x="3004625" y="1705259"/>
+            <a:ext cx="1842868" cy="584775"/>
+          </a:xfrm>
+          <a:prstGeom prst="rect">
+            <a:avLst/>
+          </a:prstGeom>
+          <a:noFill/>
+        </p:spPr>
+        <p:txBody>
+          <a:bodyPr wrap="square" rtlCol="0">
+            <a:spAutoFit/>
+          </a:bodyPr>
+          <a:lstStyle/>
+          <a:p>
+            <a:pPr algn="ctr"/>
+            <a:r>
+              <a:rPr lang="en-PH" sz="1600" dirty="0"/>
+              <a:t>Consolidation and Canvassing Server</a:t>
+            </a:r>
+          </a:p>
+        </p:txBody>
+      </p:sp>
+      <p:cxnSp>
+        <p:nvCxnSpPr>
+          <p:cNvPr id="52" name="Connector: Elbow 51"/>
+          <p:cNvCxnSpPr>
+            <a:endCxn id="39" idx="2"/>
+          </p:cNvCxnSpPr>
+          <p:nvPr/>
+        </p:nvCxnSpPr>
+        <p:spPr>
+          <a:xfrm rot="10800000">
+            <a:off x="3926062" y="3364741"/>
+            <a:ext cx="1871105" cy="813362"/>
+          </a:xfrm>
+          <a:prstGeom prst="bentConnector2">
+            <a:avLst/>
+          </a:prstGeom>
+          <a:ln>
+            <a:tailEnd type="triangle"/>
+          </a:ln>
+        </p:spPr>
+        <p:style>
+          <a:lnRef idx="1">
+            <a:schemeClr val="accent1"/>
+          </a:lnRef>
+          <a:fillRef idx="0">
+            <a:schemeClr val="accent1"/>
+          </a:fillRef>
+          <a:effectRef idx="0">
+            <a:schemeClr val="accent1"/>
+          </a:effectRef>
+          <a:fontRef idx="minor">
+            <a:schemeClr val="tx1"/>
+          </a:fontRef>
+        </p:style>
+      </p:cxnSp>
+      <p:cxnSp>
+        <p:nvCxnSpPr>
+          <p:cNvPr id="58" name="Connector: Elbow 57"/>
+          <p:cNvCxnSpPr>
+            <a:endCxn id="12" idx="2"/>
+          </p:cNvCxnSpPr>
+          <p:nvPr/>
+        </p:nvCxnSpPr>
+        <p:spPr>
+          <a:xfrm flipV="1">
+            <a:off x="5797166" y="3364742"/>
+            <a:ext cx="1871106" cy="813362"/>
+          </a:xfrm>
+          <a:prstGeom prst="bentConnector2">
+            <a:avLst/>
+          </a:prstGeom>
+          <a:ln>
+            <a:tailEnd type="triangle"/>
+          </a:ln>
+        </p:spPr>
+        <p:style>
+          <a:lnRef idx="1">
+            <a:schemeClr val="accent1"/>
+          </a:lnRef>
+          <a:fillRef idx="0">
+            <a:schemeClr val="accent1"/>
+          </a:fillRef>
+          <a:effectRef idx="0">
+            <a:schemeClr val="accent1"/>
+          </a:effectRef>
+          <a:fontRef idx="minor">
+            <a:schemeClr val="tx1"/>
+          </a:fontRef>
+        </p:style>
+      </p:cxnSp>
+      <p:pic>
+        <p:nvPicPr>
+          <p:cNvPr id="6" name="Content Placeholder 5"/>
+          <p:cNvPicPr>
+            <a:picLocks noGrp="1" noChangeAspect="1"/>
+          </p:cNvPicPr>
+          <p:nvPr>
+            <p:ph idx="1"/>
+          </p:nvPr>
+        </p:nvPicPr>
+        <p:blipFill>
+          <a:blip r:embed="rId6">
+            <a:extLst>
+              <a:ext uri="{28A0092B-C50C-407E-A947-70E740481C1C}">
+                <a14:useLocalDpi xmlns:a14="http://schemas.microsoft.com/office/drawing/2010/main" val="0"/>
+              </a:ext>
+            </a:extLst>
+          </a:blip>
+          <a:stretch>
+            <a:fillRect/>
+          </a:stretch>
+        </p:blipFill>
+        <p:spPr>
+          <a:xfrm>
+            <a:off x="5166098" y="5196108"/>
+            <a:ext cx="1262135" cy="1204687"/>
+          </a:xfrm>
+        </p:spPr>
+      </p:pic>
+      <p:sp>
+        <p:nvSpPr>
+          <p:cNvPr id="37" name="TextBox 36"/>
+          <p:cNvSpPr txBox="1"/>
+          <p:nvPr/>
+        </p:nvSpPr>
+        <p:spPr>
+          <a:xfrm>
+            <a:off x="4299481" y="4664340"/>
+            <a:ext cx="1618037" cy="461665"/>
+          </a:xfrm>
+          <a:prstGeom prst="rect">
+            <a:avLst/>
+          </a:prstGeom>
+          <a:noFill/>
+        </p:spPr>
+        <p:txBody>
+          <a:bodyPr wrap="square" rtlCol="0">
+            <a:spAutoFit/>
+          </a:bodyPr>
+          <a:lstStyle/>
+          <a:p>
+            <a:pPr algn="ctr"/>
+            <a:r>
+              <a:rPr lang="en-PH" sz="1200" dirty="0"/>
+              <a:t>Votes are sent along with its hash code</a:t>
+            </a:r>
+          </a:p>
+        </p:txBody>
+      </p:sp>
+      <p:pic>
+        <p:nvPicPr>
+          <p:cNvPr id="29" name="Picture 28"/>
+          <p:cNvPicPr>
+            <a:picLocks noChangeAspect="1"/>
+          </p:cNvPicPr>
+          <p:nvPr/>
+        </p:nvPicPr>
+        <p:blipFill>
+          <a:blip r:embed="rId5">
+            <a:extLst>
+              <a:ext uri="{28A0092B-C50C-407E-A947-70E740481C1C}">
+                <a14:useLocalDpi xmlns:a14="http://schemas.microsoft.com/office/drawing/2010/main" val="0"/>
+              </a:ext>
+            </a:extLst>
+          </a:blip>
+          <a:stretch>
+            <a:fillRect/>
+          </a:stretch>
+        </p:blipFill>
+        <p:spPr>
+          <a:xfrm>
+            <a:off x="5521136" y="3894037"/>
+            <a:ext cx="540160" cy="540160"/>
+          </a:xfrm>
+          <a:prstGeom prst="rect">
+            <a:avLst/>
+          </a:prstGeom>
+        </p:spPr>
+      </p:pic>
+      <p:sp>
+        <p:nvSpPr>
+          <p:cNvPr id="34" name="TextBox 33"/>
+          <p:cNvSpPr txBox="1"/>
+          <p:nvPr/>
+        </p:nvSpPr>
+        <p:spPr>
+          <a:xfrm>
+            <a:off x="5372940" y="3632923"/>
+            <a:ext cx="1842868" cy="276999"/>
+          </a:xfrm>
+          <a:prstGeom prst="rect">
+            <a:avLst/>
+          </a:prstGeom>
+          <a:noFill/>
+        </p:spPr>
+        <p:txBody>
+          <a:bodyPr wrap="square" rtlCol="0">
+            <a:spAutoFit/>
+          </a:bodyPr>
+          <a:lstStyle/>
+          <a:p>
+            <a:pPr algn="ctr"/>
+            <a:r>
+              <a:rPr lang="en-PH" sz="1200" dirty="0"/>
+              <a:t>Secret Server</a:t>
+            </a:r>
+          </a:p>
+        </p:txBody>
+      </p:sp>
+    </p:spTree>
+    <p:extLst>
+      <p:ext uri="{BB962C8B-B14F-4D97-AF65-F5344CB8AC3E}">
+        <p14:creationId xmlns:p14="http://schemas.microsoft.com/office/powerpoint/2010/main" val="1679730262"/>
+      </p:ext>
+    </p:extLst>
+  </p:cSld>
+  <p:clrMapOvr>
+    <a:masterClrMapping/>
+  </p:clrMapOvr>
+</p:sld>
+</file>
+
+<file path=ppt/slides/slide2.xml><?xml version="1.0" encoding="utf-8"?>
+<p:sld xmlns:a="http://schemas.openxmlformats.org/drawingml/2006/main" xmlns:r="http://schemas.openxmlformats.org/officeDocument/2006/relationships" xmlns:p="http://schemas.openxmlformats.org/presentationml/2006/main">
+  <p:cSld>
+    <p:spTree>
+      <p:nvGrpSpPr>
+        <p:cNvPr id="1" name=""/>
+        <p:cNvGrpSpPr/>
+        <p:nvPr/>
+      </p:nvGrpSpPr>
+      <p:grpSpPr>
+        <a:xfrm>
+          <a:off x="0" y="0"/>
+          <a:ext cx="0" cy="0"/>
+          <a:chOff x="0" y="0"/>
+          <a:chExt cx="0" cy="0"/>
+        </a:xfrm>
+      </p:grpSpPr>
+      <p:sp>
+        <p:nvSpPr>
+          <p:cNvPr id="2" name="Title 1"/>
+          <p:cNvSpPr>
+            <a:spLocks noGrp="1"/>
+          </p:cNvSpPr>
+          <p:nvPr>
+            <p:ph type="title"/>
+          </p:nvPr>
+        </p:nvSpPr>
+        <p:spPr/>
+        <p:txBody>
+          <a:bodyPr/>
+          <a:lstStyle/>
+          <a:p>
+            <a:r>
+              <a:rPr lang="en-PH" dirty="0"/>
+              <a:t>Background of the Problem</a:t>
+            </a:r>
+          </a:p>
+        </p:txBody>
+      </p:sp>
+      <p:sp>
+        <p:nvSpPr>
+          <p:cNvPr id="3" name="Content Placeholder 2"/>
+          <p:cNvSpPr>
+            <a:spLocks noGrp="1"/>
+          </p:cNvSpPr>
+          <p:nvPr>
+            <p:ph idx="1"/>
+          </p:nvPr>
+        </p:nvSpPr>
+        <p:spPr>
+          <a:xfrm>
+            <a:off x="838200" y="1497496"/>
+            <a:ext cx="9896061" cy="4679467"/>
+          </a:xfrm>
+        </p:spPr>
+        <p:txBody>
+          <a:bodyPr>
+            <a:normAutofit lnSpcReduction="10000"/>
+          </a:bodyPr>
+          <a:lstStyle/>
+          <a:p>
+            <a:r>
+              <a:rPr lang="en-PH" dirty="0"/>
+              <a:t>During the 2016 elections, Bong </a:t>
+            </a:r>
+            <a:r>
+              <a:rPr lang="en-PH" dirty="0" err="1"/>
+              <a:t>Bong</a:t>
+            </a:r>
+            <a:r>
+              <a:rPr lang="en-PH" dirty="0"/>
+              <a:t> Marcos’ camp believes that there exists a “Fourth Server” or also known as the “Queue Server”.</a:t>
+            </a:r>
+          </a:p>
+          <a:p>
+            <a:r>
+              <a:rPr lang="en-PH" dirty="0"/>
+              <a:t>It has been revealed that the </a:t>
+            </a:r>
+            <a:r>
+              <a:rPr lang="en-PH" dirty="0" err="1"/>
+              <a:t>Comelec</a:t>
+            </a:r>
+            <a:r>
+              <a:rPr lang="en-PH" dirty="0"/>
+              <a:t> and </a:t>
+            </a:r>
+            <a:r>
+              <a:rPr lang="en-PH" dirty="0" err="1"/>
+              <a:t>Smartmatic</a:t>
+            </a:r>
+            <a:r>
+              <a:rPr lang="en-PH" dirty="0"/>
+              <a:t> has been keeping it from the public. </a:t>
+            </a:r>
+          </a:p>
+          <a:p>
+            <a:r>
+              <a:rPr lang="en-PH" dirty="0"/>
+              <a:t>Instead of letting the ERs be directly transmitted to the three official servers, namely the Municipal Board of Canvassing Server, </a:t>
+            </a:r>
+            <a:r>
+              <a:rPr lang="en-PH" dirty="0" err="1"/>
+              <a:t>Comelec</a:t>
+            </a:r>
+            <a:r>
+              <a:rPr lang="en-PH" dirty="0"/>
+              <a:t> Server, and the Transparency server, the results were first being processed and consolidated in the “Queue Server”.</a:t>
+            </a:r>
+          </a:p>
+          <a:p>
+            <a:r>
+              <a:rPr lang="en-PH" dirty="0"/>
+              <a:t>Another problem with the secret server is that the source code being used was never reviewed despite of it being a requirement in the law. </a:t>
+            </a:r>
+          </a:p>
+        </p:txBody>
+      </p:sp>
+      <p:pic>
+        <p:nvPicPr>
+          <p:cNvPr id="4" name="Picture 3"/>
+          <p:cNvPicPr>
+            <a:picLocks noChangeAspect="1"/>
+          </p:cNvPicPr>
+          <p:nvPr/>
+        </p:nvPicPr>
+        <p:blipFill>
+          <a:blip r:embed="rId3">
+            <a:extLst>
+              <a:ext uri="{28A0092B-C50C-407E-A947-70E740481C1C}">
+                <a14:useLocalDpi xmlns:a14="http://schemas.microsoft.com/office/drawing/2010/main" val="0"/>
+              </a:ext>
+            </a:extLst>
+          </a:blip>
+          <a:stretch>
+            <a:fillRect/>
+          </a:stretch>
+        </p:blipFill>
+        <p:spPr>
+          <a:xfrm>
+            <a:off x="10595595" y="4723195"/>
+            <a:ext cx="2435221" cy="2435221"/>
+          </a:xfrm>
+          <a:prstGeom prst="rect">
+            <a:avLst/>
+          </a:prstGeom>
+        </p:spPr>
+      </p:pic>
+      <p:pic>
+        <p:nvPicPr>
+          <p:cNvPr id="5" name="Picture 4"/>
+          <p:cNvPicPr>
+            <a:picLocks noChangeAspect="1"/>
+          </p:cNvPicPr>
+          <p:nvPr/>
+        </p:nvPicPr>
+        <p:blipFill>
+          <a:blip r:embed="rId4" cstate="hqprint">
+            <a:extLst>
+              <a:ext uri="{28A0092B-C50C-407E-A947-70E740481C1C}">
+                <a14:useLocalDpi xmlns:a14="http://schemas.microsoft.com/office/drawing/2010/main" val="0"/>
+              </a:ext>
+            </a:extLst>
+          </a:blip>
+          <a:stretch>
+            <a:fillRect/>
+          </a:stretch>
+        </p:blipFill>
+        <p:spPr>
+          <a:xfrm>
+            <a:off x="10734261" y="3561822"/>
+            <a:ext cx="1391006" cy="1391006"/>
+          </a:xfrm>
+          <a:prstGeom prst="rect">
+            <a:avLst/>
+          </a:prstGeom>
+        </p:spPr>
+      </p:pic>
+    </p:spTree>
+    <p:extLst>
+      <p:ext uri="{BB962C8B-B14F-4D97-AF65-F5344CB8AC3E}">
+        <p14:creationId xmlns:p14="http://schemas.microsoft.com/office/powerpoint/2010/main" val="2625723871"/>
+      </p:ext>
+    </p:extLst>
+  </p:cSld>
+  <p:clrMapOvr>
+    <a:masterClrMapping/>
+  </p:clrMapOvr>
+</p:sld>
+</file>
+
+<file path=ppt/slides/slide20.xml><?xml version="1.0" encoding="utf-8"?>
 <p:sld xmlns:a="http://schemas.openxmlformats.org/drawingml/2006/main" xmlns:r="http://schemas.openxmlformats.org/officeDocument/2006/relationships" xmlns:p="http://schemas.openxmlformats.org/presentationml/2006/main" show="0">
   <p:cSld>
     <p:spTree>
@@ -13541,198 +14426,7 @@
 </p:sld>
 </file>
 
-<file path=ppt/slides/slide2.xml><?xml version="1.0" encoding="utf-8"?>
-<p:sld xmlns:a="http://schemas.openxmlformats.org/drawingml/2006/main" xmlns:r="http://schemas.openxmlformats.org/officeDocument/2006/relationships" xmlns:p="http://schemas.openxmlformats.org/presentationml/2006/main">
-  <p:cSld>
-    <p:spTree>
-      <p:nvGrpSpPr>
-        <p:cNvPr id="1" name=""/>
-        <p:cNvGrpSpPr/>
-        <p:nvPr/>
-      </p:nvGrpSpPr>
-      <p:grpSpPr>
-        <a:xfrm>
-          <a:off x="0" y="0"/>
-          <a:ext cx="0" cy="0"/>
-          <a:chOff x="0" y="0"/>
-          <a:chExt cx="0" cy="0"/>
-        </a:xfrm>
-      </p:grpSpPr>
-      <p:sp>
-        <p:nvSpPr>
-          <p:cNvPr id="2" name="Title 1"/>
-          <p:cNvSpPr>
-            <a:spLocks noGrp="1"/>
-          </p:cNvSpPr>
-          <p:nvPr>
-            <p:ph type="title"/>
-          </p:nvPr>
-        </p:nvSpPr>
-        <p:spPr/>
-        <p:txBody>
-          <a:bodyPr/>
-          <a:lstStyle/>
-          <a:p>
-            <a:r>
-              <a:rPr lang="en-PH" dirty="0"/>
-              <a:t>Background of the Problem</a:t>
-            </a:r>
-          </a:p>
-        </p:txBody>
-      </p:sp>
-      <p:sp>
-        <p:nvSpPr>
-          <p:cNvPr id="3" name="Content Placeholder 2"/>
-          <p:cNvSpPr>
-            <a:spLocks noGrp="1"/>
-          </p:cNvSpPr>
-          <p:nvPr>
-            <p:ph idx="1"/>
-          </p:nvPr>
-        </p:nvSpPr>
-        <p:spPr>
-          <a:xfrm>
-            <a:off x="838200" y="1497496"/>
-            <a:ext cx="9896061" cy="4679467"/>
-          </a:xfrm>
-        </p:spPr>
-        <p:txBody>
-          <a:bodyPr>
-            <a:normAutofit lnSpcReduction="10000"/>
-          </a:bodyPr>
-          <a:lstStyle/>
-          <a:p>
-            <a:r>
-              <a:rPr lang="en-PH" dirty="0"/>
-              <a:t>During the 2016 elections, Bong </a:t>
-            </a:r>
-            <a:r>
-              <a:rPr lang="en-PH" dirty="0" err="1"/>
-              <a:t>Bong</a:t>
-            </a:r>
-            <a:r>
-              <a:rPr lang="en-PH" dirty="0"/>
-              <a:t> Marcos’ camp believes that there exists a “Fourth Server” or also known as the “Queue Server”.</a:t>
-            </a:r>
-          </a:p>
-          <a:p>
-            <a:r>
-              <a:rPr lang="en-PH" dirty="0"/>
-              <a:t>It has been revealed that the </a:t>
-            </a:r>
-            <a:r>
-              <a:rPr lang="en-PH" dirty="0" err="1"/>
-              <a:t>Comelec</a:t>
-            </a:r>
-            <a:r>
-              <a:rPr lang="en-PH" dirty="0"/>
-              <a:t> and </a:t>
-            </a:r>
-            <a:r>
-              <a:rPr lang="en-PH" dirty="0" err="1"/>
-              <a:t>Smartmatic</a:t>
-            </a:r>
-            <a:r>
-              <a:rPr lang="en-PH" dirty="0"/>
-              <a:t> has been keeping it from the public. </a:t>
-            </a:r>
-          </a:p>
-          <a:p>
-            <a:r>
-              <a:rPr lang="en-PH" dirty="0"/>
-              <a:t>Instead of letting the ERs be directly transmitted to the three official servers, namely the Municipal Board of Canvassing Server, </a:t>
-            </a:r>
-            <a:r>
-              <a:rPr lang="en-PH" dirty="0" err="1"/>
-              <a:t>Comelec</a:t>
-            </a:r>
-            <a:r>
-              <a:rPr lang="en-PH" dirty="0"/>
-              <a:t> Server, and the Transparency server, the results were first being processed and consolidated in the “Queue Server”.</a:t>
-            </a:r>
-          </a:p>
-          <a:p>
-            <a:r>
-              <a:rPr lang="en-PH" dirty="0"/>
-              <a:t>Another problem with the secret server is that the source code being used was never reviewed despite of it being a requirement in the law. </a:t>
-            </a:r>
-          </a:p>
-        </p:txBody>
-      </p:sp>
-      <p:pic>
-        <p:nvPicPr>
-          <p:cNvPr id="4" name="Picture 3"/>
-          <p:cNvPicPr>
-            <a:picLocks noChangeAspect="1"/>
-          </p:cNvPicPr>
-          <p:nvPr/>
-        </p:nvPicPr>
-        <p:blipFill>
-          <a:blip r:embed="rId3">
-            <a:extLst>
-              <a:ext uri="{28A0092B-C50C-407E-A947-70E740481C1C}">
-                <a14:useLocalDpi xmlns:a14="http://schemas.microsoft.com/office/drawing/2010/main" val="0"/>
-              </a:ext>
-            </a:extLst>
-          </a:blip>
-          <a:stretch>
-            <a:fillRect/>
-          </a:stretch>
-        </p:blipFill>
-        <p:spPr>
-          <a:xfrm>
-            <a:off x="10595595" y="4723195"/>
-            <a:ext cx="2435221" cy="2435221"/>
-          </a:xfrm>
-          <a:prstGeom prst="rect">
-            <a:avLst/>
-          </a:prstGeom>
-        </p:spPr>
-      </p:pic>
-      <p:pic>
-        <p:nvPicPr>
-          <p:cNvPr id="5" name="Picture 4"/>
-          <p:cNvPicPr>
-            <a:picLocks noChangeAspect="1"/>
-          </p:cNvPicPr>
-          <p:nvPr/>
-        </p:nvPicPr>
-        <p:blipFill>
-          <a:blip r:embed="rId4" cstate="hqprint">
-            <a:extLst>
-              <a:ext uri="{28A0092B-C50C-407E-A947-70E740481C1C}">
-                <a14:useLocalDpi xmlns:a14="http://schemas.microsoft.com/office/drawing/2010/main" val="0"/>
-              </a:ext>
-            </a:extLst>
-          </a:blip>
-          <a:stretch>
-            <a:fillRect/>
-          </a:stretch>
-        </p:blipFill>
-        <p:spPr>
-          <a:xfrm>
-            <a:off x="10734261" y="3561822"/>
-            <a:ext cx="1391006" cy="1391006"/>
-          </a:xfrm>
-          <a:prstGeom prst="rect">
-            <a:avLst/>
-          </a:prstGeom>
-        </p:spPr>
-      </p:pic>
-    </p:spTree>
-    <p:extLst>
-      <p:ext uri="{BB962C8B-B14F-4D97-AF65-F5344CB8AC3E}">
-        <p14:creationId xmlns:p14="http://schemas.microsoft.com/office/powerpoint/2010/main" val="2625723871"/>
-      </p:ext>
-    </p:extLst>
-  </p:cSld>
-  <p:clrMapOvr>
-    <a:masterClrMapping/>
-  </p:clrMapOvr>
-</p:sld>
-</file>
-
-<file path=ppt/slides/slide20.xml><?xml version="1.0" encoding="utf-8"?>
+<file path=ppt/slides/slide21.xml><?xml version="1.0" encoding="utf-8"?>
 <p:sld xmlns:a="http://schemas.openxmlformats.org/drawingml/2006/main" xmlns:r="http://schemas.openxmlformats.org/officeDocument/2006/relationships" xmlns:p="http://schemas.openxmlformats.org/presentationml/2006/main">
   <p:cSld>
     <p:spTree>
@@ -14374,657 +15068,6 @@
     <p:extLst>
       <p:ext uri="{BB962C8B-B14F-4D97-AF65-F5344CB8AC3E}">
         <p14:creationId xmlns:p14="http://schemas.microsoft.com/office/powerpoint/2010/main" val="3102187417"/>
-      </p:ext>
-    </p:extLst>
-  </p:cSld>
-  <p:clrMapOvr>
-    <a:masterClrMapping/>
-  </p:clrMapOvr>
-</p:sld>
-</file>
-
-<file path=ppt/slides/slide21.xml><?xml version="1.0" encoding="utf-8"?>
-<p:sld xmlns:a="http://schemas.openxmlformats.org/drawingml/2006/main" xmlns:r="http://schemas.openxmlformats.org/officeDocument/2006/relationships" xmlns:p="http://schemas.openxmlformats.org/presentationml/2006/main">
-  <p:cSld>
-    <p:spTree>
-      <p:nvGrpSpPr>
-        <p:cNvPr id="1" name=""/>
-        <p:cNvGrpSpPr/>
-        <p:nvPr/>
-      </p:nvGrpSpPr>
-      <p:grpSpPr>
-        <a:xfrm>
-          <a:off x="0" y="0"/>
-          <a:ext cx="0" cy="0"/>
-          <a:chOff x="0" y="0"/>
-          <a:chExt cx="0" cy="0"/>
-        </a:xfrm>
-      </p:grpSpPr>
-      <p:sp>
-        <p:nvSpPr>
-          <p:cNvPr id="2" name="Title 1"/>
-          <p:cNvSpPr>
-            <a:spLocks noGrp="1"/>
-          </p:cNvSpPr>
-          <p:nvPr>
-            <p:ph type="title"/>
-          </p:nvPr>
-        </p:nvSpPr>
-        <p:spPr/>
-        <p:txBody>
-          <a:bodyPr/>
-          <a:lstStyle/>
-          <a:p>
-            <a:r>
-              <a:rPr lang="en-PH" dirty="0"/>
-              <a:t>Proposed System</a:t>
-            </a:r>
-          </a:p>
-        </p:txBody>
-      </p:sp>
-      <p:pic>
-        <p:nvPicPr>
-          <p:cNvPr id="4" name="Picture 3"/>
-          <p:cNvPicPr>
-            <a:picLocks noChangeAspect="1"/>
-          </p:cNvPicPr>
-          <p:nvPr/>
-        </p:nvPicPr>
-        <p:blipFill>
-          <a:blip r:embed="rId3">
-            <a:extLst>
-              <a:ext uri="{28A0092B-C50C-407E-A947-70E740481C1C}">
-                <a14:useLocalDpi xmlns:a14="http://schemas.microsoft.com/office/drawing/2010/main" val="0"/>
-              </a:ext>
-            </a:extLst>
-          </a:blip>
-          <a:stretch>
-            <a:fillRect/>
-          </a:stretch>
-        </p:blipFill>
-        <p:spPr>
-          <a:xfrm>
-            <a:off x="10343804" y="4696690"/>
-            <a:ext cx="2435221" cy="2435221"/>
-          </a:xfrm>
-          <a:prstGeom prst="rect">
-            <a:avLst/>
-          </a:prstGeom>
-        </p:spPr>
-      </p:pic>
-      <p:pic>
-        <p:nvPicPr>
-          <p:cNvPr id="5" name="Picture 4"/>
-          <p:cNvPicPr>
-            <a:picLocks noChangeAspect="1"/>
-          </p:cNvPicPr>
-          <p:nvPr/>
-        </p:nvPicPr>
-        <p:blipFill>
-          <a:blip r:embed="rId4" cstate="hqprint">
-            <a:extLst>
-              <a:ext uri="{28A0092B-C50C-407E-A947-70E740481C1C}">
-                <a14:useLocalDpi xmlns:a14="http://schemas.microsoft.com/office/drawing/2010/main" val="0"/>
-              </a:ext>
-            </a:extLst>
-          </a:blip>
-          <a:stretch>
-            <a:fillRect/>
-          </a:stretch>
-        </p:blipFill>
-        <p:spPr>
-          <a:xfrm>
-            <a:off x="9882312" y="4197927"/>
-            <a:ext cx="1391006" cy="1391006"/>
-          </a:xfrm>
-          <a:prstGeom prst="rect">
-            <a:avLst/>
-          </a:prstGeom>
-        </p:spPr>
-      </p:pic>
-      <p:sp>
-        <p:nvSpPr>
-          <p:cNvPr id="26" name="TextBox 25"/>
-          <p:cNvSpPr txBox="1"/>
-          <p:nvPr/>
-        </p:nvSpPr>
-        <p:spPr>
-          <a:xfrm>
-            <a:off x="4687962" y="5294236"/>
-            <a:ext cx="1539240" cy="369332"/>
-          </a:xfrm>
-          <a:prstGeom prst="rect">
-            <a:avLst/>
-          </a:prstGeom>
-          <a:noFill/>
-        </p:spPr>
-        <p:txBody>
-          <a:bodyPr wrap="square" rtlCol="0">
-            <a:spAutoFit/>
-          </a:bodyPr>
-          <a:lstStyle/>
-          <a:p>
-            <a:pPr algn="ctr"/>
-            <a:r>
-              <a:rPr lang="en-PH" dirty="0"/>
-              <a:t>VCM</a:t>
-            </a:r>
-          </a:p>
-        </p:txBody>
-      </p:sp>
-      <p:sp>
-        <p:nvSpPr>
-          <p:cNvPr id="30" name="TextBox 29"/>
-          <p:cNvSpPr txBox="1"/>
-          <p:nvPr/>
-        </p:nvSpPr>
-        <p:spPr>
-          <a:xfrm>
-            <a:off x="4556165" y="1942509"/>
-            <a:ext cx="1842868" cy="369332"/>
-          </a:xfrm>
-          <a:prstGeom prst="rect">
-            <a:avLst/>
-          </a:prstGeom>
-          <a:noFill/>
-        </p:spPr>
-        <p:txBody>
-          <a:bodyPr wrap="square" rtlCol="0">
-            <a:spAutoFit/>
-          </a:bodyPr>
-          <a:lstStyle/>
-          <a:p>
-            <a:pPr algn="ctr"/>
-            <a:r>
-              <a:rPr lang="en-PH" dirty="0"/>
-              <a:t>Central Server</a:t>
-            </a:r>
-          </a:p>
-        </p:txBody>
-      </p:sp>
-      <p:sp>
-        <p:nvSpPr>
-          <p:cNvPr id="31" name="TextBox 30"/>
-          <p:cNvSpPr txBox="1"/>
-          <p:nvPr/>
-        </p:nvSpPr>
-        <p:spPr>
-          <a:xfrm>
-            <a:off x="6413203" y="1693645"/>
-            <a:ext cx="1842868" cy="646331"/>
-          </a:xfrm>
-          <a:prstGeom prst="rect">
-            <a:avLst/>
-          </a:prstGeom>
-          <a:noFill/>
-        </p:spPr>
-        <p:txBody>
-          <a:bodyPr wrap="square" rtlCol="0">
-            <a:spAutoFit/>
-          </a:bodyPr>
-          <a:lstStyle/>
-          <a:p>
-            <a:pPr algn="ctr"/>
-            <a:r>
-              <a:rPr lang="en-PH" dirty="0"/>
-              <a:t>Transparency Server</a:t>
-            </a:r>
-          </a:p>
-        </p:txBody>
-      </p:sp>
-      <p:sp>
-        <p:nvSpPr>
-          <p:cNvPr id="32" name="TextBox 31"/>
-          <p:cNvSpPr txBox="1"/>
-          <p:nvPr/>
-        </p:nvSpPr>
-        <p:spPr>
-          <a:xfrm>
-            <a:off x="4556165" y="2246366"/>
-            <a:ext cx="1842868" cy="276999"/>
-          </a:xfrm>
-          <a:prstGeom prst="rect">
-            <a:avLst/>
-          </a:prstGeom>
-          <a:noFill/>
-        </p:spPr>
-        <p:txBody>
-          <a:bodyPr wrap="square" rtlCol="0">
-            <a:spAutoFit/>
-          </a:bodyPr>
-          <a:lstStyle/>
-          <a:p>
-            <a:pPr algn="ctr"/>
-            <a:r>
-              <a:rPr lang="en-PH" sz="1200" dirty="0"/>
-              <a:t>Handled by COMELEC</a:t>
-            </a:r>
-          </a:p>
-        </p:txBody>
-      </p:sp>
-      <p:sp>
-        <p:nvSpPr>
-          <p:cNvPr id="33" name="TextBox 32"/>
-          <p:cNvSpPr txBox="1"/>
-          <p:nvPr/>
-        </p:nvSpPr>
-        <p:spPr>
-          <a:xfrm>
-            <a:off x="6413203" y="2246362"/>
-            <a:ext cx="1842868" cy="276999"/>
-          </a:xfrm>
-          <a:prstGeom prst="rect">
-            <a:avLst/>
-          </a:prstGeom>
-          <a:noFill/>
-        </p:spPr>
-        <p:txBody>
-          <a:bodyPr wrap="square" rtlCol="0">
-            <a:spAutoFit/>
-          </a:bodyPr>
-          <a:lstStyle/>
-          <a:p>
-            <a:pPr algn="ctr"/>
-            <a:r>
-              <a:rPr lang="en-PH" sz="1200" dirty="0"/>
-              <a:t>Handled by PPCRV</a:t>
-            </a:r>
-          </a:p>
-        </p:txBody>
-      </p:sp>
-      <p:pic>
-        <p:nvPicPr>
-          <p:cNvPr id="8" name="Picture 7"/>
-          <p:cNvPicPr>
-            <a:picLocks noChangeAspect="1"/>
-          </p:cNvPicPr>
-          <p:nvPr/>
-        </p:nvPicPr>
-        <p:blipFill>
-          <a:blip r:embed="rId5">
-            <a:extLst>
-              <a:ext uri="{28A0092B-C50C-407E-A947-70E740481C1C}">
-                <a14:useLocalDpi xmlns:a14="http://schemas.microsoft.com/office/drawing/2010/main" val="0"/>
-              </a:ext>
-            </a:extLst>
-          </a:blip>
-          <a:stretch>
-            <a:fillRect/>
-          </a:stretch>
-        </p:blipFill>
-        <p:spPr>
-          <a:xfrm>
-            <a:off x="5003281" y="2587876"/>
-            <a:ext cx="948637" cy="948637"/>
-          </a:xfrm>
-          <a:prstGeom prst="rect">
-            <a:avLst/>
-          </a:prstGeom>
-        </p:spPr>
-      </p:pic>
-      <p:pic>
-        <p:nvPicPr>
-          <p:cNvPr id="6" name="Content Placeholder 5"/>
-          <p:cNvPicPr>
-            <a:picLocks noGrp="1" noChangeAspect="1"/>
-          </p:cNvPicPr>
-          <p:nvPr>
-            <p:ph idx="1"/>
-          </p:nvPr>
-        </p:nvPicPr>
-        <p:blipFill>
-          <a:blip r:embed="rId6">
-            <a:extLst>
-              <a:ext uri="{28A0092B-C50C-407E-A947-70E740481C1C}">
-                <a14:useLocalDpi xmlns:a14="http://schemas.microsoft.com/office/drawing/2010/main" val="0"/>
-              </a:ext>
-            </a:extLst>
-          </a:blip>
-          <a:stretch>
-            <a:fillRect/>
-          </a:stretch>
-        </p:blipFill>
-        <p:spPr>
-          <a:xfrm>
-            <a:off x="4846532" y="4214331"/>
-            <a:ext cx="1262135" cy="1262135"/>
-          </a:xfrm>
-        </p:spPr>
-      </p:pic>
-      <p:pic>
-        <p:nvPicPr>
-          <p:cNvPr id="39" name="Picture 38"/>
-          <p:cNvPicPr>
-            <a:picLocks noChangeAspect="1"/>
-          </p:cNvPicPr>
-          <p:nvPr/>
-        </p:nvPicPr>
-        <p:blipFill>
-          <a:blip r:embed="rId5">
-            <a:extLst>
-              <a:ext uri="{28A0092B-C50C-407E-A947-70E740481C1C}">
-                <a14:useLocalDpi xmlns:a14="http://schemas.microsoft.com/office/drawing/2010/main" val="0"/>
-              </a:ext>
-            </a:extLst>
-          </a:blip>
-          <a:stretch>
-            <a:fillRect/>
-          </a:stretch>
-        </p:blipFill>
-        <p:spPr>
-          <a:xfrm>
-            <a:off x="3118108" y="2587875"/>
-            <a:ext cx="948637" cy="948637"/>
-          </a:xfrm>
-          <a:prstGeom prst="rect">
-            <a:avLst/>
-          </a:prstGeom>
-        </p:spPr>
-      </p:pic>
-      <p:pic>
-        <p:nvPicPr>
-          <p:cNvPr id="12" name="Picture 11"/>
-          <p:cNvPicPr>
-            <a:picLocks noChangeAspect="1"/>
-          </p:cNvPicPr>
-          <p:nvPr/>
-        </p:nvPicPr>
-        <p:blipFill>
-          <a:blip r:embed="rId5">
-            <a:extLst>
-              <a:ext uri="{28A0092B-C50C-407E-A947-70E740481C1C}">
-                <a14:useLocalDpi xmlns:a14="http://schemas.microsoft.com/office/drawing/2010/main" val="0"/>
-              </a:ext>
-            </a:extLst>
-          </a:blip>
-          <a:stretch>
-            <a:fillRect/>
-          </a:stretch>
-        </p:blipFill>
-        <p:spPr>
-          <a:xfrm>
-            <a:off x="6860319" y="2587876"/>
-            <a:ext cx="948637" cy="948637"/>
-          </a:xfrm>
-          <a:prstGeom prst="rect">
-            <a:avLst/>
-          </a:prstGeom>
-        </p:spPr>
-      </p:pic>
-      <p:sp>
-        <p:nvSpPr>
-          <p:cNvPr id="37" name="TextBox 36"/>
-          <p:cNvSpPr txBox="1"/>
-          <p:nvPr/>
-        </p:nvSpPr>
-        <p:spPr>
-          <a:xfrm>
-            <a:off x="1969895" y="3948621"/>
-            <a:ext cx="1503997" cy="461665"/>
-          </a:xfrm>
-          <a:prstGeom prst="rect">
-            <a:avLst/>
-          </a:prstGeom>
-          <a:noFill/>
-        </p:spPr>
-        <p:txBody>
-          <a:bodyPr wrap="square" rtlCol="0">
-            <a:spAutoFit/>
-          </a:bodyPr>
-          <a:lstStyle/>
-          <a:p>
-            <a:pPr algn="ctr"/>
-            <a:r>
-              <a:rPr lang="en-PH" sz="1200" dirty="0"/>
-              <a:t>Decrypted data using VCM’s private key </a:t>
-            </a:r>
-          </a:p>
-        </p:txBody>
-      </p:sp>
-      <p:sp>
-        <p:nvSpPr>
-          <p:cNvPr id="27" name="TextBox 26"/>
-          <p:cNvSpPr txBox="1"/>
-          <p:nvPr/>
-        </p:nvSpPr>
-        <p:spPr>
-          <a:xfrm>
-            <a:off x="2670992" y="1848126"/>
-            <a:ext cx="1842868" cy="584775"/>
-          </a:xfrm>
-          <a:prstGeom prst="rect">
-            <a:avLst/>
-          </a:prstGeom>
-          <a:noFill/>
-        </p:spPr>
-        <p:txBody>
-          <a:bodyPr wrap="square" rtlCol="0">
-            <a:spAutoFit/>
-          </a:bodyPr>
-          <a:lstStyle/>
-          <a:p>
-            <a:pPr algn="ctr"/>
-            <a:r>
-              <a:rPr lang="en-PH" sz="1600" dirty="0"/>
-              <a:t>Consolidation and Canvassing Server</a:t>
-            </a:r>
-          </a:p>
-        </p:txBody>
-      </p:sp>
-      <p:cxnSp>
-        <p:nvCxnSpPr>
-          <p:cNvPr id="9" name="Connector: Elbow 8"/>
-          <p:cNvCxnSpPr>
-            <a:stCxn id="6" idx="1"/>
-            <a:endCxn id="39" idx="2"/>
-          </p:cNvCxnSpPr>
-          <p:nvPr/>
-        </p:nvCxnSpPr>
-        <p:spPr>
-          <a:xfrm rot="10800000">
-            <a:off x="3592428" y="3536513"/>
-            <a:ext cx="1254105" cy="1308887"/>
-          </a:xfrm>
-          <a:prstGeom prst="bentConnector2">
-            <a:avLst/>
-          </a:prstGeom>
-          <a:ln>
-            <a:tailEnd type="triangle"/>
-          </a:ln>
-        </p:spPr>
-        <p:style>
-          <a:lnRef idx="1">
-            <a:schemeClr val="accent1"/>
-          </a:lnRef>
-          <a:fillRef idx="0">
-            <a:schemeClr val="accent1"/>
-          </a:fillRef>
-          <a:effectRef idx="0">
-            <a:schemeClr val="accent1"/>
-          </a:effectRef>
-          <a:fontRef idx="minor">
-            <a:schemeClr val="tx1"/>
-          </a:fontRef>
-        </p:style>
-      </p:cxnSp>
-      <p:cxnSp>
-        <p:nvCxnSpPr>
-          <p:cNvPr id="11" name="Straight Arrow Connector 10"/>
-          <p:cNvCxnSpPr>
-            <a:endCxn id="8" idx="2"/>
-          </p:cNvCxnSpPr>
-          <p:nvPr/>
-        </p:nvCxnSpPr>
-        <p:spPr>
-          <a:xfrm flipV="1">
-            <a:off x="5477600" y="3536513"/>
-            <a:ext cx="0" cy="873772"/>
-          </a:xfrm>
-          <a:prstGeom prst="straightConnector1">
-            <a:avLst/>
-          </a:prstGeom>
-          <a:ln>
-            <a:tailEnd type="triangle"/>
-          </a:ln>
-        </p:spPr>
-        <p:style>
-          <a:lnRef idx="1">
-            <a:schemeClr val="accent1"/>
-          </a:lnRef>
-          <a:fillRef idx="0">
-            <a:schemeClr val="accent1"/>
-          </a:fillRef>
-          <a:effectRef idx="0">
-            <a:schemeClr val="accent1"/>
-          </a:effectRef>
-          <a:fontRef idx="minor">
-            <a:schemeClr val="tx1"/>
-          </a:fontRef>
-        </p:style>
-      </p:cxnSp>
-      <p:cxnSp>
-        <p:nvCxnSpPr>
-          <p:cNvPr id="17" name="Connector: Elbow 16"/>
-          <p:cNvCxnSpPr>
-            <a:stCxn id="6" idx="3"/>
-            <a:endCxn id="12" idx="2"/>
-          </p:cNvCxnSpPr>
-          <p:nvPr/>
-        </p:nvCxnSpPr>
-        <p:spPr>
-          <a:xfrm flipV="1">
-            <a:off x="6108667" y="3536513"/>
-            <a:ext cx="1225971" cy="1308886"/>
-          </a:xfrm>
-          <a:prstGeom prst="bentConnector2">
-            <a:avLst/>
-          </a:prstGeom>
-          <a:ln>
-            <a:tailEnd type="triangle"/>
-          </a:ln>
-        </p:spPr>
-        <p:style>
-          <a:lnRef idx="1">
-            <a:schemeClr val="accent1"/>
-          </a:lnRef>
-          <a:fillRef idx="0">
-            <a:schemeClr val="accent1"/>
-          </a:fillRef>
-          <a:effectRef idx="0">
-            <a:schemeClr val="accent1"/>
-          </a:effectRef>
-          <a:fontRef idx="minor">
-            <a:schemeClr val="tx1"/>
-          </a:fontRef>
-        </p:style>
-      </p:cxnSp>
-      <p:sp>
-        <p:nvSpPr>
-          <p:cNvPr id="20" name="Oval 19"/>
-          <p:cNvSpPr/>
-          <p:nvPr/>
-        </p:nvSpPr>
-        <p:spPr>
-          <a:xfrm>
-            <a:off x="1270640" y="1774753"/>
-            <a:ext cx="731520" cy="731520"/>
-          </a:xfrm>
-          <a:prstGeom prst="ellipse">
-            <a:avLst/>
-          </a:prstGeom>
-        </p:spPr>
-        <p:style>
-          <a:lnRef idx="2">
-            <a:schemeClr val="accent1">
-              <a:shade val="50000"/>
-            </a:schemeClr>
-          </a:lnRef>
-          <a:fillRef idx="1">
-            <a:schemeClr val="accent1"/>
-          </a:fillRef>
-          <a:effectRef idx="0">
-            <a:schemeClr val="accent1"/>
-          </a:effectRef>
-          <a:fontRef idx="minor">
-            <a:schemeClr val="lt1"/>
-          </a:fontRef>
-        </p:style>
-        <p:txBody>
-          <a:bodyPr rtlCol="0" anchor="ctr"/>
-          <a:lstStyle/>
-          <a:p>
-            <a:pPr algn="ctr"/>
-            <a:r>
-              <a:rPr lang="en-PH" sz="3200" dirty="0"/>
-              <a:t>2</a:t>
-            </a:r>
-          </a:p>
-        </p:txBody>
-      </p:sp>
-      <p:sp>
-        <p:nvSpPr>
-          <p:cNvPr id="34" name="TextBox 33"/>
-          <p:cNvSpPr txBox="1"/>
-          <p:nvPr/>
-        </p:nvSpPr>
-        <p:spPr>
-          <a:xfrm>
-            <a:off x="5477599" y="3748033"/>
-            <a:ext cx="1503997" cy="461665"/>
-          </a:xfrm>
-          <a:prstGeom prst="rect">
-            <a:avLst/>
-          </a:prstGeom>
-          <a:noFill/>
-        </p:spPr>
-        <p:txBody>
-          <a:bodyPr wrap="square" rtlCol="0">
-            <a:spAutoFit/>
-          </a:bodyPr>
-          <a:lstStyle/>
-          <a:p>
-            <a:pPr algn="ctr"/>
-            <a:r>
-              <a:rPr lang="en-PH" sz="1200" dirty="0"/>
-              <a:t>Decrypted data using VCM’s private key </a:t>
-            </a:r>
-          </a:p>
-        </p:txBody>
-      </p:sp>
-      <p:sp>
-        <p:nvSpPr>
-          <p:cNvPr id="35" name="TextBox 34"/>
-          <p:cNvSpPr txBox="1"/>
-          <p:nvPr/>
-        </p:nvSpPr>
-        <p:spPr>
-          <a:xfrm>
-            <a:off x="7491731" y="3948620"/>
-            <a:ext cx="1503997" cy="461665"/>
-          </a:xfrm>
-          <a:prstGeom prst="rect">
-            <a:avLst/>
-          </a:prstGeom>
-          <a:noFill/>
-        </p:spPr>
-        <p:txBody>
-          <a:bodyPr wrap="square" rtlCol="0">
-            <a:spAutoFit/>
-          </a:bodyPr>
-          <a:lstStyle/>
-          <a:p>
-            <a:pPr algn="ctr"/>
-            <a:r>
-              <a:rPr lang="en-PH" sz="1200" dirty="0"/>
-              <a:t>Decrypted data using VCM’s private key </a:t>
-            </a:r>
-          </a:p>
-        </p:txBody>
-      </p:sp>
-    </p:spTree>
-    <p:extLst>
-      <p:ext uri="{BB962C8B-B14F-4D97-AF65-F5344CB8AC3E}">
-        <p14:creationId xmlns:p14="http://schemas.microsoft.com/office/powerpoint/2010/main" val="1021339983"/>
       </p:ext>
     </p:extLst>
   </p:cSld>
@@ -15411,7 +15454,7 @@
         <p:spPr>
           <a:xfrm>
             <a:off x="1969895" y="3948621"/>
-            <a:ext cx="1503997" cy="646331"/>
+            <a:ext cx="1503997" cy="461665"/>
           </a:xfrm>
           <a:prstGeom prst="rect">
             <a:avLst/>
@@ -15427,15 +15470,7 @@
             <a:pPr algn="ctr"/>
             <a:r>
               <a:rPr lang="en-PH" sz="1200" dirty="0"/>
-              <a:t>Key exchange using </a:t>
-            </a:r>
-            <a:r>
-              <a:rPr lang="en-PH" sz="1200" dirty="0" err="1"/>
-              <a:t>Diffie</a:t>
-            </a:r>
-            <a:r>
-              <a:rPr lang="en-PH" sz="1200" dirty="0"/>
-              <a:t>-Hellman algorithm</a:t>
+              <a:t>Decrypted data using VCM’s private key </a:t>
             </a:r>
           </a:p>
         </p:txBody>
@@ -15470,68 +15505,24 @@
           </a:p>
         </p:txBody>
       </p:sp>
-      <p:sp>
-        <p:nvSpPr>
-          <p:cNvPr id="20" name="Oval 19"/>
-          <p:cNvSpPr/>
-          <p:nvPr/>
-        </p:nvSpPr>
-        <p:spPr>
-          <a:xfrm>
-            <a:off x="1270640" y="1774753"/>
-            <a:ext cx="731520" cy="731520"/>
-          </a:xfrm>
-          <a:prstGeom prst="ellipse">
-            <a:avLst/>
-          </a:prstGeom>
-        </p:spPr>
-        <p:style>
-          <a:lnRef idx="2">
-            <a:schemeClr val="accent1">
-              <a:shade val="50000"/>
-            </a:schemeClr>
-          </a:lnRef>
-          <a:fillRef idx="1">
-            <a:schemeClr val="accent1"/>
-          </a:fillRef>
-          <a:effectRef idx="0">
-            <a:schemeClr val="accent1"/>
-          </a:effectRef>
-          <a:fontRef idx="minor">
-            <a:schemeClr val="lt1"/>
-          </a:fontRef>
-        </p:style>
-        <p:txBody>
-          <a:bodyPr rtlCol="0" anchor="ctr"/>
-          <a:lstStyle/>
-          <a:p>
-            <a:pPr algn="ctr"/>
-            <a:r>
-              <a:rPr lang="en-PH" sz="3200" dirty="0"/>
-              <a:t>3</a:t>
-            </a:r>
-          </a:p>
-        </p:txBody>
-      </p:sp>
       <p:cxnSp>
         <p:nvCxnSpPr>
-          <p:cNvPr id="7" name="Connector: Elbow 6"/>
+          <p:cNvPr id="9" name="Connector: Elbow 8"/>
           <p:cNvCxnSpPr>
-            <a:stCxn id="39" idx="2"/>
-            <a:endCxn id="6" idx="1"/>
+            <a:stCxn id="6" idx="1"/>
+            <a:endCxn id="39" idx="2"/>
           </p:cNvCxnSpPr>
           <p:nvPr/>
         </p:nvCxnSpPr>
         <p:spPr>
-          <a:xfrm rot="16200000" flipH="1">
-            <a:off x="3565036" y="3563902"/>
-            <a:ext cx="1308887" cy="1254105"/>
+          <a:xfrm rot="10800000">
+            <a:off x="3592428" y="3536513"/>
+            <a:ext cx="1254105" cy="1308887"/>
           </a:xfrm>
           <a:prstGeom prst="bentConnector2">
             <a:avLst/>
           </a:prstGeom>
           <a:ln>
-            <a:headEnd type="triangle"/>
             <a:tailEnd type="triangle"/>
           </a:ln>
         </p:spPr>
@@ -15552,14 +15543,14 @@
       </p:cxnSp>
       <p:cxnSp>
         <p:nvCxnSpPr>
-          <p:cNvPr id="14" name="Straight Arrow Connector 13"/>
+          <p:cNvPr id="11" name="Straight Arrow Connector 10"/>
           <p:cNvCxnSpPr>
-            <a:stCxn id="8" idx="2"/>
+            <a:endCxn id="8" idx="2"/>
           </p:cNvCxnSpPr>
           <p:nvPr/>
         </p:nvCxnSpPr>
         <p:spPr>
-          <a:xfrm>
+          <a:xfrm flipV="1">
             <a:off x="5477600" y="3536513"/>
             <a:ext cx="0" cy="873772"/>
           </a:xfrm>
@@ -15567,7 +15558,6 @@
             <a:avLst/>
           </a:prstGeom>
           <a:ln>
-            <a:headEnd type="triangle"/>
             <a:tailEnd type="triangle"/>
           </a:ln>
         </p:spPr>
@@ -15588,23 +15578,22 @@
       </p:cxnSp>
       <p:cxnSp>
         <p:nvCxnSpPr>
-          <p:cNvPr id="23" name="Connector: Elbow 22"/>
+          <p:cNvPr id="17" name="Connector: Elbow 16"/>
           <p:cNvCxnSpPr>
-            <a:stCxn id="12" idx="2"/>
-            <a:endCxn id="6" idx="3"/>
+            <a:stCxn id="6" idx="3"/>
+            <a:endCxn id="12" idx="2"/>
           </p:cNvCxnSpPr>
           <p:nvPr/>
         </p:nvCxnSpPr>
         <p:spPr>
-          <a:xfrm rot="5400000">
-            <a:off x="6067210" y="3577971"/>
-            <a:ext cx="1308886" cy="1225971"/>
+          <a:xfrm flipV="1">
+            <a:off x="6108667" y="3536513"/>
+            <a:ext cx="1225971" cy="1308886"/>
           </a:xfrm>
           <a:prstGeom prst="bentConnector2">
             <a:avLst/>
           </a:prstGeom>
           <a:ln>
-            <a:headEnd type="triangle"/>
             <a:tailEnd type="triangle"/>
           </a:ln>
         </p:spPr>
@@ -15625,14 +15614,57 @@
       </p:cxnSp>
       <p:sp>
         <p:nvSpPr>
-          <p:cNvPr id="35" name="TextBox 34"/>
+          <p:cNvPr id="20" name="Oval 19"/>
+          <p:cNvSpPr/>
+          <p:nvPr/>
+        </p:nvSpPr>
+        <p:spPr>
+          <a:xfrm>
+            <a:off x="1270640" y="1774753"/>
+            <a:ext cx="731520" cy="731520"/>
+          </a:xfrm>
+          <a:prstGeom prst="ellipse">
+            <a:avLst/>
+          </a:prstGeom>
+        </p:spPr>
+        <p:style>
+          <a:lnRef idx="2">
+            <a:schemeClr val="accent1">
+              <a:shade val="50000"/>
+            </a:schemeClr>
+          </a:lnRef>
+          <a:fillRef idx="1">
+            <a:schemeClr val="accent1"/>
+          </a:fillRef>
+          <a:effectRef idx="0">
+            <a:schemeClr val="accent1"/>
+          </a:effectRef>
+          <a:fontRef idx="minor">
+            <a:schemeClr val="lt1"/>
+          </a:fontRef>
+        </p:style>
+        <p:txBody>
+          <a:bodyPr rtlCol="0" anchor="ctr"/>
+          <a:lstStyle/>
+          <a:p>
+            <a:pPr algn="ctr"/>
+            <a:r>
+              <a:rPr lang="en-PH" sz="3200" dirty="0"/>
+              <a:t>2</a:t>
+            </a:r>
+          </a:p>
+        </p:txBody>
+      </p:sp>
+      <p:sp>
+        <p:nvSpPr>
+          <p:cNvPr id="34" name="TextBox 33"/>
           <p:cNvSpPr txBox="1"/>
           <p:nvPr/>
         </p:nvSpPr>
         <p:spPr>
           <a:xfrm>
-            <a:off x="5477598" y="3665207"/>
-            <a:ext cx="1503997" cy="646331"/>
+            <a:off x="5477599" y="3748033"/>
+            <a:ext cx="1503997" cy="461665"/>
           </a:xfrm>
           <a:prstGeom prst="rect">
             <a:avLst/>
@@ -15648,29 +15680,21 @@
             <a:pPr algn="ctr"/>
             <a:r>
               <a:rPr lang="en-PH" sz="1200" dirty="0"/>
-              <a:t>Key exchange using </a:t>
-            </a:r>
-            <a:r>
-              <a:rPr lang="en-PH" sz="1200" dirty="0" err="1"/>
-              <a:t>Diffie</a:t>
-            </a:r>
-            <a:r>
-              <a:rPr lang="en-PH" sz="1200" dirty="0"/>
-              <a:t>-Hellman algorithm</a:t>
-            </a:r>
-          </a:p>
-        </p:txBody>
-      </p:sp>
-      <p:sp>
-        <p:nvSpPr>
-          <p:cNvPr id="38" name="TextBox 37"/>
+              <a:t>Decrypted data using VCM’s private key </a:t>
+            </a:r>
+          </a:p>
+        </p:txBody>
+      </p:sp>
+      <p:sp>
+        <p:nvSpPr>
+          <p:cNvPr id="35" name="TextBox 34"/>
           <p:cNvSpPr txBox="1"/>
           <p:nvPr/>
         </p:nvSpPr>
         <p:spPr>
           <a:xfrm>
-            <a:off x="7455914" y="3948620"/>
-            <a:ext cx="1503997" cy="646331"/>
+            <a:off x="7491731" y="3948620"/>
+            <a:ext cx="1503997" cy="461665"/>
           </a:xfrm>
           <a:prstGeom prst="rect">
             <a:avLst/>
@@ -15686,15 +15710,7 @@
             <a:pPr algn="ctr"/>
             <a:r>
               <a:rPr lang="en-PH" sz="1200" dirty="0"/>
-              <a:t>Key exchange using </a:t>
-            </a:r>
-            <a:r>
-              <a:rPr lang="en-PH" sz="1200" dirty="0" err="1"/>
-              <a:t>Diffie</a:t>
-            </a:r>
-            <a:r>
-              <a:rPr lang="en-PH" sz="1200" dirty="0"/>
-              <a:t>-Hellman algorithm</a:t>
+              <a:t>Decrypted data using VCM’s private key </a:t>
             </a:r>
           </a:p>
         </p:txBody>
@@ -15702,7 +15718,7 @@
     </p:spTree>
     <p:extLst>
       <p:ext uri="{BB962C8B-B14F-4D97-AF65-F5344CB8AC3E}">
-        <p14:creationId xmlns:p14="http://schemas.microsoft.com/office/powerpoint/2010/main" val="2982356189"/>
+        <p14:creationId xmlns:p14="http://schemas.microsoft.com/office/powerpoint/2010/main" val="1021339983"/>
       </p:ext>
     </p:extLst>
   </p:cSld>
@@ -16105,7 +16121,15 @@
             <a:pPr algn="ctr"/>
             <a:r>
               <a:rPr lang="en-PH" sz="1200" dirty="0"/>
-              <a:t>Encrypted election returns using the generated key</a:t>
+              <a:t>Key exchange using </a:t>
+            </a:r>
+            <a:r>
+              <a:rPr lang="en-PH" sz="1200" dirty="0" err="1"/>
+              <a:t>Diffie</a:t>
+            </a:r>
+            <a:r>
+              <a:rPr lang="en-PH" sz="1200" dirty="0"/>
+              <a:t>-Hellman algorithm</a:t>
             </a:r>
           </a:p>
         </p:txBody>
@@ -16140,24 +16164,68 @@
           </a:p>
         </p:txBody>
       </p:sp>
+      <p:sp>
+        <p:nvSpPr>
+          <p:cNvPr id="20" name="Oval 19"/>
+          <p:cNvSpPr/>
+          <p:nvPr/>
+        </p:nvSpPr>
+        <p:spPr>
+          <a:xfrm>
+            <a:off x="1270640" y="1774753"/>
+            <a:ext cx="731520" cy="731520"/>
+          </a:xfrm>
+          <a:prstGeom prst="ellipse">
+            <a:avLst/>
+          </a:prstGeom>
+        </p:spPr>
+        <p:style>
+          <a:lnRef idx="2">
+            <a:schemeClr val="accent1">
+              <a:shade val="50000"/>
+            </a:schemeClr>
+          </a:lnRef>
+          <a:fillRef idx="1">
+            <a:schemeClr val="accent1"/>
+          </a:fillRef>
+          <a:effectRef idx="0">
+            <a:schemeClr val="accent1"/>
+          </a:effectRef>
+          <a:fontRef idx="minor">
+            <a:schemeClr val="lt1"/>
+          </a:fontRef>
+        </p:style>
+        <p:txBody>
+          <a:bodyPr rtlCol="0" anchor="ctr"/>
+          <a:lstStyle/>
+          <a:p>
+            <a:pPr algn="ctr"/>
+            <a:r>
+              <a:rPr lang="en-PH" sz="3200" dirty="0"/>
+              <a:t>3</a:t>
+            </a:r>
+          </a:p>
+        </p:txBody>
+      </p:sp>
       <p:cxnSp>
         <p:nvCxnSpPr>
-          <p:cNvPr id="9" name="Connector: Elbow 8"/>
+          <p:cNvPr id="7" name="Connector: Elbow 6"/>
           <p:cNvCxnSpPr>
-            <a:stCxn id="6" idx="1"/>
-            <a:endCxn id="39" idx="2"/>
+            <a:stCxn id="39" idx="2"/>
+            <a:endCxn id="6" idx="1"/>
           </p:cNvCxnSpPr>
           <p:nvPr/>
         </p:nvCxnSpPr>
         <p:spPr>
-          <a:xfrm rot="10800000">
-            <a:off x="3592428" y="3536513"/>
-            <a:ext cx="1254105" cy="1308887"/>
+          <a:xfrm rot="16200000" flipH="1">
+            <a:off x="3565036" y="3563902"/>
+            <a:ext cx="1308887" cy="1254105"/>
           </a:xfrm>
           <a:prstGeom prst="bentConnector2">
             <a:avLst/>
           </a:prstGeom>
           <a:ln>
+            <a:headEnd type="triangle"/>
             <a:tailEnd type="triangle"/>
           </a:ln>
         </p:spPr>
@@ -16178,14 +16246,14 @@
       </p:cxnSp>
       <p:cxnSp>
         <p:nvCxnSpPr>
-          <p:cNvPr id="11" name="Straight Arrow Connector 10"/>
+          <p:cNvPr id="14" name="Straight Arrow Connector 13"/>
           <p:cNvCxnSpPr>
-            <a:endCxn id="8" idx="2"/>
+            <a:stCxn id="8" idx="2"/>
           </p:cNvCxnSpPr>
           <p:nvPr/>
         </p:nvCxnSpPr>
         <p:spPr>
-          <a:xfrm flipV="1">
+          <a:xfrm>
             <a:off x="5477600" y="3536513"/>
             <a:ext cx="0" cy="873772"/>
           </a:xfrm>
@@ -16193,6 +16261,7 @@
             <a:avLst/>
           </a:prstGeom>
           <a:ln>
+            <a:headEnd type="triangle"/>
             <a:tailEnd type="triangle"/>
           </a:ln>
         </p:spPr>
@@ -16213,22 +16282,23 @@
       </p:cxnSp>
       <p:cxnSp>
         <p:nvCxnSpPr>
-          <p:cNvPr id="17" name="Connector: Elbow 16"/>
+          <p:cNvPr id="23" name="Connector: Elbow 22"/>
           <p:cNvCxnSpPr>
-            <a:stCxn id="6" idx="3"/>
-            <a:endCxn id="12" idx="2"/>
+            <a:stCxn id="12" idx="2"/>
+            <a:endCxn id="6" idx="3"/>
           </p:cNvCxnSpPr>
           <p:nvPr/>
         </p:nvCxnSpPr>
         <p:spPr>
-          <a:xfrm flipV="1">
-            <a:off x="6108667" y="3536513"/>
-            <a:ext cx="1225971" cy="1308886"/>
+          <a:xfrm rot="5400000">
+            <a:off x="6067210" y="3577971"/>
+            <a:ext cx="1308886" cy="1225971"/>
           </a:xfrm>
           <a:prstGeom prst="bentConnector2">
             <a:avLst/>
           </a:prstGeom>
           <a:ln>
+            <a:headEnd type="triangle"/>
             <a:tailEnd type="triangle"/>
           </a:ln>
         </p:spPr>
@@ -16249,56 +16319,13 @@
       </p:cxnSp>
       <p:sp>
         <p:nvSpPr>
-          <p:cNvPr id="20" name="Oval 19"/>
-          <p:cNvSpPr/>
-          <p:nvPr/>
-        </p:nvSpPr>
-        <p:spPr>
-          <a:xfrm>
-            <a:off x="1270640" y="1774753"/>
-            <a:ext cx="731520" cy="731520"/>
-          </a:xfrm>
-          <a:prstGeom prst="ellipse">
-            <a:avLst/>
-          </a:prstGeom>
-        </p:spPr>
-        <p:style>
-          <a:lnRef idx="2">
-            <a:schemeClr val="accent1">
-              <a:shade val="50000"/>
-            </a:schemeClr>
-          </a:lnRef>
-          <a:fillRef idx="1">
-            <a:schemeClr val="accent1"/>
-          </a:fillRef>
-          <a:effectRef idx="0">
-            <a:schemeClr val="accent1"/>
-          </a:effectRef>
-          <a:fontRef idx="minor">
-            <a:schemeClr val="lt1"/>
-          </a:fontRef>
-        </p:style>
-        <p:txBody>
-          <a:bodyPr rtlCol="0" anchor="ctr"/>
-          <a:lstStyle/>
-          <a:p>
-            <a:pPr algn="ctr"/>
-            <a:r>
-              <a:rPr lang="en-PH" sz="3200" dirty="0"/>
-              <a:t>4</a:t>
-            </a:r>
-          </a:p>
-        </p:txBody>
-      </p:sp>
-      <p:sp>
-        <p:nvSpPr>
-          <p:cNvPr id="22" name="TextBox 21"/>
+          <p:cNvPr id="35" name="TextBox 34"/>
           <p:cNvSpPr txBox="1"/>
           <p:nvPr/>
         </p:nvSpPr>
         <p:spPr>
           <a:xfrm>
-            <a:off x="5435215" y="3650233"/>
+            <a:off x="5477598" y="3665207"/>
             <a:ext cx="1503997" cy="646331"/>
           </a:xfrm>
           <a:prstGeom prst="rect">
@@ -16315,20 +16342,28 @@
             <a:pPr algn="ctr"/>
             <a:r>
               <a:rPr lang="en-PH" sz="1200" dirty="0"/>
-              <a:t>Encrypted election returns using the generated key</a:t>
-            </a:r>
-          </a:p>
-        </p:txBody>
-      </p:sp>
-      <p:sp>
-        <p:nvSpPr>
-          <p:cNvPr id="23" name="TextBox 22"/>
+              <a:t>Key exchange using </a:t>
+            </a:r>
+            <a:r>
+              <a:rPr lang="en-PH" sz="1200" dirty="0" err="1"/>
+              <a:t>Diffie</a:t>
+            </a:r>
+            <a:r>
+              <a:rPr lang="en-PH" sz="1200" dirty="0"/>
+              <a:t>-Hellman algorithm</a:t>
+            </a:r>
+          </a:p>
+        </p:txBody>
+      </p:sp>
+      <p:sp>
+        <p:nvSpPr>
+          <p:cNvPr id="38" name="TextBox 37"/>
           <p:cNvSpPr txBox="1"/>
           <p:nvPr/>
         </p:nvSpPr>
         <p:spPr>
           <a:xfrm>
-            <a:off x="7449347" y="3948620"/>
+            <a:off x="7455914" y="3948620"/>
             <a:ext cx="1503997" cy="646331"/>
           </a:xfrm>
           <a:prstGeom prst="rect">
@@ -16345,7 +16380,15 @@
             <a:pPr algn="ctr"/>
             <a:r>
               <a:rPr lang="en-PH" sz="1200" dirty="0"/>
-              <a:t>Encrypted election returns using the generated key</a:t>
+              <a:t>Key exchange using </a:t>
+            </a:r>
+            <a:r>
+              <a:rPr lang="en-PH" sz="1200" dirty="0" err="1"/>
+              <a:t>Diffie</a:t>
+            </a:r>
+            <a:r>
+              <a:rPr lang="en-PH" sz="1200" dirty="0"/>
+              <a:t>-Hellman algorithm</a:t>
             </a:r>
           </a:p>
         </p:txBody>
@@ -16353,7 +16396,7 @@
     </p:spTree>
     <p:extLst>
       <p:ext uri="{BB962C8B-B14F-4D97-AF65-F5344CB8AC3E}">
-        <p14:creationId xmlns:p14="http://schemas.microsoft.com/office/powerpoint/2010/main" val="544009215"/>
+        <p14:creationId xmlns:p14="http://schemas.microsoft.com/office/powerpoint/2010/main" val="2982356189"/>
       </p:ext>
     </p:extLst>
   </p:cSld>
@@ -16740,6 +16783,657 @@
         <p:spPr>
           <a:xfrm>
             <a:off x="1969895" y="3948621"/>
+            <a:ext cx="1503997" cy="646331"/>
+          </a:xfrm>
+          <a:prstGeom prst="rect">
+            <a:avLst/>
+          </a:prstGeom>
+          <a:noFill/>
+        </p:spPr>
+        <p:txBody>
+          <a:bodyPr wrap="square" rtlCol="0">
+            <a:spAutoFit/>
+          </a:bodyPr>
+          <a:lstStyle/>
+          <a:p>
+            <a:pPr algn="ctr"/>
+            <a:r>
+              <a:rPr lang="en-PH" sz="1200" dirty="0"/>
+              <a:t>Encrypted election returns using the generated key</a:t>
+            </a:r>
+          </a:p>
+        </p:txBody>
+      </p:sp>
+      <p:sp>
+        <p:nvSpPr>
+          <p:cNvPr id="27" name="TextBox 26"/>
+          <p:cNvSpPr txBox="1"/>
+          <p:nvPr/>
+        </p:nvSpPr>
+        <p:spPr>
+          <a:xfrm>
+            <a:off x="2670992" y="1848126"/>
+            <a:ext cx="1842868" cy="584775"/>
+          </a:xfrm>
+          <a:prstGeom prst="rect">
+            <a:avLst/>
+          </a:prstGeom>
+          <a:noFill/>
+        </p:spPr>
+        <p:txBody>
+          <a:bodyPr wrap="square" rtlCol="0">
+            <a:spAutoFit/>
+          </a:bodyPr>
+          <a:lstStyle/>
+          <a:p>
+            <a:pPr algn="ctr"/>
+            <a:r>
+              <a:rPr lang="en-PH" sz="1600" dirty="0"/>
+              <a:t>Consolidation and Canvassing Server</a:t>
+            </a:r>
+          </a:p>
+        </p:txBody>
+      </p:sp>
+      <p:cxnSp>
+        <p:nvCxnSpPr>
+          <p:cNvPr id="9" name="Connector: Elbow 8"/>
+          <p:cNvCxnSpPr>
+            <a:stCxn id="6" idx="1"/>
+            <a:endCxn id="39" idx="2"/>
+          </p:cNvCxnSpPr>
+          <p:nvPr/>
+        </p:nvCxnSpPr>
+        <p:spPr>
+          <a:xfrm rot="10800000">
+            <a:off x="3592428" y="3536513"/>
+            <a:ext cx="1254105" cy="1308887"/>
+          </a:xfrm>
+          <a:prstGeom prst="bentConnector2">
+            <a:avLst/>
+          </a:prstGeom>
+          <a:ln>
+            <a:tailEnd type="triangle"/>
+          </a:ln>
+        </p:spPr>
+        <p:style>
+          <a:lnRef idx="1">
+            <a:schemeClr val="accent1"/>
+          </a:lnRef>
+          <a:fillRef idx="0">
+            <a:schemeClr val="accent1"/>
+          </a:fillRef>
+          <a:effectRef idx="0">
+            <a:schemeClr val="accent1"/>
+          </a:effectRef>
+          <a:fontRef idx="minor">
+            <a:schemeClr val="tx1"/>
+          </a:fontRef>
+        </p:style>
+      </p:cxnSp>
+      <p:cxnSp>
+        <p:nvCxnSpPr>
+          <p:cNvPr id="11" name="Straight Arrow Connector 10"/>
+          <p:cNvCxnSpPr>
+            <a:endCxn id="8" idx="2"/>
+          </p:cNvCxnSpPr>
+          <p:nvPr/>
+        </p:nvCxnSpPr>
+        <p:spPr>
+          <a:xfrm flipV="1">
+            <a:off x="5477600" y="3536513"/>
+            <a:ext cx="0" cy="873772"/>
+          </a:xfrm>
+          <a:prstGeom prst="straightConnector1">
+            <a:avLst/>
+          </a:prstGeom>
+          <a:ln>
+            <a:tailEnd type="triangle"/>
+          </a:ln>
+        </p:spPr>
+        <p:style>
+          <a:lnRef idx="1">
+            <a:schemeClr val="accent1"/>
+          </a:lnRef>
+          <a:fillRef idx="0">
+            <a:schemeClr val="accent1"/>
+          </a:fillRef>
+          <a:effectRef idx="0">
+            <a:schemeClr val="accent1"/>
+          </a:effectRef>
+          <a:fontRef idx="minor">
+            <a:schemeClr val="tx1"/>
+          </a:fontRef>
+        </p:style>
+      </p:cxnSp>
+      <p:cxnSp>
+        <p:nvCxnSpPr>
+          <p:cNvPr id="17" name="Connector: Elbow 16"/>
+          <p:cNvCxnSpPr>
+            <a:stCxn id="6" idx="3"/>
+            <a:endCxn id="12" idx="2"/>
+          </p:cNvCxnSpPr>
+          <p:nvPr/>
+        </p:nvCxnSpPr>
+        <p:spPr>
+          <a:xfrm flipV="1">
+            <a:off x="6108667" y="3536513"/>
+            <a:ext cx="1225971" cy="1308886"/>
+          </a:xfrm>
+          <a:prstGeom prst="bentConnector2">
+            <a:avLst/>
+          </a:prstGeom>
+          <a:ln>
+            <a:tailEnd type="triangle"/>
+          </a:ln>
+        </p:spPr>
+        <p:style>
+          <a:lnRef idx="1">
+            <a:schemeClr val="accent1"/>
+          </a:lnRef>
+          <a:fillRef idx="0">
+            <a:schemeClr val="accent1"/>
+          </a:fillRef>
+          <a:effectRef idx="0">
+            <a:schemeClr val="accent1"/>
+          </a:effectRef>
+          <a:fontRef idx="minor">
+            <a:schemeClr val="tx1"/>
+          </a:fontRef>
+        </p:style>
+      </p:cxnSp>
+      <p:sp>
+        <p:nvSpPr>
+          <p:cNvPr id="20" name="Oval 19"/>
+          <p:cNvSpPr/>
+          <p:nvPr/>
+        </p:nvSpPr>
+        <p:spPr>
+          <a:xfrm>
+            <a:off x="1270640" y="1774753"/>
+            <a:ext cx="731520" cy="731520"/>
+          </a:xfrm>
+          <a:prstGeom prst="ellipse">
+            <a:avLst/>
+          </a:prstGeom>
+        </p:spPr>
+        <p:style>
+          <a:lnRef idx="2">
+            <a:schemeClr val="accent1">
+              <a:shade val="50000"/>
+            </a:schemeClr>
+          </a:lnRef>
+          <a:fillRef idx="1">
+            <a:schemeClr val="accent1"/>
+          </a:fillRef>
+          <a:effectRef idx="0">
+            <a:schemeClr val="accent1"/>
+          </a:effectRef>
+          <a:fontRef idx="minor">
+            <a:schemeClr val="lt1"/>
+          </a:fontRef>
+        </p:style>
+        <p:txBody>
+          <a:bodyPr rtlCol="0" anchor="ctr"/>
+          <a:lstStyle/>
+          <a:p>
+            <a:pPr algn="ctr"/>
+            <a:r>
+              <a:rPr lang="en-PH" sz="3200" dirty="0"/>
+              <a:t>4</a:t>
+            </a:r>
+          </a:p>
+        </p:txBody>
+      </p:sp>
+      <p:sp>
+        <p:nvSpPr>
+          <p:cNvPr id="22" name="TextBox 21"/>
+          <p:cNvSpPr txBox="1"/>
+          <p:nvPr/>
+        </p:nvSpPr>
+        <p:spPr>
+          <a:xfrm>
+            <a:off x="5435215" y="3650233"/>
+            <a:ext cx="1503997" cy="646331"/>
+          </a:xfrm>
+          <a:prstGeom prst="rect">
+            <a:avLst/>
+          </a:prstGeom>
+          <a:noFill/>
+        </p:spPr>
+        <p:txBody>
+          <a:bodyPr wrap="square" rtlCol="0">
+            <a:spAutoFit/>
+          </a:bodyPr>
+          <a:lstStyle/>
+          <a:p>
+            <a:pPr algn="ctr"/>
+            <a:r>
+              <a:rPr lang="en-PH" sz="1200" dirty="0"/>
+              <a:t>Encrypted election returns using the generated key</a:t>
+            </a:r>
+          </a:p>
+        </p:txBody>
+      </p:sp>
+      <p:sp>
+        <p:nvSpPr>
+          <p:cNvPr id="23" name="TextBox 22"/>
+          <p:cNvSpPr txBox="1"/>
+          <p:nvPr/>
+        </p:nvSpPr>
+        <p:spPr>
+          <a:xfrm>
+            <a:off x="7449347" y="3948620"/>
+            <a:ext cx="1503997" cy="646331"/>
+          </a:xfrm>
+          <a:prstGeom prst="rect">
+            <a:avLst/>
+          </a:prstGeom>
+          <a:noFill/>
+        </p:spPr>
+        <p:txBody>
+          <a:bodyPr wrap="square" rtlCol="0">
+            <a:spAutoFit/>
+          </a:bodyPr>
+          <a:lstStyle/>
+          <a:p>
+            <a:pPr algn="ctr"/>
+            <a:r>
+              <a:rPr lang="en-PH" sz="1200" dirty="0"/>
+              <a:t>Encrypted election returns using the generated key</a:t>
+            </a:r>
+          </a:p>
+        </p:txBody>
+      </p:sp>
+    </p:spTree>
+    <p:extLst>
+      <p:ext uri="{BB962C8B-B14F-4D97-AF65-F5344CB8AC3E}">
+        <p14:creationId xmlns:p14="http://schemas.microsoft.com/office/powerpoint/2010/main" val="544009215"/>
+      </p:ext>
+    </p:extLst>
+  </p:cSld>
+  <p:clrMapOvr>
+    <a:masterClrMapping/>
+  </p:clrMapOvr>
+</p:sld>
+</file>
+
+<file path=ppt/slides/slide25.xml><?xml version="1.0" encoding="utf-8"?>
+<p:sld xmlns:a="http://schemas.openxmlformats.org/drawingml/2006/main" xmlns:r="http://schemas.openxmlformats.org/officeDocument/2006/relationships" xmlns:p="http://schemas.openxmlformats.org/presentationml/2006/main">
+  <p:cSld>
+    <p:spTree>
+      <p:nvGrpSpPr>
+        <p:cNvPr id="1" name=""/>
+        <p:cNvGrpSpPr/>
+        <p:nvPr/>
+      </p:nvGrpSpPr>
+      <p:grpSpPr>
+        <a:xfrm>
+          <a:off x="0" y="0"/>
+          <a:ext cx="0" cy="0"/>
+          <a:chOff x="0" y="0"/>
+          <a:chExt cx="0" cy="0"/>
+        </a:xfrm>
+      </p:grpSpPr>
+      <p:sp>
+        <p:nvSpPr>
+          <p:cNvPr id="2" name="Title 1"/>
+          <p:cNvSpPr>
+            <a:spLocks noGrp="1"/>
+          </p:cNvSpPr>
+          <p:nvPr>
+            <p:ph type="title"/>
+          </p:nvPr>
+        </p:nvSpPr>
+        <p:spPr/>
+        <p:txBody>
+          <a:bodyPr/>
+          <a:lstStyle/>
+          <a:p>
+            <a:r>
+              <a:rPr lang="en-PH" dirty="0"/>
+              <a:t>Proposed System</a:t>
+            </a:r>
+          </a:p>
+        </p:txBody>
+      </p:sp>
+      <p:pic>
+        <p:nvPicPr>
+          <p:cNvPr id="4" name="Picture 3"/>
+          <p:cNvPicPr>
+            <a:picLocks noChangeAspect="1"/>
+          </p:cNvPicPr>
+          <p:nvPr/>
+        </p:nvPicPr>
+        <p:blipFill>
+          <a:blip r:embed="rId3">
+            <a:extLst>
+              <a:ext uri="{28A0092B-C50C-407E-A947-70E740481C1C}">
+                <a14:useLocalDpi xmlns:a14="http://schemas.microsoft.com/office/drawing/2010/main" val="0"/>
+              </a:ext>
+            </a:extLst>
+          </a:blip>
+          <a:stretch>
+            <a:fillRect/>
+          </a:stretch>
+        </p:blipFill>
+        <p:spPr>
+          <a:xfrm>
+            <a:off x="10343804" y="4696690"/>
+            <a:ext cx="2435221" cy="2435221"/>
+          </a:xfrm>
+          <a:prstGeom prst="rect">
+            <a:avLst/>
+          </a:prstGeom>
+        </p:spPr>
+      </p:pic>
+      <p:pic>
+        <p:nvPicPr>
+          <p:cNvPr id="5" name="Picture 4"/>
+          <p:cNvPicPr>
+            <a:picLocks noChangeAspect="1"/>
+          </p:cNvPicPr>
+          <p:nvPr/>
+        </p:nvPicPr>
+        <p:blipFill>
+          <a:blip r:embed="rId4" cstate="hqprint">
+            <a:extLst>
+              <a:ext uri="{28A0092B-C50C-407E-A947-70E740481C1C}">
+                <a14:useLocalDpi xmlns:a14="http://schemas.microsoft.com/office/drawing/2010/main" val="0"/>
+              </a:ext>
+            </a:extLst>
+          </a:blip>
+          <a:stretch>
+            <a:fillRect/>
+          </a:stretch>
+        </p:blipFill>
+        <p:spPr>
+          <a:xfrm>
+            <a:off x="9882312" y="4197927"/>
+            <a:ext cx="1391006" cy="1391006"/>
+          </a:xfrm>
+          <a:prstGeom prst="rect">
+            <a:avLst/>
+          </a:prstGeom>
+        </p:spPr>
+      </p:pic>
+      <p:sp>
+        <p:nvSpPr>
+          <p:cNvPr id="26" name="TextBox 25"/>
+          <p:cNvSpPr txBox="1"/>
+          <p:nvPr/>
+        </p:nvSpPr>
+        <p:spPr>
+          <a:xfrm>
+            <a:off x="4687962" y="5294236"/>
+            <a:ext cx="1539240" cy="369332"/>
+          </a:xfrm>
+          <a:prstGeom prst="rect">
+            <a:avLst/>
+          </a:prstGeom>
+          <a:noFill/>
+        </p:spPr>
+        <p:txBody>
+          <a:bodyPr wrap="square" rtlCol="0">
+            <a:spAutoFit/>
+          </a:bodyPr>
+          <a:lstStyle/>
+          <a:p>
+            <a:pPr algn="ctr"/>
+            <a:r>
+              <a:rPr lang="en-PH" dirty="0"/>
+              <a:t>VCM</a:t>
+            </a:r>
+          </a:p>
+        </p:txBody>
+      </p:sp>
+      <p:sp>
+        <p:nvSpPr>
+          <p:cNvPr id="30" name="TextBox 29"/>
+          <p:cNvSpPr txBox="1"/>
+          <p:nvPr/>
+        </p:nvSpPr>
+        <p:spPr>
+          <a:xfrm>
+            <a:off x="4556165" y="1942509"/>
+            <a:ext cx="1842868" cy="369332"/>
+          </a:xfrm>
+          <a:prstGeom prst="rect">
+            <a:avLst/>
+          </a:prstGeom>
+          <a:noFill/>
+        </p:spPr>
+        <p:txBody>
+          <a:bodyPr wrap="square" rtlCol="0">
+            <a:spAutoFit/>
+          </a:bodyPr>
+          <a:lstStyle/>
+          <a:p>
+            <a:pPr algn="ctr"/>
+            <a:r>
+              <a:rPr lang="en-PH" dirty="0"/>
+              <a:t>Central Server</a:t>
+            </a:r>
+          </a:p>
+        </p:txBody>
+      </p:sp>
+      <p:sp>
+        <p:nvSpPr>
+          <p:cNvPr id="31" name="TextBox 30"/>
+          <p:cNvSpPr txBox="1"/>
+          <p:nvPr/>
+        </p:nvSpPr>
+        <p:spPr>
+          <a:xfrm>
+            <a:off x="6413203" y="1693645"/>
+            <a:ext cx="1842868" cy="646331"/>
+          </a:xfrm>
+          <a:prstGeom prst="rect">
+            <a:avLst/>
+          </a:prstGeom>
+          <a:noFill/>
+        </p:spPr>
+        <p:txBody>
+          <a:bodyPr wrap="square" rtlCol="0">
+            <a:spAutoFit/>
+          </a:bodyPr>
+          <a:lstStyle/>
+          <a:p>
+            <a:pPr algn="ctr"/>
+            <a:r>
+              <a:rPr lang="en-PH" dirty="0"/>
+              <a:t>Transparency Server</a:t>
+            </a:r>
+          </a:p>
+        </p:txBody>
+      </p:sp>
+      <p:sp>
+        <p:nvSpPr>
+          <p:cNvPr id="32" name="TextBox 31"/>
+          <p:cNvSpPr txBox="1"/>
+          <p:nvPr/>
+        </p:nvSpPr>
+        <p:spPr>
+          <a:xfrm>
+            <a:off x="4556165" y="2246366"/>
+            <a:ext cx="1842868" cy="276999"/>
+          </a:xfrm>
+          <a:prstGeom prst="rect">
+            <a:avLst/>
+          </a:prstGeom>
+          <a:noFill/>
+        </p:spPr>
+        <p:txBody>
+          <a:bodyPr wrap="square" rtlCol="0">
+            <a:spAutoFit/>
+          </a:bodyPr>
+          <a:lstStyle/>
+          <a:p>
+            <a:pPr algn="ctr"/>
+            <a:r>
+              <a:rPr lang="en-PH" sz="1200" dirty="0"/>
+              <a:t>Handled by COMELEC</a:t>
+            </a:r>
+          </a:p>
+        </p:txBody>
+      </p:sp>
+      <p:sp>
+        <p:nvSpPr>
+          <p:cNvPr id="33" name="TextBox 32"/>
+          <p:cNvSpPr txBox="1"/>
+          <p:nvPr/>
+        </p:nvSpPr>
+        <p:spPr>
+          <a:xfrm>
+            <a:off x="6413203" y="2246362"/>
+            <a:ext cx="1842868" cy="276999"/>
+          </a:xfrm>
+          <a:prstGeom prst="rect">
+            <a:avLst/>
+          </a:prstGeom>
+          <a:noFill/>
+        </p:spPr>
+        <p:txBody>
+          <a:bodyPr wrap="square" rtlCol="0">
+            <a:spAutoFit/>
+          </a:bodyPr>
+          <a:lstStyle/>
+          <a:p>
+            <a:pPr algn="ctr"/>
+            <a:r>
+              <a:rPr lang="en-PH" sz="1200" dirty="0"/>
+              <a:t>Handled by PPCRV</a:t>
+            </a:r>
+          </a:p>
+        </p:txBody>
+      </p:sp>
+      <p:pic>
+        <p:nvPicPr>
+          <p:cNvPr id="8" name="Picture 7"/>
+          <p:cNvPicPr>
+            <a:picLocks noChangeAspect="1"/>
+          </p:cNvPicPr>
+          <p:nvPr/>
+        </p:nvPicPr>
+        <p:blipFill>
+          <a:blip r:embed="rId5">
+            <a:extLst>
+              <a:ext uri="{28A0092B-C50C-407E-A947-70E740481C1C}">
+                <a14:useLocalDpi xmlns:a14="http://schemas.microsoft.com/office/drawing/2010/main" val="0"/>
+              </a:ext>
+            </a:extLst>
+          </a:blip>
+          <a:stretch>
+            <a:fillRect/>
+          </a:stretch>
+        </p:blipFill>
+        <p:spPr>
+          <a:xfrm>
+            <a:off x="5003281" y="2587876"/>
+            <a:ext cx="948637" cy="948637"/>
+          </a:xfrm>
+          <a:prstGeom prst="rect">
+            <a:avLst/>
+          </a:prstGeom>
+        </p:spPr>
+      </p:pic>
+      <p:pic>
+        <p:nvPicPr>
+          <p:cNvPr id="6" name="Content Placeholder 5"/>
+          <p:cNvPicPr>
+            <a:picLocks noGrp="1" noChangeAspect="1"/>
+          </p:cNvPicPr>
+          <p:nvPr>
+            <p:ph idx="1"/>
+          </p:nvPr>
+        </p:nvPicPr>
+        <p:blipFill>
+          <a:blip r:embed="rId6">
+            <a:extLst>
+              <a:ext uri="{28A0092B-C50C-407E-A947-70E740481C1C}">
+                <a14:useLocalDpi xmlns:a14="http://schemas.microsoft.com/office/drawing/2010/main" val="0"/>
+              </a:ext>
+            </a:extLst>
+          </a:blip>
+          <a:stretch>
+            <a:fillRect/>
+          </a:stretch>
+        </p:blipFill>
+        <p:spPr>
+          <a:xfrm>
+            <a:off x="4846532" y="4214331"/>
+            <a:ext cx="1262135" cy="1262135"/>
+          </a:xfrm>
+        </p:spPr>
+      </p:pic>
+      <p:pic>
+        <p:nvPicPr>
+          <p:cNvPr id="39" name="Picture 38"/>
+          <p:cNvPicPr>
+            <a:picLocks noChangeAspect="1"/>
+          </p:cNvPicPr>
+          <p:nvPr/>
+        </p:nvPicPr>
+        <p:blipFill>
+          <a:blip r:embed="rId5">
+            <a:extLst>
+              <a:ext uri="{28A0092B-C50C-407E-A947-70E740481C1C}">
+                <a14:useLocalDpi xmlns:a14="http://schemas.microsoft.com/office/drawing/2010/main" val="0"/>
+              </a:ext>
+            </a:extLst>
+          </a:blip>
+          <a:stretch>
+            <a:fillRect/>
+          </a:stretch>
+        </p:blipFill>
+        <p:spPr>
+          <a:xfrm>
+            <a:off x="3118108" y="2587875"/>
+            <a:ext cx="948637" cy="948637"/>
+          </a:xfrm>
+          <a:prstGeom prst="rect">
+            <a:avLst/>
+          </a:prstGeom>
+        </p:spPr>
+      </p:pic>
+      <p:pic>
+        <p:nvPicPr>
+          <p:cNvPr id="12" name="Picture 11"/>
+          <p:cNvPicPr>
+            <a:picLocks noChangeAspect="1"/>
+          </p:cNvPicPr>
+          <p:nvPr/>
+        </p:nvPicPr>
+        <p:blipFill>
+          <a:blip r:embed="rId5">
+            <a:extLst>
+              <a:ext uri="{28A0092B-C50C-407E-A947-70E740481C1C}">
+                <a14:useLocalDpi xmlns:a14="http://schemas.microsoft.com/office/drawing/2010/main" val="0"/>
+              </a:ext>
+            </a:extLst>
+          </a:blip>
+          <a:stretch>
+            <a:fillRect/>
+          </a:stretch>
+        </p:blipFill>
+        <p:spPr>
+          <a:xfrm>
+            <a:off x="6860319" y="2587876"/>
+            <a:ext cx="948637" cy="948637"/>
+          </a:xfrm>
+          <a:prstGeom prst="rect">
+            <a:avLst/>
+          </a:prstGeom>
+        </p:spPr>
+      </p:pic>
+      <p:sp>
+        <p:nvSpPr>
+          <p:cNvPr id="37" name="TextBox 36"/>
+          <p:cNvSpPr txBox="1"/>
+          <p:nvPr/>
+        </p:nvSpPr>
+        <p:spPr>
+          <a:xfrm>
+            <a:off x="1969895" y="3948621"/>
             <a:ext cx="1503997" cy="461665"/>
           </a:xfrm>
           <a:prstGeom prst="rect">
@@ -17014,7 +17708,7 @@
 </p:sld>
 </file>
 
-<file path=ppt/slides/slide25.xml><?xml version="1.0" encoding="utf-8"?>
+<file path=ppt/slides/slide26.xml><?xml version="1.0" encoding="utf-8"?>
 <p:sld xmlns:a="http://schemas.openxmlformats.org/drawingml/2006/main" xmlns:r="http://schemas.openxmlformats.org/officeDocument/2006/relationships" xmlns:p="http://schemas.openxmlformats.org/presentationml/2006/main">
   <p:cSld>
     <p:spTree>
@@ -18651,7 +19345,7 @@
 </p:sld>
 </file>
 
-<file path=ppt/slides/slide26.xml><?xml version="1.0" encoding="utf-8"?>
+<file path=ppt/slides/slide27.xml><?xml version="1.0" encoding="utf-8"?>
 <p:sld xmlns:a="http://schemas.openxmlformats.org/drawingml/2006/main" xmlns:r="http://schemas.openxmlformats.org/officeDocument/2006/relationships" xmlns:p="http://schemas.openxmlformats.org/presentationml/2006/main">
   <p:cSld>
     <p:spTree>
@@ -19525,7 +20219,7 @@
 </p:sld>
 </file>
 
-<file path=ppt/slides/slide27.xml><?xml version="1.0" encoding="utf-8"?>
+<file path=ppt/slides/slide28.xml><?xml version="1.0" encoding="utf-8"?>
 <p:sld xmlns:a="http://schemas.openxmlformats.org/drawingml/2006/main" xmlns:r="http://schemas.openxmlformats.org/officeDocument/2006/relationships" xmlns:p="http://schemas.openxmlformats.org/presentationml/2006/main">
   <p:cSld>
     <p:spTree>
@@ -19579,11 +20273,15 @@
           </p:cNvGraphicFramePr>
           <p:nvPr>
             <p:ph idx="1"/>
-            <p:extLst/>
+            <p:extLst>
+              <p:ext uri="{D42A27DB-BD31-4B8C-83A1-F6EECF244321}">
+                <p14:modId xmlns:p14="http://schemas.microsoft.com/office/powerpoint/2010/main" val="1883817737"/>
+              </p:ext>
+            </p:extLst>
           </p:nvPr>
         </p:nvGraphicFramePr>
         <p:xfrm>
-          <a:off x="4538134" y="535840"/>
+          <a:off x="4538134" y="254485"/>
           <a:ext cx="6637865" cy="6322160"/>
         </p:xfrm>
         <a:graphic>
@@ -19693,7 +20391,7 @@
         </p:nvSpPr>
         <p:spPr>
           <a:xfrm>
-            <a:off x="5088467" y="2260600"/>
+            <a:off x="5088467" y="1979245"/>
             <a:ext cx="2133600" cy="753533"/>
           </a:xfrm>
           <a:prstGeom prst="roundRect">
@@ -19736,7 +20434,7 @@
         </p:nvSpPr>
         <p:spPr>
           <a:xfrm>
-            <a:off x="8390467" y="2235199"/>
+            <a:off x="8390467" y="1953844"/>
             <a:ext cx="2133600" cy="804334"/>
           </a:xfrm>
           <a:prstGeom prst="roundRect">
@@ -19779,7 +20477,7 @@
         </p:nvSpPr>
         <p:spPr>
           <a:xfrm>
-            <a:off x="8390467" y="3726031"/>
+            <a:off x="8390467" y="3444676"/>
             <a:ext cx="2133600" cy="704277"/>
           </a:xfrm>
           <a:prstGeom prst="roundRect">
@@ -19822,7 +20520,7 @@
         </p:nvSpPr>
         <p:spPr>
           <a:xfrm>
-            <a:off x="5909734" y="1274957"/>
+            <a:off x="5909734" y="993602"/>
             <a:ext cx="491066" cy="469177"/>
           </a:xfrm>
           <a:prstGeom prst="ellipse">
@@ -19865,7 +20563,7 @@
         </p:nvCxnSpPr>
         <p:spPr>
           <a:xfrm>
-            <a:off x="6155267" y="1744134"/>
+            <a:off x="6155267" y="1462779"/>
             <a:ext cx="0" cy="516466"/>
           </a:xfrm>
           <a:prstGeom prst="straightConnector1">
@@ -19904,7 +20602,7 @@
         </p:nvCxnSpPr>
         <p:spPr>
           <a:xfrm flipV="1">
-            <a:off x="7222067" y="2637366"/>
+            <a:off x="7222067" y="2356011"/>
             <a:ext cx="1168400" cy="1"/>
           </a:xfrm>
           <a:prstGeom prst="straightConnector1">
@@ -19976,7 +20674,7 @@
         </p:nvCxnSpPr>
         <p:spPr>
           <a:xfrm>
-            <a:off x="9457267" y="3039533"/>
+            <a:off x="9457267" y="2758178"/>
             <a:ext cx="0" cy="686498"/>
           </a:xfrm>
           <a:prstGeom prst="straightConnector1">
@@ -20012,7 +20710,7 @@
         </p:nvSpPr>
         <p:spPr>
           <a:xfrm>
-            <a:off x="5139267" y="5115659"/>
+            <a:off x="5139267" y="4834304"/>
             <a:ext cx="2133600" cy="704277"/>
           </a:xfrm>
           <a:prstGeom prst="roundRect">
@@ -20055,7 +20753,7 @@
         </p:nvSpPr>
         <p:spPr>
           <a:xfrm>
-            <a:off x="5113867" y="3829299"/>
+            <a:off x="5113867" y="3547944"/>
             <a:ext cx="2133600" cy="704277"/>
           </a:xfrm>
           <a:prstGeom prst="roundRect">
@@ -20098,7 +20796,7 @@
         </p:nvCxnSpPr>
         <p:spPr>
           <a:xfrm flipH="1">
-            <a:off x="7222067" y="4078169"/>
+            <a:off x="7222067" y="3796814"/>
             <a:ext cx="1168400" cy="0"/>
           </a:xfrm>
           <a:prstGeom prst="straightConnector1">
@@ -20134,7 +20832,7 @@
         </p:nvCxnSpPr>
         <p:spPr>
           <a:xfrm>
-            <a:off x="6193367" y="4540535"/>
+            <a:off x="6193367" y="4259180"/>
             <a:ext cx="25400" cy="575124"/>
           </a:xfrm>
           <a:prstGeom prst="straightConnector1">
@@ -20170,7 +20868,7 @@
         </p:nvSpPr>
         <p:spPr>
           <a:xfrm>
-            <a:off x="6019800" y="6359582"/>
+            <a:off x="6019800" y="6078227"/>
             <a:ext cx="397933" cy="379170"/>
           </a:xfrm>
           <a:prstGeom prst="donut">
@@ -20216,7 +20914,7 @@
         </p:nvCxnSpPr>
         <p:spPr>
           <a:xfrm>
-            <a:off x="6206067" y="5819936"/>
+            <a:off x="6206067" y="5538581"/>
             <a:ext cx="12699" cy="539646"/>
           </a:xfrm>
           <a:prstGeom prst="straightConnector1">
@@ -20257,7 +20955,7 @@
 </p:sld>
 </file>
 
-<file path=ppt/slides/slide28.xml><?xml version="1.0" encoding="utf-8"?>
+<file path=ppt/slides/slide29.xml><?xml version="1.0" encoding="utf-8"?>
 <p:sld xmlns:a="http://schemas.openxmlformats.org/drawingml/2006/main" xmlns:r="http://schemas.openxmlformats.org/officeDocument/2006/relationships" xmlns:p="http://schemas.openxmlformats.org/presentationml/2006/main">
   <p:cSld>
     <p:spTree>
@@ -20809,147 +21507,6 @@
     <p:extLst>
       <p:ext uri="{BB962C8B-B14F-4D97-AF65-F5344CB8AC3E}">
         <p14:creationId xmlns:p14="http://schemas.microsoft.com/office/powerpoint/2010/main" val="1244495934"/>
-      </p:ext>
-    </p:extLst>
-  </p:cSld>
-  <p:clrMapOvr>
-    <a:masterClrMapping/>
-  </p:clrMapOvr>
-</p:sld>
-</file>
-
-<file path=ppt/slides/slide29.xml><?xml version="1.0" encoding="utf-8"?>
-<p:sld xmlns:a="http://schemas.openxmlformats.org/drawingml/2006/main" xmlns:r="http://schemas.openxmlformats.org/officeDocument/2006/relationships" xmlns:p="http://schemas.openxmlformats.org/presentationml/2006/main">
-  <p:cSld>
-    <p:spTree>
-      <p:nvGrpSpPr>
-        <p:cNvPr id="1" name=""/>
-        <p:cNvGrpSpPr/>
-        <p:nvPr/>
-      </p:nvGrpSpPr>
-      <p:grpSpPr>
-        <a:xfrm>
-          <a:off x="0" y="0"/>
-          <a:ext cx="0" cy="0"/>
-          <a:chOff x="0" y="0"/>
-          <a:chExt cx="0" cy="0"/>
-        </a:xfrm>
-      </p:grpSpPr>
-      <p:sp>
-        <p:nvSpPr>
-          <p:cNvPr id="2" name="Title 1"/>
-          <p:cNvSpPr>
-            <a:spLocks noGrp="1"/>
-          </p:cNvSpPr>
-          <p:nvPr>
-            <p:ph type="title"/>
-          </p:nvPr>
-        </p:nvSpPr>
-        <p:spPr/>
-        <p:txBody>
-          <a:bodyPr/>
-          <a:lstStyle/>
-          <a:p>
-            <a:r>
-              <a:rPr lang="en-PH" dirty="0"/>
-              <a:t>Sequence Diagram</a:t>
-            </a:r>
-          </a:p>
-        </p:txBody>
-      </p:sp>
-      <p:pic>
-        <p:nvPicPr>
-          <p:cNvPr id="4" name="Picture 3"/>
-          <p:cNvPicPr>
-            <a:picLocks noChangeAspect="1"/>
-          </p:cNvPicPr>
-          <p:nvPr/>
-        </p:nvPicPr>
-        <p:blipFill>
-          <a:blip r:embed="rId2">
-            <a:extLst>
-              <a:ext uri="{28A0092B-C50C-407E-A947-70E740481C1C}">
-                <a14:useLocalDpi xmlns:a14="http://schemas.microsoft.com/office/drawing/2010/main" val="0"/>
-              </a:ext>
-            </a:extLst>
-          </a:blip>
-          <a:stretch>
-            <a:fillRect/>
-          </a:stretch>
-        </p:blipFill>
-        <p:spPr>
-          <a:xfrm>
-            <a:off x="-251961" y="5056301"/>
-            <a:ext cx="2435221" cy="2435221"/>
-          </a:xfrm>
-          <a:prstGeom prst="rect">
-            <a:avLst/>
-          </a:prstGeom>
-        </p:spPr>
-      </p:pic>
-      <p:pic>
-        <p:nvPicPr>
-          <p:cNvPr id="5" name="Picture 4"/>
-          <p:cNvPicPr>
-            <a:picLocks noChangeAspect="1"/>
-          </p:cNvPicPr>
-          <p:nvPr/>
-        </p:nvPicPr>
-        <p:blipFill>
-          <a:blip r:embed="rId3" cstate="hqprint">
-            <a:extLst>
-              <a:ext uri="{28A0092B-C50C-407E-A947-70E740481C1C}">
-                <a14:useLocalDpi xmlns:a14="http://schemas.microsoft.com/office/drawing/2010/main" val="0"/>
-              </a:ext>
-            </a:extLst>
-          </a:blip>
-          <a:stretch>
-            <a:fillRect/>
-          </a:stretch>
-        </p:blipFill>
-        <p:spPr>
-          <a:xfrm>
-            <a:off x="-189517" y="3979707"/>
-            <a:ext cx="1391006" cy="1391006"/>
-          </a:xfrm>
-          <a:prstGeom prst="rect">
-            <a:avLst/>
-          </a:prstGeom>
-        </p:spPr>
-      </p:pic>
-      <p:pic>
-        <p:nvPicPr>
-          <p:cNvPr id="8" name="Content Placeholder 7"/>
-          <p:cNvPicPr>
-            <a:picLocks noGrp="1" noChangeAspect="1"/>
-          </p:cNvPicPr>
-          <p:nvPr>
-            <p:ph idx="1"/>
-          </p:nvPr>
-        </p:nvPicPr>
-        <p:blipFill>
-          <a:blip r:embed="rId4">
-            <a:extLst>
-              <a:ext uri="{28A0092B-C50C-407E-A947-70E740481C1C}">
-                <a14:useLocalDpi xmlns:a14="http://schemas.microsoft.com/office/drawing/2010/main" val="0"/>
-              </a:ext>
-            </a:extLst>
-          </a:blip>
-          <a:stretch>
-            <a:fillRect/>
-          </a:stretch>
-        </p:blipFill>
-        <p:spPr>
-          <a:xfrm>
-            <a:off x="3275542" y="1700856"/>
-            <a:ext cx="6596592" cy="4144013"/>
-          </a:xfrm>
-        </p:spPr>
-      </p:pic>
-    </p:spTree>
-    <p:extLst>
-      <p:ext uri="{BB962C8B-B14F-4D97-AF65-F5344CB8AC3E}">
-        <p14:creationId xmlns:p14="http://schemas.microsoft.com/office/powerpoint/2010/main" val="2581553982"/>
       </p:ext>
     </p:extLst>
   </p:cSld>
@@ -21168,738 +21725,104 @@
           <a:p>
             <a:r>
               <a:rPr lang="en-PH" dirty="0"/>
-              <a:t>State Diagram</a:t>
-            </a:r>
-          </a:p>
-        </p:txBody>
-      </p:sp>
-      <p:sp>
-        <p:nvSpPr>
-          <p:cNvPr id="6" name="Oval 5"/>
-          <p:cNvSpPr/>
-          <p:nvPr/>
-        </p:nvSpPr>
-        <p:spPr>
-          <a:xfrm>
-            <a:off x="2910829" y="1503883"/>
-            <a:ext cx="255495" cy="268941"/>
-          </a:xfrm>
-          <a:prstGeom prst="ellipse">
-            <a:avLst/>
-          </a:prstGeom>
-          <a:solidFill>
-            <a:schemeClr val="tx2">
-              <a:lumMod val="60000"/>
-              <a:lumOff val="40000"/>
-            </a:schemeClr>
-          </a:solidFill>
-          <a:ln>
-            <a:noFill/>
-          </a:ln>
-        </p:spPr>
-        <p:style>
-          <a:lnRef idx="3">
-            <a:schemeClr val="lt1"/>
-          </a:lnRef>
-          <a:fillRef idx="1">
-            <a:schemeClr val="accent3"/>
-          </a:fillRef>
-          <a:effectRef idx="1">
-            <a:schemeClr val="accent3"/>
-          </a:effectRef>
-          <a:fontRef idx="minor">
-            <a:schemeClr val="lt1"/>
-          </a:fontRef>
-        </p:style>
-        <p:txBody>
-          <a:bodyPr rtlCol="0" anchor="ctr"/>
-          <a:lstStyle/>
-          <a:p>
-            <a:pPr algn="ctr"/>
-            <a:endParaRPr lang="en-PH"/>
-          </a:p>
-        </p:txBody>
-      </p:sp>
-      <p:cxnSp>
-        <p:nvCxnSpPr>
-          <p:cNvPr id="7" name="Straight Arrow Connector 6"/>
-          <p:cNvCxnSpPr>
-            <a:stCxn id="6" idx="4"/>
-            <a:endCxn id="8" idx="0"/>
-          </p:cNvCxnSpPr>
-          <p:nvPr/>
-        </p:nvCxnSpPr>
-        <p:spPr>
-          <a:xfrm>
-            <a:off x="3038577" y="1772824"/>
-            <a:ext cx="1" cy="404902"/>
-          </a:xfrm>
-          <a:prstGeom prst="straightConnector1">
-            <a:avLst/>
-          </a:prstGeom>
-          <a:ln>
-            <a:solidFill>
-              <a:srgbClr val="FFC000"/>
-            </a:solidFill>
-            <a:tailEnd type="triangle"/>
-          </a:ln>
-        </p:spPr>
-        <p:style>
-          <a:lnRef idx="3">
-            <a:schemeClr val="accent2"/>
-          </a:lnRef>
-          <a:fillRef idx="0">
-            <a:schemeClr val="accent2"/>
-          </a:fillRef>
-          <a:effectRef idx="2">
-            <a:schemeClr val="accent2"/>
-          </a:effectRef>
-          <a:fontRef idx="minor">
-            <a:schemeClr val="tx1"/>
-          </a:fontRef>
-        </p:style>
-      </p:cxnSp>
-      <p:sp>
-        <p:nvSpPr>
-          <p:cNvPr id="8" name="Rounded Rectangle 7"/>
-          <p:cNvSpPr/>
-          <p:nvPr/>
-        </p:nvSpPr>
-        <p:spPr>
-          <a:xfrm>
-            <a:off x="2245704" y="2177726"/>
-            <a:ext cx="1585747" cy="809803"/>
-          </a:xfrm>
-          <a:prstGeom prst="roundRect">
-            <a:avLst/>
-          </a:prstGeom>
-          <a:solidFill>
-            <a:schemeClr val="tx2">
-              <a:lumMod val="60000"/>
-              <a:lumOff val="40000"/>
-            </a:schemeClr>
-          </a:solidFill>
-          <a:ln>
-            <a:noFill/>
-          </a:ln>
-        </p:spPr>
-        <p:style>
-          <a:lnRef idx="2">
-            <a:schemeClr val="accent1">
-              <a:shade val="50000"/>
-            </a:schemeClr>
-          </a:lnRef>
-          <a:fillRef idx="1">
-            <a:schemeClr val="accent1"/>
-          </a:fillRef>
-          <a:effectRef idx="0">
-            <a:schemeClr val="accent1"/>
-          </a:effectRef>
-          <a:fontRef idx="minor">
-            <a:schemeClr val="lt1"/>
-          </a:fontRef>
-        </p:style>
-        <p:txBody>
-          <a:bodyPr rtlCol="0" anchor="ctr"/>
-          <a:lstStyle/>
-          <a:p>
-            <a:pPr algn="ctr"/>
-            <a:r>
-              <a:rPr lang="en-PH" sz="1400" dirty="0"/>
-              <a:t>Send  encrypted data</a:t>
-            </a:r>
-          </a:p>
-        </p:txBody>
-      </p:sp>
-      <p:sp>
-        <p:nvSpPr>
-          <p:cNvPr id="10" name="Rounded Rectangle 9"/>
-          <p:cNvSpPr/>
-          <p:nvPr/>
-        </p:nvSpPr>
-        <p:spPr>
-          <a:xfrm>
-            <a:off x="2245704" y="3420781"/>
-            <a:ext cx="1585747" cy="809803"/>
-          </a:xfrm>
-          <a:prstGeom prst="roundRect">
-            <a:avLst/>
-          </a:prstGeom>
-          <a:solidFill>
-            <a:schemeClr val="tx2">
-              <a:lumMod val="60000"/>
-              <a:lumOff val="40000"/>
-            </a:schemeClr>
-          </a:solidFill>
-          <a:ln>
-            <a:noFill/>
-          </a:ln>
-        </p:spPr>
-        <p:style>
-          <a:lnRef idx="2">
-            <a:schemeClr val="accent1">
-              <a:shade val="50000"/>
-            </a:schemeClr>
-          </a:lnRef>
-          <a:fillRef idx="1">
-            <a:schemeClr val="accent1"/>
-          </a:fillRef>
-          <a:effectRef idx="0">
-            <a:schemeClr val="accent1"/>
-          </a:effectRef>
-          <a:fontRef idx="minor">
-            <a:schemeClr val="lt1"/>
-          </a:fontRef>
-        </p:style>
-        <p:txBody>
-          <a:bodyPr rtlCol="0" anchor="ctr"/>
-          <a:lstStyle/>
-          <a:p>
-            <a:pPr algn="ctr"/>
-            <a:r>
-              <a:rPr lang="en-PH" sz="1400" dirty="0"/>
-              <a:t>Decrypt data</a:t>
-            </a:r>
-          </a:p>
-        </p:txBody>
-      </p:sp>
-      <p:sp>
-        <p:nvSpPr>
-          <p:cNvPr id="12" name="Rounded Rectangle 11"/>
-          <p:cNvSpPr/>
-          <p:nvPr/>
-        </p:nvSpPr>
-        <p:spPr>
-          <a:xfrm>
-            <a:off x="3650418" y="4803733"/>
-            <a:ext cx="1585747" cy="809803"/>
-          </a:xfrm>
-          <a:prstGeom prst="roundRect">
-            <a:avLst/>
-          </a:prstGeom>
-          <a:solidFill>
-            <a:schemeClr val="tx2">
-              <a:lumMod val="60000"/>
-              <a:lumOff val="40000"/>
-            </a:schemeClr>
-          </a:solidFill>
-          <a:ln>
-            <a:noFill/>
-          </a:ln>
-        </p:spPr>
-        <p:style>
-          <a:lnRef idx="2">
-            <a:schemeClr val="accent1">
-              <a:shade val="50000"/>
-            </a:schemeClr>
-          </a:lnRef>
-          <a:fillRef idx="1">
-            <a:schemeClr val="accent1"/>
-          </a:fillRef>
-          <a:effectRef idx="0">
-            <a:schemeClr val="accent1"/>
-          </a:effectRef>
-          <a:fontRef idx="minor">
-            <a:schemeClr val="lt1"/>
-          </a:fontRef>
-        </p:style>
-        <p:txBody>
-          <a:bodyPr rtlCol="0" anchor="ctr"/>
-          <a:lstStyle/>
-          <a:p>
-            <a:pPr algn="ctr"/>
-            <a:r>
-              <a:rPr lang="en-PH" sz="1400" dirty="0"/>
-              <a:t>Create key exchange</a:t>
-            </a:r>
-          </a:p>
-        </p:txBody>
-      </p:sp>
-      <p:sp>
-        <p:nvSpPr>
-          <p:cNvPr id="13" name="Rounded Rectangle 12"/>
-          <p:cNvSpPr/>
-          <p:nvPr/>
-        </p:nvSpPr>
-        <p:spPr>
-          <a:xfrm>
-            <a:off x="6727832" y="4803733"/>
-            <a:ext cx="1585747" cy="809803"/>
-          </a:xfrm>
-          <a:prstGeom prst="roundRect">
-            <a:avLst/>
-          </a:prstGeom>
-          <a:solidFill>
-            <a:schemeClr val="tx2">
-              <a:lumMod val="60000"/>
-              <a:lumOff val="40000"/>
-            </a:schemeClr>
-          </a:solidFill>
-          <a:ln>
-            <a:noFill/>
-          </a:ln>
-        </p:spPr>
-        <p:style>
-          <a:lnRef idx="2">
-            <a:schemeClr val="accent1">
-              <a:shade val="50000"/>
-            </a:schemeClr>
-          </a:lnRef>
-          <a:fillRef idx="1">
-            <a:schemeClr val="accent1"/>
-          </a:fillRef>
-          <a:effectRef idx="0">
-            <a:schemeClr val="accent1"/>
-          </a:effectRef>
-          <a:fontRef idx="minor">
-            <a:schemeClr val="lt1"/>
-          </a:fontRef>
-        </p:style>
-        <p:txBody>
-          <a:bodyPr rtlCol="0" anchor="ctr"/>
-          <a:lstStyle/>
-          <a:p>
-            <a:pPr algn="ctr"/>
-            <a:r>
-              <a:rPr lang="en-PH" sz="1400" dirty="0"/>
-              <a:t>Send encrypted ERs</a:t>
-            </a:r>
-          </a:p>
-        </p:txBody>
-      </p:sp>
-      <p:sp>
-        <p:nvSpPr>
-          <p:cNvPr id="14" name="Rounded Rectangle 13"/>
-          <p:cNvSpPr/>
-          <p:nvPr/>
-        </p:nvSpPr>
-        <p:spPr>
-          <a:xfrm>
-            <a:off x="6727832" y="3426089"/>
-            <a:ext cx="1585747" cy="809803"/>
-          </a:xfrm>
-          <a:prstGeom prst="roundRect">
-            <a:avLst/>
-          </a:prstGeom>
-          <a:solidFill>
-            <a:schemeClr val="tx2">
-              <a:lumMod val="60000"/>
-              <a:lumOff val="40000"/>
-            </a:schemeClr>
-          </a:solidFill>
-          <a:ln>
-            <a:noFill/>
-          </a:ln>
-        </p:spPr>
-        <p:style>
-          <a:lnRef idx="2">
-            <a:schemeClr val="accent1">
-              <a:shade val="50000"/>
-            </a:schemeClr>
-          </a:lnRef>
-          <a:fillRef idx="1">
-            <a:schemeClr val="accent1"/>
-          </a:fillRef>
-          <a:effectRef idx="0">
-            <a:schemeClr val="accent1"/>
-          </a:effectRef>
-          <a:fontRef idx="minor">
-            <a:schemeClr val="lt1"/>
-          </a:fontRef>
-        </p:style>
-        <p:txBody>
-          <a:bodyPr rtlCol="0" anchor="ctr"/>
-          <a:lstStyle/>
-          <a:p>
-            <a:pPr algn="ctr"/>
-            <a:r>
-              <a:rPr lang="en-PH" sz="1400" dirty="0"/>
-              <a:t>Verify hash value</a:t>
-            </a:r>
-          </a:p>
-        </p:txBody>
-      </p:sp>
-      <p:cxnSp>
-        <p:nvCxnSpPr>
-          <p:cNvPr id="22" name="Straight Arrow Connector 21"/>
-          <p:cNvCxnSpPr>
-            <a:stCxn id="8" idx="2"/>
-            <a:endCxn id="10" idx="0"/>
-          </p:cNvCxnSpPr>
-          <p:nvPr/>
-        </p:nvCxnSpPr>
-        <p:spPr>
-          <a:xfrm>
-            <a:off x="3038578" y="2987529"/>
-            <a:ext cx="0" cy="433252"/>
-          </a:xfrm>
-          <a:prstGeom prst="straightConnector1">
-            <a:avLst/>
-          </a:prstGeom>
-          <a:ln>
-            <a:solidFill>
-              <a:srgbClr val="FFC000"/>
-            </a:solidFill>
-            <a:tailEnd type="triangle"/>
-          </a:ln>
-        </p:spPr>
-        <p:style>
-          <a:lnRef idx="1">
-            <a:schemeClr val="accent1"/>
-          </a:lnRef>
-          <a:fillRef idx="0">
-            <a:schemeClr val="accent1"/>
-          </a:fillRef>
-          <a:effectRef idx="0">
-            <a:schemeClr val="accent1"/>
-          </a:effectRef>
-          <a:fontRef idx="minor">
-            <a:schemeClr val="tx1"/>
-          </a:fontRef>
-        </p:style>
-      </p:cxnSp>
-      <p:cxnSp>
-        <p:nvCxnSpPr>
-          <p:cNvPr id="36" name="Elbow Connector 35"/>
-          <p:cNvCxnSpPr>
-            <a:stCxn id="10" idx="2"/>
-            <a:endCxn id="12" idx="1"/>
-          </p:cNvCxnSpPr>
-          <p:nvPr/>
-        </p:nvCxnSpPr>
-        <p:spPr>
-          <a:xfrm rot="16200000" flipH="1">
-            <a:off x="2855473" y="4413689"/>
-            <a:ext cx="978051" cy="611840"/>
-          </a:xfrm>
-          <a:prstGeom prst="bentConnector2">
-            <a:avLst/>
-          </a:prstGeom>
-          <a:ln>
-            <a:solidFill>
-              <a:srgbClr val="FFC000"/>
-            </a:solidFill>
-          </a:ln>
-        </p:spPr>
-        <p:style>
-          <a:lnRef idx="1">
-            <a:schemeClr val="accent1"/>
-          </a:lnRef>
-          <a:fillRef idx="0">
-            <a:schemeClr val="accent1"/>
-          </a:fillRef>
-          <a:effectRef idx="0">
-            <a:schemeClr val="accent1"/>
-          </a:effectRef>
-          <a:fontRef idx="minor">
-            <a:schemeClr val="tx1"/>
-          </a:fontRef>
-        </p:style>
-      </p:cxnSp>
-      <p:cxnSp>
-        <p:nvCxnSpPr>
-          <p:cNvPr id="39" name="Straight Arrow Connector 38"/>
-          <p:cNvCxnSpPr>
-            <a:stCxn id="12" idx="3"/>
-            <a:endCxn id="13" idx="1"/>
-          </p:cNvCxnSpPr>
-          <p:nvPr/>
-        </p:nvCxnSpPr>
-        <p:spPr>
-          <a:xfrm>
-            <a:off x="5236165" y="5208635"/>
-            <a:ext cx="1491667" cy="0"/>
-          </a:xfrm>
-          <a:prstGeom prst="straightConnector1">
-            <a:avLst/>
-          </a:prstGeom>
-          <a:ln>
-            <a:solidFill>
-              <a:srgbClr val="FFC000"/>
-            </a:solidFill>
-            <a:tailEnd type="triangle"/>
-          </a:ln>
-        </p:spPr>
-        <p:style>
-          <a:lnRef idx="1">
-            <a:schemeClr val="accent1"/>
-          </a:lnRef>
-          <a:fillRef idx="0">
-            <a:schemeClr val="accent1"/>
-          </a:fillRef>
-          <a:effectRef idx="0">
-            <a:schemeClr val="accent1"/>
-          </a:effectRef>
-          <a:fontRef idx="minor">
-            <a:schemeClr val="tx1"/>
-          </a:fontRef>
-        </p:style>
-      </p:cxnSp>
-      <p:cxnSp>
-        <p:nvCxnSpPr>
-          <p:cNvPr id="42" name="Straight Arrow Connector 41"/>
-          <p:cNvCxnSpPr>
-            <a:stCxn id="13" idx="0"/>
-            <a:endCxn id="14" idx="2"/>
-          </p:cNvCxnSpPr>
-          <p:nvPr/>
-        </p:nvCxnSpPr>
-        <p:spPr>
-          <a:xfrm flipV="1">
-            <a:off x="7520706" y="4235892"/>
-            <a:ext cx="0" cy="567841"/>
-          </a:xfrm>
-          <a:prstGeom prst="straightConnector1">
-            <a:avLst/>
-          </a:prstGeom>
-          <a:ln>
-            <a:solidFill>
-              <a:srgbClr val="FFC000"/>
-            </a:solidFill>
-            <a:tailEnd type="triangle"/>
-          </a:ln>
-        </p:spPr>
-        <p:style>
-          <a:lnRef idx="1">
-            <a:schemeClr val="accent1"/>
-          </a:lnRef>
-          <a:fillRef idx="0">
-            <a:schemeClr val="accent1"/>
-          </a:fillRef>
-          <a:effectRef idx="0">
-            <a:schemeClr val="accent1"/>
-          </a:effectRef>
-          <a:fontRef idx="minor">
-            <a:schemeClr val="tx1"/>
-          </a:fontRef>
-        </p:style>
-      </p:cxnSp>
-      <p:cxnSp>
-        <p:nvCxnSpPr>
-          <p:cNvPr id="45" name="Straight Arrow Connector 44"/>
-          <p:cNvCxnSpPr>
-            <a:stCxn id="14" idx="3"/>
-          </p:cNvCxnSpPr>
-          <p:nvPr/>
-        </p:nvCxnSpPr>
-        <p:spPr>
-          <a:xfrm flipV="1">
-            <a:off x="8313579" y="3825683"/>
-            <a:ext cx="698794" cy="5308"/>
-          </a:xfrm>
-          <a:prstGeom prst="straightConnector1">
-            <a:avLst/>
-          </a:prstGeom>
-          <a:ln>
-            <a:solidFill>
-              <a:srgbClr val="FFC000"/>
-            </a:solidFill>
-            <a:tailEnd type="triangle"/>
-          </a:ln>
-        </p:spPr>
-        <p:style>
-          <a:lnRef idx="1">
-            <a:schemeClr val="accent1"/>
-          </a:lnRef>
-          <a:fillRef idx="0">
-            <a:schemeClr val="accent1"/>
-          </a:fillRef>
-          <a:effectRef idx="0">
-            <a:schemeClr val="accent1"/>
-          </a:effectRef>
-          <a:fontRef idx="minor">
-            <a:schemeClr val="tx1"/>
-          </a:fontRef>
-        </p:style>
-      </p:cxnSp>
-      <p:sp>
-        <p:nvSpPr>
-          <p:cNvPr id="50" name="Oval 49"/>
-          <p:cNvSpPr/>
-          <p:nvPr/>
-        </p:nvSpPr>
-        <p:spPr>
-          <a:xfrm>
-            <a:off x="9012373" y="3711382"/>
-            <a:ext cx="217170" cy="228600"/>
-          </a:xfrm>
-          <a:prstGeom prst="ellipse">
-            <a:avLst/>
-          </a:prstGeom>
-          <a:noFill/>
-          <a:ln w="57150" cap="flat" cmpd="sng" algn="ctr">
-            <a:solidFill>
-              <a:schemeClr val="tx2">
-                <a:lumMod val="60000"/>
-                <a:lumOff val="40000"/>
-              </a:schemeClr>
-            </a:solidFill>
-            <a:prstDash val="solid"/>
-            <a:round/>
-            <a:headEnd type="none" w="med" len="med"/>
-            <a:tailEnd type="none" w="med" len="med"/>
-          </a:ln>
-        </p:spPr>
-        <p:style>
-          <a:lnRef idx="0">
-            <a:scrgbClr r="0" g="0" b="0"/>
-          </a:lnRef>
-          <a:fillRef idx="0">
-            <a:scrgbClr r="0" g="0" b="0"/>
-          </a:fillRef>
-          <a:effectRef idx="0">
-            <a:scrgbClr r="0" g="0" b="0"/>
-          </a:effectRef>
-          <a:fontRef idx="minor">
-            <a:schemeClr val="dk1"/>
-          </a:fontRef>
-        </p:style>
-        <p:txBody>
-          <a:bodyPr rtlCol="0" anchor="ctr"/>
-          <a:lstStyle/>
-          <a:p>
-            <a:pPr algn="ctr"/>
-            <a:endParaRPr lang="en-PH" b="1">
-              <a:ln w="22225">
-                <a:solidFill>
-                  <a:schemeClr val="accent2"/>
-                </a:solidFill>
-                <a:prstDash val="solid"/>
-              </a:ln>
-              <a:solidFill>
-                <a:schemeClr val="accent2">
-                  <a:lumMod val="40000"/>
-                  <a:lumOff val="60000"/>
-                </a:schemeClr>
-              </a:solidFill>
-            </a:endParaRPr>
-          </a:p>
-        </p:txBody>
-      </p:sp>
-      <p:sp>
-        <p:nvSpPr>
-          <p:cNvPr id="58" name="TextBox 57"/>
-          <p:cNvSpPr txBox="1"/>
-          <p:nvPr/>
-        </p:nvSpPr>
-        <p:spPr>
-          <a:xfrm>
-            <a:off x="1633862" y="1767497"/>
-            <a:ext cx="1532462" cy="307777"/>
+              <a:t>Sequence Diagram</a:t>
+            </a:r>
+          </a:p>
+        </p:txBody>
+      </p:sp>
+      <p:pic>
+        <p:nvPicPr>
+          <p:cNvPr id="4" name="Picture 3"/>
+          <p:cNvPicPr>
+            <a:picLocks noChangeAspect="1"/>
+          </p:cNvPicPr>
+          <p:nvPr/>
+        </p:nvPicPr>
+        <p:blipFill>
+          <a:blip r:embed="rId2">
+            <a:extLst>
+              <a:ext uri="{28A0092B-C50C-407E-A947-70E740481C1C}">
+                <a14:useLocalDpi xmlns:a14="http://schemas.microsoft.com/office/drawing/2010/main" val="0"/>
+              </a:ext>
+            </a:extLst>
+          </a:blip>
+          <a:stretch>
+            <a:fillRect/>
+          </a:stretch>
+        </p:blipFill>
+        <p:spPr>
+          <a:xfrm>
+            <a:off x="-251961" y="5056301"/>
+            <a:ext cx="2435221" cy="2435221"/>
           </a:xfrm>
           <a:prstGeom prst="rect">
             <a:avLst/>
           </a:prstGeom>
-          <a:noFill/>
-        </p:spPr>
-        <p:txBody>
-          <a:bodyPr wrap="square" rtlCol="0">
-            <a:spAutoFit/>
-          </a:bodyPr>
-          <a:lstStyle/>
-          <a:p>
-            <a:pPr algn="ctr"/>
-            <a:r>
-              <a:rPr lang="en-PH" sz="1400" dirty="0"/>
-              <a:t>VCM public key</a:t>
-            </a:r>
-          </a:p>
-        </p:txBody>
-      </p:sp>
-      <p:sp>
-        <p:nvSpPr>
-          <p:cNvPr id="60" name="TextBox 59"/>
-          <p:cNvSpPr txBox="1"/>
-          <p:nvPr/>
-        </p:nvSpPr>
-        <p:spPr>
-          <a:xfrm>
-            <a:off x="1546331" y="3064444"/>
-            <a:ext cx="1532462" cy="307777"/>
+        </p:spPr>
+      </p:pic>
+      <p:pic>
+        <p:nvPicPr>
+          <p:cNvPr id="5" name="Picture 4"/>
+          <p:cNvPicPr>
+            <a:picLocks noChangeAspect="1"/>
+          </p:cNvPicPr>
+          <p:nvPr/>
+        </p:nvPicPr>
+        <p:blipFill>
+          <a:blip r:embed="rId3" cstate="hqprint">
+            <a:extLst>
+              <a:ext uri="{28A0092B-C50C-407E-A947-70E740481C1C}">
+                <a14:useLocalDpi xmlns:a14="http://schemas.microsoft.com/office/drawing/2010/main" val="0"/>
+              </a:ext>
+            </a:extLst>
+          </a:blip>
+          <a:stretch>
+            <a:fillRect/>
+          </a:stretch>
+        </p:blipFill>
+        <p:spPr>
+          <a:xfrm>
+            <a:off x="-189517" y="3979707"/>
+            <a:ext cx="1391006" cy="1391006"/>
           </a:xfrm>
           <a:prstGeom prst="rect">
             <a:avLst/>
           </a:prstGeom>
-          <a:noFill/>
-        </p:spPr>
-        <p:txBody>
-          <a:bodyPr wrap="square" rtlCol="0">
-            <a:spAutoFit/>
-          </a:bodyPr>
-          <a:lstStyle/>
-          <a:p>
-            <a:pPr algn="ctr"/>
-            <a:r>
-              <a:rPr lang="en-PH" sz="1400" dirty="0"/>
-              <a:t>Private key</a:t>
-            </a:r>
-          </a:p>
-        </p:txBody>
-      </p:sp>
-      <p:sp>
-        <p:nvSpPr>
-          <p:cNvPr id="61" name="TextBox 60"/>
-          <p:cNvSpPr txBox="1"/>
-          <p:nvPr/>
-        </p:nvSpPr>
-        <p:spPr>
-          <a:xfrm>
-            <a:off x="5477158" y="4685414"/>
-            <a:ext cx="1103760" cy="523220"/>
-          </a:xfrm>
-          <a:prstGeom prst="rect">
-            <a:avLst/>
-          </a:prstGeom>
-          <a:noFill/>
-        </p:spPr>
-        <p:txBody>
-          <a:bodyPr wrap="square" rtlCol="0">
-            <a:spAutoFit/>
-          </a:bodyPr>
-          <a:lstStyle/>
-          <a:p>
-            <a:pPr algn="ctr"/>
-            <a:r>
-              <a:rPr lang="en-PH" sz="1400" dirty="0"/>
-              <a:t>Generated key</a:t>
-            </a:r>
-          </a:p>
-        </p:txBody>
-      </p:sp>
-      <p:sp>
-        <p:nvSpPr>
-          <p:cNvPr id="62" name="TextBox 61"/>
-          <p:cNvSpPr txBox="1"/>
-          <p:nvPr/>
-        </p:nvSpPr>
-        <p:spPr>
-          <a:xfrm>
-            <a:off x="7487826" y="4411346"/>
-            <a:ext cx="1377632" cy="307777"/>
-          </a:xfrm>
-          <a:prstGeom prst="rect">
-            <a:avLst/>
-          </a:prstGeom>
-          <a:noFill/>
-        </p:spPr>
-        <p:txBody>
-          <a:bodyPr wrap="square" rtlCol="0">
-            <a:spAutoFit/>
-          </a:bodyPr>
-          <a:lstStyle/>
-          <a:p>
-            <a:pPr algn="ctr"/>
-            <a:r>
-              <a:rPr lang="en-PH" sz="1400" dirty="0"/>
-              <a:t>Encrypted ERs</a:t>
-            </a:r>
-          </a:p>
-        </p:txBody>
-      </p:sp>
+        </p:spPr>
+      </p:pic>
+      <p:pic>
+        <p:nvPicPr>
+          <p:cNvPr id="8" name="Content Placeholder 7"/>
+          <p:cNvPicPr>
+            <a:picLocks noGrp="1" noChangeAspect="1"/>
+          </p:cNvPicPr>
+          <p:nvPr>
+            <p:ph idx="1"/>
+          </p:nvPr>
+        </p:nvPicPr>
+        <p:blipFill>
+          <a:blip r:embed="rId4">
+            <a:extLst>
+              <a:ext uri="{28A0092B-C50C-407E-A947-70E740481C1C}">
+                <a14:useLocalDpi xmlns:a14="http://schemas.microsoft.com/office/drawing/2010/main" val="0"/>
+              </a:ext>
+            </a:extLst>
+          </a:blip>
+          <a:stretch>
+            <a:fillRect/>
+          </a:stretch>
+        </p:blipFill>
+        <p:spPr>
+          <a:xfrm>
+            <a:off x="3275542" y="1700856"/>
+            <a:ext cx="6596592" cy="4144013"/>
+          </a:xfrm>
+        </p:spPr>
+      </p:pic>
     </p:spTree>
     <p:extLst>
       <p:ext uri="{BB962C8B-B14F-4D97-AF65-F5344CB8AC3E}">
-        <p14:creationId xmlns:p14="http://schemas.microsoft.com/office/powerpoint/2010/main" val="1275207489"/>
+        <p14:creationId xmlns:p14="http://schemas.microsoft.com/office/powerpoint/2010/main" val="2581553982"/>
       </p:ext>
     </p:extLst>
   </p:cSld>
@@ -21943,23 +21866,109 @@
           <a:p>
             <a:r>
               <a:rPr lang="en-PH" dirty="0"/>
-              <a:t>Timing Diagram</a:t>
-            </a:r>
-          </a:p>
-        </p:txBody>
-      </p:sp>
-      <p:sp>
-        <p:nvSpPr>
-          <p:cNvPr id="6" name="Hexagon 5"/>
+              <a:t>State Diagram</a:t>
+            </a:r>
+          </a:p>
+        </p:txBody>
+      </p:sp>
+      <p:sp>
+        <p:nvSpPr>
+          <p:cNvPr id="6" name="Oval 5"/>
           <p:cNvSpPr/>
           <p:nvPr/>
         </p:nvSpPr>
         <p:spPr>
           <a:xfrm>
-            <a:off x="1736358" y="2561356"/>
-            <a:ext cx="1806750" cy="443753"/>
-          </a:xfrm>
-          <a:prstGeom prst="hexagon">
+            <a:off x="2910829" y="1503883"/>
+            <a:ext cx="255495" cy="268941"/>
+          </a:xfrm>
+          <a:prstGeom prst="ellipse">
+            <a:avLst/>
+          </a:prstGeom>
+          <a:solidFill>
+            <a:schemeClr val="tx2">
+              <a:lumMod val="60000"/>
+              <a:lumOff val="40000"/>
+            </a:schemeClr>
+          </a:solidFill>
+          <a:ln>
+            <a:noFill/>
+          </a:ln>
+        </p:spPr>
+        <p:style>
+          <a:lnRef idx="3">
+            <a:schemeClr val="lt1"/>
+          </a:lnRef>
+          <a:fillRef idx="1">
+            <a:schemeClr val="accent3"/>
+          </a:fillRef>
+          <a:effectRef idx="1">
+            <a:schemeClr val="accent3"/>
+          </a:effectRef>
+          <a:fontRef idx="minor">
+            <a:schemeClr val="lt1"/>
+          </a:fontRef>
+        </p:style>
+        <p:txBody>
+          <a:bodyPr rtlCol="0" anchor="ctr"/>
+          <a:lstStyle/>
+          <a:p>
+            <a:pPr algn="ctr"/>
+            <a:endParaRPr lang="en-PH"/>
+          </a:p>
+        </p:txBody>
+      </p:sp>
+      <p:cxnSp>
+        <p:nvCxnSpPr>
+          <p:cNvPr id="7" name="Straight Arrow Connector 6"/>
+          <p:cNvCxnSpPr>
+            <a:stCxn id="6" idx="4"/>
+            <a:endCxn id="8" idx="0"/>
+          </p:cNvCxnSpPr>
+          <p:nvPr/>
+        </p:nvCxnSpPr>
+        <p:spPr>
+          <a:xfrm>
+            <a:off x="3038577" y="1772824"/>
+            <a:ext cx="1" cy="404902"/>
+          </a:xfrm>
+          <a:prstGeom prst="straightConnector1">
+            <a:avLst/>
+          </a:prstGeom>
+          <a:ln>
+            <a:solidFill>
+              <a:srgbClr val="FFC000"/>
+            </a:solidFill>
+            <a:tailEnd type="triangle"/>
+          </a:ln>
+        </p:spPr>
+        <p:style>
+          <a:lnRef idx="3">
+            <a:schemeClr val="accent2"/>
+          </a:lnRef>
+          <a:fillRef idx="0">
+            <a:schemeClr val="accent2"/>
+          </a:fillRef>
+          <a:effectRef idx="2">
+            <a:schemeClr val="accent2"/>
+          </a:effectRef>
+          <a:fontRef idx="minor">
+            <a:schemeClr val="tx1"/>
+          </a:fontRef>
+        </p:style>
+      </p:cxnSp>
+      <p:sp>
+        <p:nvSpPr>
+          <p:cNvPr id="8" name="Rounded Rectangle 7"/>
+          <p:cNvSpPr/>
+          <p:nvPr/>
+        </p:nvSpPr>
+        <p:spPr>
+          <a:xfrm>
+            <a:off x="2245704" y="2177726"/>
+            <a:ext cx="1585747" cy="809803"/>
+          </a:xfrm>
+          <a:prstGeom prst="roundRect">
             <a:avLst/>
           </a:prstGeom>
           <a:solidFill>
@@ -21995,23 +22004,23 @@
             <a:pPr algn="ctr"/>
             <a:r>
               <a:rPr lang="en-PH" sz="1400" dirty="0"/>
-              <a:t>Encrypt data</a:t>
-            </a:r>
-          </a:p>
-        </p:txBody>
-      </p:sp>
-      <p:sp>
-        <p:nvSpPr>
-          <p:cNvPr id="7" name="Hexagon 6"/>
+              <a:t>Send  encrypted data</a:t>
+            </a:r>
+          </a:p>
+        </p:txBody>
+      </p:sp>
+      <p:sp>
+        <p:nvSpPr>
+          <p:cNvPr id="10" name="Rounded Rectangle 9"/>
           <p:cNvSpPr/>
           <p:nvPr/>
         </p:nvSpPr>
         <p:spPr>
           <a:xfrm>
-            <a:off x="3522395" y="2561292"/>
-            <a:ext cx="1806750" cy="443753"/>
-          </a:xfrm>
-          <a:prstGeom prst="hexagon">
+            <a:off x="2245704" y="3420781"/>
+            <a:ext cx="1585747" cy="809803"/>
+          </a:xfrm>
+          <a:prstGeom prst="roundRect">
             <a:avLst/>
           </a:prstGeom>
           <a:solidFill>
@@ -22054,16 +22063,16 @@
       </p:sp>
       <p:sp>
         <p:nvSpPr>
-          <p:cNvPr id="8" name="Hexagon 7"/>
+          <p:cNvPr id="12" name="Rounded Rectangle 11"/>
           <p:cNvSpPr/>
           <p:nvPr/>
         </p:nvSpPr>
         <p:spPr>
           <a:xfrm>
-            <a:off x="5308432" y="2553335"/>
-            <a:ext cx="1806750" cy="443753"/>
-          </a:xfrm>
-          <a:prstGeom prst="hexagon">
+            <a:off x="3650418" y="4803733"/>
+            <a:ext cx="1585747" cy="809803"/>
+          </a:xfrm>
+          <a:prstGeom prst="roundRect">
             <a:avLst/>
           </a:prstGeom>
           <a:solidFill>
@@ -22106,16 +22115,16 @@
       </p:sp>
       <p:sp>
         <p:nvSpPr>
-          <p:cNvPr id="9" name="Hexagon 8"/>
+          <p:cNvPr id="13" name="Rounded Rectangle 12"/>
           <p:cNvSpPr/>
           <p:nvPr/>
         </p:nvSpPr>
         <p:spPr>
           <a:xfrm>
-            <a:off x="7115182" y="2569183"/>
-            <a:ext cx="1806750" cy="443753"/>
-          </a:xfrm>
-          <a:prstGeom prst="hexagon">
+            <a:off x="6727832" y="4803733"/>
+            <a:ext cx="1585747" cy="809803"/>
+          </a:xfrm>
+          <a:prstGeom prst="roundRect">
             <a:avLst/>
           </a:prstGeom>
           <a:solidFill>
@@ -22158,16 +22167,16 @@
       </p:sp>
       <p:sp>
         <p:nvSpPr>
-          <p:cNvPr id="10" name="Hexagon 9"/>
+          <p:cNvPr id="14" name="Rounded Rectangle 13"/>
           <p:cNvSpPr/>
           <p:nvPr/>
         </p:nvSpPr>
         <p:spPr>
           <a:xfrm>
-            <a:off x="8921932" y="2577204"/>
-            <a:ext cx="1806750" cy="443753"/>
-          </a:xfrm>
-          <a:prstGeom prst="hexagon">
+            <a:off x="6727832" y="3426089"/>
+            <a:ext cx="1585747" cy="809803"/>
+          </a:xfrm>
+          <a:prstGeom prst="roundRect">
             <a:avLst/>
           </a:prstGeom>
           <a:solidFill>
@@ -22208,16 +22217,273 @@
           </a:p>
         </p:txBody>
       </p:sp>
-      <p:sp>
-        <p:nvSpPr>
-          <p:cNvPr id="14" name="TextBox 13"/>
+      <p:cxnSp>
+        <p:nvCxnSpPr>
+          <p:cNvPr id="22" name="Straight Arrow Connector 21"/>
+          <p:cNvCxnSpPr>
+            <a:stCxn id="8" idx="2"/>
+            <a:endCxn id="10" idx="0"/>
+          </p:cNvCxnSpPr>
+          <p:nvPr/>
+        </p:nvCxnSpPr>
+        <p:spPr>
+          <a:xfrm>
+            <a:off x="3038578" y="2987529"/>
+            <a:ext cx="0" cy="433252"/>
+          </a:xfrm>
+          <a:prstGeom prst="straightConnector1">
+            <a:avLst/>
+          </a:prstGeom>
+          <a:ln>
+            <a:solidFill>
+              <a:srgbClr val="FFC000"/>
+            </a:solidFill>
+            <a:tailEnd type="triangle"/>
+          </a:ln>
+        </p:spPr>
+        <p:style>
+          <a:lnRef idx="1">
+            <a:schemeClr val="accent1"/>
+          </a:lnRef>
+          <a:fillRef idx="0">
+            <a:schemeClr val="accent1"/>
+          </a:fillRef>
+          <a:effectRef idx="0">
+            <a:schemeClr val="accent1"/>
+          </a:effectRef>
+          <a:fontRef idx="minor">
+            <a:schemeClr val="tx1"/>
+          </a:fontRef>
+        </p:style>
+      </p:cxnSp>
+      <p:cxnSp>
+        <p:nvCxnSpPr>
+          <p:cNvPr id="36" name="Elbow Connector 35"/>
+          <p:cNvCxnSpPr>
+            <a:stCxn id="10" idx="2"/>
+            <a:endCxn id="12" idx="1"/>
+          </p:cNvCxnSpPr>
+          <p:nvPr/>
+        </p:nvCxnSpPr>
+        <p:spPr>
+          <a:xfrm rot="16200000" flipH="1">
+            <a:off x="2855473" y="4413689"/>
+            <a:ext cx="978051" cy="611840"/>
+          </a:xfrm>
+          <a:prstGeom prst="bentConnector2">
+            <a:avLst/>
+          </a:prstGeom>
+          <a:ln>
+            <a:solidFill>
+              <a:srgbClr val="FFC000"/>
+            </a:solidFill>
+          </a:ln>
+        </p:spPr>
+        <p:style>
+          <a:lnRef idx="1">
+            <a:schemeClr val="accent1"/>
+          </a:lnRef>
+          <a:fillRef idx="0">
+            <a:schemeClr val="accent1"/>
+          </a:fillRef>
+          <a:effectRef idx="0">
+            <a:schemeClr val="accent1"/>
+          </a:effectRef>
+          <a:fontRef idx="minor">
+            <a:schemeClr val="tx1"/>
+          </a:fontRef>
+        </p:style>
+      </p:cxnSp>
+      <p:cxnSp>
+        <p:nvCxnSpPr>
+          <p:cNvPr id="39" name="Straight Arrow Connector 38"/>
+          <p:cNvCxnSpPr>
+            <a:stCxn id="12" idx="3"/>
+            <a:endCxn id="13" idx="1"/>
+          </p:cNvCxnSpPr>
+          <p:nvPr/>
+        </p:nvCxnSpPr>
+        <p:spPr>
+          <a:xfrm>
+            <a:off x="5236165" y="5208635"/>
+            <a:ext cx="1491667" cy="0"/>
+          </a:xfrm>
+          <a:prstGeom prst="straightConnector1">
+            <a:avLst/>
+          </a:prstGeom>
+          <a:ln>
+            <a:solidFill>
+              <a:srgbClr val="FFC000"/>
+            </a:solidFill>
+            <a:tailEnd type="triangle"/>
+          </a:ln>
+        </p:spPr>
+        <p:style>
+          <a:lnRef idx="1">
+            <a:schemeClr val="accent1"/>
+          </a:lnRef>
+          <a:fillRef idx="0">
+            <a:schemeClr val="accent1"/>
+          </a:fillRef>
+          <a:effectRef idx="0">
+            <a:schemeClr val="accent1"/>
+          </a:effectRef>
+          <a:fontRef idx="minor">
+            <a:schemeClr val="tx1"/>
+          </a:fontRef>
+        </p:style>
+      </p:cxnSp>
+      <p:cxnSp>
+        <p:nvCxnSpPr>
+          <p:cNvPr id="42" name="Straight Arrow Connector 41"/>
+          <p:cNvCxnSpPr>
+            <a:stCxn id="13" idx="0"/>
+            <a:endCxn id="14" idx="2"/>
+          </p:cNvCxnSpPr>
+          <p:nvPr/>
+        </p:nvCxnSpPr>
+        <p:spPr>
+          <a:xfrm flipV="1">
+            <a:off x="7520706" y="4235892"/>
+            <a:ext cx="0" cy="567841"/>
+          </a:xfrm>
+          <a:prstGeom prst="straightConnector1">
+            <a:avLst/>
+          </a:prstGeom>
+          <a:ln>
+            <a:solidFill>
+              <a:srgbClr val="FFC000"/>
+            </a:solidFill>
+            <a:tailEnd type="triangle"/>
+          </a:ln>
+        </p:spPr>
+        <p:style>
+          <a:lnRef idx="1">
+            <a:schemeClr val="accent1"/>
+          </a:lnRef>
+          <a:fillRef idx="0">
+            <a:schemeClr val="accent1"/>
+          </a:fillRef>
+          <a:effectRef idx="0">
+            <a:schemeClr val="accent1"/>
+          </a:effectRef>
+          <a:fontRef idx="minor">
+            <a:schemeClr val="tx1"/>
+          </a:fontRef>
+        </p:style>
+      </p:cxnSp>
+      <p:cxnSp>
+        <p:nvCxnSpPr>
+          <p:cNvPr id="45" name="Straight Arrow Connector 44"/>
+          <p:cNvCxnSpPr>
+            <a:stCxn id="14" idx="3"/>
+          </p:cNvCxnSpPr>
+          <p:nvPr/>
+        </p:nvCxnSpPr>
+        <p:spPr>
+          <a:xfrm flipV="1">
+            <a:off x="8313579" y="3825683"/>
+            <a:ext cx="698794" cy="5308"/>
+          </a:xfrm>
+          <a:prstGeom prst="straightConnector1">
+            <a:avLst/>
+          </a:prstGeom>
+          <a:ln>
+            <a:solidFill>
+              <a:srgbClr val="FFC000"/>
+            </a:solidFill>
+            <a:tailEnd type="triangle"/>
+          </a:ln>
+        </p:spPr>
+        <p:style>
+          <a:lnRef idx="1">
+            <a:schemeClr val="accent1"/>
+          </a:lnRef>
+          <a:fillRef idx="0">
+            <a:schemeClr val="accent1"/>
+          </a:fillRef>
+          <a:effectRef idx="0">
+            <a:schemeClr val="accent1"/>
+          </a:effectRef>
+          <a:fontRef idx="minor">
+            <a:schemeClr val="tx1"/>
+          </a:fontRef>
+        </p:style>
+      </p:cxnSp>
+      <p:sp>
+        <p:nvSpPr>
+          <p:cNvPr id="50" name="Oval 49"/>
+          <p:cNvSpPr/>
+          <p:nvPr/>
+        </p:nvSpPr>
+        <p:spPr>
+          <a:xfrm>
+            <a:off x="9012373" y="3711382"/>
+            <a:ext cx="217170" cy="228600"/>
+          </a:xfrm>
+          <a:prstGeom prst="ellipse">
+            <a:avLst/>
+          </a:prstGeom>
+          <a:noFill/>
+          <a:ln w="57150" cap="flat" cmpd="sng" algn="ctr">
+            <a:solidFill>
+              <a:schemeClr val="tx2">
+                <a:lumMod val="60000"/>
+                <a:lumOff val="40000"/>
+              </a:schemeClr>
+            </a:solidFill>
+            <a:prstDash val="solid"/>
+            <a:round/>
+            <a:headEnd type="none" w="med" len="med"/>
+            <a:tailEnd type="none" w="med" len="med"/>
+          </a:ln>
+        </p:spPr>
+        <p:style>
+          <a:lnRef idx="0">
+            <a:scrgbClr r="0" g="0" b="0"/>
+          </a:lnRef>
+          <a:fillRef idx="0">
+            <a:scrgbClr r="0" g="0" b="0"/>
+          </a:fillRef>
+          <a:effectRef idx="0">
+            <a:scrgbClr r="0" g="0" b="0"/>
+          </a:effectRef>
+          <a:fontRef idx="minor">
+            <a:schemeClr val="dk1"/>
+          </a:fontRef>
+        </p:style>
+        <p:txBody>
+          <a:bodyPr rtlCol="0" anchor="ctr"/>
+          <a:lstStyle/>
+          <a:p>
+            <a:pPr algn="ctr"/>
+            <a:endParaRPr lang="en-PH" b="1">
+              <a:ln w="22225">
+                <a:solidFill>
+                  <a:schemeClr val="accent2"/>
+                </a:solidFill>
+                <a:prstDash val="solid"/>
+              </a:ln>
+              <a:solidFill>
+                <a:schemeClr val="accent2">
+                  <a:lumMod val="40000"/>
+                  <a:lumOff val="60000"/>
+                </a:schemeClr>
+              </a:solidFill>
+            </a:endParaRPr>
+          </a:p>
+        </p:txBody>
+      </p:sp>
+      <p:sp>
+        <p:nvSpPr>
+          <p:cNvPr id="58" name="TextBox 57"/>
           <p:cNvSpPr txBox="1"/>
           <p:nvPr/>
         </p:nvSpPr>
         <p:spPr>
           <a:xfrm>
-            <a:off x="1608909" y="3020957"/>
-            <a:ext cx="9235440" cy="369332"/>
+            <a:off x="1633862" y="1767497"/>
+            <a:ext cx="1532462" cy="307777"/>
           </a:xfrm>
           <a:prstGeom prst="rect">
             <a:avLst/>
@@ -22230,77 +22496,108 @@
           </a:bodyPr>
           <a:lstStyle/>
           <a:p>
-            <a:r>
-              <a:rPr lang="en-PH" dirty="0"/>
-              <a:t>|--------30s--------|-----------30s------------|----------30s----------|----------30s----------|---------30s---------|</a:t>
-            </a:r>
-          </a:p>
-        </p:txBody>
-      </p:sp>
-      <p:pic>
-        <p:nvPicPr>
-          <p:cNvPr id="23" name="Picture 22"/>
-          <p:cNvPicPr>
-            <a:picLocks noChangeAspect="1"/>
-          </p:cNvPicPr>
-          <p:nvPr/>
-        </p:nvPicPr>
-        <p:blipFill>
-          <a:blip r:embed="rId2">
-            <a:extLst>
-              <a:ext uri="{28A0092B-C50C-407E-A947-70E740481C1C}">
-                <a14:useLocalDpi xmlns:a14="http://schemas.microsoft.com/office/drawing/2010/main" val="0"/>
-              </a:ext>
-            </a:extLst>
-          </a:blip>
-          <a:stretch>
-            <a:fillRect/>
-          </a:stretch>
-        </p:blipFill>
-        <p:spPr>
-          <a:xfrm>
-            <a:off x="10343804" y="4696690"/>
-            <a:ext cx="2435221" cy="2435221"/>
+            <a:pPr algn="ctr"/>
+            <a:r>
+              <a:rPr lang="en-PH" sz="1400" dirty="0"/>
+              <a:t>VCM public key</a:t>
+            </a:r>
+          </a:p>
+        </p:txBody>
+      </p:sp>
+      <p:sp>
+        <p:nvSpPr>
+          <p:cNvPr id="60" name="TextBox 59"/>
+          <p:cNvSpPr txBox="1"/>
+          <p:nvPr/>
+        </p:nvSpPr>
+        <p:spPr>
+          <a:xfrm>
+            <a:off x="1546331" y="3064444"/>
+            <a:ext cx="1532462" cy="307777"/>
           </a:xfrm>
           <a:prstGeom prst="rect">
             <a:avLst/>
           </a:prstGeom>
-        </p:spPr>
-      </p:pic>
-      <p:pic>
-        <p:nvPicPr>
-          <p:cNvPr id="24" name="Picture 23"/>
-          <p:cNvPicPr>
-            <a:picLocks noChangeAspect="1"/>
-          </p:cNvPicPr>
-          <p:nvPr/>
-        </p:nvPicPr>
-        <p:blipFill>
-          <a:blip r:embed="rId3" cstate="hqprint">
-            <a:extLst>
-              <a:ext uri="{28A0092B-C50C-407E-A947-70E740481C1C}">
-                <a14:useLocalDpi xmlns:a14="http://schemas.microsoft.com/office/drawing/2010/main" val="0"/>
-              </a:ext>
-            </a:extLst>
-          </a:blip>
-          <a:stretch>
-            <a:fillRect/>
-          </a:stretch>
-        </p:blipFill>
-        <p:spPr>
-          <a:xfrm>
-            <a:off x="9882312" y="4197927"/>
-            <a:ext cx="1391006" cy="1391006"/>
+          <a:noFill/>
+        </p:spPr>
+        <p:txBody>
+          <a:bodyPr wrap="square" rtlCol="0">
+            <a:spAutoFit/>
+          </a:bodyPr>
+          <a:lstStyle/>
+          <a:p>
+            <a:pPr algn="ctr"/>
+            <a:r>
+              <a:rPr lang="en-PH" sz="1400" dirty="0"/>
+              <a:t>Private key</a:t>
+            </a:r>
+          </a:p>
+        </p:txBody>
+      </p:sp>
+      <p:sp>
+        <p:nvSpPr>
+          <p:cNvPr id="61" name="TextBox 60"/>
+          <p:cNvSpPr txBox="1"/>
+          <p:nvPr/>
+        </p:nvSpPr>
+        <p:spPr>
+          <a:xfrm>
+            <a:off x="5477158" y="4685414"/>
+            <a:ext cx="1103760" cy="523220"/>
           </a:xfrm>
           <a:prstGeom prst="rect">
             <a:avLst/>
           </a:prstGeom>
-        </p:spPr>
-      </p:pic>
+          <a:noFill/>
+        </p:spPr>
+        <p:txBody>
+          <a:bodyPr wrap="square" rtlCol="0">
+            <a:spAutoFit/>
+          </a:bodyPr>
+          <a:lstStyle/>
+          <a:p>
+            <a:pPr algn="ctr"/>
+            <a:r>
+              <a:rPr lang="en-PH" sz="1400" dirty="0"/>
+              <a:t>Generated key</a:t>
+            </a:r>
+          </a:p>
+        </p:txBody>
+      </p:sp>
+      <p:sp>
+        <p:nvSpPr>
+          <p:cNvPr id="62" name="TextBox 61"/>
+          <p:cNvSpPr txBox="1"/>
+          <p:nvPr/>
+        </p:nvSpPr>
+        <p:spPr>
+          <a:xfrm>
+            <a:off x="7487826" y="4411346"/>
+            <a:ext cx="1377632" cy="307777"/>
+          </a:xfrm>
+          <a:prstGeom prst="rect">
+            <a:avLst/>
+          </a:prstGeom>
+          <a:noFill/>
+        </p:spPr>
+        <p:txBody>
+          <a:bodyPr wrap="square" rtlCol="0">
+            <a:spAutoFit/>
+          </a:bodyPr>
+          <a:lstStyle/>
+          <a:p>
+            <a:pPr algn="ctr"/>
+            <a:r>
+              <a:rPr lang="en-PH" sz="1400" dirty="0"/>
+              <a:t>Encrypted ERs</a:t>
+            </a:r>
+          </a:p>
+        </p:txBody>
+      </p:sp>
     </p:spTree>
     <p:extLst>
       <p:ext uri="{BB962C8B-B14F-4D97-AF65-F5344CB8AC3E}">
-        <p14:creationId xmlns:p14="http://schemas.microsoft.com/office/powerpoint/2010/main" val="3928705800"/>
+        <p14:creationId xmlns:p14="http://schemas.microsoft.com/office/powerpoint/2010/main" val="1275207489"/>
       </p:ext>
     </p:extLst>
   </p:cSld>
@@ -22344,6 +22641,407 @@
           <a:p>
             <a:r>
               <a:rPr lang="en-PH" dirty="0"/>
+              <a:t>Timing Diagram</a:t>
+            </a:r>
+          </a:p>
+        </p:txBody>
+      </p:sp>
+      <p:sp>
+        <p:nvSpPr>
+          <p:cNvPr id="6" name="Hexagon 5"/>
+          <p:cNvSpPr/>
+          <p:nvPr/>
+        </p:nvSpPr>
+        <p:spPr>
+          <a:xfrm>
+            <a:off x="1736358" y="2561356"/>
+            <a:ext cx="1806750" cy="443753"/>
+          </a:xfrm>
+          <a:prstGeom prst="hexagon">
+            <a:avLst/>
+          </a:prstGeom>
+          <a:solidFill>
+            <a:schemeClr val="tx2">
+              <a:lumMod val="60000"/>
+              <a:lumOff val="40000"/>
+            </a:schemeClr>
+          </a:solidFill>
+          <a:ln>
+            <a:noFill/>
+          </a:ln>
+        </p:spPr>
+        <p:style>
+          <a:lnRef idx="2">
+            <a:schemeClr val="accent1">
+              <a:shade val="50000"/>
+            </a:schemeClr>
+          </a:lnRef>
+          <a:fillRef idx="1">
+            <a:schemeClr val="accent1"/>
+          </a:fillRef>
+          <a:effectRef idx="0">
+            <a:schemeClr val="accent1"/>
+          </a:effectRef>
+          <a:fontRef idx="minor">
+            <a:schemeClr val="lt1"/>
+          </a:fontRef>
+        </p:style>
+        <p:txBody>
+          <a:bodyPr rtlCol="0" anchor="ctr"/>
+          <a:lstStyle/>
+          <a:p>
+            <a:pPr algn="ctr"/>
+            <a:r>
+              <a:rPr lang="en-PH" sz="1400" dirty="0"/>
+              <a:t>Encrypt data</a:t>
+            </a:r>
+          </a:p>
+        </p:txBody>
+      </p:sp>
+      <p:sp>
+        <p:nvSpPr>
+          <p:cNvPr id="7" name="Hexagon 6"/>
+          <p:cNvSpPr/>
+          <p:nvPr/>
+        </p:nvSpPr>
+        <p:spPr>
+          <a:xfrm>
+            <a:off x="3522395" y="2561292"/>
+            <a:ext cx="1806750" cy="443753"/>
+          </a:xfrm>
+          <a:prstGeom prst="hexagon">
+            <a:avLst/>
+          </a:prstGeom>
+          <a:solidFill>
+            <a:schemeClr val="tx2">
+              <a:lumMod val="60000"/>
+              <a:lumOff val="40000"/>
+            </a:schemeClr>
+          </a:solidFill>
+          <a:ln>
+            <a:noFill/>
+          </a:ln>
+        </p:spPr>
+        <p:style>
+          <a:lnRef idx="2">
+            <a:schemeClr val="accent1">
+              <a:shade val="50000"/>
+            </a:schemeClr>
+          </a:lnRef>
+          <a:fillRef idx="1">
+            <a:schemeClr val="accent1"/>
+          </a:fillRef>
+          <a:effectRef idx="0">
+            <a:schemeClr val="accent1"/>
+          </a:effectRef>
+          <a:fontRef idx="minor">
+            <a:schemeClr val="lt1"/>
+          </a:fontRef>
+        </p:style>
+        <p:txBody>
+          <a:bodyPr rtlCol="0" anchor="ctr"/>
+          <a:lstStyle/>
+          <a:p>
+            <a:pPr algn="ctr"/>
+            <a:r>
+              <a:rPr lang="en-PH" sz="1400" dirty="0"/>
+              <a:t>Decrypt data</a:t>
+            </a:r>
+          </a:p>
+        </p:txBody>
+      </p:sp>
+      <p:sp>
+        <p:nvSpPr>
+          <p:cNvPr id="8" name="Hexagon 7"/>
+          <p:cNvSpPr/>
+          <p:nvPr/>
+        </p:nvSpPr>
+        <p:spPr>
+          <a:xfrm>
+            <a:off x="5308432" y="2553335"/>
+            <a:ext cx="1806750" cy="443753"/>
+          </a:xfrm>
+          <a:prstGeom prst="hexagon">
+            <a:avLst/>
+          </a:prstGeom>
+          <a:solidFill>
+            <a:schemeClr val="tx2">
+              <a:lumMod val="60000"/>
+              <a:lumOff val="40000"/>
+            </a:schemeClr>
+          </a:solidFill>
+          <a:ln>
+            <a:noFill/>
+          </a:ln>
+        </p:spPr>
+        <p:style>
+          <a:lnRef idx="2">
+            <a:schemeClr val="accent1">
+              <a:shade val="50000"/>
+            </a:schemeClr>
+          </a:lnRef>
+          <a:fillRef idx="1">
+            <a:schemeClr val="accent1"/>
+          </a:fillRef>
+          <a:effectRef idx="0">
+            <a:schemeClr val="accent1"/>
+          </a:effectRef>
+          <a:fontRef idx="minor">
+            <a:schemeClr val="lt1"/>
+          </a:fontRef>
+        </p:style>
+        <p:txBody>
+          <a:bodyPr rtlCol="0" anchor="ctr"/>
+          <a:lstStyle/>
+          <a:p>
+            <a:pPr algn="ctr"/>
+            <a:r>
+              <a:rPr lang="en-PH" sz="1400" dirty="0"/>
+              <a:t>Create key exchange</a:t>
+            </a:r>
+          </a:p>
+        </p:txBody>
+      </p:sp>
+      <p:sp>
+        <p:nvSpPr>
+          <p:cNvPr id="9" name="Hexagon 8"/>
+          <p:cNvSpPr/>
+          <p:nvPr/>
+        </p:nvSpPr>
+        <p:spPr>
+          <a:xfrm>
+            <a:off x="7115182" y="2569183"/>
+            <a:ext cx="1806750" cy="443753"/>
+          </a:xfrm>
+          <a:prstGeom prst="hexagon">
+            <a:avLst/>
+          </a:prstGeom>
+          <a:solidFill>
+            <a:schemeClr val="tx2">
+              <a:lumMod val="60000"/>
+              <a:lumOff val="40000"/>
+            </a:schemeClr>
+          </a:solidFill>
+          <a:ln>
+            <a:noFill/>
+          </a:ln>
+        </p:spPr>
+        <p:style>
+          <a:lnRef idx="2">
+            <a:schemeClr val="accent1">
+              <a:shade val="50000"/>
+            </a:schemeClr>
+          </a:lnRef>
+          <a:fillRef idx="1">
+            <a:schemeClr val="accent1"/>
+          </a:fillRef>
+          <a:effectRef idx="0">
+            <a:schemeClr val="accent1"/>
+          </a:effectRef>
+          <a:fontRef idx="minor">
+            <a:schemeClr val="lt1"/>
+          </a:fontRef>
+        </p:style>
+        <p:txBody>
+          <a:bodyPr rtlCol="0" anchor="ctr"/>
+          <a:lstStyle/>
+          <a:p>
+            <a:pPr algn="ctr"/>
+            <a:r>
+              <a:rPr lang="en-PH" sz="1400" dirty="0"/>
+              <a:t>Send encrypted ERs</a:t>
+            </a:r>
+          </a:p>
+        </p:txBody>
+      </p:sp>
+      <p:sp>
+        <p:nvSpPr>
+          <p:cNvPr id="10" name="Hexagon 9"/>
+          <p:cNvSpPr/>
+          <p:nvPr/>
+        </p:nvSpPr>
+        <p:spPr>
+          <a:xfrm>
+            <a:off x="8921932" y="2577204"/>
+            <a:ext cx="1806750" cy="443753"/>
+          </a:xfrm>
+          <a:prstGeom prst="hexagon">
+            <a:avLst/>
+          </a:prstGeom>
+          <a:solidFill>
+            <a:schemeClr val="tx2">
+              <a:lumMod val="60000"/>
+              <a:lumOff val="40000"/>
+            </a:schemeClr>
+          </a:solidFill>
+          <a:ln>
+            <a:noFill/>
+          </a:ln>
+        </p:spPr>
+        <p:style>
+          <a:lnRef idx="2">
+            <a:schemeClr val="accent1">
+              <a:shade val="50000"/>
+            </a:schemeClr>
+          </a:lnRef>
+          <a:fillRef idx="1">
+            <a:schemeClr val="accent1"/>
+          </a:fillRef>
+          <a:effectRef idx="0">
+            <a:schemeClr val="accent1"/>
+          </a:effectRef>
+          <a:fontRef idx="minor">
+            <a:schemeClr val="lt1"/>
+          </a:fontRef>
+        </p:style>
+        <p:txBody>
+          <a:bodyPr rtlCol="0" anchor="ctr"/>
+          <a:lstStyle/>
+          <a:p>
+            <a:pPr algn="ctr"/>
+            <a:r>
+              <a:rPr lang="en-PH" sz="1400" dirty="0"/>
+              <a:t>Verify hash value</a:t>
+            </a:r>
+          </a:p>
+        </p:txBody>
+      </p:sp>
+      <p:sp>
+        <p:nvSpPr>
+          <p:cNvPr id="14" name="TextBox 13"/>
+          <p:cNvSpPr txBox="1"/>
+          <p:nvPr/>
+        </p:nvSpPr>
+        <p:spPr>
+          <a:xfrm>
+            <a:off x="1608909" y="3020957"/>
+            <a:ext cx="9235440" cy="369332"/>
+          </a:xfrm>
+          <a:prstGeom prst="rect">
+            <a:avLst/>
+          </a:prstGeom>
+          <a:noFill/>
+        </p:spPr>
+        <p:txBody>
+          <a:bodyPr wrap="square" rtlCol="0">
+            <a:spAutoFit/>
+          </a:bodyPr>
+          <a:lstStyle/>
+          <a:p>
+            <a:r>
+              <a:rPr lang="en-PH" dirty="0"/>
+              <a:t>|--------30s--------|-----------30s------------|----------30s----------|----------30s----------|---------30s---------|</a:t>
+            </a:r>
+          </a:p>
+        </p:txBody>
+      </p:sp>
+      <p:pic>
+        <p:nvPicPr>
+          <p:cNvPr id="23" name="Picture 22"/>
+          <p:cNvPicPr>
+            <a:picLocks noChangeAspect="1"/>
+          </p:cNvPicPr>
+          <p:nvPr/>
+        </p:nvPicPr>
+        <p:blipFill>
+          <a:blip r:embed="rId2">
+            <a:extLst>
+              <a:ext uri="{28A0092B-C50C-407E-A947-70E740481C1C}">
+                <a14:useLocalDpi xmlns:a14="http://schemas.microsoft.com/office/drawing/2010/main" val="0"/>
+              </a:ext>
+            </a:extLst>
+          </a:blip>
+          <a:stretch>
+            <a:fillRect/>
+          </a:stretch>
+        </p:blipFill>
+        <p:spPr>
+          <a:xfrm>
+            <a:off x="10343804" y="4696690"/>
+            <a:ext cx="2435221" cy="2435221"/>
+          </a:xfrm>
+          <a:prstGeom prst="rect">
+            <a:avLst/>
+          </a:prstGeom>
+        </p:spPr>
+      </p:pic>
+      <p:pic>
+        <p:nvPicPr>
+          <p:cNvPr id="24" name="Picture 23"/>
+          <p:cNvPicPr>
+            <a:picLocks noChangeAspect="1"/>
+          </p:cNvPicPr>
+          <p:nvPr/>
+        </p:nvPicPr>
+        <p:blipFill>
+          <a:blip r:embed="rId3" cstate="hqprint">
+            <a:extLst>
+              <a:ext uri="{28A0092B-C50C-407E-A947-70E740481C1C}">
+                <a14:useLocalDpi xmlns:a14="http://schemas.microsoft.com/office/drawing/2010/main" val="0"/>
+              </a:ext>
+            </a:extLst>
+          </a:blip>
+          <a:stretch>
+            <a:fillRect/>
+          </a:stretch>
+        </p:blipFill>
+        <p:spPr>
+          <a:xfrm>
+            <a:off x="9882312" y="4197927"/>
+            <a:ext cx="1391006" cy="1391006"/>
+          </a:xfrm>
+          <a:prstGeom prst="rect">
+            <a:avLst/>
+          </a:prstGeom>
+        </p:spPr>
+      </p:pic>
+    </p:spTree>
+    <p:extLst>
+      <p:ext uri="{BB962C8B-B14F-4D97-AF65-F5344CB8AC3E}">
+        <p14:creationId xmlns:p14="http://schemas.microsoft.com/office/powerpoint/2010/main" val="3928705800"/>
+      </p:ext>
+    </p:extLst>
+  </p:cSld>
+  <p:clrMapOvr>
+    <a:masterClrMapping/>
+  </p:clrMapOvr>
+</p:sld>
+</file>
+
+<file path=ppt/slides/slide33.xml><?xml version="1.0" encoding="utf-8"?>
+<p:sld xmlns:a="http://schemas.openxmlformats.org/drawingml/2006/main" xmlns:r="http://schemas.openxmlformats.org/officeDocument/2006/relationships" xmlns:p="http://schemas.openxmlformats.org/presentationml/2006/main">
+  <p:cSld>
+    <p:spTree>
+      <p:nvGrpSpPr>
+        <p:cNvPr id="1" name=""/>
+        <p:cNvGrpSpPr/>
+        <p:nvPr/>
+      </p:nvGrpSpPr>
+      <p:grpSpPr>
+        <a:xfrm>
+          <a:off x="0" y="0"/>
+          <a:ext cx="0" cy="0"/>
+          <a:chOff x="0" y="0"/>
+          <a:chExt cx="0" cy="0"/>
+        </a:xfrm>
+      </p:grpSpPr>
+      <p:sp>
+        <p:nvSpPr>
+          <p:cNvPr id="2" name="Title 1"/>
+          <p:cNvSpPr>
+            <a:spLocks noGrp="1"/>
+          </p:cNvSpPr>
+          <p:nvPr>
+            <p:ph type="title"/>
+          </p:nvPr>
+        </p:nvSpPr>
+        <p:spPr/>
+        <p:txBody>
+          <a:bodyPr/>
+          <a:lstStyle/>
+          <a:p>
+            <a:r>
+              <a:rPr lang="en-PH" dirty="0"/>
               <a:t>Interaction Overview Diagram</a:t>
             </a:r>
           </a:p>
@@ -22596,7 +23294,7 @@
 </p:sld>
 </file>
 
-<file path=ppt/slides/slide33.xml><?xml version="1.0" encoding="utf-8"?>
+<file path=ppt/slides/slide34.xml><?xml version="1.0" encoding="utf-8"?>
 <p:sld xmlns:a="http://schemas.openxmlformats.org/drawingml/2006/main" xmlns:r="http://schemas.openxmlformats.org/officeDocument/2006/relationships" xmlns:p="http://schemas.openxmlformats.org/presentationml/2006/main">
   <p:cSld>
     <p:spTree>
@@ -23291,7 +23989,7 @@
 </p:sld>
 </file>
 
-<file path=ppt/slides/slide34.xml><?xml version="1.0" encoding="utf-8"?>
+<file path=ppt/slides/slide35.xml><?xml version="1.0" encoding="utf-8"?>
 <p:sld xmlns:a="http://schemas.openxmlformats.org/drawingml/2006/main" xmlns:r="http://schemas.openxmlformats.org/officeDocument/2006/relationships" xmlns:p="http://schemas.openxmlformats.org/presentationml/2006/main" show="0">
   <p:cSld>
     <p:spTree>
@@ -23372,7 +24070,7 @@
 </p:sld>
 </file>
 
-<file path=ppt/slides/slide35.xml><?xml version="1.0" encoding="utf-8"?>
+<file path=ppt/slides/slide36.xml><?xml version="1.0" encoding="utf-8"?>
 <p:sld xmlns:a="http://schemas.openxmlformats.org/drawingml/2006/main" xmlns:r="http://schemas.openxmlformats.org/officeDocument/2006/relationships" xmlns:p="http://schemas.openxmlformats.org/presentationml/2006/main" show="0">
   <p:cSld>
     <p:spTree>
@@ -23453,7 +24151,7 @@
 </p:sld>
 </file>
 
-<file path=ppt/slides/slide36.xml><?xml version="1.0" encoding="utf-8"?>
+<file path=ppt/slides/slide37.xml><?xml version="1.0" encoding="utf-8"?>
 <p:sld xmlns:a="http://schemas.openxmlformats.org/drawingml/2006/main" xmlns:r="http://schemas.openxmlformats.org/officeDocument/2006/relationships" xmlns:p="http://schemas.openxmlformats.org/presentationml/2006/main" show="0">
   <p:cSld>
     <p:spTree>

--- a/Documentation/Finals_Sysadd1.pptx
+++ b/Documentation/Finals_Sysadd1.pptx
@@ -5,46 +5,48 @@
     <p:sldMasterId id="2147483648" r:id="rId1"/>
   </p:sldMasterIdLst>
   <p:notesMasterIdLst>
-    <p:notesMasterId r:id="rId39"/>
+    <p:notesMasterId r:id="rId41"/>
   </p:notesMasterIdLst>
   <p:sldIdLst>
     <p:sldId id="256" r:id="rId2"/>
     <p:sldId id="334" r:id="rId3"/>
-    <p:sldId id="335" r:id="rId4"/>
-    <p:sldId id="257" r:id="rId5"/>
-    <p:sldId id="317" r:id="rId6"/>
-    <p:sldId id="258" r:id="rId7"/>
-    <p:sldId id="259" r:id="rId8"/>
-    <p:sldId id="260" r:id="rId9"/>
-    <p:sldId id="261" r:id="rId10"/>
-    <p:sldId id="316" r:id="rId11"/>
-    <p:sldId id="345" r:id="rId12"/>
-    <p:sldId id="346" r:id="rId13"/>
-    <p:sldId id="315" r:id="rId14"/>
-    <p:sldId id="318" r:id="rId15"/>
-    <p:sldId id="309" r:id="rId16"/>
-    <p:sldId id="319" r:id="rId17"/>
-    <p:sldId id="324" r:id="rId18"/>
-    <p:sldId id="323" r:id="rId19"/>
-    <p:sldId id="347" r:id="rId20"/>
-    <p:sldId id="328" r:id="rId21"/>
-    <p:sldId id="332" r:id="rId22"/>
-    <p:sldId id="329" r:id="rId23"/>
-    <p:sldId id="330" r:id="rId24"/>
-    <p:sldId id="331" r:id="rId25"/>
-    <p:sldId id="333" r:id="rId26"/>
-    <p:sldId id="336" r:id="rId27"/>
-    <p:sldId id="337" r:id="rId28"/>
-    <p:sldId id="338" r:id="rId29"/>
-    <p:sldId id="339" r:id="rId30"/>
-    <p:sldId id="340" r:id="rId31"/>
-    <p:sldId id="341" r:id="rId32"/>
-    <p:sldId id="342" r:id="rId33"/>
-    <p:sldId id="343" r:id="rId34"/>
-    <p:sldId id="344" r:id="rId35"/>
-    <p:sldId id="305" r:id="rId36"/>
-    <p:sldId id="306" r:id="rId37"/>
-    <p:sldId id="307" r:id="rId38"/>
+    <p:sldId id="348" r:id="rId4"/>
+    <p:sldId id="349" r:id="rId5"/>
+    <p:sldId id="257" r:id="rId6"/>
+    <p:sldId id="317" r:id="rId7"/>
+    <p:sldId id="258" r:id="rId8"/>
+    <p:sldId id="259" r:id="rId9"/>
+    <p:sldId id="260" r:id="rId10"/>
+    <p:sldId id="261" r:id="rId11"/>
+    <p:sldId id="316" r:id="rId12"/>
+    <p:sldId id="345" r:id="rId13"/>
+    <p:sldId id="346" r:id="rId14"/>
+    <p:sldId id="350" r:id="rId15"/>
+    <p:sldId id="315" r:id="rId16"/>
+    <p:sldId id="318" r:id="rId17"/>
+    <p:sldId id="309" r:id="rId18"/>
+    <p:sldId id="319" r:id="rId19"/>
+    <p:sldId id="324" r:id="rId20"/>
+    <p:sldId id="323" r:id="rId21"/>
+    <p:sldId id="347" r:id="rId22"/>
+    <p:sldId id="328" r:id="rId23"/>
+    <p:sldId id="332" r:id="rId24"/>
+    <p:sldId id="329" r:id="rId25"/>
+    <p:sldId id="330" r:id="rId26"/>
+    <p:sldId id="331" r:id="rId27"/>
+    <p:sldId id="333" r:id="rId28"/>
+    <p:sldId id="336" r:id="rId29"/>
+    <p:sldId id="337" r:id="rId30"/>
+    <p:sldId id="338" r:id="rId31"/>
+    <p:sldId id="339" r:id="rId32"/>
+    <p:sldId id="340" r:id="rId33"/>
+    <p:sldId id="341" r:id="rId34"/>
+    <p:sldId id="342" r:id="rId35"/>
+    <p:sldId id="343" r:id="rId36"/>
+    <p:sldId id="344" r:id="rId37"/>
+    <p:sldId id="305" r:id="rId38"/>
+    <p:sldId id="306" r:id="rId39"/>
+    <p:sldId id="307" r:id="rId40"/>
   </p:sldIdLst>
   <p:sldSz cx="12192000" cy="6858000"/>
   <p:notesSz cx="6858000" cy="9144000"/>
@@ -666,7 +668,7 @@
     </p:spTree>
     <p:extLst>
       <p:ext uri="{BB962C8B-B14F-4D97-AF65-F5344CB8AC3E}">
-        <p14:creationId xmlns:p14="http://schemas.microsoft.com/office/powerpoint/2010/main" val="2742079722"/>
+        <p14:creationId xmlns:p14="http://schemas.microsoft.com/office/powerpoint/2010/main" val="1147813241"/>
       </p:ext>
     </p:extLst>
   </p:cSld>
@@ -754,7 +756,7 @@
     </p:spTree>
     <p:extLst>
       <p:ext uri="{BB962C8B-B14F-4D97-AF65-F5344CB8AC3E}">
-        <p14:creationId xmlns:p14="http://schemas.microsoft.com/office/powerpoint/2010/main" val="3298668732"/>
+        <p14:creationId xmlns:p14="http://schemas.microsoft.com/office/powerpoint/2010/main" val="2742079722"/>
       </p:ext>
     </p:extLst>
   </p:cSld>
@@ -809,9 +811,10 @@
           <a:lstStyle/>
           <a:p>
             <a:r>
-              <a:rPr lang="en-PH" dirty="0"/>
-              <a:t>Maj</a:t>
-            </a:r>
+              <a:rPr lang="en-PH" dirty="0" err="1"/>
+              <a:t>Mikha</a:t>
+            </a:r>
+            <a:endParaRPr lang="en-PH" dirty="0"/>
           </a:p>
         </p:txBody>
       </p:sp>
@@ -841,7 +844,7 @@
     </p:spTree>
     <p:extLst>
       <p:ext uri="{BB962C8B-B14F-4D97-AF65-F5344CB8AC3E}">
-        <p14:creationId xmlns:p14="http://schemas.microsoft.com/office/powerpoint/2010/main" val="4142822703"/>
+        <p14:creationId xmlns:p14="http://schemas.microsoft.com/office/powerpoint/2010/main" val="3298668732"/>
       </p:ext>
     </p:extLst>
   </p:cSld>
@@ -897,7 +900,7 @@
           <a:p>
             <a:r>
               <a:rPr lang="en-PH" dirty="0"/>
-              <a:t>Maj</a:t>
+              <a:t>Joanna</a:t>
             </a:r>
           </a:p>
         </p:txBody>
@@ -928,7 +931,7 @@
     </p:spTree>
     <p:extLst>
       <p:ext uri="{BB962C8B-B14F-4D97-AF65-F5344CB8AC3E}">
-        <p14:creationId xmlns:p14="http://schemas.microsoft.com/office/powerpoint/2010/main" val="3238782515"/>
+        <p14:creationId xmlns:p14="http://schemas.microsoft.com/office/powerpoint/2010/main" val="4012394603"/>
       </p:ext>
     </p:extLst>
   </p:cSld>
@@ -984,7 +987,7 @@
           <a:p>
             <a:r>
               <a:rPr lang="en-PH" dirty="0"/>
-              <a:t>Joanna</a:t>
+              <a:t>Maj</a:t>
             </a:r>
           </a:p>
         </p:txBody>
@@ -1015,7 +1018,7 @@
     </p:spTree>
     <p:extLst>
       <p:ext uri="{BB962C8B-B14F-4D97-AF65-F5344CB8AC3E}">
-        <p14:creationId xmlns:p14="http://schemas.microsoft.com/office/powerpoint/2010/main" val="4254574594"/>
+        <p14:creationId xmlns:p14="http://schemas.microsoft.com/office/powerpoint/2010/main" val="4142822703"/>
       </p:ext>
     </p:extLst>
   </p:cSld>
@@ -1071,7 +1074,7 @@
           <a:p>
             <a:r>
               <a:rPr lang="en-PH" dirty="0"/>
-              <a:t>Joanna</a:t>
+              <a:t>Maj</a:t>
             </a:r>
           </a:p>
         </p:txBody>
@@ -1102,7 +1105,7 @@
     </p:spTree>
     <p:extLst>
       <p:ext uri="{BB962C8B-B14F-4D97-AF65-F5344CB8AC3E}">
-        <p14:creationId xmlns:p14="http://schemas.microsoft.com/office/powerpoint/2010/main" val="533209247"/>
+        <p14:creationId xmlns:p14="http://schemas.microsoft.com/office/powerpoint/2010/main" val="3238782515"/>
       </p:ext>
     </p:extLst>
   </p:cSld>
@@ -1158,7 +1161,7 @@
           <a:p>
             <a:r>
               <a:rPr lang="en-PH" dirty="0"/>
-              <a:t>Maj</a:t>
+              <a:t>Joanna</a:t>
             </a:r>
           </a:p>
         </p:txBody>
@@ -1189,7 +1192,7 @@
     </p:spTree>
     <p:extLst>
       <p:ext uri="{BB962C8B-B14F-4D97-AF65-F5344CB8AC3E}">
-        <p14:creationId xmlns:p14="http://schemas.microsoft.com/office/powerpoint/2010/main" val="2959679728"/>
+        <p14:creationId xmlns:p14="http://schemas.microsoft.com/office/powerpoint/2010/main" val="4254574594"/>
       </p:ext>
     </p:extLst>
   </p:cSld>
@@ -1244,10 +1247,9 @@
           <a:lstStyle/>
           <a:p>
             <a:r>
-              <a:rPr lang="en-PH" dirty="0" err="1"/>
-              <a:t>Mikha</a:t>
-            </a:r>
-            <a:endParaRPr lang="en-PH" dirty="0"/>
+              <a:rPr lang="en-PH" dirty="0"/>
+              <a:t>Joanna</a:t>
+            </a:r>
           </a:p>
         </p:txBody>
       </p:sp>
@@ -1277,7 +1279,7 @@
     </p:spTree>
     <p:extLst>
       <p:ext uri="{BB962C8B-B14F-4D97-AF65-F5344CB8AC3E}">
-        <p14:creationId xmlns:p14="http://schemas.microsoft.com/office/powerpoint/2010/main" val="3750333623"/>
+        <p14:creationId xmlns:p14="http://schemas.microsoft.com/office/powerpoint/2010/main" val="533209247"/>
       </p:ext>
     </p:extLst>
   </p:cSld>
@@ -1364,7 +1366,7 @@
     </p:spTree>
     <p:extLst>
       <p:ext uri="{BB962C8B-B14F-4D97-AF65-F5344CB8AC3E}">
-        <p14:creationId xmlns:p14="http://schemas.microsoft.com/office/powerpoint/2010/main" val="3834291173"/>
+        <p14:creationId xmlns:p14="http://schemas.microsoft.com/office/powerpoint/2010/main" val="2959679728"/>
       </p:ext>
     </p:extLst>
   </p:cSld>
@@ -1419,9 +1421,10 @@
           <a:lstStyle/>
           <a:p>
             <a:r>
-              <a:rPr lang="en-PH" dirty="0"/>
-              <a:t>Maj</a:t>
-            </a:r>
+              <a:rPr lang="en-PH" dirty="0" err="1"/>
+              <a:t>Mikha</a:t>
+            </a:r>
+            <a:endParaRPr lang="en-PH" dirty="0"/>
           </a:p>
         </p:txBody>
       </p:sp>
@@ -1451,7 +1454,7 @@
     </p:spTree>
     <p:extLst>
       <p:ext uri="{BB962C8B-B14F-4D97-AF65-F5344CB8AC3E}">
-        <p14:creationId xmlns:p14="http://schemas.microsoft.com/office/powerpoint/2010/main" val="1549380938"/>
+        <p14:creationId xmlns:p14="http://schemas.microsoft.com/office/powerpoint/2010/main" val="3750333623"/>
       </p:ext>
     </p:extLst>
   </p:cSld>
@@ -1538,7 +1541,7 @@
     </p:spTree>
     <p:extLst>
       <p:ext uri="{BB962C8B-B14F-4D97-AF65-F5344CB8AC3E}">
-        <p14:creationId xmlns:p14="http://schemas.microsoft.com/office/powerpoint/2010/main" val="3831648606"/>
+        <p14:creationId xmlns:p14="http://schemas.microsoft.com/office/powerpoint/2010/main" val="275895589"/>
       </p:ext>
     </p:extLst>
   </p:cSld>
@@ -1625,7 +1628,7 @@
     </p:spTree>
     <p:extLst>
       <p:ext uri="{BB962C8B-B14F-4D97-AF65-F5344CB8AC3E}">
-        <p14:creationId xmlns:p14="http://schemas.microsoft.com/office/powerpoint/2010/main" val="668485282"/>
+        <p14:creationId xmlns:p14="http://schemas.microsoft.com/office/powerpoint/2010/main" val="3834291173"/>
       </p:ext>
     </p:extLst>
   </p:cSld>
@@ -1712,7 +1715,7 @@
     </p:spTree>
     <p:extLst>
       <p:ext uri="{BB962C8B-B14F-4D97-AF65-F5344CB8AC3E}">
-        <p14:creationId xmlns:p14="http://schemas.microsoft.com/office/powerpoint/2010/main" val="132444961"/>
+        <p14:creationId xmlns:p14="http://schemas.microsoft.com/office/powerpoint/2010/main" val="1549380938"/>
       </p:ext>
     </p:extLst>
   </p:cSld>
@@ -1799,7 +1802,7 @@
     </p:spTree>
     <p:extLst>
       <p:ext uri="{BB962C8B-B14F-4D97-AF65-F5344CB8AC3E}">
-        <p14:creationId xmlns:p14="http://schemas.microsoft.com/office/powerpoint/2010/main" val="3605014372"/>
+        <p14:creationId xmlns:p14="http://schemas.microsoft.com/office/powerpoint/2010/main" val="668485282"/>
       </p:ext>
     </p:extLst>
   </p:cSld>
@@ -1886,7 +1889,7 @@
     </p:spTree>
     <p:extLst>
       <p:ext uri="{BB962C8B-B14F-4D97-AF65-F5344CB8AC3E}">
-        <p14:creationId xmlns:p14="http://schemas.microsoft.com/office/powerpoint/2010/main" val="4280139934"/>
+        <p14:creationId xmlns:p14="http://schemas.microsoft.com/office/powerpoint/2010/main" val="132444961"/>
       </p:ext>
     </p:extLst>
   </p:cSld>
@@ -1965,6 +1968,180 @@
             <a:fld id="{86FFBDB5-9589-48C5-8577-C15F048505D7}" type="slidenum">
               <a:rPr lang="en-PH" smtClean="0"/>
               <a:t>25</a:t>
+            </a:fld>
+            <a:endParaRPr lang="en-PH"/>
+          </a:p>
+        </p:txBody>
+      </p:sp>
+    </p:spTree>
+    <p:extLst>
+      <p:ext uri="{BB962C8B-B14F-4D97-AF65-F5344CB8AC3E}">
+        <p14:creationId xmlns:p14="http://schemas.microsoft.com/office/powerpoint/2010/main" val="3605014372"/>
+      </p:ext>
+    </p:extLst>
+  </p:cSld>
+  <p:clrMapOvr>
+    <a:masterClrMapping/>
+  </p:clrMapOvr>
+</p:notes>
+</file>
+
+<file path=ppt/notesSlides/notesSlide25.xml><?xml version="1.0" encoding="utf-8"?>
+<p:notes xmlns:a="http://schemas.openxmlformats.org/drawingml/2006/main" xmlns:r="http://schemas.openxmlformats.org/officeDocument/2006/relationships" xmlns:p="http://schemas.openxmlformats.org/presentationml/2006/main">
+  <p:cSld>
+    <p:spTree>
+      <p:nvGrpSpPr>
+        <p:cNvPr id="1" name=""/>
+        <p:cNvGrpSpPr/>
+        <p:nvPr/>
+      </p:nvGrpSpPr>
+      <p:grpSpPr>
+        <a:xfrm>
+          <a:off x="0" y="0"/>
+          <a:ext cx="0" cy="0"/>
+          <a:chOff x="0" y="0"/>
+          <a:chExt cx="0" cy="0"/>
+        </a:xfrm>
+      </p:grpSpPr>
+      <p:sp>
+        <p:nvSpPr>
+          <p:cNvPr id="2" name="Slide Image Placeholder 1"/>
+          <p:cNvSpPr>
+            <a:spLocks noGrp="1" noRot="1" noChangeAspect="1"/>
+          </p:cNvSpPr>
+          <p:nvPr>
+            <p:ph type="sldImg"/>
+          </p:nvPr>
+        </p:nvSpPr>
+        <p:spPr/>
+      </p:sp>
+      <p:sp>
+        <p:nvSpPr>
+          <p:cNvPr id="3" name="Notes Placeholder 2"/>
+          <p:cNvSpPr>
+            <a:spLocks noGrp="1"/>
+          </p:cNvSpPr>
+          <p:nvPr>
+            <p:ph type="body" idx="1"/>
+          </p:nvPr>
+        </p:nvSpPr>
+        <p:spPr/>
+        <p:txBody>
+          <a:bodyPr/>
+          <a:lstStyle/>
+          <a:p>
+            <a:r>
+              <a:rPr lang="en-PH" dirty="0"/>
+              <a:t>Maj</a:t>
+            </a:r>
+          </a:p>
+        </p:txBody>
+      </p:sp>
+      <p:sp>
+        <p:nvSpPr>
+          <p:cNvPr id="4" name="Slide Number Placeholder 3"/>
+          <p:cNvSpPr>
+            <a:spLocks noGrp="1"/>
+          </p:cNvSpPr>
+          <p:nvPr>
+            <p:ph type="sldNum" sz="quarter" idx="10"/>
+          </p:nvPr>
+        </p:nvSpPr>
+        <p:spPr/>
+        <p:txBody>
+          <a:bodyPr/>
+          <a:lstStyle/>
+          <a:p>
+            <a:fld id="{86FFBDB5-9589-48C5-8577-C15F048505D7}" type="slidenum">
+              <a:rPr lang="en-PH" smtClean="0"/>
+              <a:t>26</a:t>
+            </a:fld>
+            <a:endParaRPr lang="en-PH"/>
+          </a:p>
+        </p:txBody>
+      </p:sp>
+    </p:spTree>
+    <p:extLst>
+      <p:ext uri="{BB962C8B-B14F-4D97-AF65-F5344CB8AC3E}">
+        <p14:creationId xmlns:p14="http://schemas.microsoft.com/office/powerpoint/2010/main" val="4280139934"/>
+      </p:ext>
+    </p:extLst>
+  </p:cSld>
+  <p:clrMapOvr>
+    <a:masterClrMapping/>
+  </p:clrMapOvr>
+</p:notes>
+</file>
+
+<file path=ppt/notesSlides/notesSlide26.xml><?xml version="1.0" encoding="utf-8"?>
+<p:notes xmlns:a="http://schemas.openxmlformats.org/drawingml/2006/main" xmlns:r="http://schemas.openxmlformats.org/officeDocument/2006/relationships" xmlns:p="http://schemas.openxmlformats.org/presentationml/2006/main">
+  <p:cSld>
+    <p:spTree>
+      <p:nvGrpSpPr>
+        <p:cNvPr id="1" name=""/>
+        <p:cNvGrpSpPr/>
+        <p:nvPr/>
+      </p:nvGrpSpPr>
+      <p:grpSpPr>
+        <a:xfrm>
+          <a:off x="0" y="0"/>
+          <a:ext cx="0" cy="0"/>
+          <a:chOff x="0" y="0"/>
+          <a:chExt cx="0" cy="0"/>
+        </a:xfrm>
+      </p:grpSpPr>
+      <p:sp>
+        <p:nvSpPr>
+          <p:cNvPr id="2" name="Slide Image Placeholder 1"/>
+          <p:cNvSpPr>
+            <a:spLocks noGrp="1" noRot="1" noChangeAspect="1"/>
+          </p:cNvSpPr>
+          <p:nvPr>
+            <p:ph type="sldImg"/>
+          </p:nvPr>
+        </p:nvSpPr>
+        <p:spPr/>
+      </p:sp>
+      <p:sp>
+        <p:nvSpPr>
+          <p:cNvPr id="3" name="Notes Placeholder 2"/>
+          <p:cNvSpPr>
+            <a:spLocks noGrp="1"/>
+          </p:cNvSpPr>
+          <p:nvPr>
+            <p:ph type="body" idx="1"/>
+          </p:nvPr>
+        </p:nvSpPr>
+        <p:spPr/>
+        <p:txBody>
+          <a:bodyPr/>
+          <a:lstStyle/>
+          <a:p>
+            <a:r>
+              <a:rPr lang="en-PH" dirty="0"/>
+              <a:t>Maj</a:t>
+            </a:r>
+          </a:p>
+        </p:txBody>
+      </p:sp>
+      <p:sp>
+        <p:nvSpPr>
+          <p:cNvPr id="4" name="Slide Number Placeholder 3"/>
+          <p:cNvSpPr>
+            <a:spLocks noGrp="1"/>
+          </p:cNvSpPr>
+          <p:nvPr>
+            <p:ph type="sldNum" sz="quarter" idx="10"/>
+          </p:nvPr>
+        </p:nvSpPr>
+        <p:spPr/>
+        <p:txBody>
+          <a:bodyPr/>
+          <a:lstStyle/>
+          <a:p>
+            <a:fld id="{86FFBDB5-9589-48C5-8577-C15F048505D7}" type="slidenum">
+              <a:rPr lang="en-PH" smtClean="0"/>
+              <a:t>27</a:t>
             </a:fld>
             <a:endParaRPr lang="en-PH"/>
           </a:p>
@@ -2060,7 +2237,7 @@
     </p:spTree>
     <p:extLst>
       <p:ext uri="{BB962C8B-B14F-4D97-AF65-F5344CB8AC3E}">
-        <p14:creationId xmlns:p14="http://schemas.microsoft.com/office/powerpoint/2010/main" val="1343645120"/>
+        <p14:creationId xmlns:p14="http://schemas.microsoft.com/office/powerpoint/2010/main" val="4100388128"/>
       </p:ext>
     </p:extLst>
   </p:cSld>
@@ -2115,10 +2292,9 @@
           <a:lstStyle/>
           <a:p>
             <a:r>
-              <a:rPr lang="en-PH" dirty="0" err="1"/>
-              <a:t>Mikha</a:t>
-            </a:r>
-            <a:endParaRPr lang="en-PH" dirty="0"/>
+              <a:rPr lang="en-PH" dirty="0"/>
+              <a:t>Joanna</a:t>
+            </a:r>
           </a:p>
         </p:txBody>
       </p:sp>
@@ -2148,7 +2324,7 @@
     </p:spTree>
     <p:extLst>
       <p:ext uri="{BB962C8B-B14F-4D97-AF65-F5344CB8AC3E}">
-        <p14:creationId xmlns:p14="http://schemas.microsoft.com/office/powerpoint/2010/main" val="2048470819"/>
+        <p14:creationId xmlns:p14="http://schemas.microsoft.com/office/powerpoint/2010/main" val="1343645120"/>
       </p:ext>
     </p:extLst>
   </p:cSld>
@@ -2203,9 +2379,10 @@
           <a:lstStyle/>
           <a:p>
             <a:r>
-              <a:rPr lang="en-PH" dirty="0"/>
-              <a:t>Maj</a:t>
-            </a:r>
+              <a:rPr lang="en-PH" dirty="0" err="1"/>
+              <a:t>Mikha</a:t>
+            </a:r>
+            <a:endParaRPr lang="en-PH" dirty="0"/>
           </a:p>
         </p:txBody>
       </p:sp>
@@ -2235,7 +2412,7 @@
     </p:spTree>
     <p:extLst>
       <p:ext uri="{BB962C8B-B14F-4D97-AF65-F5344CB8AC3E}">
-        <p14:creationId xmlns:p14="http://schemas.microsoft.com/office/powerpoint/2010/main" val="4143472024"/>
+        <p14:creationId xmlns:p14="http://schemas.microsoft.com/office/powerpoint/2010/main" val="2048470819"/>
       </p:ext>
     </p:extLst>
   </p:cSld>
@@ -2322,7 +2499,7 @@
     </p:spTree>
     <p:extLst>
       <p:ext uri="{BB962C8B-B14F-4D97-AF65-F5344CB8AC3E}">
-        <p14:creationId xmlns:p14="http://schemas.microsoft.com/office/powerpoint/2010/main" val="1704061640"/>
+        <p14:creationId xmlns:p14="http://schemas.microsoft.com/office/powerpoint/2010/main" val="4143472024"/>
       </p:ext>
     </p:extLst>
   </p:cSld>
@@ -2377,10 +2554,9 @@
           <a:lstStyle/>
           <a:p>
             <a:r>
-              <a:rPr lang="en-PH" dirty="0" err="1"/>
-              <a:t>Mikha</a:t>
-            </a:r>
-            <a:endParaRPr lang="en-PH" dirty="0"/>
+              <a:rPr lang="en-PH" dirty="0"/>
+              <a:t>Maj</a:t>
+            </a:r>
           </a:p>
         </p:txBody>
       </p:sp>
@@ -2410,7 +2586,7 @@
     </p:spTree>
     <p:extLst>
       <p:ext uri="{BB962C8B-B14F-4D97-AF65-F5344CB8AC3E}">
-        <p14:creationId xmlns:p14="http://schemas.microsoft.com/office/powerpoint/2010/main" val="2115264609"/>
+        <p14:creationId xmlns:p14="http://schemas.microsoft.com/office/powerpoint/2010/main" val="1704061640"/>
       </p:ext>
     </p:extLst>
   </p:cSld>
@@ -2465,9 +2641,10 @@
           <a:lstStyle/>
           <a:p>
             <a:r>
-              <a:rPr lang="en-PH" dirty="0"/>
-              <a:t>Joanna</a:t>
-            </a:r>
+              <a:rPr lang="en-PH" dirty="0" err="1"/>
+              <a:t>Mikha</a:t>
+            </a:r>
+            <a:endParaRPr lang="en-PH" dirty="0"/>
           </a:p>
         </p:txBody>
       </p:sp>
@@ -2497,7 +2674,7 @@
     </p:spTree>
     <p:extLst>
       <p:ext uri="{BB962C8B-B14F-4D97-AF65-F5344CB8AC3E}">
-        <p14:creationId xmlns:p14="http://schemas.microsoft.com/office/powerpoint/2010/main" val="4096915334"/>
+        <p14:creationId xmlns:p14="http://schemas.microsoft.com/office/powerpoint/2010/main" val="2115264609"/>
       </p:ext>
     </p:extLst>
   </p:cSld>
@@ -2552,10 +2729,9 @@
           <a:lstStyle/>
           <a:p>
             <a:r>
-              <a:rPr lang="en-PH" dirty="0" err="1"/>
-              <a:t>Mikha</a:t>
-            </a:r>
-            <a:endParaRPr lang="en-PH" dirty="0"/>
+              <a:rPr lang="en-PH" dirty="0"/>
+              <a:t>Joanna</a:t>
+            </a:r>
           </a:p>
         </p:txBody>
       </p:sp>
@@ -2585,7 +2761,7 @@
     </p:spTree>
     <p:extLst>
       <p:ext uri="{BB962C8B-B14F-4D97-AF65-F5344CB8AC3E}">
-        <p14:creationId xmlns:p14="http://schemas.microsoft.com/office/powerpoint/2010/main" val="1147813241"/>
+        <p14:creationId xmlns:p14="http://schemas.microsoft.com/office/powerpoint/2010/main" val="4096915334"/>
       </p:ext>
     </p:extLst>
   </p:cSld>
@@ -5626,7 +5802,43 @@
           <a:p>
             <a:r>
               <a:rPr lang="en-PH" dirty="0"/>
-              <a:t>Related Literature</a:t>
+              <a:t>Scope and Limitations</a:t>
+            </a:r>
+          </a:p>
+        </p:txBody>
+      </p:sp>
+      <p:sp>
+        <p:nvSpPr>
+          <p:cNvPr id="3" name="Content Placeholder 2"/>
+          <p:cNvSpPr>
+            <a:spLocks noGrp="1"/>
+          </p:cNvSpPr>
+          <p:nvPr>
+            <p:ph idx="1"/>
+          </p:nvPr>
+        </p:nvSpPr>
+        <p:spPr>
+          <a:xfrm>
+            <a:off x="1097281" y="1812373"/>
+            <a:ext cx="9330524" cy="4351338"/>
+          </a:xfrm>
+        </p:spPr>
+        <p:txBody>
+          <a:bodyPr/>
+          <a:lstStyle/>
+          <a:p>
+            <a:pPr marL="0" indent="0" algn="ctr">
+              <a:buNone/>
+            </a:pPr>
+            <a:endParaRPr lang="en-PH" dirty="0"/>
+          </a:p>
+          <a:p>
+            <a:pPr marL="0" indent="0" algn="ctr">
+              <a:buNone/>
+            </a:pPr>
+            <a:r>
+              <a:rPr lang="en-PH" dirty="0"/>
+              <a:t>The scope of the study would only include the issues and possible solutions for the security of the transmission of election returns on the server-level of the automated election system in the Philippines. Further study on the other parts of the automated election system will no longer be covered.</a:t>
             </a:r>
           </a:p>
         </p:txBody>
@@ -5691,60 +5903,10 @@
           </a:prstGeom>
         </p:spPr>
       </p:pic>
-      <p:sp>
-        <p:nvSpPr>
-          <p:cNvPr id="3" name="Content Placeholder 2"/>
-          <p:cNvSpPr>
-            <a:spLocks noGrp="1"/>
-          </p:cNvSpPr>
-          <p:nvPr>
-            <p:ph idx="1"/>
-          </p:nvPr>
-        </p:nvSpPr>
-        <p:spPr>
-          <a:xfrm>
-            <a:off x="838200" y="1825625"/>
-            <a:ext cx="8862391" cy="4351338"/>
-          </a:xfrm>
-        </p:spPr>
-        <p:txBody>
-          <a:bodyPr/>
-          <a:lstStyle/>
-          <a:p>
-            <a:pPr marL="0" indent="0">
-              <a:buNone/>
-            </a:pPr>
-            <a:r>
-              <a:rPr lang="en-PH" dirty="0"/>
-              <a:t>Automated Election System</a:t>
-            </a:r>
-          </a:p>
-          <a:p>
-            <a:r>
-              <a:rPr lang="en-PH" dirty="0">
-                <a:solidFill>
-                  <a:srgbClr val="FF0000"/>
-                </a:solidFill>
-              </a:rPr>
-              <a:t>The primary application of hash functions in cryptography is message integrity. </a:t>
-            </a:r>
-          </a:p>
-          <a:p>
-            <a:r>
-              <a:rPr lang="en-PH" dirty="0">
-                <a:solidFill>
-                  <a:srgbClr val="FF0000"/>
-                </a:solidFill>
-              </a:rPr>
-              <a:t>The hash value provides a digital fingerprint of a message's contents, which ensures that the message has not been altered by an intruder, virus, or by other means. </a:t>
-            </a:r>
-          </a:p>
-        </p:txBody>
-      </p:sp>
     </p:spTree>
     <p:extLst>
       <p:ext uri="{BB962C8B-B14F-4D97-AF65-F5344CB8AC3E}">
-        <p14:creationId xmlns:p14="http://schemas.microsoft.com/office/powerpoint/2010/main" val="284703695"/>
+        <p14:creationId xmlns:p14="http://schemas.microsoft.com/office/powerpoint/2010/main" val="4098786842"/>
       </p:ext>
     </p:extLst>
   </p:cSld>
@@ -5878,7 +6040,7 @@
             </a:pPr>
             <a:r>
               <a:rPr lang="en-PH" dirty="0"/>
-              <a:t>Issues in the System</a:t>
+              <a:t>Automated Election System</a:t>
             </a:r>
           </a:p>
           <a:p>
@@ -5906,7 +6068,7 @@
     </p:spTree>
     <p:extLst>
       <p:ext uri="{BB962C8B-B14F-4D97-AF65-F5344CB8AC3E}">
-        <p14:creationId xmlns:p14="http://schemas.microsoft.com/office/powerpoint/2010/main" val="2383319727"/>
+        <p14:creationId xmlns:p14="http://schemas.microsoft.com/office/powerpoint/2010/main" val="284703695"/>
       </p:ext>
     </p:extLst>
   </p:cSld>
@@ -6040,7 +6202,7 @@
             </a:pPr>
             <a:r>
               <a:rPr lang="en-PH" dirty="0"/>
-              <a:t>System Vulnerabilities</a:t>
+              <a:t>Issues in the System</a:t>
             </a:r>
           </a:p>
           <a:p>
@@ -6068,7 +6230,7 @@
     </p:spTree>
     <p:extLst>
       <p:ext uri="{BB962C8B-B14F-4D97-AF65-F5344CB8AC3E}">
-        <p14:creationId xmlns:p14="http://schemas.microsoft.com/office/powerpoint/2010/main" val="3388903608"/>
+        <p14:creationId xmlns:p14="http://schemas.microsoft.com/office/powerpoint/2010/main" val="2383319727"/>
       </p:ext>
     </p:extLst>
   </p:cSld>
@@ -6112,7 +6274,7 @@
           <a:p>
             <a:r>
               <a:rPr lang="en-PH" dirty="0"/>
-              <a:t>Related Study</a:t>
+              <a:t>Related Literature</a:t>
             </a:r>
           </a:p>
         </p:txBody>
@@ -6187,91 +6349,50 @@
             <p:ph idx="1"/>
           </p:nvPr>
         </p:nvSpPr>
-        <p:spPr/>
+        <p:spPr>
+          <a:xfrm>
+            <a:off x="838200" y="1825625"/>
+            <a:ext cx="8862391" cy="4351338"/>
+          </a:xfrm>
+        </p:spPr>
         <p:txBody>
           <a:bodyPr/>
           <a:lstStyle/>
           <a:p>
-            <a:endParaRPr lang="en-PH" dirty="0"/>
-          </a:p>
-          <a:p>
-            <a:endParaRPr lang="en-PH" dirty="0"/>
-          </a:p>
-        </p:txBody>
-      </p:sp>
-      <p:sp>
-        <p:nvSpPr>
-          <p:cNvPr id="8" name="Rectangle 7"/>
-          <p:cNvSpPr/>
-          <p:nvPr/>
-        </p:nvSpPr>
-        <p:spPr>
-          <a:xfrm>
-            <a:off x="353291" y="1720840"/>
-            <a:ext cx="9990513" cy="3539430"/>
-          </a:xfrm>
-          <a:prstGeom prst="rect">
-            <a:avLst/>
-          </a:prstGeom>
-        </p:spPr>
-        <p:txBody>
-          <a:bodyPr wrap="square">
-            <a:spAutoFit/>
-          </a:bodyPr>
-          <a:lstStyle/>
-          <a:p>
-            <a:pPr marL="914400" lvl="1" indent="-457200">
-              <a:buFont typeface="Arial" panose="020B0604020202020204" pitchFamily="34" charset="0"/>
-              <a:buChar char="•"/>
+            <a:pPr marL="0" indent="0">
+              <a:buNone/>
             </a:pPr>
             <a:r>
-              <a:rPr lang="en-PH" sz="2800" dirty="0"/>
-              <a:t>Experimental Design of Worldwide Internet Voting System using PK</a:t>
-            </a:r>
-          </a:p>
-          <a:p>
-            <a:pPr marL="1371600" lvl="2" indent="-457200">
-              <a:buFont typeface="Arial" panose="020B0604020202020204" pitchFamily="34" charset="0"/>
-              <a:buChar char="•"/>
-            </a:pPr>
-            <a:r>
-              <a:rPr lang="en-PH" sz="2800" dirty="0"/>
-              <a:t>Voter’s privacy was guaranteed by using blind signature.</a:t>
-            </a:r>
-          </a:p>
-          <a:p>
-            <a:pPr marL="1371600" lvl="2" indent="-457200">
-              <a:buFont typeface="Arial" panose="020B0604020202020204" pitchFamily="34" charset="0"/>
-              <a:buChar char="•"/>
-            </a:pPr>
-            <a:r>
-              <a:rPr lang="en-PH" sz="2800" dirty="0"/>
-              <a:t>PKI allowed worldwide key distribution and “one certificate-one vote” policy.</a:t>
-            </a:r>
-          </a:p>
-          <a:p>
-            <a:pPr marL="1371600" lvl="2" indent="-457200">
-              <a:buFont typeface="Arial" panose="020B0604020202020204" pitchFamily="34" charset="0"/>
-              <a:buChar char="•"/>
-            </a:pPr>
-            <a:r>
-              <a:rPr lang="en-PH" sz="2800" dirty="0"/>
-              <a:t>Anyone can participate as long as certificate was given Certificate Authority (CA).</a:t>
-            </a:r>
-          </a:p>
-          <a:p>
-            <a:pPr marL="1371600" lvl="2" indent="-457200">
-              <a:buFont typeface="Arial" panose="020B0604020202020204" pitchFamily="34" charset="0"/>
-              <a:buChar char="•"/>
-            </a:pPr>
-            <a:endParaRPr lang="en-PH" sz="2800" dirty="0"/>
+              <a:rPr lang="en-PH" dirty="0"/>
+              <a:t>System Vulnerabilities</a:t>
+            </a:r>
+          </a:p>
+          <a:p>
+            <a:r>
+              <a:rPr lang="en-PH" dirty="0">
+                <a:solidFill>
+                  <a:srgbClr val="FF0000"/>
+                </a:solidFill>
+              </a:rPr>
+              <a:t>The primary application of hash functions in cryptography is message integrity. </a:t>
+            </a:r>
+          </a:p>
+          <a:p>
+            <a:r>
+              <a:rPr lang="en-PH" dirty="0">
+                <a:solidFill>
+                  <a:srgbClr val="FF0000"/>
+                </a:solidFill>
+              </a:rPr>
+              <a:t>The hash value provides a digital fingerprint of a message's contents, which ensures that the message has not been altered by an intruder, virus, or by other means. </a:t>
+            </a:r>
           </a:p>
         </p:txBody>
       </p:sp>
     </p:spTree>
     <p:extLst>
       <p:ext uri="{BB962C8B-B14F-4D97-AF65-F5344CB8AC3E}">
-        <p14:creationId xmlns:p14="http://schemas.microsoft.com/office/powerpoint/2010/main" val="979530947"/>
+        <p14:creationId xmlns:p14="http://schemas.microsoft.com/office/powerpoint/2010/main" val="3388903608"/>
       </p:ext>
     </p:extLst>
   </p:cSld>
@@ -6314,9 +6435,10 @@
           <a:lstStyle/>
           <a:p>
             <a:r>
-              <a:rPr lang="en-PH" dirty="0"/>
-              <a:t>Theoretical Background</a:t>
-            </a:r>
+              <a:rPr lang="en-PH"/>
+              <a:t>Related Literature</a:t>
+            </a:r>
+            <a:endParaRPr lang="en-PH" dirty="0"/>
           </a:p>
         </p:txBody>
       </p:sp>
@@ -6332,7 +6454,7 @@
         </p:nvSpPr>
         <p:spPr>
           <a:xfrm>
-            <a:off x="838200" y="1835125"/>
+            <a:off x="838200" y="1497496"/>
             <a:ext cx="9896061" cy="4679467"/>
           </a:xfrm>
         </p:spPr>
@@ -6343,23 +6465,66 @@
           <a:lstStyle/>
           <a:p>
             <a:r>
+              <a:rPr lang="en-PH" dirty="0"/>
+              <a:t>Furthermore, the ñ controversy showed that the entire automated election system uses a hash function called MD5.</a:t>
+            </a:r>
+          </a:p>
+          <a:p>
+            <a:r>
+              <a:rPr lang="en-PH" dirty="0" err="1"/>
+              <a:t>Comelec-Smartmatic</a:t>
+            </a:r>
+            <a:r>
+              <a:rPr lang="en-PH" dirty="0"/>
+              <a:t> still used it </a:t>
+            </a:r>
+            <a:r>
               <a:rPr lang="en-PH" b="1" dirty="0"/>
-              <a:t>What is a hash code?</a:t>
-            </a:r>
-          </a:p>
-          <a:p>
+              <a:t>even if </a:t>
+            </a:r>
             <a:r>
               <a:rPr lang="en-PH" dirty="0"/>
-              <a:t>A hash code is a value – a combination of letters and numbers – generated by a function for an electronic document, data file, or program.</a:t>
-            </a:r>
-          </a:p>
-          <a:p>
+              <a:t>many developers have suggested to avoid the usage of the technology.</a:t>
+            </a:r>
+          </a:p>
+          <a:p>
+            <a:pPr lvl="1"/>
+            <a:r>
+              <a:rPr lang="en-PH" i="1" dirty="0"/>
+              <a:t>Carnegie Mellon University – Software Engineering Institute </a:t>
+            </a:r>
             <a:r>
               <a:rPr lang="en-PH" dirty="0"/>
-              <a:t>It serves as a digital fingerprint, meaning it is unique for every file, and is “a security measure used to ensure that the integrity of an electronic document, data file, or a program has not been compromised,” the National Citizens' Movement for Free Elections (NAMFREL) explained in a news release on Thursday (May 12).</a:t>
-            </a:r>
-          </a:p>
-          <a:p>
+              <a:t>stated that: “Software developers, Certification Authorities, website owners, and users should avoid using the MD5 algorithm in any capacity. As previous research has demonstrated, it should be considered cryptographically broken and unsuitable for further use.”</a:t>
+            </a:r>
+          </a:p>
+          <a:p>
+            <a:pPr lvl="1"/>
+            <a:r>
+              <a:rPr lang="en-PH" dirty="0"/>
+              <a:t>Recently, </a:t>
+            </a:r>
+            <a:r>
+              <a:rPr lang="en-PH" i="1" dirty="0"/>
+              <a:t>Microsoft</a:t>
+            </a:r>
+            <a:r>
+              <a:rPr lang="en-PH" dirty="0"/>
+              <a:t> announced </a:t>
+            </a:r>
+            <a:r>
+              <a:rPr lang="en-PH" i="1" dirty="0">
+                <a:hlinkClick r:id="rId3"/>
+              </a:rPr>
+              <a:t>Security Advisory 2862973</a:t>
+            </a:r>
+            <a:r>
+              <a:rPr lang="en-PH" dirty="0"/>
+              <a:t> that will block the MD5 has algorithm. This hashing algorithm is quite long in the tooth and has not been a recommended hash for many years.</a:t>
+            </a:r>
+          </a:p>
+          <a:p>
+            <a:pPr lvl="1"/>
             <a:endParaRPr lang="en-PH" dirty="0"/>
           </a:p>
         </p:txBody>
@@ -6373,7 +6538,7 @@
           <p:nvPr/>
         </p:nvPicPr>
         <p:blipFill>
-          <a:blip r:embed="rId3">
+          <a:blip r:embed="rId4">
             <a:extLst>
               <a:ext uri="{28A0092B-C50C-407E-A947-70E740481C1C}">
                 <a14:useLocalDpi xmlns:a14="http://schemas.microsoft.com/office/drawing/2010/main" val="0"/>
@@ -6403,7 +6568,7 @@
           <p:nvPr/>
         </p:nvPicPr>
         <p:blipFill>
-          <a:blip r:embed="rId4" cstate="hqprint">
+          <a:blip r:embed="rId5" cstate="hqprint">
             <a:extLst>
               <a:ext uri="{28A0092B-C50C-407E-A947-70E740481C1C}">
                 <a14:useLocalDpi xmlns:a14="http://schemas.microsoft.com/office/drawing/2010/main" val="0"/>
@@ -6427,7 +6592,7 @@
     </p:spTree>
     <p:extLst>
       <p:ext uri="{BB962C8B-B14F-4D97-AF65-F5344CB8AC3E}">
-        <p14:creationId xmlns:p14="http://schemas.microsoft.com/office/powerpoint/2010/main" val="597051216"/>
+        <p14:creationId xmlns:p14="http://schemas.microsoft.com/office/powerpoint/2010/main" val="204092566"/>
       </p:ext>
     </p:extLst>
   </p:cSld>
@@ -6471,7 +6636,7 @@
           <a:p>
             <a:r>
               <a:rPr lang="en-PH" dirty="0"/>
-              <a:t>Theoretical Background</a:t>
+              <a:t>Related Study</a:t>
             </a:r>
           </a:p>
         </p:txBody>
@@ -6546,6 +6711,365 @@
             <p:ph idx="1"/>
           </p:nvPr>
         </p:nvSpPr>
+        <p:spPr/>
+        <p:txBody>
+          <a:bodyPr/>
+          <a:lstStyle/>
+          <a:p>
+            <a:endParaRPr lang="en-PH" dirty="0"/>
+          </a:p>
+          <a:p>
+            <a:endParaRPr lang="en-PH" dirty="0"/>
+          </a:p>
+        </p:txBody>
+      </p:sp>
+      <p:sp>
+        <p:nvSpPr>
+          <p:cNvPr id="8" name="Rectangle 7"/>
+          <p:cNvSpPr/>
+          <p:nvPr/>
+        </p:nvSpPr>
+        <p:spPr>
+          <a:xfrm>
+            <a:off x="353291" y="1720840"/>
+            <a:ext cx="9990513" cy="3539430"/>
+          </a:xfrm>
+          <a:prstGeom prst="rect">
+            <a:avLst/>
+          </a:prstGeom>
+        </p:spPr>
+        <p:txBody>
+          <a:bodyPr wrap="square">
+            <a:spAutoFit/>
+          </a:bodyPr>
+          <a:lstStyle/>
+          <a:p>
+            <a:pPr marL="914400" lvl="1" indent="-457200">
+              <a:buFont typeface="Arial" panose="020B0604020202020204" pitchFamily="34" charset="0"/>
+              <a:buChar char="•"/>
+            </a:pPr>
+            <a:r>
+              <a:rPr lang="en-PH" sz="2800" dirty="0"/>
+              <a:t>Experimental Design of Worldwide Internet Voting System using PK</a:t>
+            </a:r>
+          </a:p>
+          <a:p>
+            <a:pPr marL="1371600" lvl="2" indent="-457200">
+              <a:buFont typeface="Arial" panose="020B0604020202020204" pitchFamily="34" charset="0"/>
+              <a:buChar char="•"/>
+            </a:pPr>
+            <a:r>
+              <a:rPr lang="en-PH" sz="2800" dirty="0"/>
+              <a:t>Voter’s privacy was guaranteed by using blind signature.</a:t>
+            </a:r>
+          </a:p>
+          <a:p>
+            <a:pPr marL="1371600" lvl="2" indent="-457200">
+              <a:buFont typeface="Arial" panose="020B0604020202020204" pitchFamily="34" charset="0"/>
+              <a:buChar char="•"/>
+            </a:pPr>
+            <a:r>
+              <a:rPr lang="en-PH" sz="2800" dirty="0"/>
+              <a:t>PKI allowed worldwide key distribution and “one certificate-one vote” policy.</a:t>
+            </a:r>
+          </a:p>
+          <a:p>
+            <a:pPr marL="1371600" lvl="2" indent="-457200">
+              <a:buFont typeface="Arial" panose="020B0604020202020204" pitchFamily="34" charset="0"/>
+              <a:buChar char="•"/>
+            </a:pPr>
+            <a:r>
+              <a:rPr lang="en-PH" sz="2800" dirty="0"/>
+              <a:t>Anyone can participate as long as certificate was given Certificate Authority (CA).</a:t>
+            </a:r>
+          </a:p>
+          <a:p>
+            <a:pPr marL="1371600" lvl="2" indent="-457200">
+              <a:buFont typeface="Arial" panose="020B0604020202020204" pitchFamily="34" charset="0"/>
+              <a:buChar char="•"/>
+            </a:pPr>
+            <a:endParaRPr lang="en-PH" sz="2800" dirty="0"/>
+          </a:p>
+        </p:txBody>
+      </p:sp>
+    </p:spTree>
+    <p:extLst>
+      <p:ext uri="{BB962C8B-B14F-4D97-AF65-F5344CB8AC3E}">
+        <p14:creationId xmlns:p14="http://schemas.microsoft.com/office/powerpoint/2010/main" val="979530947"/>
+      </p:ext>
+    </p:extLst>
+  </p:cSld>
+  <p:clrMapOvr>
+    <a:masterClrMapping/>
+  </p:clrMapOvr>
+</p:sld>
+</file>
+
+<file path=ppt/slides/slide16.xml><?xml version="1.0" encoding="utf-8"?>
+<p:sld xmlns:a="http://schemas.openxmlformats.org/drawingml/2006/main" xmlns:r="http://schemas.openxmlformats.org/officeDocument/2006/relationships" xmlns:p="http://schemas.openxmlformats.org/presentationml/2006/main">
+  <p:cSld>
+    <p:spTree>
+      <p:nvGrpSpPr>
+        <p:cNvPr id="1" name=""/>
+        <p:cNvGrpSpPr/>
+        <p:nvPr/>
+      </p:nvGrpSpPr>
+      <p:grpSpPr>
+        <a:xfrm>
+          <a:off x="0" y="0"/>
+          <a:ext cx="0" cy="0"/>
+          <a:chOff x="0" y="0"/>
+          <a:chExt cx="0" cy="0"/>
+        </a:xfrm>
+      </p:grpSpPr>
+      <p:sp>
+        <p:nvSpPr>
+          <p:cNvPr id="2" name="Title 1"/>
+          <p:cNvSpPr>
+            <a:spLocks noGrp="1"/>
+          </p:cNvSpPr>
+          <p:nvPr>
+            <p:ph type="title"/>
+          </p:nvPr>
+        </p:nvSpPr>
+        <p:spPr/>
+        <p:txBody>
+          <a:bodyPr/>
+          <a:lstStyle/>
+          <a:p>
+            <a:r>
+              <a:rPr lang="en-PH" dirty="0"/>
+              <a:t>Theoretical Background</a:t>
+            </a:r>
+          </a:p>
+        </p:txBody>
+      </p:sp>
+      <p:sp>
+        <p:nvSpPr>
+          <p:cNvPr id="3" name="Content Placeholder 2"/>
+          <p:cNvSpPr>
+            <a:spLocks noGrp="1"/>
+          </p:cNvSpPr>
+          <p:nvPr>
+            <p:ph idx="1"/>
+          </p:nvPr>
+        </p:nvSpPr>
+        <p:spPr>
+          <a:xfrm>
+            <a:off x="838200" y="1835125"/>
+            <a:ext cx="9896061" cy="4679467"/>
+          </a:xfrm>
+        </p:spPr>
+        <p:txBody>
+          <a:bodyPr>
+            <a:normAutofit/>
+          </a:bodyPr>
+          <a:lstStyle/>
+          <a:p>
+            <a:r>
+              <a:rPr lang="en-PH" b="1" dirty="0"/>
+              <a:t>What is a hash code?</a:t>
+            </a:r>
+          </a:p>
+          <a:p>
+            <a:r>
+              <a:rPr lang="en-PH" dirty="0"/>
+              <a:t>A hash code is a value – a combination of letters and numbers – generated by a function for an electronic document, data file, or program.</a:t>
+            </a:r>
+          </a:p>
+          <a:p>
+            <a:r>
+              <a:rPr lang="en-PH" dirty="0"/>
+              <a:t>It serves as a digital fingerprint, meaning it is unique for every file, and is “a security measure used to ensure that the integrity of an electronic document, data file, or a program has not been compromised,” the National Citizens' Movement for Free Elections (NAMFREL) explained in a news release on Thursday (May 12).</a:t>
+            </a:r>
+          </a:p>
+          <a:p>
+            <a:endParaRPr lang="en-PH" dirty="0"/>
+          </a:p>
+        </p:txBody>
+      </p:sp>
+      <p:pic>
+        <p:nvPicPr>
+          <p:cNvPr id="4" name="Picture 3"/>
+          <p:cNvPicPr>
+            <a:picLocks noChangeAspect="1"/>
+          </p:cNvPicPr>
+          <p:nvPr/>
+        </p:nvPicPr>
+        <p:blipFill>
+          <a:blip r:embed="rId3">
+            <a:extLst>
+              <a:ext uri="{28A0092B-C50C-407E-A947-70E740481C1C}">
+                <a14:useLocalDpi xmlns:a14="http://schemas.microsoft.com/office/drawing/2010/main" val="0"/>
+              </a:ext>
+            </a:extLst>
+          </a:blip>
+          <a:stretch>
+            <a:fillRect/>
+          </a:stretch>
+        </p:blipFill>
+        <p:spPr>
+          <a:xfrm>
+            <a:off x="10595595" y="4723195"/>
+            <a:ext cx="2435221" cy="2435221"/>
+          </a:xfrm>
+          <a:prstGeom prst="rect">
+            <a:avLst/>
+          </a:prstGeom>
+        </p:spPr>
+      </p:pic>
+      <p:pic>
+        <p:nvPicPr>
+          <p:cNvPr id="5" name="Picture 4"/>
+          <p:cNvPicPr>
+            <a:picLocks noChangeAspect="1"/>
+          </p:cNvPicPr>
+          <p:nvPr/>
+        </p:nvPicPr>
+        <p:blipFill>
+          <a:blip r:embed="rId4" cstate="hqprint">
+            <a:extLst>
+              <a:ext uri="{28A0092B-C50C-407E-A947-70E740481C1C}">
+                <a14:useLocalDpi xmlns:a14="http://schemas.microsoft.com/office/drawing/2010/main" val="0"/>
+              </a:ext>
+            </a:extLst>
+          </a:blip>
+          <a:stretch>
+            <a:fillRect/>
+          </a:stretch>
+        </p:blipFill>
+        <p:spPr>
+          <a:xfrm>
+            <a:off x="10734261" y="3561822"/>
+            <a:ext cx="1391006" cy="1391006"/>
+          </a:xfrm>
+          <a:prstGeom prst="rect">
+            <a:avLst/>
+          </a:prstGeom>
+        </p:spPr>
+      </p:pic>
+    </p:spTree>
+    <p:extLst>
+      <p:ext uri="{BB962C8B-B14F-4D97-AF65-F5344CB8AC3E}">
+        <p14:creationId xmlns:p14="http://schemas.microsoft.com/office/powerpoint/2010/main" val="597051216"/>
+      </p:ext>
+    </p:extLst>
+  </p:cSld>
+  <p:clrMapOvr>
+    <a:masterClrMapping/>
+  </p:clrMapOvr>
+</p:sld>
+</file>
+
+<file path=ppt/slides/slide17.xml><?xml version="1.0" encoding="utf-8"?>
+<p:sld xmlns:a="http://schemas.openxmlformats.org/drawingml/2006/main" xmlns:r="http://schemas.openxmlformats.org/officeDocument/2006/relationships" xmlns:p="http://schemas.openxmlformats.org/presentationml/2006/main">
+  <p:cSld>
+    <p:spTree>
+      <p:nvGrpSpPr>
+        <p:cNvPr id="1" name=""/>
+        <p:cNvGrpSpPr/>
+        <p:nvPr/>
+      </p:nvGrpSpPr>
+      <p:grpSpPr>
+        <a:xfrm>
+          <a:off x="0" y="0"/>
+          <a:ext cx="0" cy="0"/>
+          <a:chOff x="0" y="0"/>
+          <a:chExt cx="0" cy="0"/>
+        </a:xfrm>
+      </p:grpSpPr>
+      <p:sp>
+        <p:nvSpPr>
+          <p:cNvPr id="2" name="Title 1"/>
+          <p:cNvSpPr>
+            <a:spLocks noGrp="1"/>
+          </p:cNvSpPr>
+          <p:nvPr>
+            <p:ph type="title"/>
+          </p:nvPr>
+        </p:nvSpPr>
+        <p:spPr/>
+        <p:txBody>
+          <a:bodyPr/>
+          <a:lstStyle/>
+          <a:p>
+            <a:r>
+              <a:rPr lang="en-PH" dirty="0"/>
+              <a:t>Theoretical Background</a:t>
+            </a:r>
+          </a:p>
+        </p:txBody>
+      </p:sp>
+      <p:pic>
+        <p:nvPicPr>
+          <p:cNvPr id="4" name="Picture 3"/>
+          <p:cNvPicPr>
+            <a:picLocks noChangeAspect="1"/>
+          </p:cNvPicPr>
+          <p:nvPr/>
+        </p:nvPicPr>
+        <p:blipFill>
+          <a:blip r:embed="rId3">
+            <a:extLst>
+              <a:ext uri="{28A0092B-C50C-407E-A947-70E740481C1C}">
+                <a14:useLocalDpi xmlns:a14="http://schemas.microsoft.com/office/drawing/2010/main" val="0"/>
+              </a:ext>
+            </a:extLst>
+          </a:blip>
+          <a:stretch>
+            <a:fillRect/>
+          </a:stretch>
+        </p:blipFill>
+        <p:spPr>
+          <a:xfrm>
+            <a:off x="10343804" y="4696690"/>
+            <a:ext cx="2435221" cy="2435221"/>
+          </a:xfrm>
+          <a:prstGeom prst="rect">
+            <a:avLst/>
+          </a:prstGeom>
+        </p:spPr>
+      </p:pic>
+      <p:pic>
+        <p:nvPicPr>
+          <p:cNvPr id="5" name="Picture 4"/>
+          <p:cNvPicPr>
+            <a:picLocks noChangeAspect="1"/>
+          </p:cNvPicPr>
+          <p:nvPr/>
+        </p:nvPicPr>
+        <p:blipFill>
+          <a:blip r:embed="rId4" cstate="hqprint">
+            <a:extLst>
+              <a:ext uri="{28A0092B-C50C-407E-A947-70E740481C1C}">
+                <a14:useLocalDpi xmlns:a14="http://schemas.microsoft.com/office/drawing/2010/main" val="0"/>
+              </a:ext>
+            </a:extLst>
+          </a:blip>
+          <a:stretch>
+            <a:fillRect/>
+          </a:stretch>
+        </p:blipFill>
+        <p:spPr>
+          <a:xfrm>
+            <a:off x="9882312" y="4197927"/>
+            <a:ext cx="1391006" cy="1391006"/>
+          </a:xfrm>
+          <a:prstGeom prst="rect">
+            <a:avLst/>
+          </a:prstGeom>
+        </p:spPr>
+      </p:pic>
+      <p:sp>
+        <p:nvSpPr>
+          <p:cNvPr id="3" name="Content Placeholder 2"/>
+          <p:cNvSpPr>
+            <a:spLocks noGrp="1"/>
+          </p:cNvSpPr>
+          <p:nvPr>
+            <p:ph idx="1"/>
+          </p:nvPr>
+        </p:nvSpPr>
         <p:spPr>
           <a:xfrm>
             <a:off x="838200" y="1825625"/>
@@ -6594,7 +7118,7 @@
 </p:sld>
 </file>
 
-<file path=ppt/slides/slide16.xml><?xml version="1.0" encoding="utf-8"?>
+<file path=ppt/slides/slide18.xml><?xml version="1.0" encoding="utf-8"?>
 <p:sld xmlns:a="http://schemas.openxmlformats.org/drawingml/2006/main" xmlns:r="http://schemas.openxmlformats.org/officeDocument/2006/relationships" xmlns:p="http://schemas.openxmlformats.org/presentationml/2006/main">
   <p:cSld>
     <p:spTree>
@@ -11672,7 +12196,7 @@
 </p:sld>
 </file>
 
-<file path=ppt/slides/slide17.xml><?xml version="1.0" encoding="utf-8"?>
+<file path=ppt/slides/slide19.xml><?xml version="1.0" encoding="utf-8"?>
 <p:sld xmlns:a="http://schemas.openxmlformats.org/drawingml/2006/main" xmlns:r="http://schemas.openxmlformats.org/officeDocument/2006/relationships" xmlns:p="http://schemas.openxmlformats.org/presentationml/2006/main">
   <p:cSld>
     <p:spTree>
@@ -12373,7 +12897,7 @@
 </p:sld>
 </file>
 
-<file path=ppt/slides/slide18.xml><?xml version="1.0" encoding="utf-8"?>
+<file path=ppt/slides/slide2.xml><?xml version="1.0" encoding="utf-8"?>
 <p:sld xmlns:a="http://schemas.openxmlformats.org/drawingml/2006/main" xmlns:r="http://schemas.openxmlformats.org/officeDocument/2006/relationships" xmlns:p="http://schemas.openxmlformats.org/presentationml/2006/main">
   <p:cSld>
     <p:spTree>
@@ -12407,7 +12931,54 @@
           <a:p>
             <a:r>
               <a:rPr lang="en-PH" dirty="0"/>
-              <a:t>Current System</a:t>
+              <a:t>Background of the Problem</a:t>
+            </a:r>
+          </a:p>
+        </p:txBody>
+      </p:sp>
+      <p:sp>
+        <p:nvSpPr>
+          <p:cNvPr id="3" name="Content Placeholder 2"/>
+          <p:cNvSpPr>
+            <a:spLocks noGrp="1"/>
+          </p:cNvSpPr>
+          <p:nvPr>
+            <p:ph idx="1"/>
+          </p:nvPr>
+        </p:nvSpPr>
+        <p:spPr>
+          <a:xfrm>
+            <a:off x="838200" y="1806989"/>
+            <a:ext cx="9896061" cy="4679467"/>
+          </a:xfrm>
+        </p:spPr>
+        <p:txBody>
+          <a:bodyPr>
+            <a:normAutofit/>
+          </a:bodyPr>
+          <a:lstStyle/>
+          <a:p>
+            <a:r>
+              <a:rPr lang="en-PH" dirty="0"/>
+              <a:t>Republic Act No. 9369 – “Amended Elections Automated Law”</a:t>
+            </a:r>
+          </a:p>
+          <a:p>
+            <a:r>
+              <a:rPr lang="en-PH" dirty="0"/>
+              <a:t>The law states that Commission on Election (COMELEC) must use an Automated Election System (AES) that encourages “transparency, credibility, fairness, and accuracy.”</a:t>
+            </a:r>
+          </a:p>
+          <a:p>
+            <a:r>
+              <a:rPr lang="en-PH" dirty="0"/>
+              <a:t>Implemented first in 2010 during the national presidential elections, and was again used in 2013 and 2016 elections.</a:t>
+            </a:r>
+          </a:p>
+          <a:p>
+            <a:r>
+              <a:rPr lang="en-PH" dirty="0"/>
+              <a:t>Several issues regarding the security and reliability of the AES continue to arise for the past few years </a:t>
             </a:r>
           </a:p>
         </p:txBody>
@@ -12434,7 +13005,7 @@
         </p:blipFill>
         <p:spPr>
           <a:xfrm>
-            <a:off x="10343804" y="4696690"/>
+            <a:off x="10595595" y="4723195"/>
             <a:ext cx="2435221" cy="2435221"/>
           </a:xfrm>
           <a:prstGeom prst="rect">
@@ -12464,6 +13035,118 @@
         </p:blipFill>
         <p:spPr>
           <a:xfrm>
+            <a:off x="10734261" y="3561822"/>
+            <a:ext cx="1391006" cy="1391006"/>
+          </a:xfrm>
+          <a:prstGeom prst="rect">
+            <a:avLst/>
+          </a:prstGeom>
+        </p:spPr>
+      </p:pic>
+    </p:spTree>
+    <p:extLst>
+      <p:ext uri="{BB962C8B-B14F-4D97-AF65-F5344CB8AC3E}">
+        <p14:creationId xmlns:p14="http://schemas.microsoft.com/office/powerpoint/2010/main" val="2625723871"/>
+      </p:ext>
+    </p:extLst>
+  </p:cSld>
+  <p:clrMapOvr>
+    <a:masterClrMapping/>
+  </p:clrMapOvr>
+</p:sld>
+</file>
+
+<file path=ppt/slides/slide20.xml><?xml version="1.0" encoding="utf-8"?>
+<p:sld xmlns:a="http://schemas.openxmlformats.org/drawingml/2006/main" xmlns:r="http://schemas.openxmlformats.org/officeDocument/2006/relationships" xmlns:p="http://schemas.openxmlformats.org/presentationml/2006/main">
+  <p:cSld>
+    <p:spTree>
+      <p:nvGrpSpPr>
+        <p:cNvPr id="1" name=""/>
+        <p:cNvGrpSpPr/>
+        <p:nvPr/>
+      </p:nvGrpSpPr>
+      <p:grpSpPr>
+        <a:xfrm>
+          <a:off x="0" y="0"/>
+          <a:ext cx="0" cy="0"/>
+          <a:chOff x="0" y="0"/>
+          <a:chExt cx="0" cy="0"/>
+        </a:xfrm>
+      </p:grpSpPr>
+      <p:sp>
+        <p:nvSpPr>
+          <p:cNvPr id="2" name="Title 1"/>
+          <p:cNvSpPr>
+            <a:spLocks noGrp="1"/>
+          </p:cNvSpPr>
+          <p:nvPr>
+            <p:ph type="title"/>
+          </p:nvPr>
+        </p:nvSpPr>
+        <p:spPr/>
+        <p:txBody>
+          <a:bodyPr/>
+          <a:lstStyle/>
+          <a:p>
+            <a:r>
+              <a:rPr lang="en-PH" dirty="0"/>
+              <a:t>Current System</a:t>
+            </a:r>
+          </a:p>
+        </p:txBody>
+      </p:sp>
+      <p:pic>
+        <p:nvPicPr>
+          <p:cNvPr id="4" name="Picture 3"/>
+          <p:cNvPicPr>
+            <a:picLocks noChangeAspect="1"/>
+          </p:cNvPicPr>
+          <p:nvPr/>
+        </p:nvPicPr>
+        <p:blipFill>
+          <a:blip r:embed="rId3">
+            <a:extLst>
+              <a:ext uri="{28A0092B-C50C-407E-A947-70E740481C1C}">
+                <a14:useLocalDpi xmlns:a14="http://schemas.microsoft.com/office/drawing/2010/main" val="0"/>
+              </a:ext>
+            </a:extLst>
+          </a:blip>
+          <a:stretch>
+            <a:fillRect/>
+          </a:stretch>
+        </p:blipFill>
+        <p:spPr>
+          <a:xfrm>
+            <a:off x="10343804" y="4696690"/>
+            <a:ext cx="2435221" cy="2435221"/>
+          </a:xfrm>
+          <a:prstGeom prst="rect">
+            <a:avLst/>
+          </a:prstGeom>
+        </p:spPr>
+      </p:pic>
+      <p:pic>
+        <p:nvPicPr>
+          <p:cNvPr id="5" name="Picture 4"/>
+          <p:cNvPicPr>
+            <a:picLocks noChangeAspect="1"/>
+          </p:cNvPicPr>
+          <p:nvPr/>
+        </p:nvPicPr>
+        <p:blipFill>
+          <a:blip r:embed="rId4" cstate="hqprint">
+            <a:extLst>
+              <a:ext uri="{28A0092B-C50C-407E-A947-70E740481C1C}">
+                <a14:useLocalDpi xmlns:a14="http://schemas.microsoft.com/office/drawing/2010/main" val="0"/>
+              </a:ext>
+            </a:extLst>
+          </a:blip>
+          <a:stretch>
+            <a:fillRect/>
+          </a:stretch>
+        </p:blipFill>
+        <p:spPr>
+          <a:xfrm>
             <a:off x="9882312" y="4197927"/>
             <a:ext cx="1391006" cy="1391006"/>
           </a:xfrm>
@@ -12523,7 +13206,7 @@
 </p:sld>
 </file>
 
-<file path=ppt/slides/slide19.xml><?xml version="1.0" encoding="utf-8"?>
+<file path=ppt/slides/slide21.xml><?xml version="1.0" encoding="utf-8"?>
 <p:sld xmlns:a="http://schemas.openxmlformats.org/drawingml/2006/main" xmlns:r="http://schemas.openxmlformats.org/officeDocument/2006/relationships" xmlns:p="http://schemas.openxmlformats.org/presentationml/2006/main">
   <p:cSld>
     <p:spTree>
@@ -13129,198 +13812,7 @@
 </p:sld>
 </file>
 
-<file path=ppt/slides/slide2.xml><?xml version="1.0" encoding="utf-8"?>
-<p:sld xmlns:a="http://schemas.openxmlformats.org/drawingml/2006/main" xmlns:r="http://schemas.openxmlformats.org/officeDocument/2006/relationships" xmlns:p="http://schemas.openxmlformats.org/presentationml/2006/main">
-  <p:cSld>
-    <p:spTree>
-      <p:nvGrpSpPr>
-        <p:cNvPr id="1" name=""/>
-        <p:cNvGrpSpPr/>
-        <p:nvPr/>
-      </p:nvGrpSpPr>
-      <p:grpSpPr>
-        <a:xfrm>
-          <a:off x="0" y="0"/>
-          <a:ext cx="0" cy="0"/>
-          <a:chOff x="0" y="0"/>
-          <a:chExt cx="0" cy="0"/>
-        </a:xfrm>
-      </p:grpSpPr>
-      <p:sp>
-        <p:nvSpPr>
-          <p:cNvPr id="2" name="Title 1"/>
-          <p:cNvSpPr>
-            <a:spLocks noGrp="1"/>
-          </p:cNvSpPr>
-          <p:nvPr>
-            <p:ph type="title"/>
-          </p:nvPr>
-        </p:nvSpPr>
-        <p:spPr/>
-        <p:txBody>
-          <a:bodyPr/>
-          <a:lstStyle/>
-          <a:p>
-            <a:r>
-              <a:rPr lang="en-PH" dirty="0"/>
-              <a:t>Background of the Problem</a:t>
-            </a:r>
-          </a:p>
-        </p:txBody>
-      </p:sp>
-      <p:sp>
-        <p:nvSpPr>
-          <p:cNvPr id="3" name="Content Placeholder 2"/>
-          <p:cNvSpPr>
-            <a:spLocks noGrp="1"/>
-          </p:cNvSpPr>
-          <p:nvPr>
-            <p:ph idx="1"/>
-          </p:nvPr>
-        </p:nvSpPr>
-        <p:spPr>
-          <a:xfrm>
-            <a:off x="838200" y="1497496"/>
-            <a:ext cx="9896061" cy="4679467"/>
-          </a:xfrm>
-        </p:spPr>
-        <p:txBody>
-          <a:bodyPr>
-            <a:normAutofit lnSpcReduction="10000"/>
-          </a:bodyPr>
-          <a:lstStyle/>
-          <a:p>
-            <a:r>
-              <a:rPr lang="en-PH" dirty="0"/>
-              <a:t>During the 2016 elections, Bong </a:t>
-            </a:r>
-            <a:r>
-              <a:rPr lang="en-PH" dirty="0" err="1"/>
-              <a:t>Bong</a:t>
-            </a:r>
-            <a:r>
-              <a:rPr lang="en-PH" dirty="0"/>
-              <a:t> Marcos’ camp believes that there exists a “Fourth Server” or also known as the “Queue Server”.</a:t>
-            </a:r>
-          </a:p>
-          <a:p>
-            <a:r>
-              <a:rPr lang="en-PH" dirty="0"/>
-              <a:t>It has been revealed that the </a:t>
-            </a:r>
-            <a:r>
-              <a:rPr lang="en-PH" dirty="0" err="1"/>
-              <a:t>Comelec</a:t>
-            </a:r>
-            <a:r>
-              <a:rPr lang="en-PH" dirty="0"/>
-              <a:t> and </a:t>
-            </a:r>
-            <a:r>
-              <a:rPr lang="en-PH" dirty="0" err="1"/>
-              <a:t>Smartmatic</a:t>
-            </a:r>
-            <a:r>
-              <a:rPr lang="en-PH" dirty="0"/>
-              <a:t> has been keeping it from the public. </a:t>
-            </a:r>
-          </a:p>
-          <a:p>
-            <a:r>
-              <a:rPr lang="en-PH" dirty="0"/>
-              <a:t>Instead of letting the ERs be directly transmitted to the three official servers, namely the Municipal Board of Canvassing Server, </a:t>
-            </a:r>
-            <a:r>
-              <a:rPr lang="en-PH" dirty="0" err="1"/>
-              <a:t>Comelec</a:t>
-            </a:r>
-            <a:r>
-              <a:rPr lang="en-PH" dirty="0"/>
-              <a:t> Server, and the Transparency server, the results were first being processed and consolidated in the “Queue Server”.</a:t>
-            </a:r>
-          </a:p>
-          <a:p>
-            <a:r>
-              <a:rPr lang="en-PH" dirty="0"/>
-              <a:t>Another problem with the secret server is that the source code being used was never reviewed despite of it being a requirement in the law. </a:t>
-            </a:r>
-          </a:p>
-        </p:txBody>
-      </p:sp>
-      <p:pic>
-        <p:nvPicPr>
-          <p:cNvPr id="4" name="Picture 3"/>
-          <p:cNvPicPr>
-            <a:picLocks noChangeAspect="1"/>
-          </p:cNvPicPr>
-          <p:nvPr/>
-        </p:nvPicPr>
-        <p:blipFill>
-          <a:blip r:embed="rId3">
-            <a:extLst>
-              <a:ext uri="{28A0092B-C50C-407E-A947-70E740481C1C}">
-                <a14:useLocalDpi xmlns:a14="http://schemas.microsoft.com/office/drawing/2010/main" val="0"/>
-              </a:ext>
-            </a:extLst>
-          </a:blip>
-          <a:stretch>
-            <a:fillRect/>
-          </a:stretch>
-        </p:blipFill>
-        <p:spPr>
-          <a:xfrm>
-            <a:off x="10595595" y="4723195"/>
-            <a:ext cx="2435221" cy="2435221"/>
-          </a:xfrm>
-          <a:prstGeom prst="rect">
-            <a:avLst/>
-          </a:prstGeom>
-        </p:spPr>
-      </p:pic>
-      <p:pic>
-        <p:nvPicPr>
-          <p:cNvPr id="5" name="Picture 4"/>
-          <p:cNvPicPr>
-            <a:picLocks noChangeAspect="1"/>
-          </p:cNvPicPr>
-          <p:nvPr/>
-        </p:nvPicPr>
-        <p:blipFill>
-          <a:blip r:embed="rId4" cstate="hqprint">
-            <a:extLst>
-              <a:ext uri="{28A0092B-C50C-407E-A947-70E740481C1C}">
-                <a14:useLocalDpi xmlns:a14="http://schemas.microsoft.com/office/drawing/2010/main" val="0"/>
-              </a:ext>
-            </a:extLst>
-          </a:blip>
-          <a:stretch>
-            <a:fillRect/>
-          </a:stretch>
-        </p:blipFill>
-        <p:spPr>
-          <a:xfrm>
-            <a:off x="10734261" y="3561822"/>
-            <a:ext cx="1391006" cy="1391006"/>
-          </a:xfrm>
-          <a:prstGeom prst="rect">
-            <a:avLst/>
-          </a:prstGeom>
-        </p:spPr>
-      </p:pic>
-    </p:spTree>
-    <p:extLst>
-      <p:ext uri="{BB962C8B-B14F-4D97-AF65-F5344CB8AC3E}">
-        <p14:creationId xmlns:p14="http://schemas.microsoft.com/office/powerpoint/2010/main" val="2625723871"/>
-      </p:ext>
-    </p:extLst>
-  </p:cSld>
-  <p:clrMapOvr>
-    <a:masterClrMapping/>
-  </p:clrMapOvr>
-</p:sld>
-</file>
-
-<file path=ppt/slides/slide20.xml><?xml version="1.0" encoding="utf-8"?>
+<file path=ppt/slides/slide22.xml><?xml version="1.0" encoding="utf-8"?>
 <p:sld xmlns:a="http://schemas.openxmlformats.org/drawingml/2006/main" xmlns:r="http://schemas.openxmlformats.org/officeDocument/2006/relationships" xmlns:p="http://schemas.openxmlformats.org/presentationml/2006/main" show="0">
   <p:cSld>
     <p:spTree>
@@ -14426,7 +14918,7 @@
 </p:sld>
 </file>
 
-<file path=ppt/slides/slide21.xml><?xml version="1.0" encoding="utf-8"?>
+<file path=ppt/slides/slide23.xml><?xml version="1.0" encoding="utf-8"?>
 <p:sld xmlns:a="http://schemas.openxmlformats.org/drawingml/2006/main" xmlns:r="http://schemas.openxmlformats.org/officeDocument/2006/relationships" xmlns:p="http://schemas.openxmlformats.org/presentationml/2006/main">
   <p:cSld>
     <p:spTree>
@@ -15068,1335 +15560,6 @@
     <p:extLst>
       <p:ext uri="{BB962C8B-B14F-4D97-AF65-F5344CB8AC3E}">
         <p14:creationId xmlns:p14="http://schemas.microsoft.com/office/powerpoint/2010/main" val="3102187417"/>
-      </p:ext>
-    </p:extLst>
-  </p:cSld>
-  <p:clrMapOvr>
-    <a:masterClrMapping/>
-  </p:clrMapOvr>
-</p:sld>
-</file>
-
-<file path=ppt/slides/slide22.xml><?xml version="1.0" encoding="utf-8"?>
-<p:sld xmlns:a="http://schemas.openxmlformats.org/drawingml/2006/main" xmlns:r="http://schemas.openxmlformats.org/officeDocument/2006/relationships" xmlns:p="http://schemas.openxmlformats.org/presentationml/2006/main">
-  <p:cSld>
-    <p:spTree>
-      <p:nvGrpSpPr>
-        <p:cNvPr id="1" name=""/>
-        <p:cNvGrpSpPr/>
-        <p:nvPr/>
-      </p:nvGrpSpPr>
-      <p:grpSpPr>
-        <a:xfrm>
-          <a:off x="0" y="0"/>
-          <a:ext cx="0" cy="0"/>
-          <a:chOff x="0" y="0"/>
-          <a:chExt cx="0" cy="0"/>
-        </a:xfrm>
-      </p:grpSpPr>
-      <p:sp>
-        <p:nvSpPr>
-          <p:cNvPr id="2" name="Title 1"/>
-          <p:cNvSpPr>
-            <a:spLocks noGrp="1"/>
-          </p:cNvSpPr>
-          <p:nvPr>
-            <p:ph type="title"/>
-          </p:nvPr>
-        </p:nvSpPr>
-        <p:spPr/>
-        <p:txBody>
-          <a:bodyPr/>
-          <a:lstStyle/>
-          <a:p>
-            <a:r>
-              <a:rPr lang="en-PH" dirty="0"/>
-              <a:t>Proposed System</a:t>
-            </a:r>
-          </a:p>
-        </p:txBody>
-      </p:sp>
-      <p:pic>
-        <p:nvPicPr>
-          <p:cNvPr id="4" name="Picture 3"/>
-          <p:cNvPicPr>
-            <a:picLocks noChangeAspect="1"/>
-          </p:cNvPicPr>
-          <p:nvPr/>
-        </p:nvPicPr>
-        <p:blipFill>
-          <a:blip r:embed="rId3">
-            <a:extLst>
-              <a:ext uri="{28A0092B-C50C-407E-A947-70E740481C1C}">
-                <a14:useLocalDpi xmlns:a14="http://schemas.microsoft.com/office/drawing/2010/main" val="0"/>
-              </a:ext>
-            </a:extLst>
-          </a:blip>
-          <a:stretch>
-            <a:fillRect/>
-          </a:stretch>
-        </p:blipFill>
-        <p:spPr>
-          <a:xfrm>
-            <a:off x="10343804" y="4696690"/>
-            <a:ext cx="2435221" cy="2435221"/>
-          </a:xfrm>
-          <a:prstGeom prst="rect">
-            <a:avLst/>
-          </a:prstGeom>
-        </p:spPr>
-      </p:pic>
-      <p:pic>
-        <p:nvPicPr>
-          <p:cNvPr id="5" name="Picture 4"/>
-          <p:cNvPicPr>
-            <a:picLocks noChangeAspect="1"/>
-          </p:cNvPicPr>
-          <p:nvPr/>
-        </p:nvPicPr>
-        <p:blipFill>
-          <a:blip r:embed="rId4" cstate="hqprint">
-            <a:extLst>
-              <a:ext uri="{28A0092B-C50C-407E-A947-70E740481C1C}">
-                <a14:useLocalDpi xmlns:a14="http://schemas.microsoft.com/office/drawing/2010/main" val="0"/>
-              </a:ext>
-            </a:extLst>
-          </a:blip>
-          <a:stretch>
-            <a:fillRect/>
-          </a:stretch>
-        </p:blipFill>
-        <p:spPr>
-          <a:xfrm>
-            <a:off x="9882312" y="4197927"/>
-            <a:ext cx="1391006" cy="1391006"/>
-          </a:xfrm>
-          <a:prstGeom prst="rect">
-            <a:avLst/>
-          </a:prstGeom>
-        </p:spPr>
-      </p:pic>
-      <p:sp>
-        <p:nvSpPr>
-          <p:cNvPr id="26" name="TextBox 25"/>
-          <p:cNvSpPr txBox="1"/>
-          <p:nvPr/>
-        </p:nvSpPr>
-        <p:spPr>
-          <a:xfrm>
-            <a:off x="4687962" y="5294236"/>
-            <a:ext cx="1539240" cy="369332"/>
-          </a:xfrm>
-          <a:prstGeom prst="rect">
-            <a:avLst/>
-          </a:prstGeom>
-          <a:noFill/>
-        </p:spPr>
-        <p:txBody>
-          <a:bodyPr wrap="square" rtlCol="0">
-            <a:spAutoFit/>
-          </a:bodyPr>
-          <a:lstStyle/>
-          <a:p>
-            <a:pPr algn="ctr"/>
-            <a:r>
-              <a:rPr lang="en-PH" dirty="0"/>
-              <a:t>VCM</a:t>
-            </a:r>
-          </a:p>
-        </p:txBody>
-      </p:sp>
-      <p:sp>
-        <p:nvSpPr>
-          <p:cNvPr id="30" name="TextBox 29"/>
-          <p:cNvSpPr txBox="1"/>
-          <p:nvPr/>
-        </p:nvSpPr>
-        <p:spPr>
-          <a:xfrm>
-            <a:off x="4556165" y="1942509"/>
-            <a:ext cx="1842868" cy="369332"/>
-          </a:xfrm>
-          <a:prstGeom prst="rect">
-            <a:avLst/>
-          </a:prstGeom>
-          <a:noFill/>
-        </p:spPr>
-        <p:txBody>
-          <a:bodyPr wrap="square" rtlCol="0">
-            <a:spAutoFit/>
-          </a:bodyPr>
-          <a:lstStyle/>
-          <a:p>
-            <a:pPr algn="ctr"/>
-            <a:r>
-              <a:rPr lang="en-PH" dirty="0"/>
-              <a:t>Central Server</a:t>
-            </a:r>
-          </a:p>
-        </p:txBody>
-      </p:sp>
-      <p:sp>
-        <p:nvSpPr>
-          <p:cNvPr id="31" name="TextBox 30"/>
-          <p:cNvSpPr txBox="1"/>
-          <p:nvPr/>
-        </p:nvSpPr>
-        <p:spPr>
-          <a:xfrm>
-            <a:off x="6413203" y="1693645"/>
-            <a:ext cx="1842868" cy="646331"/>
-          </a:xfrm>
-          <a:prstGeom prst="rect">
-            <a:avLst/>
-          </a:prstGeom>
-          <a:noFill/>
-        </p:spPr>
-        <p:txBody>
-          <a:bodyPr wrap="square" rtlCol="0">
-            <a:spAutoFit/>
-          </a:bodyPr>
-          <a:lstStyle/>
-          <a:p>
-            <a:pPr algn="ctr"/>
-            <a:r>
-              <a:rPr lang="en-PH" dirty="0"/>
-              <a:t>Transparency Server</a:t>
-            </a:r>
-          </a:p>
-        </p:txBody>
-      </p:sp>
-      <p:sp>
-        <p:nvSpPr>
-          <p:cNvPr id="32" name="TextBox 31"/>
-          <p:cNvSpPr txBox="1"/>
-          <p:nvPr/>
-        </p:nvSpPr>
-        <p:spPr>
-          <a:xfrm>
-            <a:off x="4556165" y="2246366"/>
-            <a:ext cx="1842868" cy="276999"/>
-          </a:xfrm>
-          <a:prstGeom prst="rect">
-            <a:avLst/>
-          </a:prstGeom>
-          <a:noFill/>
-        </p:spPr>
-        <p:txBody>
-          <a:bodyPr wrap="square" rtlCol="0">
-            <a:spAutoFit/>
-          </a:bodyPr>
-          <a:lstStyle/>
-          <a:p>
-            <a:pPr algn="ctr"/>
-            <a:r>
-              <a:rPr lang="en-PH" sz="1200" dirty="0"/>
-              <a:t>Handled by COMELEC</a:t>
-            </a:r>
-          </a:p>
-        </p:txBody>
-      </p:sp>
-      <p:sp>
-        <p:nvSpPr>
-          <p:cNvPr id="33" name="TextBox 32"/>
-          <p:cNvSpPr txBox="1"/>
-          <p:nvPr/>
-        </p:nvSpPr>
-        <p:spPr>
-          <a:xfrm>
-            <a:off x="6413203" y="2246362"/>
-            <a:ext cx="1842868" cy="276999"/>
-          </a:xfrm>
-          <a:prstGeom prst="rect">
-            <a:avLst/>
-          </a:prstGeom>
-          <a:noFill/>
-        </p:spPr>
-        <p:txBody>
-          <a:bodyPr wrap="square" rtlCol="0">
-            <a:spAutoFit/>
-          </a:bodyPr>
-          <a:lstStyle/>
-          <a:p>
-            <a:pPr algn="ctr"/>
-            <a:r>
-              <a:rPr lang="en-PH" sz="1200" dirty="0"/>
-              <a:t>Handled by PPCRV</a:t>
-            </a:r>
-          </a:p>
-        </p:txBody>
-      </p:sp>
-      <p:pic>
-        <p:nvPicPr>
-          <p:cNvPr id="8" name="Picture 7"/>
-          <p:cNvPicPr>
-            <a:picLocks noChangeAspect="1"/>
-          </p:cNvPicPr>
-          <p:nvPr/>
-        </p:nvPicPr>
-        <p:blipFill>
-          <a:blip r:embed="rId5">
-            <a:extLst>
-              <a:ext uri="{28A0092B-C50C-407E-A947-70E740481C1C}">
-                <a14:useLocalDpi xmlns:a14="http://schemas.microsoft.com/office/drawing/2010/main" val="0"/>
-              </a:ext>
-            </a:extLst>
-          </a:blip>
-          <a:stretch>
-            <a:fillRect/>
-          </a:stretch>
-        </p:blipFill>
-        <p:spPr>
-          <a:xfrm>
-            <a:off x="5003281" y="2587876"/>
-            <a:ext cx="948637" cy="948637"/>
-          </a:xfrm>
-          <a:prstGeom prst="rect">
-            <a:avLst/>
-          </a:prstGeom>
-        </p:spPr>
-      </p:pic>
-      <p:pic>
-        <p:nvPicPr>
-          <p:cNvPr id="6" name="Content Placeholder 5"/>
-          <p:cNvPicPr>
-            <a:picLocks noGrp="1" noChangeAspect="1"/>
-          </p:cNvPicPr>
-          <p:nvPr>
-            <p:ph idx="1"/>
-          </p:nvPr>
-        </p:nvPicPr>
-        <p:blipFill>
-          <a:blip r:embed="rId6">
-            <a:extLst>
-              <a:ext uri="{28A0092B-C50C-407E-A947-70E740481C1C}">
-                <a14:useLocalDpi xmlns:a14="http://schemas.microsoft.com/office/drawing/2010/main" val="0"/>
-              </a:ext>
-            </a:extLst>
-          </a:blip>
-          <a:stretch>
-            <a:fillRect/>
-          </a:stretch>
-        </p:blipFill>
-        <p:spPr>
-          <a:xfrm>
-            <a:off x="4846532" y="4214331"/>
-            <a:ext cx="1262135" cy="1262135"/>
-          </a:xfrm>
-        </p:spPr>
-      </p:pic>
-      <p:pic>
-        <p:nvPicPr>
-          <p:cNvPr id="39" name="Picture 38"/>
-          <p:cNvPicPr>
-            <a:picLocks noChangeAspect="1"/>
-          </p:cNvPicPr>
-          <p:nvPr/>
-        </p:nvPicPr>
-        <p:blipFill>
-          <a:blip r:embed="rId5">
-            <a:extLst>
-              <a:ext uri="{28A0092B-C50C-407E-A947-70E740481C1C}">
-                <a14:useLocalDpi xmlns:a14="http://schemas.microsoft.com/office/drawing/2010/main" val="0"/>
-              </a:ext>
-            </a:extLst>
-          </a:blip>
-          <a:stretch>
-            <a:fillRect/>
-          </a:stretch>
-        </p:blipFill>
-        <p:spPr>
-          <a:xfrm>
-            <a:off x="3118108" y="2587875"/>
-            <a:ext cx="948637" cy="948637"/>
-          </a:xfrm>
-          <a:prstGeom prst="rect">
-            <a:avLst/>
-          </a:prstGeom>
-        </p:spPr>
-      </p:pic>
-      <p:pic>
-        <p:nvPicPr>
-          <p:cNvPr id="12" name="Picture 11"/>
-          <p:cNvPicPr>
-            <a:picLocks noChangeAspect="1"/>
-          </p:cNvPicPr>
-          <p:nvPr/>
-        </p:nvPicPr>
-        <p:blipFill>
-          <a:blip r:embed="rId5">
-            <a:extLst>
-              <a:ext uri="{28A0092B-C50C-407E-A947-70E740481C1C}">
-                <a14:useLocalDpi xmlns:a14="http://schemas.microsoft.com/office/drawing/2010/main" val="0"/>
-              </a:ext>
-            </a:extLst>
-          </a:blip>
-          <a:stretch>
-            <a:fillRect/>
-          </a:stretch>
-        </p:blipFill>
-        <p:spPr>
-          <a:xfrm>
-            <a:off x="6860319" y="2587876"/>
-            <a:ext cx="948637" cy="948637"/>
-          </a:xfrm>
-          <a:prstGeom prst="rect">
-            <a:avLst/>
-          </a:prstGeom>
-        </p:spPr>
-      </p:pic>
-      <p:sp>
-        <p:nvSpPr>
-          <p:cNvPr id="37" name="TextBox 36"/>
-          <p:cNvSpPr txBox="1"/>
-          <p:nvPr/>
-        </p:nvSpPr>
-        <p:spPr>
-          <a:xfrm>
-            <a:off x="1969895" y="3948621"/>
-            <a:ext cx="1503997" cy="461665"/>
-          </a:xfrm>
-          <a:prstGeom prst="rect">
-            <a:avLst/>
-          </a:prstGeom>
-          <a:noFill/>
-        </p:spPr>
-        <p:txBody>
-          <a:bodyPr wrap="square" rtlCol="0">
-            <a:spAutoFit/>
-          </a:bodyPr>
-          <a:lstStyle/>
-          <a:p>
-            <a:pPr algn="ctr"/>
-            <a:r>
-              <a:rPr lang="en-PH" sz="1200" dirty="0"/>
-              <a:t>Decrypted data using VCM’s private key </a:t>
-            </a:r>
-          </a:p>
-        </p:txBody>
-      </p:sp>
-      <p:sp>
-        <p:nvSpPr>
-          <p:cNvPr id="27" name="TextBox 26"/>
-          <p:cNvSpPr txBox="1"/>
-          <p:nvPr/>
-        </p:nvSpPr>
-        <p:spPr>
-          <a:xfrm>
-            <a:off x="2670992" y="1848126"/>
-            <a:ext cx="1842868" cy="584775"/>
-          </a:xfrm>
-          <a:prstGeom prst="rect">
-            <a:avLst/>
-          </a:prstGeom>
-          <a:noFill/>
-        </p:spPr>
-        <p:txBody>
-          <a:bodyPr wrap="square" rtlCol="0">
-            <a:spAutoFit/>
-          </a:bodyPr>
-          <a:lstStyle/>
-          <a:p>
-            <a:pPr algn="ctr"/>
-            <a:r>
-              <a:rPr lang="en-PH" sz="1600" dirty="0"/>
-              <a:t>Consolidation and Canvassing Server</a:t>
-            </a:r>
-          </a:p>
-        </p:txBody>
-      </p:sp>
-      <p:cxnSp>
-        <p:nvCxnSpPr>
-          <p:cNvPr id="9" name="Connector: Elbow 8"/>
-          <p:cNvCxnSpPr>
-            <a:stCxn id="6" idx="1"/>
-            <a:endCxn id="39" idx="2"/>
-          </p:cNvCxnSpPr>
-          <p:nvPr/>
-        </p:nvCxnSpPr>
-        <p:spPr>
-          <a:xfrm rot="10800000">
-            <a:off x="3592428" y="3536513"/>
-            <a:ext cx="1254105" cy="1308887"/>
-          </a:xfrm>
-          <a:prstGeom prst="bentConnector2">
-            <a:avLst/>
-          </a:prstGeom>
-          <a:ln>
-            <a:tailEnd type="triangle"/>
-          </a:ln>
-        </p:spPr>
-        <p:style>
-          <a:lnRef idx="1">
-            <a:schemeClr val="accent1"/>
-          </a:lnRef>
-          <a:fillRef idx="0">
-            <a:schemeClr val="accent1"/>
-          </a:fillRef>
-          <a:effectRef idx="0">
-            <a:schemeClr val="accent1"/>
-          </a:effectRef>
-          <a:fontRef idx="minor">
-            <a:schemeClr val="tx1"/>
-          </a:fontRef>
-        </p:style>
-      </p:cxnSp>
-      <p:cxnSp>
-        <p:nvCxnSpPr>
-          <p:cNvPr id="11" name="Straight Arrow Connector 10"/>
-          <p:cNvCxnSpPr>
-            <a:endCxn id="8" idx="2"/>
-          </p:cNvCxnSpPr>
-          <p:nvPr/>
-        </p:nvCxnSpPr>
-        <p:spPr>
-          <a:xfrm flipV="1">
-            <a:off x="5477600" y="3536513"/>
-            <a:ext cx="0" cy="873772"/>
-          </a:xfrm>
-          <a:prstGeom prst="straightConnector1">
-            <a:avLst/>
-          </a:prstGeom>
-          <a:ln>
-            <a:tailEnd type="triangle"/>
-          </a:ln>
-        </p:spPr>
-        <p:style>
-          <a:lnRef idx="1">
-            <a:schemeClr val="accent1"/>
-          </a:lnRef>
-          <a:fillRef idx="0">
-            <a:schemeClr val="accent1"/>
-          </a:fillRef>
-          <a:effectRef idx="0">
-            <a:schemeClr val="accent1"/>
-          </a:effectRef>
-          <a:fontRef idx="minor">
-            <a:schemeClr val="tx1"/>
-          </a:fontRef>
-        </p:style>
-      </p:cxnSp>
-      <p:cxnSp>
-        <p:nvCxnSpPr>
-          <p:cNvPr id="17" name="Connector: Elbow 16"/>
-          <p:cNvCxnSpPr>
-            <a:stCxn id="6" idx="3"/>
-            <a:endCxn id="12" idx="2"/>
-          </p:cNvCxnSpPr>
-          <p:nvPr/>
-        </p:nvCxnSpPr>
-        <p:spPr>
-          <a:xfrm flipV="1">
-            <a:off x="6108667" y="3536513"/>
-            <a:ext cx="1225971" cy="1308886"/>
-          </a:xfrm>
-          <a:prstGeom prst="bentConnector2">
-            <a:avLst/>
-          </a:prstGeom>
-          <a:ln>
-            <a:tailEnd type="triangle"/>
-          </a:ln>
-        </p:spPr>
-        <p:style>
-          <a:lnRef idx="1">
-            <a:schemeClr val="accent1"/>
-          </a:lnRef>
-          <a:fillRef idx="0">
-            <a:schemeClr val="accent1"/>
-          </a:fillRef>
-          <a:effectRef idx="0">
-            <a:schemeClr val="accent1"/>
-          </a:effectRef>
-          <a:fontRef idx="minor">
-            <a:schemeClr val="tx1"/>
-          </a:fontRef>
-        </p:style>
-      </p:cxnSp>
-      <p:sp>
-        <p:nvSpPr>
-          <p:cNvPr id="20" name="Oval 19"/>
-          <p:cNvSpPr/>
-          <p:nvPr/>
-        </p:nvSpPr>
-        <p:spPr>
-          <a:xfrm>
-            <a:off x="1270640" y="1774753"/>
-            <a:ext cx="731520" cy="731520"/>
-          </a:xfrm>
-          <a:prstGeom prst="ellipse">
-            <a:avLst/>
-          </a:prstGeom>
-        </p:spPr>
-        <p:style>
-          <a:lnRef idx="2">
-            <a:schemeClr val="accent1">
-              <a:shade val="50000"/>
-            </a:schemeClr>
-          </a:lnRef>
-          <a:fillRef idx="1">
-            <a:schemeClr val="accent1"/>
-          </a:fillRef>
-          <a:effectRef idx="0">
-            <a:schemeClr val="accent1"/>
-          </a:effectRef>
-          <a:fontRef idx="minor">
-            <a:schemeClr val="lt1"/>
-          </a:fontRef>
-        </p:style>
-        <p:txBody>
-          <a:bodyPr rtlCol="0" anchor="ctr"/>
-          <a:lstStyle/>
-          <a:p>
-            <a:pPr algn="ctr"/>
-            <a:r>
-              <a:rPr lang="en-PH" sz="3200" dirty="0"/>
-              <a:t>2</a:t>
-            </a:r>
-          </a:p>
-        </p:txBody>
-      </p:sp>
-      <p:sp>
-        <p:nvSpPr>
-          <p:cNvPr id="34" name="TextBox 33"/>
-          <p:cNvSpPr txBox="1"/>
-          <p:nvPr/>
-        </p:nvSpPr>
-        <p:spPr>
-          <a:xfrm>
-            <a:off x="5477599" y="3748033"/>
-            <a:ext cx="1503997" cy="461665"/>
-          </a:xfrm>
-          <a:prstGeom prst="rect">
-            <a:avLst/>
-          </a:prstGeom>
-          <a:noFill/>
-        </p:spPr>
-        <p:txBody>
-          <a:bodyPr wrap="square" rtlCol="0">
-            <a:spAutoFit/>
-          </a:bodyPr>
-          <a:lstStyle/>
-          <a:p>
-            <a:pPr algn="ctr"/>
-            <a:r>
-              <a:rPr lang="en-PH" sz="1200" dirty="0"/>
-              <a:t>Decrypted data using VCM’s private key </a:t>
-            </a:r>
-          </a:p>
-        </p:txBody>
-      </p:sp>
-      <p:sp>
-        <p:nvSpPr>
-          <p:cNvPr id="35" name="TextBox 34"/>
-          <p:cNvSpPr txBox="1"/>
-          <p:nvPr/>
-        </p:nvSpPr>
-        <p:spPr>
-          <a:xfrm>
-            <a:off x="7491731" y="3948620"/>
-            <a:ext cx="1503997" cy="461665"/>
-          </a:xfrm>
-          <a:prstGeom prst="rect">
-            <a:avLst/>
-          </a:prstGeom>
-          <a:noFill/>
-        </p:spPr>
-        <p:txBody>
-          <a:bodyPr wrap="square" rtlCol="0">
-            <a:spAutoFit/>
-          </a:bodyPr>
-          <a:lstStyle/>
-          <a:p>
-            <a:pPr algn="ctr"/>
-            <a:r>
-              <a:rPr lang="en-PH" sz="1200" dirty="0"/>
-              <a:t>Decrypted data using VCM’s private key </a:t>
-            </a:r>
-          </a:p>
-        </p:txBody>
-      </p:sp>
-    </p:spTree>
-    <p:extLst>
-      <p:ext uri="{BB962C8B-B14F-4D97-AF65-F5344CB8AC3E}">
-        <p14:creationId xmlns:p14="http://schemas.microsoft.com/office/powerpoint/2010/main" val="1021339983"/>
-      </p:ext>
-    </p:extLst>
-  </p:cSld>
-  <p:clrMapOvr>
-    <a:masterClrMapping/>
-  </p:clrMapOvr>
-</p:sld>
-</file>
-
-<file path=ppt/slides/slide23.xml><?xml version="1.0" encoding="utf-8"?>
-<p:sld xmlns:a="http://schemas.openxmlformats.org/drawingml/2006/main" xmlns:r="http://schemas.openxmlformats.org/officeDocument/2006/relationships" xmlns:p="http://schemas.openxmlformats.org/presentationml/2006/main">
-  <p:cSld>
-    <p:spTree>
-      <p:nvGrpSpPr>
-        <p:cNvPr id="1" name=""/>
-        <p:cNvGrpSpPr/>
-        <p:nvPr/>
-      </p:nvGrpSpPr>
-      <p:grpSpPr>
-        <a:xfrm>
-          <a:off x="0" y="0"/>
-          <a:ext cx="0" cy="0"/>
-          <a:chOff x="0" y="0"/>
-          <a:chExt cx="0" cy="0"/>
-        </a:xfrm>
-      </p:grpSpPr>
-      <p:sp>
-        <p:nvSpPr>
-          <p:cNvPr id="2" name="Title 1"/>
-          <p:cNvSpPr>
-            <a:spLocks noGrp="1"/>
-          </p:cNvSpPr>
-          <p:nvPr>
-            <p:ph type="title"/>
-          </p:nvPr>
-        </p:nvSpPr>
-        <p:spPr/>
-        <p:txBody>
-          <a:bodyPr/>
-          <a:lstStyle/>
-          <a:p>
-            <a:r>
-              <a:rPr lang="en-PH" dirty="0"/>
-              <a:t>Proposed System</a:t>
-            </a:r>
-          </a:p>
-        </p:txBody>
-      </p:sp>
-      <p:pic>
-        <p:nvPicPr>
-          <p:cNvPr id="4" name="Picture 3"/>
-          <p:cNvPicPr>
-            <a:picLocks noChangeAspect="1"/>
-          </p:cNvPicPr>
-          <p:nvPr/>
-        </p:nvPicPr>
-        <p:blipFill>
-          <a:blip r:embed="rId3">
-            <a:extLst>
-              <a:ext uri="{28A0092B-C50C-407E-A947-70E740481C1C}">
-                <a14:useLocalDpi xmlns:a14="http://schemas.microsoft.com/office/drawing/2010/main" val="0"/>
-              </a:ext>
-            </a:extLst>
-          </a:blip>
-          <a:stretch>
-            <a:fillRect/>
-          </a:stretch>
-        </p:blipFill>
-        <p:spPr>
-          <a:xfrm>
-            <a:off x="10343804" y="4696690"/>
-            <a:ext cx="2435221" cy="2435221"/>
-          </a:xfrm>
-          <a:prstGeom prst="rect">
-            <a:avLst/>
-          </a:prstGeom>
-        </p:spPr>
-      </p:pic>
-      <p:pic>
-        <p:nvPicPr>
-          <p:cNvPr id="5" name="Picture 4"/>
-          <p:cNvPicPr>
-            <a:picLocks noChangeAspect="1"/>
-          </p:cNvPicPr>
-          <p:nvPr/>
-        </p:nvPicPr>
-        <p:blipFill>
-          <a:blip r:embed="rId4" cstate="hqprint">
-            <a:extLst>
-              <a:ext uri="{28A0092B-C50C-407E-A947-70E740481C1C}">
-                <a14:useLocalDpi xmlns:a14="http://schemas.microsoft.com/office/drawing/2010/main" val="0"/>
-              </a:ext>
-            </a:extLst>
-          </a:blip>
-          <a:stretch>
-            <a:fillRect/>
-          </a:stretch>
-        </p:blipFill>
-        <p:spPr>
-          <a:xfrm>
-            <a:off x="9882312" y="4197927"/>
-            <a:ext cx="1391006" cy="1391006"/>
-          </a:xfrm>
-          <a:prstGeom prst="rect">
-            <a:avLst/>
-          </a:prstGeom>
-        </p:spPr>
-      </p:pic>
-      <p:sp>
-        <p:nvSpPr>
-          <p:cNvPr id="26" name="TextBox 25"/>
-          <p:cNvSpPr txBox="1"/>
-          <p:nvPr/>
-        </p:nvSpPr>
-        <p:spPr>
-          <a:xfrm>
-            <a:off x="4687962" y="5294236"/>
-            <a:ext cx="1539240" cy="369332"/>
-          </a:xfrm>
-          <a:prstGeom prst="rect">
-            <a:avLst/>
-          </a:prstGeom>
-          <a:noFill/>
-        </p:spPr>
-        <p:txBody>
-          <a:bodyPr wrap="square" rtlCol="0">
-            <a:spAutoFit/>
-          </a:bodyPr>
-          <a:lstStyle/>
-          <a:p>
-            <a:pPr algn="ctr"/>
-            <a:r>
-              <a:rPr lang="en-PH" dirty="0"/>
-              <a:t>VCM</a:t>
-            </a:r>
-          </a:p>
-        </p:txBody>
-      </p:sp>
-      <p:sp>
-        <p:nvSpPr>
-          <p:cNvPr id="30" name="TextBox 29"/>
-          <p:cNvSpPr txBox="1"/>
-          <p:nvPr/>
-        </p:nvSpPr>
-        <p:spPr>
-          <a:xfrm>
-            <a:off x="4556165" y="1942509"/>
-            <a:ext cx="1842868" cy="369332"/>
-          </a:xfrm>
-          <a:prstGeom prst="rect">
-            <a:avLst/>
-          </a:prstGeom>
-          <a:noFill/>
-        </p:spPr>
-        <p:txBody>
-          <a:bodyPr wrap="square" rtlCol="0">
-            <a:spAutoFit/>
-          </a:bodyPr>
-          <a:lstStyle/>
-          <a:p>
-            <a:pPr algn="ctr"/>
-            <a:r>
-              <a:rPr lang="en-PH" dirty="0"/>
-              <a:t>Central Server</a:t>
-            </a:r>
-          </a:p>
-        </p:txBody>
-      </p:sp>
-      <p:sp>
-        <p:nvSpPr>
-          <p:cNvPr id="31" name="TextBox 30"/>
-          <p:cNvSpPr txBox="1"/>
-          <p:nvPr/>
-        </p:nvSpPr>
-        <p:spPr>
-          <a:xfrm>
-            <a:off x="6413203" y="1693645"/>
-            <a:ext cx="1842868" cy="646331"/>
-          </a:xfrm>
-          <a:prstGeom prst="rect">
-            <a:avLst/>
-          </a:prstGeom>
-          <a:noFill/>
-        </p:spPr>
-        <p:txBody>
-          <a:bodyPr wrap="square" rtlCol="0">
-            <a:spAutoFit/>
-          </a:bodyPr>
-          <a:lstStyle/>
-          <a:p>
-            <a:pPr algn="ctr"/>
-            <a:r>
-              <a:rPr lang="en-PH" dirty="0"/>
-              <a:t>Transparency Server</a:t>
-            </a:r>
-          </a:p>
-        </p:txBody>
-      </p:sp>
-      <p:sp>
-        <p:nvSpPr>
-          <p:cNvPr id="32" name="TextBox 31"/>
-          <p:cNvSpPr txBox="1"/>
-          <p:nvPr/>
-        </p:nvSpPr>
-        <p:spPr>
-          <a:xfrm>
-            <a:off x="4556165" y="2246366"/>
-            <a:ext cx="1842868" cy="276999"/>
-          </a:xfrm>
-          <a:prstGeom prst="rect">
-            <a:avLst/>
-          </a:prstGeom>
-          <a:noFill/>
-        </p:spPr>
-        <p:txBody>
-          <a:bodyPr wrap="square" rtlCol="0">
-            <a:spAutoFit/>
-          </a:bodyPr>
-          <a:lstStyle/>
-          <a:p>
-            <a:pPr algn="ctr"/>
-            <a:r>
-              <a:rPr lang="en-PH" sz="1200" dirty="0"/>
-              <a:t>Handled by COMELEC</a:t>
-            </a:r>
-          </a:p>
-        </p:txBody>
-      </p:sp>
-      <p:sp>
-        <p:nvSpPr>
-          <p:cNvPr id="33" name="TextBox 32"/>
-          <p:cNvSpPr txBox="1"/>
-          <p:nvPr/>
-        </p:nvSpPr>
-        <p:spPr>
-          <a:xfrm>
-            <a:off x="6413203" y="2246362"/>
-            <a:ext cx="1842868" cy="276999"/>
-          </a:xfrm>
-          <a:prstGeom prst="rect">
-            <a:avLst/>
-          </a:prstGeom>
-          <a:noFill/>
-        </p:spPr>
-        <p:txBody>
-          <a:bodyPr wrap="square" rtlCol="0">
-            <a:spAutoFit/>
-          </a:bodyPr>
-          <a:lstStyle/>
-          <a:p>
-            <a:pPr algn="ctr"/>
-            <a:r>
-              <a:rPr lang="en-PH" sz="1200" dirty="0"/>
-              <a:t>Handled by PPCRV</a:t>
-            </a:r>
-          </a:p>
-        </p:txBody>
-      </p:sp>
-      <p:pic>
-        <p:nvPicPr>
-          <p:cNvPr id="8" name="Picture 7"/>
-          <p:cNvPicPr>
-            <a:picLocks noChangeAspect="1"/>
-          </p:cNvPicPr>
-          <p:nvPr/>
-        </p:nvPicPr>
-        <p:blipFill>
-          <a:blip r:embed="rId5">
-            <a:extLst>
-              <a:ext uri="{28A0092B-C50C-407E-A947-70E740481C1C}">
-                <a14:useLocalDpi xmlns:a14="http://schemas.microsoft.com/office/drawing/2010/main" val="0"/>
-              </a:ext>
-            </a:extLst>
-          </a:blip>
-          <a:stretch>
-            <a:fillRect/>
-          </a:stretch>
-        </p:blipFill>
-        <p:spPr>
-          <a:xfrm>
-            <a:off x="5003281" y="2587876"/>
-            <a:ext cx="948637" cy="948637"/>
-          </a:xfrm>
-          <a:prstGeom prst="rect">
-            <a:avLst/>
-          </a:prstGeom>
-        </p:spPr>
-      </p:pic>
-      <p:pic>
-        <p:nvPicPr>
-          <p:cNvPr id="6" name="Content Placeholder 5"/>
-          <p:cNvPicPr>
-            <a:picLocks noGrp="1" noChangeAspect="1"/>
-          </p:cNvPicPr>
-          <p:nvPr>
-            <p:ph idx="1"/>
-          </p:nvPr>
-        </p:nvPicPr>
-        <p:blipFill>
-          <a:blip r:embed="rId6">
-            <a:extLst>
-              <a:ext uri="{28A0092B-C50C-407E-A947-70E740481C1C}">
-                <a14:useLocalDpi xmlns:a14="http://schemas.microsoft.com/office/drawing/2010/main" val="0"/>
-              </a:ext>
-            </a:extLst>
-          </a:blip>
-          <a:stretch>
-            <a:fillRect/>
-          </a:stretch>
-        </p:blipFill>
-        <p:spPr>
-          <a:xfrm>
-            <a:off x="4846532" y="4214331"/>
-            <a:ext cx="1262135" cy="1262135"/>
-          </a:xfrm>
-        </p:spPr>
-      </p:pic>
-      <p:pic>
-        <p:nvPicPr>
-          <p:cNvPr id="39" name="Picture 38"/>
-          <p:cNvPicPr>
-            <a:picLocks noChangeAspect="1"/>
-          </p:cNvPicPr>
-          <p:nvPr/>
-        </p:nvPicPr>
-        <p:blipFill>
-          <a:blip r:embed="rId5">
-            <a:extLst>
-              <a:ext uri="{28A0092B-C50C-407E-A947-70E740481C1C}">
-                <a14:useLocalDpi xmlns:a14="http://schemas.microsoft.com/office/drawing/2010/main" val="0"/>
-              </a:ext>
-            </a:extLst>
-          </a:blip>
-          <a:stretch>
-            <a:fillRect/>
-          </a:stretch>
-        </p:blipFill>
-        <p:spPr>
-          <a:xfrm>
-            <a:off x="3118108" y="2587875"/>
-            <a:ext cx="948637" cy="948637"/>
-          </a:xfrm>
-          <a:prstGeom prst="rect">
-            <a:avLst/>
-          </a:prstGeom>
-        </p:spPr>
-      </p:pic>
-      <p:pic>
-        <p:nvPicPr>
-          <p:cNvPr id="12" name="Picture 11"/>
-          <p:cNvPicPr>
-            <a:picLocks noChangeAspect="1"/>
-          </p:cNvPicPr>
-          <p:nvPr/>
-        </p:nvPicPr>
-        <p:blipFill>
-          <a:blip r:embed="rId5">
-            <a:extLst>
-              <a:ext uri="{28A0092B-C50C-407E-A947-70E740481C1C}">
-                <a14:useLocalDpi xmlns:a14="http://schemas.microsoft.com/office/drawing/2010/main" val="0"/>
-              </a:ext>
-            </a:extLst>
-          </a:blip>
-          <a:stretch>
-            <a:fillRect/>
-          </a:stretch>
-        </p:blipFill>
-        <p:spPr>
-          <a:xfrm>
-            <a:off x="6860319" y="2587876"/>
-            <a:ext cx="948637" cy="948637"/>
-          </a:xfrm>
-          <a:prstGeom prst="rect">
-            <a:avLst/>
-          </a:prstGeom>
-        </p:spPr>
-      </p:pic>
-      <p:sp>
-        <p:nvSpPr>
-          <p:cNvPr id="37" name="TextBox 36"/>
-          <p:cNvSpPr txBox="1"/>
-          <p:nvPr/>
-        </p:nvSpPr>
-        <p:spPr>
-          <a:xfrm>
-            <a:off x="1969895" y="3948621"/>
-            <a:ext cx="1503997" cy="646331"/>
-          </a:xfrm>
-          <a:prstGeom prst="rect">
-            <a:avLst/>
-          </a:prstGeom>
-          <a:noFill/>
-        </p:spPr>
-        <p:txBody>
-          <a:bodyPr wrap="square" rtlCol="0">
-            <a:spAutoFit/>
-          </a:bodyPr>
-          <a:lstStyle/>
-          <a:p>
-            <a:pPr algn="ctr"/>
-            <a:r>
-              <a:rPr lang="en-PH" sz="1200" dirty="0"/>
-              <a:t>Key exchange using </a:t>
-            </a:r>
-            <a:r>
-              <a:rPr lang="en-PH" sz="1200" dirty="0" err="1"/>
-              <a:t>Diffie</a:t>
-            </a:r>
-            <a:r>
-              <a:rPr lang="en-PH" sz="1200" dirty="0"/>
-              <a:t>-Hellman algorithm</a:t>
-            </a:r>
-          </a:p>
-        </p:txBody>
-      </p:sp>
-      <p:sp>
-        <p:nvSpPr>
-          <p:cNvPr id="27" name="TextBox 26"/>
-          <p:cNvSpPr txBox="1"/>
-          <p:nvPr/>
-        </p:nvSpPr>
-        <p:spPr>
-          <a:xfrm>
-            <a:off x="2670992" y="1848126"/>
-            <a:ext cx="1842868" cy="584775"/>
-          </a:xfrm>
-          <a:prstGeom prst="rect">
-            <a:avLst/>
-          </a:prstGeom>
-          <a:noFill/>
-        </p:spPr>
-        <p:txBody>
-          <a:bodyPr wrap="square" rtlCol="0">
-            <a:spAutoFit/>
-          </a:bodyPr>
-          <a:lstStyle/>
-          <a:p>
-            <a:pPr algn="ctr"/>
-            <a:r>
-              <a:rPr lang="en-PH" sz="1600" dirty="0"/>
-              <a:t>Consolidation and Canvassing Server</a:t>
-            </a:r>
-          </a:p>
-        </p:txBody>
-      </p:sp>
-      <p:sp>
-        <p:nvSpPr>
-          <p:cNvPr id="20" name="Oval 19"/>
-          <p:cNvSpPr/>
-          <p:nvPr/>
-        </p:nvSpPr>
-        <p:spPr>
-          <a:xfrm>
-            <a:off x="1270640" y="1774753"/>
-            <a:ext cx="731520" cy="731520"/>
-          </a:xfrm>
-          <a:prstGeom prst="ellipse">
-            <a:avLst/>
-          </a:prstGeom>
-        </p:spPr>
-        <p:style>
-          <a:lnRef idx="2">
-            <a:schemeClr val="accent1">
-              <a:shade val="50000"/>
-            </a:schemeClr>
-          </a:lnRef>
-          <a:fillRef idx="1">
-            <a:schemeClr val="accent1"/>
-          </a:fillRef>
-          <a:effectRef idx="0">
-            <a:schemeClr val="accent1"/>
-          </a:effectRef>
-          <a:fontRef idx="minor">
-            <a:schemeClr val="lt1"/>
-          </a:fontRef>
-        </p:style>
-        <p:txBody>
-          <a:bodyPr rtlCol="0" anchor="ctr"/>
-          <a:lstStyle/>
-          <a:p>
-            <a:pPr algn="ctr"/>
-            <a:r>
-              <a:rPr lang="en-PH" sz="3200" dirty="0"/>
-              <a:t>3</a:t>
-            </a:r>
-          </a:p>
-        </p:txBody>
-      </p:sp>
-      <p:cxnSp>
-        <p:nvCxnSpPr>
-          <p:cNvPr id="7" name="Connector: Elbow 6"/>
-          <p:cNvCxnSpPr>
-            <a:stCxn id="39" idx="2"/>
-            <a:endCxn id="6" idx="1"/>
-          </p:cNvCxnSpPr>
-          <p:nvPr/>
-        </p:nvCxnSpPr>
-        <p:spPr>
-          <a:xfrm rot="16200000" flipH="1">
-            <a:off x="3565036" y="3563902"/>
-            <a:ext cx="1308887" cy="1254105"/>
-          </a:xfrm>
-          <a:prstGeom prst="bentConnector2">
-            <a:avLst/>
-          </a:prstGeom>
-          <a:ln>
-            <a:headEnd type="triangle"/>
-            <a:tailEnd type="triangle"/>
-          </a:ln>
-        </p:spPr>
-        <p:style>
-          <a:lnRef idx="1">
-            <a:schemeClr val="accent1"/>
-          </a:lnRef>
-          <a:fillRef idx="0">
-            <a:schemeClr val="accent1"/>
-          </a:fillRef>
-          <a:effectRef idx="0">
-            <a:schemeClr val="accent1"/>
-          </a:effectRef>
-          <a:fontRef idx="minor">
-            <a:schemeClr val="tx1"/>
-          </a:fontRef>
-        </p:style>
-      </p:cxnSp>
-      <p:cxnSp>
-        <p:nvCxnSpPr>
-          <p:cNvPr id="14" name="Straight Arrow Connector 13"/>
-          <p:cNvCxnSpPr>
-            <a:stCxn id="8" idx="2"/>
-          </p:cNvCxnSpPr>
-          <p:nvPr/>
-        </p:nvCxnSpPr>
-        <p:spPr>
-          <a:xfrm>
-            <a:off x="5477600" y="3536513"/>
-            <a:ext cx="0" cy="873772"/>
-          </a:xfrm>
-          <a:prstGeom prst="straightConnector1">
-            <a:avLst/>
-          </a:prstGeom>
-          <a:ln>
-            <a:headEnd type="triangle"/>
-            <a:tailEnd type="triangle"/>
-          </a:ln>
-        </p:spPr>
-        <p:style>
-          <a:lnRef idx="1">
-            <a:schemeClr val="accent1"/>
-          </a:lnRef>
-          <a:fillRef idx="0">
-            <a:schemeClr val="accent1"/>
-          </a:fillRef>
-          <a:effectRef idx="0">
-            <a:schemeClr val="accent1"/>
-          </a:effectRef>
-          <a:fontRef idx="minor">
-            <a:schemeClr val="tx1"/>
-          </a:fontRef>
-        </p:style>
-      </p:cxnSp>
-      <p:cxnSp>
-        <p:nvCxnSpPr>
-          <p:cNvPr id="23" name="Connector: Elbow 22"/>
-          <p:cNvCxnSpPr>
-            <a:stCxn id="12" idx="2"/>
-            <a:endCxn id="6" idx="3"/>
-          </p:cNvCxnSpPr>
-          <p:nvPr/>
-        </p:nvCxnSpPr>
-        <p:spPr>
-          <a:xfrm rot="5400000">
-            <a:off x="6067210" y="3577971"/>
-            <a:ext cx="1308886" cy="1225971"/>
-          </a:xfrm>
-          <a:prstGeom prst="bentConnector2">
-            <a:avLst/>
-          </a:prstGeom>
-          <a:ln>
-            <a:headEnd type="triangle"/>
-            <a:tailEnd type="triangle"/>
-          </a:ln>
-        </p:spPr>
-        <p:style>
-          <a:lnRef idx="1">
-            <a:schemeClr val="accent1"/>
-          </a:lnRef>
-          <a:fillRef idx="0">
-            <a:schemeClr val="accent1"/>
-          </a:fillRef>
-          <a:effectRef idx="0">
-            <a:schemeClr val="accent1"/>
-          </a:effectRef>
-          <a:fontRef idx="minor">
-            <a:schemeClr val="tx1"/>
-          </a:fontRef>
-        </p:style>
-      </p:cxnSp>
-      <p:sp>
-        <p:nvSpPr>
-          <p:cNvPr id="35" name="TextBox 34"/>
-          <p:cNvSpPr txBox="1"/>
-          <p:nvPr/>
-        </p:nvSpPr>
-        <p:spPr>
-          <a:xfrm>
-            <a:off x="5477598" y="3665207"/>
-            <a:ext cx="1503997" cy="646331"/>
-          </a:xfrm>
-          <a:prstGeom prst="rect">
-            <a:avLst/>
-          </a:prstGeom>
-          <a:noFill/>
-        </p:spPr>
-        <p:txBody>
-          <a:bodyPr wrap="square" rtlCol="0">
-            <a:spAutoFit/>
-          </a:bodyPr>
-          <a:lstStyle/>
-          <a:p>
-            <a:pPr algn="ctr"/>
-            <a:r>
-              <a:rPr lang="en-PH" sz="1200" dirty="0"/>
-              <a:t>Key exchange using </a:t>
-            </a:r>
-            <a:r>
-              <a:rPr lang="en-PH" sz="1200" dirty="0" err="1"/>
-              <a:t>Diffie</a:t>
-            </a:r>
-            <a:r>
-              <a:rPr lang="en-PH" sz="1200" dirty="0"/>
-              <a:t>-Hellman algorithm</a:t>
-            </a:r>
-          </a:p>
-        </p:txBody>
-      </p:sp>
-      <p:sp>
-        <p:nvSpPr>
-          <p:cNvPr id="38" name="TextBox 37"/>
-          <p:cNvSpPr txBox="1"/>
-          <p:nvPr/>
-        </p:nvSpPr>
-        <p:spPr>
-          <a:xfrm>
-            <a:off x="7455914" y="3948620"/>
-            <a:ext cx="1503997" cy="646331"/>
-          </a:xfrm>
-          <a:prstGeom prst="rect">
-            <a:avLst/>
-          </a:prstGeom>
-          <a:noFill/>
-        </p:spPr>
-        <p:txBody>
-          <a:bodyPr wrap="square" rtlCol="0">
-            <a:spAutoFit/>
-          </a:bodyPr>
-          <a:lstStyle/>
-          <a:p>
-            <a:pPr algn="ctr"/>
-            <a:r>
-              <a:rPr lang="en-PH" sz="1200" dirty="0"/>
-              <a:t>Key exchange using </a:t>
-            </a:r>
-            <a:r>
-              <a:rPr lang="en-PH" sz="1200" dirty="0" err="1"/>
-              <a:t>Diffie</a:t>
-            </a:r>
-            <a:r>
-              <a:rPr lang="en-PH" sz="1200" dirty="0"/>
-              <a:t>-Hellman algorithm</a:t>
-            </a:r>
-          </a:p>
-        </p:txBody>
-      </p:sp>
-    </p:spTree>
-    <p:extLst>
-      <p:ext uri="{BB962C8B-B14F-4D97-AF65-F5344CB8AC3E}">
-        <p14:creationId xmlns:p14="http://schemas.microsoft.com/office/powerpoint/2010/main" val="2982356189"/>
       </p:ext>
     </p:extLst>
   </p:cSld>
@@ -16783,7 +15946,7 @@
         <p:spPr>
           <a:xfrm>
             <a:off x="1969895" y="3948621"/>
-            <a:ext cx="1503997" cy="646331"/>
+            <a:ext cx="1503997" cy="461665"/>
           </a:xfrm>
           <a:prstGeom prst="rect">
             <a:avLst/>
@@ -16799,7 +15962,7 @@
             <a:pPr algn="ctr"/>
             <a:r>
               <a:rPr lang="en-PH" sz="1200" dirty="0"/>
-              <a:t>Encrypted election returns using the generated key</a:t>
+              <a:t>Decrypted data using VCM’s private key </a:t>
             </a:r>
           </a:p>
         </p:txBody>
@@ -16979,21 +16142,21 @@
             <a:pPr algn="ctr"/>
             <a:r>
               <a:rPr lang="en-PH" sz="3200" dirty="0"/>
-              <a:t>4</a:t>
-            </a:r>
-          </a:p>
-        </p:txBody>
-      </p:sp>
-      <p:sp>
-        <p:nvSpPr>
-          <p:cNvPr id="22" name="TextBox 21"/>
+              <a:t>2</a:t>
+            </a:r>
+          </a:p>
+        </p:txBody>
+      </p:sp>
+      <p:sp>
+        <p:nvSpPr>
+          <p:cNvPr id="34" name="TextBox 33"/>
           <p:cNvSpPr txBox="1"/>
           <p:nvPr/>
         </p:nvSpPr>
         <p:spPr>
           <a:xfrm>
-            <a:off x="5435215" y="3650233"/>
-            <a:ext cx="1503997" cy="646331"/>
+            <a:off x="5477599" y="3748033"/>
+            <a:ext cx="1503997" cy="461665"/>
           </a:xfrm>
           <a:prstGeom prst="rect">
             <a:avLst/>
@@ -17009,21 +16172,21 @@
             <a:pPr algn="ctr"/>
             <a:r>
               <a:rPr lang="en-PH" sz="1200" dirty="0"/>
-              <a:t>Encrypted election returns using the generated key</a:t>
-            </a:r>
-          </a:p>
-        </p:txBody>
-      </p:sp>
-      <p:sp>
-        <p:nvSpPr>
-          <p:cNvPr id="23" name="TextBox 22"/>
+              <a:t>Decrypted data using VCM’s private key </a:t>
+            </a:r>
+          </a:p>
+        </p:txBody>
+      </p:sp>
+      <p:sp>
+        <p:nvSpPr>
+          <p:cNvPr id="35" name="TextBox 34"/>
           <p:cNvSpPr txBox="1"/>
           <p:nvPr/>
         </p:nvSpPr>
         <p:spPr>
           <a:xfrm>
-            <a:off x="7449347" y="3948620"/>
-            <a:ext cx="1503997" cy="646331"/>
+            <a:off x="7491731" y="3948620"/>
+            <a:ext cx="1503997" cy="461665"/>
           </a:xfrm>
           <a:prstGeom prst="rect">
             <a:avLst/>
@@ -17039,7 +16202,7 @@
             <a:pPr algn="ctr"/>
             <a:r>
               <a:rPr lang="en-PH" sz="1200" dirty="0"/>
-              <a:t>Encrypted election returns using the generated key</a:t>
+              <a:t>Decrypted data using VCM’s private key </a:t>
             </a:r>
           </a:p>
         </p:txBody>
@@ -17047,7 +16210,7 @@
     </p:spTree>
     <p:extLst>
       <p:ext uri="{BB962C8B-B14F-4D97-AF65-F5344CB8AC3E}">
-        <p14:creationId xmlns:p14="http://schemas.microsoft.com/office/powerpoint/2010/main" val="544009215"/>
+        <p14:creationId xmlns:p14="http://schemas.microsoft.com/office/powerpoint/2010/main" val="1021339983"/>
       </p:ext>
     </p:extLst>
   </p:cSld>
@@ -17434,6 +16597,1335 @@
         <p:spPr>
           <a:xfrm>
             <a:off x="1969895" y="3948621"/>
+            <a:ext cx="1503997" cy="646331"/>
+          </a:xfrm>
+          <a:prstGeom prst="rect">
+            <a:avLst/>
+          </a:prstGeom>
+          <a:noFill/>
+        </p:spPr>
+        <p:txBody>
+          <a:bodyPr wrap="square" rtlCol="0">
+            <a:spAutoFit/>
+          </a:bodyPr>
+          <a:lstStyle/>
+          <a:p>
+            <a:pPr algn="ctr"/>
+            <a:r>
+              <a:rPr lang="en-PH" sz="1200" dirty="0"/>
+              <a:t>Key exchange using </a:t>
+            </a:r>
+            <a:r>
+              <a:rPr lang="en-PH" sz="1200" dirty="0" err="1"/>
+              <a:t>Diffie</a:t>
+            </a:r>
+            <a:r>
+              <a:rPr lang="en-PH" sz="1200" dirty="0"/>
+              <a:t>-Hellman algorithm</a:t>
+            </a:r>
+          </a:p>
+        </p:txBody>
+      </p:sp>
+      <p:sp>
+        <p:nvSpPr>
+          <p:cNvPr id="27" name="TextBox 26"/>
+          <p:cNvSpPr txBox="1"/>
+          <p:nvPr/>
+        </p:nvSpPr>
+        <p:spPr>
+          <a:xfrm>
+            <a:off x="2670992" y="1848126"/>
+            <a:ext cx="1842868" cy="584775"/>
+          </a:xfrm>
+          <a:prstGeom prst="rect">
+            <a:avLst/>
+          </a:prstGeom>
+          <a:noFill/>
+        </p:spPr>
+        <p:txBody>
+          <a:bodyPr wrap="square" rtlCol="0">
+            <a:spAutoFit/>
+          </a:bodyPr>
+          <a:lstStyle/>
+          <a:p>
+            <a:pPr algn="ctr"/>
+            <a:r>
+              <a:rPr lang="en-PH" sz="1600" dirty="0"/>
+              <a:t>Consolidation and Canvassing Server</a:t>
+            </a:r>
+          </a:p>
+        </p:txBody>
+      </p:sp>
+      <p:sp>
+        <p:nvSpPr>
+          <p:cNvPr id="20" name="Oval 19"/>
+          <p:cNvSpPr/>
+          <p:nvPr/>
+        </p:nvSpPr>
+        <p:spPr>
+          <a:xfrm>
+            <a:off x="1270640" y="1774753"/>
+            <a:ext cx="731520" cy="731520"/>
+          </a:xfrm>
+          <a:prstGeom prst="ellipse">
+            <a:avLst/>
+          </a:prstGeom>
+        </p:spPr>
+        <p:style>
+          <a:lnRef idx="2">
+            <a:schemeClr val="accent1">
+              <a:shade val="50000"/>
+            </a:schemeClr>
+          </a:lnRef>
+          <a:fillRef idx="1">
+            <a:schemeClr val="accent1"/>
+          </a:fillRef>
+          <a:effectRef idx="0">
+            <a:schemeClr val="accent1"/>
+          </a:effectRef>
+          <a:fontRef idx="minor">
+            <a:schemeClr val="lt1"/>
+          </a:fontRef>
+        </p:style>
+        <p:txBody>
+          <a:bodyPr rtlCol="0" anchor="ctr"/>
+          <a:lstStyle/>
+          <a:p>
+            <a:pPr algn="ctr"/>
+            <a:r>
+              <a:rPr lang="en-PH" sz="3200" dirty="0"/>
+              <a:t>3</a:t>
+            </a:r>
+          </a:p>
+        </p:txBody>
+      </p:sp>
+      <p:cxnSp>
+        <p:nvCxnSpPr>
+          <p:cNvPr id="7" name="Connector: Elbow 6"/>
+          <p:cNvCxnSpPr>
+            <a:stCxn id="39" idx="2"/>
+            <a:endCxn id="6" idx="1"/>
+          </p:cNvCxnSpPr>
+          <p:nvPr/>
+        </p:nvCxnSpPr>
+        <p:spPr>
+          <a:xfrm rot="16200000" flipH="1">
+            <a:off x="3565036" y="3563902"/>
+            <a:ext cx="1308887" cy="1254105"/>
+          </a:xfrm>
+          <a:prstGeom prst="bentConnector2">
+            <a:avLst/>
+          </a:prstGeom>
+          <a:ln>
+            <a:headEnd type="triangle"/>
+            <a:tailEnd type="triangle"/>
+          </a:ln>
+        </p:spPr>
+        <p:style>
+          <a:lnRef idx="1">
+            <a:schemeClr val="accent1"/>
+          </a:lnRef>
+          <a:fillRef idx="0">
+            <a:schemeClr val="accent1"/>
+          </a:fillRef>
+          <a:effectRef idx="0">
+            <a:schemeClr val="accent1"/>
+          </a:effectRef>
+          <a:fontRef idx="minor">
+            <a:schemeClr val="tx1"/>
+          </a:fontRef>
+        </p:style>
+      </p:cxnSp>
+      <p:cxnSp>
+        <p:nvCxnSpPr>
+          <p:cNvPr id="14" name="Straight Arrow Connector 13"/>
+          <p:cNvCxnSpPr>
+            <a:stCxn id="8" idx="2"/>
+          </p:cNvCxnSpPr>
+          <p:nvPr/>
+        </p:nvCxnSpPr>
+        <p:spPr>
+          <a:xfrm>
+            <a:off x="5477600" y="3536513"/>
+            <a:ext cx="0" cy="873772"/>
+          </a:xfrm>
+          <a:prstGeom prst="straightConnector1">
+            <a:avLst/>
+          </a:prstGeom>
+          <a:ln>
+            <a:headEnd type="triangle"/>
+            <a:tailEnd type="triangle"/>
+          </a:ln>
+        </p:spPr>
+        <p:style>
+          <a:lnRef idx="1">
+            <a:schemeClr val="accent1"/>
+          </a:lnRef>
+          <a:fillRef idx="0">
+            <a:schemeClr val="accent1"/>
+          </a:fillRef>
+          <a:effectRef idx="0">
+            <a:schemeClr val="accent1"/>
+          </a:effectRef>
+          <a:fontRef idx="minor">
+            <a:schemeClr val="tx1"/>
+          </a:fontRef>
+        </p:style>
+      </p:cxnSp>
+      <p:cxnSp>
+        <p:nvCxnSpPr>
+          <p:cNvPr id="23" name="Connector: Elbow 22"/>
+          <p:cNvCxnSpPr>
+            <a:stCxn id="12" idx="2"/>
+            <a:endCxn id="6" idx="3"/>
+          </p:cNvCxnSpPr>
+          <p:nvPr/>
+        </p:nvCxnSpPr>
+        <p:spPr>
+          <a:xfrm rot="5400000">
+            <a:off x="6067210" y="3577971"/>
+            <a:ext cx="1308886" cy="1225971"/>
+          </a:xfrm>
+          <a:prstGeom prst="bentConnector2">
+            <a:avLst/>
+          </a:prstGeom>
+          <a:ln>
+            <a:headEnd type="triangle"/>
+            <a:tailEnd type="triangle"/>
+          </a:ln>
+        </p:spPr>
+        <p:style>
+          <a:lnRef idx="1">
+            <a:schemeClr val="accent1"/>
+          </a:lnRef>
+          <a:fillRef idx="0">
+            <a:schemeClr val="accent1"/>
+          </a:fillRef>
+          <a:effectRef idx="0">
+            <a:schemeClr val="accent1"/>
+          </a:effectRef>
+          <a:fontRef idx="minor">
+            <a:schemeClr val="tx1"/>
+          </a:fontRef>
+        </p:style>
+      </p:cxnSp>
+      <p:sp>
+        <p:nvSpPr>
+          <p:cNvPr id="35" name="TextBox 34"/>
+          <p:cNvSpPr txBox="1"/>
+          <p:nvPr/>
+        </p:nvSpPr>
+        <p:spPr>
+          <a:xfrm>
+            <a:off x="5477598" y="3665207"/>
+            <a:ext cx="1503997" cy="646331"/>
+          </a:xfrm>
+          <a:prstGeom prst="rect">
+            <a:avLst/>
+          </a:prstGeom>
+          <a:noFill/>
+        </p:spPr>
+        <p:txBody>
+          <a:bodyPr wrap="square" rtlCol="0">
+            <a:spAutoFit/>
+          </a:bodyPr>
+          <a:lstStyle/>
+          <a:p>
+            <a:pPr algn="ctr"/>
+            <a:r>
+              <a:rPr lang="en-PH" sz="1200" dirty="0"/>
+              <a:t>Key exchange using </a:t>
+            </a:r>
+            <a:r>
+              <a:rPr lang="en-PH" sz="1200" dirty="0" err="1"/>
+              <a:t>Diffie</a:t>
+            </a:r>
+            <a:r>
+              <a:rPr lang="en-PH" sz="1200" dirty="0"/>
+              <a:t>-Hellman algorithm</a:t>
+            </a:r>
+          </a:p>
+        </p:txBody>
+      </p:sp>
+      <p:sp>
+        <p:nvSpPr>
+          <p:cNvPr id="38" name="TextBox 37"/>
+          <p:cNvSpPr txBox="1"/>
+          <p:nvPr/>
+        </p:nvSpPr>
+        <p:spPr>
+          <a:xfrm>
+            <a:off x="7455914" y="3948620"/>
+            <a:ext cx="1503997" cy="646331"/>
+          </a:xfrm>
+          <a:prstGeom prst="rect">
+            <a:avLst/>
+          </a:prstGeom>
+          <a:noFill/>
+        </p:spPr>
+        <p:txBody>
+          <a:bodyPr wrap="square" rtlCol="0">
+            <a:spAutoFit/>
+          </a:bodyPr>
+          <a:lstStyle/>
+          <a:p>
+            <a:pPr algn="ctr"/>
+            <a:r>
+              <a:rPr lang="en-PH" sz="1200" dirty="0"/>
+              <a:t>Key exchange using </a:t>
+            </a:r>
+            <a:r>
+              <a:rPr lang="en-PH" sz="1200" dirty="0" err="1"/>
+              <a:t>Diffie</a:t>
+            </a:r>
+            <a:r>
+              <a:rPr lang="en-PH" sz="1200" dirty="0"/>
+              <a:t>-Hellman algorithm</a:t>
+            </a:r>
+          </a:p>
+        </p:txBody>
+      </p:sp>
+    </p:spTree>
+    <p:extLst>
+      <p:ext uri="{BB962C8B-B14F-4D97-AF65-F5344CB8AC3E}">
+        <p14:creationId xmlns:p14="http://schemas.microsoft.com/office/powerpoint/2010/main" val="2982356189"/>
+      </p:ext>
+    </p:extLst>
+  </p:cSld>
+  <p:clrMapOvr>
+    <a:masterClrMapping/>
+  </p:clrMapOvr>
+</p:sld>
+</file>
+
+<file path=ppt/slides/slide26.xml><?xml version="1.0" encoding="utf-8"?>
+<p:sld xmlns:a="http://schemas.openxmlformats.org/drawingml/2006/main" xmlns:r="http://schemas.openxmlformats.org/officeDocument/2006/relationships" xmlns:p="http://schemas.openxmlformats.org/presentationml/2006/main">
+  <p:cSld>
+    <p:spTree>
+      <p:nvGrpSpPr>
+        <p:cNvPr id="1" name=""/>
+        <p:cNvGrpSpPr/>
+        <p:nvPr/>
+      </p:nvGrpSpPr>
+      <p:grpSpPr>
+        <a:xfrm>
+          <a:off x="0" y="0"/>
+          <a:ext cx="0" cy="0"/>
+          <a:chOff x="0" y="0"/>
+          <a:chExt cx="0" cy="0"/>
+        </a:xfrm>
+      </p:grpSpPr>
+      <p:sp>
+        <p:nvSpPr>
+          <p:cNvPr id="2" name="Title 1"/>
+          <p:cNvSpPr>
+            <a:spLocks noGrp="1"/>
+          </p:cNvSpPr>
+          <p:nvPr>
+            <p:ph type="title"/>
+          </p:nvPr>
+        </p:nvSpPr>
+        <p:spPr/>
+        <p:txBody>
+          <a:bodyPr/>
+          <a:lstStyle/>
+          <a:p>
+            <a:r>
+              <a:rPr lang="en-PH" dirty="0"/>
+              <a:t>Proposed System</a:t>
+            </a:r>
+          </a:p>
+        </p:txBody>
+      </p:sp>
+      <p:pic>
+        <p:nvPicPr>
+          <p:cNvPr id="4" name="Picture 3"/>
+          <p:cNvPicPr>
+            <a:picLocks noChangeAspect="1"/>
+          </p:cNvPicPr>
+          <p:nvPr/>
+        </p:nvPicPr>
+        <p:blipFill>
+          <a:blip r:embed="rId3">
+            <a:extLst>
+              <a:ext uri="{28A0092B-C50C-407E-A947-70E740481C1C}">
+                <a14:useLocalDpi xmlns:a14="http://schemas.microsoft.com/office/drawing/2010/main" val="0"/>
+              </a:ext>
+            </a:extLst>
+          </a:blip>
+          <a:stretch>
+            <a:fillRect/>
+          </a:stretch>
+        </p:blipFill>
+        <p:spPr>
+          <a:xfrm>
+            <a:off x="10343804" y="4696690"/>
+            <a:ext cx="2435221" cy="2435221"/>
+          </a:xfrm>
+          <a:prstGeom prst="rect">
+            <a:avLst/>
+          </a:prstGeom>
+        </p:spPr>
+      </p:pic>
+      <p:pic>
+        <p:nvPicPr>
+          <p:cNvPr id="5" name="Picture 4"/>
+          <p:cNvPicPr>
+            <a:picLocks noChangeAspect="1"/>
+          </p:cNvPicPr>
+          <p:nvPr/>
+        </p:nvPicPr>
+        <p:blipFill>
+          <a:blip r:embed="rId4" cstate="hqprint">
+            <a:extLst>
+              <a:ext uri="{28A0092B-C50C-407E-A947-70E740481C1C}">
+                <a14:useLocalDpi xmlns:a14="http://schemas.microsoft.com/office/drawing/2010/main" val="0"/>
+              </a:ext>
+            </a:extLst>
+          </a:blip>
+          <a:stretch>
+            <a:fillRect/>
+          </a:stretch>
+        </p:blipFill>
+        <p:spPr>
+          <a:xfrm>
+            <a:off x="9882312" y="4197927"/>
+            <a:ext cx="1391006" cy="1391006"/>
+          </a:xfrm>
+          <a:prstGeom prst="rect">
+            <a:avLst/>
+          </a:prstGeom>
+        </p:spPr>
+      </p:pic>
+      <p:sp>
+        <p:nvSpPr>
+          <p:cNvPr id="26" name="TextBox 25"/>
+          <p:cNvSpPr txBox="1"/>
+          <p:nvPr/>
+        </p:nvSpPr>
+        <p:spPr>
+          <a:xfrm>
+            <a:off x="4687962" y="5294236"/>
+            <a:ext cx="1539240" cy="369332"/>
+          </a:xfrm>
+          <a:prstGeom prst="rect">
+            <a:avLst/>
+          </a:prstGeom>
+          <a:noFill/>
+        </p:spPr>
+        <p:txBody>
+          <a:bodyPr wrap="square" rtlCol="0">
+            <a:spAutoFit/>
+          </a:bodyPr>
+          <a:lstStyle/>
+          <a:p>
+            <a:pPr algn="ctr"/>
+            <a:r>
+              <a:rPr lang="en-PH" dirty="0"/>
+              <a:t>VCM</a:t>
+            </a:r>
+          </a:p>
+        </p:txBody>
+      </p:sp>
+      <p:sp>
+        <p:nvSpPr>
+          <p:cNvPr id="30" name="TextBox 29"/>
+          <p:cNvSpPr txBox="1"/>
+          <p:nvPr/>
+        </p:nvSpPr>
+        <p:spPr>
+          <a:xfrm>
+            <a:off x="4556165" y="1942509"/>
+            <a:ext cx="1842868" cy="369332"/>
+          </a:xfrm>
+          <a:prstGeom prst="rect">
+            <a:avLst/>
+          </a:prstGeom>
+          <a:noFill/>
+        </p:spPr>
+        <p:txBody>
+          <a:bodyPr wrap="square" rtlCol="0">
+            <a:spAutoFit/>
+          </a:bodyPr>
+          <a:lstStyle/>
+          <a:p>
+            <a:pPr algn="ctr"/>
+            <a:r>
+              <a:rPr lang="en-PH" dirty="0"/>
+              <a:t>Central Server</a:t>
+            </a:r>
+          </a:p>
+        </p:txBody>
+      </p:sp>
+      <p:sp>
+        <p:nvSpPr>
+          <p:cNvPr id="31" name="TextBox 30"/>
+          <p:cNvSpPr txBox="1"/>
+          <p:nvPr/>
+        </p:nvSpPr>
+        <p:spPr>
+          <a:xfrm>
+            <a:off x="6413203" y="1693645"/>
+            <a:ext cx="1842868" cy="646331"/>
+          </a:xfrm>
+          <a:prstGeom prst="rect">
+            <a:avLst/>
+          </a:prstGeom>
+          <a:noFill/>
+        </p:spPr>
+        <p:txBody>
+          <a:bodyPr wrap="square" rtlCol="0">
+            <a:spAutoFit/>
+          </a:bodyPr>
+          <a:lstStyle/>
+          <a:p>
+            <a:pPr algn="ctr"/>
+            <a:r>
+              <a:rPr lang="en-PH" dirty="0"/>
+              <a:t>Transparency Server</a:t>
+            </a:r>
+          </a:p>
+        </p:txBody>
+      </p:sp>
+      <p:sp>
+        <p:nvSpPr>
+          <p:cNvPr id="32" name="TextBox 31"/>
+          <p:cNvSpPr txBox="1"/>
+          <p:nvPr/>
+        </p:nvSpPr>
+        <p:spPr>
+          <a:xfrm>
+            <a:off x="4556165" y="2246366"/>
+            <a:ext cx="1842868" cy="276999"/>
+          </a:xfrm>
+          <a:prstGeom prst="rect">
+            <a:avLst/>
+          </a:prstGeom>
+          <a:noFill/>
+        </p:spPr>
+        <p:txBody>
+          <a:bodyPr wrap="square" rtlCol="0">
+            <a:spAutoFit/>
+          </a:bodyPr>
+          <a:lstStyle/>
+          <a:p>
+            <a:pPr algn="ctr"/>
+            <a:r>
+              <a:rPr lang="en-PH" sz="1200" dirty="0"/>
+              <a:t>Handled by COMELEC</a:t>
+            </a:r>
+          </a:p>
+        </p:txBody>
+      </p:sp>
+      <p:sp>
+        <p:nvSpPr>
+          <p:cNvPr id="33" name="TextBox 32"/>
+          <p:cNvSpPr txBox="1"/>
+          <p:nvPr/>
+        </p:nvSpPr>
+        <p:spPr>
+          <a:xfrm>
+            <a:off x="6413203" y="2246362"/>
+            <a:ext cx="1842868" cy="276999"/>
+          </a:xfrm>
+          <a:prstGeom prst="rect">
+            <a:avLst/>
+          </a:prstGeom>
+          <a:noFill/>
+        </p:spPr>
+        <p:txBody>
+          <a:bodyPr wrap="square" rtlCol="0">
+            <a:spAutoFit/>
+          </a:bodyPr>
+          <a:lstStyle/>
+          <a:p>
+            <a:pPr algn="ctr"/>
+            <a:r>
+              <a:rPr lang="en-PH" sz="1200" dirty="0"/>
+              <a:t>Handled by PPCRV</a:t>
+            </a:r>
+          </a:p>
+        </p:txBody>
+      </p:sp>
+      <p:pic>
+        <p:nvPicPr>
+          <p:cNvPr id="8" name="Picture 7"/>
+          <p:cNvPicPr>
+            <a:picLocks noChangeAspect="1"/>
+          </p:cNvPicPr>
+          <p:nvPr/>
+        </p:nvPicPr>
+        <p:blipFill>
+          <a:blip r:embed="rId5">
+            <a:extLst>
+              <a:ext uri="{28A0092B-C50C-407E-A947-70E740481C1C}">
+                <a14:useLocalDpi xmlns:a14="http://schemas.microsoft.com/office/drawing/2010/main" val="0"/>
+              </a:ext>
+            </a:extLst>
+          </a:blip>
+          <a:stretch>
+            <a:fillRect/>
+          </a:stretch>
+        </p:blipFill>
+        <p:spPr>
+          <a:xfrm>
+            <a:off x="5003281" y="2587876"/>
+            <a:ext cx="948637" cy="948637"/>
+          </a:xfrm>
+          <a:prstGeom prst="rect">
+            <a:avLst/>
+          </a:prstGeom>
+        </p:spPr>
+      </p:pic>
+      <p:pic>
+        <p:nvPicPr>
+          <p:cNvPr id="6" name="Content Placeholder 5"/>
+          <p:cNvPicPr>
+            <a:picLocks noGrp="1" noChangeAspect="1"/>
+          </p:cNvPicPr>
+          <p:nvPr>
+            <p:ph idx="1"/>
+          </p:nvPr>
+        </p:nvPicPr>
+        <p:blipFill>
+          <a:blip r:embed="rId6">
+            <a:extLst>
+              <a:ext uri="{28A0092B-C50C-407E-A947-70E740481C1C}">
+                <a14:useLocalDpi xmlns:a14="http://schemas.microsoft.com/office/drawing/2010/main" val="0"/>
+              </a:ext>
+            </a:extLst>
+          </a:blip>
+          <a:stretch>
+            <a:fillRect/>
+          </a:stretch>
+        </p:blipFill>
+        <p:spPr>
+          <a:xfrm>
+            <a:off x="4846532" y="4214331"/>
+            <a:ext cx="1262135" cy="1262135"/>
+          </a:xfrm>
+        </p:spPr>
+      </p:pic>
+      <p:pic>
+        <p:nvPicPr>
+          <p:cNvPr id="39" name="Picture 38"/>
+          <p:cNvPicPr>
+            <a:picLocks noChangeAspect="1"/>
+          </p:cNvPicPr>
+          <p:nvPr/>
+        </p:nvPicPr>
+        <p:blipFill>
+          <a:blip r:embed="rId5">
+            <a:extLst>
+              <a:ext uri="{28A0092B-C50C-407E-A947-70E740481C1C}">
+                <a14:useLocalDpi xmlns:a14="http://schemas.microsoft.com/office/drawing/2010/main" val="0"/>
+              </a:ext>
+            </a:extLst>
+          </a:blip>
+          <a:stretch>
+            <a:fillRect/>
+          </a:stretch>
+        </p:blipFill>
+        <p:spPr>
+          <a:xfrm>
+            <a:off x="3118108" y="2587875"/>
+            <a:ext cx="948637" cy="948637"/>
+          </a:xfrm>
+          <a:prstGeom prst="rect">
+            <a:avLst/>
+          </a:prstGeom>
+        </p:spPr>
+      </p:pic>
+      <p:pic>
+        <p:nvPicPr>
+          <p:cNvPr id="12" name="Picture 11"/>
+          <p:cNvPicPr>
+            <a:picLocks noChangeAspect="1"/>
+          </p:cNvPicPr>
+          <p:nvPr/>
+        </p:nvPicPr>
+        <p:blipFill>
+          <a:blip r:embed="rId5">
+            <a:extLst>
+              <a:ext uri="{28A0092B-C50C-407E-A947-70E740481C1C}">
+                <a14:useLocalDpi xmlns:a14="http://schemas.microsoft.com/office/drawing/2010/main" val="0"/>
+              </a:ext>
+            </a:extLst>
+          </a:blip>
+          <a:stretch>
+            <a:fillRect/>
+          </a:stretch>
+        </p:blipFill>
+        <p:spPr>
+          <a:xfrm>
+            <a:off x="6860319" y="2587876"/>
+            <a:ext cx="948637" cy="948637"/>
+          </a:xfrm>
+          <a:prstGeom prst="rect">
+            <a:avLst/>
+          </a:prstGeom>
+        </p:spPr>
+      </p:pic>
+      <p:sp>
+        <p:nvSpPr>
+          <p:cNvPr id="37" name="TextBox 36"/>
+          <p:cNvSpPr txBox="1"/>
+          <p:nvPr/>
+        </p:nvSpPr>
+        <p:spPr>
+          <a:xfrm>
+            <a:off x="1969895" y="3948621"/>
+            <a:ext cx="1503997" cy="646331"/>
+          </a:xfrm>
+          <a:prstGeom prst="rect">
+            <a:avLst/>
+          </a:prstGeom>
+          <a:noFill/>
+        </p:spPr>
+        <p:txBody>
+          <a:bodyPr wrap="square" rtlCol="0">
+            <a:spAutoFit/>
+          </a:bodyPr>
+          <a:lstStyle/>
+          <a:p>
+            <a:pPr algn="ctr"/>
+            <a:r>
+              <a:rPr lang="en-PH" sz="1200" dirty="0"/>
+              <a:t>Encrypted election returns using the generated key</a:t>
+            </a:r>
+          </a:p>
+        </p:txBody>
+      </p:sp>
+      <p:sp>
+        <p:nvSpPr>
+          <p:cNvPr id="27" name="TextBox 26"/>
+          <p:cNvSpPr txBox="1"/>
+          <p:nvPr/>
+        </p:nvSpPr>
+        <p:spPr>
+          <a:xfrm>
+            <a:off x="2670992" y="1848126"/>
+            <a:ext cx="1842868" cy="584775"/>
+          </a:xfrm>
+          <a:prstGeom prst="rect">
+            <a:avLst/>
+          </a:prstGeom>
+          <a:noFill/>
+        </p:spPr>
+        <p:txBody>
+          <a:bodyPr wrap="square" rtlCol="0">
+            <a:spAutoFit/>
+          </a:bodyPr>
+          <a:lstStyle/>
+          <a:p>
+            <a:pPr algn="ctr"/>
+            <a:r>
+              <a:rPr lang="en-PH" sz="1600" dirty="0"/>
+              <a:t>Consolidation and Canvassing Server</a:t>
+            </a:r>
+          </a:p>
+        </p:txBody>
+      </p:sp>
+      <p:cxnSp>
+        <p:nvCxnSpPr>
+          <p:cNvPr id="9" name="Connector: Elbow 8"/>
+          <p:cNvCxnSpPr>
+            <a:stCxn id="6" idx="1"/>
+            <a:endCxn id="39" idx="2"/>
+          </p:cNvCxnSpPr>
+          <p:nvPr/>
+        </p:nvCxnSpPr>
+        <p:spPr>
+          <a:xfrm rot="10800000">
+            <a:off x="3592428" y="3536513"/>
+            <a:ext cx="1254105" cy="1308887"/>
+          </a:xfrm>
+          <a:prstGeom prst="bentConnector2">
+            <a:avLst/>
+          </a:prstGeom>
+          <a:ln>
+            <a:tailEnd type="triangle"/>
+          </a:ln>
+        </p:spPr>
+        <p:style>
+          <a:lnRef idx="1">
+            <a:schemeClr val="accent1"/>
+          </a:lnRef>
+          <a:fillRef idx="0">
+            <a:schemeClr val="accent1"/>
+          </a:fillRef>
+          <a:effectRef idx="0">
+            <a:schemeClr val="accent1"/>
+          </a:effectRef>
+          <a:fontRef idx="minor">
+            <a:schemeClr val="tx1"/>
+          </a:fontRef>
+        </p:style>
+      </p:cxnSp>
+      <p:cxnSp>
+        <p:nvCxnSpPr>
+          <p:cNvPr id="11" name="Straight Arrow Connector 10"/>
+          <p:cNvCxnSpPr>
+            <a:endCxn id="8" idx="2"/>
+          </p:cNvCxnSpPr>
+          <p:nvPr/>
+        </p:nvCxnSpPr>
+        <p:spPr>
+          <a:xfrm flipV="1">
+            <a:off x="5477600" y="3536513"/>
+            <a:ext cx="0" cy="873772"/>
+          </a:xfrm>
+          <a:prstGeom prst="straightConnector1">
+            <a:avLst/>
+          </a:prstGeom>
+          <a:ln>
+            <a:tailEnd type="triangle"/>
+          </a:ln>
+        </p:spPr>
+        <p:style>
+          <a:lnRef idx="1">
+            <a:schemeClr val="accent1"/>
+          </a:lnRef>
+          <a:fillRef idx="0">
+            <a:schemeClr val="accent1"/>
+          </a:fillRef>
+          <a:effectRef idx="0">
+            <a:schemeClr val="accent1"/>
+          </a:effectRef>
+          <a:fontRef idx="minor">
+            <a:schemeClr val="tx1"/>
+          </a:fontRef>
+        </p:style>
+      </p:cxnSp>
+      <p:cxnSp>
+        <p:nvCxnSpPr>
+          <p:cNvPr id="17" name="Connector: Elbow 16"/>
+          <p:cNvCxnSpPr>
+            <a:stCxn id="6" idx="3"/>
+            <a:endCxn id="12" idx="2"/>
+          </p:cNvCxnSpPr>
+          <p:nvPr/>
+        </p:nvCxnSpPr>
+        <p:spPr>
+          <a:xfrm flipV="1">
+            <a:off x="6108667" y="3536513"/>
+            <a:ext cx="1225971" cy="1308886"/>
+          </a:xfrm>
+          <a:prstGeom prst="bentConnector2">
+            <a:avLst/>
+          </a:prstGeom>
+          <a:ln>
+            <a:tailEnd type="triangle"/>
+          </a:ln>
+        </p:spPr>
+        <p:style>
+          <a:lnRef idx="1">
+            <a:schemeClr val="accent1"/>
+          </a:lnRef>
+          <a:fillRef idx="0">
+            <a:schemeClr val="accent1"/>
+          </a:fillRef>
+          <a:effectRef idx="0">
+            <a:schemeClr val="accent1"/>
+          </a:effectRef>
+          <a:fontRef idx="minor">
+            <a:schemeClr val="tx1"/>
+          </a:fontRef>
+        </p:style>
+      </p:cxnSp>
+      <p:sp>
+        <p:nvSpPr>
+          <p:cNvPr id="20" name="Oval 19"/>
+          <p:cNvSpPr/>
+          <p:nvPr/>
+        </p:nvSpPr>
+        <p:spPr>
+          <a:xfrm>
+            <a:off x="1270640" y="1774753"/>
+            <a:ext cx="731520" cy="731520"/>
+          </a:xfrm>
+          <a:prstGeom prst="ellipse">
+            <a:avLst/>
+          </a:prstGeom>
+        </p:spPr>
+        <p:style>
+          <a:lnRef idx="2">
+            <a:schemeClr val="accent1">
+              <a:shade val="50000"/>
+            </a:schemeClr>
+          </a:lnRef>
+          <a:fillRef idx="1">
+            <a:schemeClr val="accent1"/>
+          </a:fillRef>
+          <a:effectRef idx="0">
+            <a:schemeClr val="accent1"/>
+          </a:effectRef>
+          <a:fontRef idx="minor">
+            <a:schemeClr val="lt1"/>
+          </a:fontRef>
+        </p:style>
+        <p:txBody>
+          <a:bodyPr rtlCol="0" anchor="ctr"/>
+          <a:lstStyle/>
+          <a:p>
+            <a:pPr algn="ctr"/>
+            <a:r>
+              <a:rPr lang="en-PH" sz="3200" dirty="0"/>
+              <a:t>4</a:t>
+            </a:r>
+          </a:p>
+        </p:txBody>
+      </p:sp>
+      <p:sp>
+        <p:nvSpPr>
+          <p:cNvPr id="22" name="TextBox 21"/>
+          <p:cNvSpPr txBox="1"/>
+          <p:nvPr/>
+        </p:nvSpPr>
+        <p:spPr>
+          <a:xfrm>
+            <a:off x="5435215" y="3650233"/>
+            <a:ext cx="1503997" cy="646331"/>
+          </a:xfrm>
+          <a:prstGeom prst="rect">
+            <a:avLst/>
+          </a:prstGeom>
+          <a:noFill/>
+        </p:spPr>
+        <p:txBody>
+          <a:bodyPr wrap="square" rtlCol="0">
+            <a:spAutoFit/>
+          </a:bodyPr>
+          <a:lstStyle/>
+          <a:p>
+            <a:pPr algn="ctr"/>
+            <a:r>
+              <a:rPr lang="en-PH" sz="1200" dirty="0"/>
+              <a:t>Encrypted election returns using the generated key</a:t>
+            </a:r>
+          </a:p>
+        </p:txBody>
+      </p:sp>
+      <p:sp>
+        <p:nvSpPr>
+          <p:cNvPr id="23" name="TextBox 22"/>
+          <p:cNvSpPr txBox="1"/>
+          <p:nvPr/>
+        </p:nvSpPr>
+        <p:spPr>
+          <a:xfrm>
+            <a:off x="7449347" y="3948620"/>
+            <a:ext cx="1503997" cy="646331"/>
+          </a:xfrm>
+          <a:prstGeom prst="rect">
+            <a:avLst/>
+          </a:prstGeom>
+          <a:noFill/>
+        </p:spPr>
+        <p:txBody>
+          <a:bodyPr wrap="square" rtlCol="0">
+            <a:spAutoFit/>
+          </a:bodyPr>
+          <a:lstStyle/>
+          <a:p>
+            <a:pPr algn="ctr"/>
+            <a:r>
+              <a:rPr lang="en-PH" sz="1200" dirty="0"/>
+              <a:t>Encrypted election returns using the generated key</a:t>
+            </a:r>
+          </a:p>
+        </p:txBody>
+      </p:sp>
+    </p:spTree>
+    <p:extLst>
+      <p:ext uri="{BB962C8B-B14F-4D97-AF65-F5344CB8AC3E}">
+        <p14:creationId xmlns:p14="http://schemas.microsoft.com/office/powerpoint/2010/main" val="544009215"/>
+      </p:ext>
+    </p:extLst>
+  </p:cSld>
+  <p:clrMapOvr>
+    <a:masterClrMapping/>
+  </p:clrMapOvr>
+</p:sld>
+</file>
+
+<file path=ppt/slides/slide27.xml><?xml version="1.0" encoding="utf-8"?>
+<p:sld xmlns:a="http://schemas.openxmlformats.org/drawingml/2006/main" xmlns:r="http://schemas.openxmlformats.org/officeDocument/2006/relationships" xmlns:p="http://schemas.openxmlformats.org/presentationml/2006/main">
+  <p:cSld>
+    <p:spTree>
+      <p:nvGrpSpPr>
+        <p:cNvPr id="1" name=""/>
+        <p:cNvGrpSpPr/>
+        <p:nvPr/>
+      </p:nvGrpSpPr>
+      <p:grpSpPr>
+        <a:xfrm>
+          <a:off x="0" y="0"/>
+          <a:ext cx="0" cy="0"/>
+          <a:chOff x="0" y="0"/>
+          <a:chExt cx="0" cy="0"/>
+        </a:xfrm>
+      </p:grpSpPr>
+      <p:sp>
+        <p:nvSpPr>
+          <p:cNvPr id="2" name="Title 1"/>
+          <p:cNvSpPr>
+            <a:spLocks noGrp="1"/>
+          </p:cNvSpPr>
+          <p:nvPr>
+            <p:ph type="title"/>
+          </p:nvPr>
+        </p:nvSpPr>
+        <p:spPr/>
+        <p:txBody>
+          <a:bodyPr/>
+          <a:lstStyle/>
+          <a:p>
+            <a:r>
+              <a:rPr lang="en-PH" dirty="0"/>
+              <a:t>Proposed System</a:t>
+            </a:r>
+          </a:p>
+        </p:txBody>
+      </p:sp>
+      <p:pic>
+        <p:nvPicPr>
+          <p:cNvPr id="4" name="Picture 3"/>
+          <p:cNvPicPr>
+            <a:picLocks noChangeAspect="1"/>
+          </p:cNvPicPr>
+          <p:nvPr/>
+        </p:nvPicPr>
+        <p:blipFill>
+          <a:blip r:embed="rId3">
+            <a:extLst>
+              <a:ext uri="{28A0092B-C50C-407E-A947-70E740481C1C}">
+                <a14:useLocalDpi xmlns:a14="http://schemas.microsoft.com/office/drawing/2010/main" val="0"/>
+              </a:ext>
+            </a:extLst>
+          </a:blip>
+          <a:stretch>
+            <a:fillRect/>
+          </a:stretch>
+        </p:blipFill>
+        <p:spPr>
+          <a:xfrm>
+            <a:off x="10343804" y="4696690"/>
+            <a:ext cx="2435221" cy="2435221"/>
+          </a:xfrm>
+          <a:prstGeom prst="rect">
+            <a:avLst/>
+          </a:prstGeom>
+        </p:spPr>
+      </p:pic>
+      <p:pic>
+        <p:nvPicPr>
+          <p:cNvPr id="5" name="Picture 4"/>
+          <p:cNvPicPr>
+            <a:picLocks noChangeAspect="1"/>
+          </p:cNvPicPr>
+          <p:nvPr/>
+        </p:nvPicPr>
+        <p:blipFill>
+          <a:blip r:embed="rId4" cstate="hqprint">
+            <a:extLst>
+              <a:ext uri="{28A0092B-C50C-407E-A947-70E740481C1C}">
+                <a14:useLocalDpi xmlns:a14="http://schemas.microsoft.com/office/drawing/2010/main" val="0"/>
+              </a:ext>
+            </a:extLst>
+          </a:blip>
+          <a:stretch>
+            <a:fillRect/>
+          </a:stretch>
+        </p:blipFill>
+        <p:spPr>
+          <a:xfrm>
+            <a:off x="9882312" y="4197927"/>
+            <a:ext cx="1391006" cy="1391006"/>
+          </a:xfrm>
+          <a:prstGeom prst="rect">
+            <a:avLst/>
+          </a:prstGeom>
+        </p:spPr>
+      </p:pic>
+      <p:sp>
+        <p:nvSpPr>
+          <p:cNvPr id="26" name="TextBox 25"/>
+          <p:cNvSpPr txBox="1"/>
+          <p:nvPr/>
+        </p:nvSpPr>
+        <p:spPr>
+          <a:xfrm>
+            <a:off x="4687962" y="5294236"/>
+            <a:ext cx="1539240" cy="369332"/>
+          </a:xfrm>
+          <a:prstGeom prst="rect">
+            <a:avLst/>
+          </a:prstGeom>
+          <a:noFill/>
+        </p:spPr>
+        <p:txBody>
+          <a:bodyPr wrap="square" rtlCol="0">
+            <a:spAutoFit/>
+          </a:bodyPr>
+          <a:lstStyle/>
+          <a:p>
+            <a:pPr algn="ctr"/>
+            <a:r>
+              <a:rPr lang="en-PH" dirty="0"/>
+              <a:t>VCM</a:t>
+            </a:r>
+          </a:p>
+        </p:txBody>
+      </p:sp>
+      <p:sp>
+        <p:nvSpPr>
+          <p:cNvPr id="30" name="TextBox 29"/>
+          <p:cNvSpPr txBox="1"/>
+          <p:nvPr/>
+        </p:nvSpPr>
+        <p:spPr>
+          <a:xfrm>
+            <a:off x="4556165" y="1942509"/>
+            <a:ext cx="1842868" cy="369332"/>
+          </a:xfrm>
+          <a:prstGeom prst="rect">
+            <a:avLst/>
+          </a:prstGeom>
+          <a:noFill/>
+        </p:spPr>
+        <p:txBody>
+          <a:bodyPr wrap="square" rtlCol="0">
+            <a:spAutoFit/>
+          </a:bodyPr>
+          <a:lstStyle/>
+          <a:p>
+            <a:pPr algn="ctr"/>
+            <a:r>
+              <a:rPr lang="en-PH" dirty="0"/>
+              <a:t>Central Server</a:t>
+            </a:r>
+          </a:p>
+        </p:txBody>
+      </p:sp>
+      <p:sp>
+        <p:nvSpPr>
+          <p:cNvPr id="31" name="TextBox 30"/>
+          <p:cNvSpPr txBox="1"/>
+          <p:nvPr/>
+        </p:nvSpPr>
+        <p:spPr>
+          <a:xfrm>
+            <a:off x="6413203" y="1693645"/>
+            <a:ext cx="1842868" cy="646331"/>
+          </a:xfrm>
+          <a:prstGeom prst="rect">
+            <a:avLst/>
+          </a:prstGeom>
+          <a:noFill/>
+        </p:spPr>
+        <p:txBody>
+          <a:bodyPr wrap="square" rtlCol="0">
+            <a:spAutoFit/>
+          </a:bodyPr>
+          <a:lstStyle/>
+          <a:p>
+            <a:pPr algn="ctr"/>
+            <a:r>
+              <a:rPr lang="en-PH" dirty="0"/>
+              <a:t>Transparency Server</a:t>
+            </a:r>
+          </a:p>
+        </p:txBody>
+      </p:sp>
+      <p:sp>
+        <p:nvSpPr>
+          <p:cNvPr id="32" name="TextBox 31"/>
+          <p:cNvSpPr txBox="1"/>
+          <p:nvPr/>
+        </p:nvSpPr>
+        <p:spPr>
+          <a:xfrm>
+            <a:off x="4556165" y="2246366"/>
+            <a:ext cx="1842868" cy="276999"/>
+          </a:xfrm>
+          <a:prstGeom prst="rect">
+            <a:avLst/>
+          </a:prstGeom>
+          <a:noFill/>
+        </p:spPr>
+        <p:txBody>
+          <a:bodyPr wrap="square" rtlCol="0">
+            <a:spAutoFit/>
+          </a:bodyPr>
+          <a:lstStyle/>
+          <a:p>
+            <a:pPr algn="ctr"/>
+            <a:r>
+              <a:rPr lang="en-PH" sz="1200" dirty="0"/>
+              <a:t>Handled by COMELEC</a:t>
+            </a:r>
+          </a:p>
+        </p:txBody>
+      </p:sp>
+      <p:sp>
+        <p:nvSpPr>
+          <p:cNvPr id="33" name="TextBox 32"/>
+          <p:cNvSpPr txBox="1"/>
+          <p:nvPr/>
+        </p:nvSpPr>
+        <p:spPr>
+          <a:xfrm>
+            <a:off x="6413203" y="2246362"/>
+            <a:ext cx="1842868" cy="276999"/>
+          </a:xfrm>
+          <a:prstGeom prst="rect">
+            <a:avLst/>
+          </a:prstGeom>
+          <a:noFill/>
+        </p:spPr>
+        <p:txBody>
+          <a:bodyPr wrap="square" rtlCol="0">
+            <a:spAutoFit/>
+          </a:bodyPr>
+          <a:lstStyle/>
+          <a:p>
+            <a:pPr algn="ctr"/>
+            <a:r>
+              <a:rPr lang="en-PH" sz="1200" dirty="0"/>
+              <a:t>Handled by PPCRV</a:t>
+            </a:r>
+          </a:p>
+        </p:txBody>
+      </p:sp>
+      <p:pic>
+        <p:nvPicPr>
+          <p:cNvPr id="8" name="Picture 7"/>
+          <p:cNvPicPr>
+            <a:picLocks noChangeAspect="1"/>
+          </p:cNvPicPr>
+          <p:nvPr/>
+        </p:nvPicPr>
+        <p:blipFill>
+          <a:blip r:embed="rId5">
+            <a:extLst>
+              <a:ext uri="{28A0092B-C50C-407E-A947-70E740481C1C}">
+                <a14:useLocalDpi xmlns:a14="http://schemas.microsoft.com/office/drawing/2010/main" val="0"/>
+              </a:ext>
+            </a:extLst>
+          </a:blip>
+          <a:stretch>
+            <a:fillRect/>
+          </a:stretch>
+        </p:blipFill>
+        <p:spPr>
+          <a:xfrm>
+            <a:off x="5003281" y="2587876"/>
+            <a:ext cx="948637" cy="948637"/>
+          </a:xfrm>
+          <a:prstGeom prst="rect">
+            <a:avLst/>
+          </a:prstGeom>
+        </p:spPr>
+      </p:pic>
+      <p:pic>
+        <p:nvPicPr>
+          <p:cNvPr id="6" name="Content Placeholder 5"/>
+          <p:cNvPicPr>
+            <a:picLocks noGrp="1" noChangeAspect="1"/>
+          </p:cNvPicPr>
+          <p:nvPr>
+            <p:ph idx="1"/>
+          </p:nvPr>
+        </p:nvPicPr>
+        <p:blipFill>
+          <a:blip r:embed="rId6">
+            <a:extLst>
+              <a:ext uri="{28A0092B-C50C-407E-A947-70E740481C1C}">
+                <a14:useLocalDpi xmlns:a14="http://schemas.microsoft.com/office/drawing/2010/main" val="0"/>
+              </a:ext>
+            </a:extLst>
+          </a:blip>
+          <a:stretch>
+            <a:fillRect/>
+          </a:stretch>
+        </p:blipFill>
+        <p:spPr>
+          <a:xfrm>
+            <a:off x="4846532" y="4214331"/>
+            <a:ext cx="1262135" cy="1262135"/>
+          </a:xfrm>
+        </p:spPr>
+      </p:pic>
+      <p:pic>
+        <p:nvPicPr>
+          <p:cNvPr id="39" name="Picture 38"/>
+          <p:cNvPicPr>
+            <a:picLocks noChangeAspect="1"/>
+          </p:cNvPicPr>
+          <p:nvPr/>
+        </p:nvPicPr>
+        <p:blipFill>
+          <a:blip r:embed="rId5">
+            <a:extLst>
+              <a:ext uri="{28A0092B-C50C-407E-A947-70E740481C1C}">
+                <a14:useLocalDpi xmlns:a14="http://schemas.microsoft.com/office/drawing/2010/main" val="0"/>
+              </a:ext>
+            </a:extLst>
+          </a:blip>
+          <a:stretch>
+            <a:fillRect/>
+          </a:stretch>
+        </p:blipFill>
+        <p:spPr>
+          <a:xfrm>
+            <a:off x="3118108" y="2587875"/>
+            <a:ext cx="948637" cy="948637"/>
+          </a:xfrm>
+          <a:prstGeom prst="rect">
+            <a:avLst/>
+          </a:prstGeom>
+        </p:spPr>
+      </p:pic>
+      <p:pic>
+        <p:nvPicPr>
+          <p:cNvPr id="12" name="Picture 11"/>
+          <p:cNvPicPr>
+            <a:picLocks noChangeAspect="1"/>
+          </p:cNvPicPr>
+          <p:nvPr/>
+        </p:nvPicPr>
+        <p:blipFill>
+          <a:blip r:embed="rId5">
+            <a:extLst>
+              <a:ext uri="{28A0092B-C50C-407E-A947-70E740481C1C}">
+                <a14:useLocalDpi xmlns:a14="http://schemas.microsoft.com/office/drawing/2010/main" val="0"/>
+              </a:ext>
+            </a:extLst>
+          </a:blip>
+          <a:stretch>
+            <a:fillRect/>
+          </a:stretch>
+        </p:blipFill>
+        <p:spPr>
+          <a:xfrm>
+            <a:off x="6860319" y="2587876"/>
+            <a:ext cx="948637" cy="948637"/>
+          </a:xfrm>
+          <a:prstGeom prst="rect">
+            <a:avLst/>
+          </a:prstGeom>
+        </p:spPr>
+      </p:pic>
+      <p:sp>
+        <p:nvSpPr>
+          <p:cNvPr id="37" name="TextBox 36"/>
+          <p:cNvSpPr txBox="1"/>
+          <p:nvPr/>
+        </p:nvSpPr>
+        <p:spPr>
+          <a:xfrm>
+            <a:off x="1969895" y="3948621"/>
             <a:ext cx="1503997" cy="461665"/>
           </a:xfrm>
           <a:prstGeom prst="rect">
@@ -17708,7 +18200,7 @@
 </p:sld>
 </file>
 
-<file path=ppt/slides/slide26.xml><?xml version="1.0" encoding="utf-8"?>
+<file path=ppt/slides/slide28.xml><?xml version="1.0" encoding="utf-8"?>
 <p:sld xmlns:a="http://schemas.openxmlformats.org/drawingml/2006/main" xmlns:r="http://schemas.openxmlformats.org/officeDocument/2006/relationships" xmlns:p="http://schemas.openxmlformats.org/presentationml/2006/main">
   <p:cSld>
     <p:spTree>
@@ -19345,7 +19837,7 @@
 </p:sld>
 </file>
 
-<file path=ppt/slides/slide27.xml><?xml version="1.0" encoding="utf-8"?>
+<file path=ppt/slides/slide29.xml><?xml version="1.0" encoding="utf-8"?>
 <p:sld xmlns:a="http://schemas.openxmlformats.org/drawingml/2006/main" xmlns:r="http://schemas.openxmlformats.org/officeDocument/2006/relationships" xmlns:p="http://schemas.openxmlformats.org/presentationml/2006/main">
   <p:cSld>
     <p:spTree>
@@ -20219,7 +20711,180 @@
 </p:sld>
 </file>
 
-<file path=ppt/slides/slide28.xml><?xml version="1.0" encoding="utf-8"?>
+<file path=ppt/slides/slide3.xml><?xml version="1.0" encoding="utf-8"?>
+<p:sld xmlns:a="http://schemas.openxmlformats.org/drawingml/2006/main" xmlns:r="http://schemas.openxmlformats.org/officeDocument/2006/relationships" xmlns:p="http://schemas.openxmlformats.org/presentationml/2006/main">
+  <p:cSld>
+    <p:spTree>
+      <p:nvGrpSpPr>
+        <p:cNvPr id="1" name=""/>
+        <p:cNvGrpSpPr/>
+        <p:nvPr/>
+      </p:nvGrpSpPr>
+      <p:grpSpPr>
+        <a:xfrm>
+          <a:off x="0" y="0"/>
+          <a:ext cx="0" cy="0"/>
+          <a:chOff x="0" y="0"/>
+          <a:chExt cx="0" cy="0"/>
+        </a:xfrm>
+      </p:grpSpPr>
+      <p:sp>
+        <p:nvSpPr>
+          <p:cNvPr id="2" name="Title 1"/>
+          <p:cNvSpPr>
+            <a:spLocks noGrp="1"/>
+          </p:cNvSpPr>
+          <p:nvPr>
+            <p:ph type="title"/>
+          </p:nvPr>
+        </p:nvSpPr>
+        <p:spPr/>
+        <p:txBody>
+          <a:bodyPr/>
+          <a:lstStyle/>
+          <a:p>
+            <a:r>
+              <a:rPr lang="en-PH" dirty="0"/>
+              <a:t>Background of the Problem</a:t>
+            </a:r>
+          </a:p>
+        </p:txBody>
+      </p:sp>
+      <p:sp>
+        <p:nvSpPr>
+          <p:cNvPr id="3" name="Content Placeholder 2"/>
+          <p:cNvSpPr>
+            <a:spLocks noGrp="1"/>
+          </p:cNvSpPr>
+          <p:nvPr>
+            <p:ph idx="1"/>
+          </p:nvPr>
+        </p:nvSpPr>
+        <p:spPr>
+          <a:xfrm>
+            <a:off x="838200" y="1806989"/>
+            <a:ext cx="9896061" cy="4679467"/>
+          </a:xfrm>
+        </p:spPr>
+        <p:txBody>
+          <a:bodyPr>
+            <a:normAutofit lnSpcReduction="10000"/>
+          </a:bodyPr>
+          <a:lstStyle/>
+          <a:p>
+            <a:r>
+              <a:rPr lang="en-PH" dirty="0"/>
+              <a:t>For instance, during the 2016 elections, the camp of Senator Ferdinand Marcos Jr., who ran for the position of vice president, expressed his concerns with regard to the alleged “Secret Servers”.</a:t>
+            </a:r>
+          </a:p>
+          <a:p>
+            <a:r>
+              <a:rPr lang="en-PH" dirty="0" err="1"/>
+              <a:t>Smartmatic’s</a:t>
+            </a:r>
+            <a:r>
+              <a:rPr lang="en-PH" dirty="0"/>
+              <a:t> Marlon Garcia, the head of the technical support team, admitted that aside from the three official servers that was authorized by the COMELEC (namely , namely the Municipal Board of Canvassing Server, Central Server, and the Transparency server), there was also a “meet-me room” where several servers were housed.</a:t>
+            </a:r>
+          </a:p>
+          <a:p>
+            <a:r>
+              <a:rPr lang="en-PH" dirty="0"/>
+              <a:t>the secret servers were intentionally not mentioned by the </a:t>
+            </a:r>
+            <a:r>
+              <a:rPr lang="en-PH" dirty="0" err="1"/>
+              <a:t>Comelec</a:t>
+            </a:r>
+            <a:r>
+              <a:rPr lang="en-PH" dirty="0"/>
+              <a:t> and </a:t>
+            </a:r>
+            <a:r>
+              <a:rPr lang="en-PH" dirty="0" err="1"/>
+              <a:t>Smartmatic</a:t>
+            </a:r>
+            <a:r>
+              <a:rPr lang="en-PH" dirty="0"/>
+              <a:t> to the public making it more suspicious.</a:t>
+            </a:r>
+          </a:p>
+        </p:txBody>
+      </p:sp>
+      <p:pic>
+        <p:nvPicPr>
+          <p:cNvPr id="4" name="Picture 3"/>
+          <p:cNvPicPr>
+            <a:picLocks noChangeAspect="1"/>
+          </p:cNvPicPr>
+          <p:nvPr/>
+        </p:nvPicPr>
+        <p:blipFill>
+          <a:blip r:embed="rId3">
+            <a:extLst>
+              <a:ext uri="{28A0092B-C50C-407E-A947-70E740481C1C}">
+                <a14:useLocalDpi xmlns:a14="http://schemas.microsoft.com/office/drawing/2010/main" val="0"/>
+              </a:ext>
+            </a:extLst>
+          </a:blip>
+          <a:stretch>
+            <a:fillRect/>
+          </a:stretch>
+        </p:blipFill>
+        <p:spPr>
+          <a:xfrm>
+            <a:off x="10595595" y="4723195"/>
+            <a:ext cx="2435221" cy="2435221"/>
+          </a:xfrm>
+          <a:prstGeom prst="rect">
+            <a:avLst/>
+          </a:prstGeom>
+        </p:spPr>
+      </p:pic>
+      <p:pic>
+        <p:nvPicPr>
+          <p:cNvPr id="5" name="Picture 4"/>
+          <p:cNvPicPr>
+            <a:picLocks noChangeAspect="1"/>
+          </p:cNvPicPr>
+          <p:nvPr/>
+        </p:nvPicPr>
+        <p:blipFill>
+          <a:blip r:embed="rId4" cstate="hqprint">
+            <a:extLst>
+              <a:ext uri="{28A0092B-C50C-407E-A947-70E740481C1C}">
+                <a14:useLocalDpi xmlns:a14="http://schemas.microsoft.com/office/drawing/2010/main" val="0"/>
+              </a:ext>
+            </a:extLst>
+          </a:blip>
+          <a:stretch>
+            <a:fillRect/>
+          </a:stretch>
+        </p:blipFill>
+        <p:spPr>
+          <a:xfrm>
+            <a:off x="10734261" y="3561822"/>
+            <a:ext cx="1391006" cy="1391006"/>
+          </a:xfrm>
+          <a:prstGeom prst="rect">
+            <a:avLst/>
+          </a:prstGeom>
+        </p:spPr>
+      </p:pic>
+    </p:spTree>
+    <p:extLst>
+      <p:ext uri="{BB962C8B-B14F-4D97-AF65-F5344CB8AC3E}">
+        <p14:creationId xmlns:p14="http://schemas.microsoft.com/office/powerpoint/2010/main" val="692691534"/>
+      </p:ext>
+    </p:extLst>
+  </p:cSld>
+  <p:clrMapOvr>
+    <a:masterClrMapping/>
+  </p:clrMapOvr>
+</p:sld>
+</file>
+
+<file path=ppt/slides/slide30.xml><?xml version="1.0" encoding="utf-8"?>
 <p:sld xmlns:a="http://schemas.openxmlformats.org/drawingml/2006/main" xmlns:r="http://schemas.openxmlformats.org/officeDocument/2006/relationships" xmlns:p="http://schemas.openxmlformats.org/presentationml/2006/main">
   <p:cSld>
     <p:spTree>
@@ -20955,7 +21620,7 @@
 </p:sld>
 </file>
 
-<file path=ppt/slides/slide29.xml><?xml version="1.0" encoding="utf-8"?>
+<file path=ppt/slides/slide31.xml><?xml version="1.0" encoding="utf-8"?>
 <p:sld xmlns:a="http://schemas.openxmlformats.org/drawingml/2006/main" xmlns:r="http://schemas.openxmlformats.org/officeDocument/2006/relationships" xmlns:p="http://schemas.openxmlformats.org/presentationml/2006/main">
   <p:cSld>
     <p:spTree>
@@ -21507,1097 +22172,6 @@
     <p:extLst>
       <p:ext uri="{BB962C8B-B14F-4D97-AF65-F5344CB8AC3E}">
         <p14:creationId xmlns:p14="http://schemas.microsoft.com/office/powerpoint/2010/main" val="1244495934"/>
-      </p:ext>
-    </p:extLst>
-  </p:cSld>
-  <p:clrMapOvr>
-    <a:masterClrMapping/>
-  </p:clrMapOvr>
-</p:sld>
-</file>
-
-<file path=ppt/slides/slide3.xml><?xml version="1.0" encoding="utf-8"?>
-<p:sld xmlns:a="http://schemas.openxmlformats.org/drawingml/2006/main" xmlns:r="http://schemas.openxmlformats.org/officeDocument/2006/relationships" xmlns:p="http://schemas.openxmlformats.org/presentationml/2006/main">
-  <p:cSld>
-    <p:spTree>
-      <p:nvGrpSpPr>
-        <p:cNvPr id="1" name=""/>
-        <p:cNvGrpSpPr/>
-        <p:nvPr/>
-      </p:nvGrpSpPr>
-      <p:grpSpPr>
-        <a:xfrm>
-          <a:off x="0" y="0"/>
-          <a:ext cx="0" cy="0"/>
-          <a:chOff x="0" y="0"/>
-          <a:chExt cx="0" cy="0"/>
-        </a:xfrm>
-      </p:grpSpPr>
-      <p:sp>
-        <p:nvSpPr>
-          <p:cNvPr id="2" name="Title 1"/>
-          <p:cNvSpPr>
-            <a:spLocks noGrp="1"/>
-          </p:cNvSpPr>
-          <p:nvPr>
-            <p:ph type="title"/>
-          </p:nvPr>
-        </p:nvSpPr>
-        <p:spPr/>
-        <p:txBody>
-          <a:bodyPr/>
-          <a:lstStyle/>
-          <a:p>
-            <a:r>
-              <a:rPr lang="en-PH" dirty="0"/>
-              <a:t>Background of the Problem</a:t>
-            </a:r>
-          </a:p>
-        </p:txBody>
-      </p:sp>
-      <p:sp>
-        <p:nvSpPr>
-          <p:cNvPr id="3" name="Content Placeholder 2"/>
-          <p:cNvSpPr>
-            <a:spLocks noGrp="1"/>
-          </p:cNvSpPr>
-          <p:nvPr>
-            <p:ph idx="1"/>
-          </p:nvPr>
-        </p:nvSpPr>
-        <p:spPr>
-          <a:xfrm>
-            <a:off x="838200" y="1497496"/>
-            <a:ext cx="9896061" cy="4679467"/>
-          </a:xfrm>
-        </p:spPr>
-        <p:txBody>
-          <a:bodyPr>
-            <a:normAutofit lnSpcReduction="10000"/>
-          </a:bodyPr>
-          <a:lstStyle/>
-          <a:p>
-            <a:r>
-              <a:rPr lang="en-PH" dirty="0"/>
-              <a:t>Moreover, there were no poll watchers assigned for these servers making it questionable to both the public and the administrators. </a:t>
-            </a:r>
-          </a:p>
-          <a:p>
-            <a:r>
-              <a:rPr lang="en-PH" dirty="0"/>
-              <a:t>According to a statement made by Rodriguez, a representative of Marcos’ camp, the integrity of the 2016 May elections has been questioned because of the unexpected situation made by the </a:t>
-            </a:r>
-            <a:r>
-              <a:rPr lang="en-PH" dirty="0" err="1"/>
-              <a:t>Comelec</a:t>
-            </a:r>
-            <a:r>
-              <a:rPr lang="en-PH" dirty="0"/>
-              <a:t> and </a:t>
-            </a:r>
-            <a:r>
-              <a:rPr lang="en-PH" dirty="0" err="1"/>
-              <a:t>Smartmatic</a:t>
-            </a:r>
-            <a:r>
-              <a:rPr lang="en-PH" dirty="0"/>
-              <a:t>.</a:t>
-            </a:r>
-          </a:p>
-          <a:p>
-            <a:r>
-              <a:rPr lang="en-PH" dirty="0"/>
-              <a:t>The ERs that were presented to the public did not come directly from the transparency server. </a:t>
-            </a:r>
-          </a:p>
-          <a:p>
-            <a:r>
-              <a:rPr lang="en-PH" dirty="0"/>
-              <a:t>Alternatively, the results were first transmitted to a “Queue Server” where they were “consolidated and processed” and the “Queue Server” sends the data to the transparency servers which is against the law. </a:t>
-            </a:r>
-          </a:p>
-        </p:txBody>
-      </p:sp>
-      <p:pic>
-        <p:nvPicPr>
-          <p:cNvPr id="4" name="Picture 3"/>
-          <p:cNvPicPr>
-            <a:picLocks noChangeAspect="1"/>
-          </p:cNvPicPr>
-          <p:nvPr/>
-        </p:nvPicPr>
-        <p:blipFill>
-          <a:blip r:embed="rId3">
-            <a:extLst>
-              <a:ext uri="{28A0092B-C50C-407E-A947-70E740481C1C}">
-                <a14:useLocalDpi xmlns:a14="http://schemas.microsoft.com/office/drawing/2010/main" val="0"/>
-              </a:ext>
-            </a:extLst>
-          </a:blip>
-          <a:stretch>
-            <a:fillRect/>
-          </a:stretch>
-        </p:blipFill>
-        <p:spPr>
-          <a:xfrm>
-            <a:off x="10595595" y="4723195"/>
-            <a:ext cx="2435221" cy="2435221"/>
-          </a:xfrm>
-          <a:prstGeom prst="rect">
-            <a:avLst/>
-          </a:prstGeom>
-        </p:spPr>
-      </p:pic>
-      <p:pic>
-        <p:nvPicPr>
-          <p:cNvPr id="5" name="Picture 4"/>
-          <p:cNvPicPr>
-            <a:picLocks noChangeAspect="1"/>
-          </p:cNvPicPr>
-          <p:nvPr/>
-        </p:nvPicPr>
-        <p:blipFill>
-          <a:blip r:embed="rId4" cstate="hqprint">
-            <a:extLst>
-              <a:ext uri="{28A0092B-C50C-407E-A947-70E740481C1C}">
-                <a14:useLocalDpi xmlns:a14="http://schemas.microsoft.com/office/drawing/2010/main" val="0"/>
-              </a:ext>
-            </a:extLst>
-          </a:blip>
-          <a:stretch>
-            <a:fillRect/>
-          </a:stretch>
-        </p:blipFill>
-        <p:spPr>
-          <a:xfrm>
-            <a:off x="10734261" y="3561822"/>
-            <a:ext cx="1391006" cy="1391006"/>
-          </a:xfrm>
-          <a:prstGeom prst="rect">
-            <a:avLst/>
-          </a:prstGeom>
-        </p:spPr>
-      </p:pic>
-    </p:spTree>
-    <p:extLst>
-      <p:ext uri="{BB962C8B-B14F-4D97-AF65-F5344CB8AC3E}">
-        <p14:creationId xmlns:p14="http://schemas.microsoft.com/office/powerpoint/2010/main" val="3315150344"/>
-      </p:ext>
-    </p:extLst>
-  </p:cSld>
-  <p:clrMapOvr>
-    <a:masterClrMapping/>
-  </p:clrMapOvr>
-</p:sld>
-</file>
-
-<file path=ppt/slides/slide30.xml><?xml version="1.0" encoding="utf-8"?>
-<p:sld xmlns:a="http://schemas.openxmlformats.org/drawingml/2006/main" xmlns:r="http://schemas.openxmlformats.org/officeDocument/2006/relationships" xmlns:p="http://schemas.openxmlformats.org/presentationml/2006/main">
-  <p:cSld>
-    <p:spTree>
-      <p:nvGrpSpPr>
-        <p:cNvPr id="1" name=""/>
-        <p:cNvGrpSpPr/>
-        <p:nvPr/>
-      </p:nvGrpSpPr>
-      <p:grpSpPr>
-        <a:xfrm>
-          <a:off x="0" y="0"/>
-          <a:ext cx="0" cy="0"/>
-          <a:chOff x="0" y="0"/>
-          <a:chExt cx="0" cy="0"/>
-        </a:xfrm>
-      </p:grpSpPr>
-      <p:sp>
-        <p:nvSpPr>
-          <p:cNvPr id="2" name="Title 1"/>
-          <p:cNvSpPr>
-            <a:spLocks noGrp="1"/>
-          </p:cNvSpPr>
-          <p:nvPr>
-            <p:ph type="title"/>
-          </p:nvPr>
-        </p:nvSpPr>
-        <p:spPr/>
-        <p:txBody>
-          <a:bodyPr/>
-          <a:lstStyle/>
-          <a:p>
-            <a:r>
-              <a:rPr lang="en-PH" dirty="0"/>
-              <a:t>Sequence Diagram</a:t>
-            </a:r>
-          </a:p>
-        </p:txBody>
-      </p:sp>
-      <p:pic>
-        <p:nvPicPr>
-          <p:cNvPr id="4" name="Picture 3"/>
-          <p:cNvPicPr>
-            <a:picLocks noChangeAspect="1"/>
-          </p:cNvPicPr>
-          <p:nvPr/>
-        </p:nvPicPr>
-        <p:blipFill>
-          <a:blip r:embed="rId2">
-            <a:extLst>
-              <a:ext uri="{28A0092B-C50C-407E-A947-70E740481C1C}">
-                <a14:useLocalDpi xmlns:a14="http://schemas.microsoft.com/office/drawing/2010/main" val="0"/>
-              </a:ext>
-            </a:extLst>
-          </a:blip>
-          <a:stretch>
-            <a:fillRect/>
-          </a:stretch>
-        </p:blipFill>
-        <p:spPr>
-          <a:xfrm>
-            <a:off x="-251961" y="5056301"/>
-            <a:ext cx="2435221" cy="2435221"/>
-          </a:xfrm>
-          <a:prstGeom prst="rect">
-            <a:avLst/>
-          </a:prstGeom>
-        </p:spPr>
-      </p:pic>
-      <p:pic>
-        <p:nvPicPr>
-          <p:cNvPr id="5" name="Picture 4"/>
-          <p:cNvPicPr>
-            <a:picLocks noChangeAspect="1"/>
-          </p:cNvPicPr>
-          <p:nvPr/>
-        </p:nvPicPr>
-        <p:blipFill>
-          <a:blip r:embed="rId3" cstate="hqprint">
-            <a:extLst>
-              <a:ext uri="{28A0092B-C50C-407E-A947-70E740481C1C}">
-                <a14:useLocalDpi xmlns:a14="http://schemas.microsoft.com/office/drawing/2010/main" val="0"/>
-              </a:ext>
-            </a:extLst>
-          </a:blip>
-          <a:stretch>
-            <a:fillRect/>
-          </a:stretch>
-        </p:blipFill>
-        <p:spPr>
-          <a:xfrm>
-            <a:off x="-189517" y="3979707"/>
-            <a:ext cx="1391006" cy="1391006"/>
-          </a:xfrm>
-          <a:prstGeom prst="rect">
-            <a:avLst/>
-          </a:prstGeom>
-        </p:spPr>
-      </p:pic>
-      <p:pic>
-        <p:nvPicPr>
-          <p:cNvPr id="8" name="Content Placeholder 7"/>
-          <p:cNvPicPr>
-            <a:picLocks noGrp="1" noChangeAspect="1"/>
-          </p:cNvPicPr>
-          <p:nvPr>
-            <p:ph idx="1"/>
-          </p:nvPr>
-        </p:nvPicPr>
-        <p:blipFill>
-          <a:blip r:embed="rId4">
-            <a:extLst>
-              <a:ext uri="{28A0092B-C50C-407E-A947-70E740481C1C}">
-                <a14:useLocalDpi xmlns:a14="http://schemas.microsoft.com/office/drawing/2010/main" val="0"/>
-              </a:ext>
-            </a:extLst>
-          </a:blip>
-          <a:stretch>
-            <a:fillRect/>
-          </a:stretch>
-        </p:blipFill>
-        <p:spPr>
-          <a:xfrm>
-            <a:off x="3275542" y="1700856"/>
-            <a:ext cx="6596592" cy="4144013"/>
-          </a:xfrm>
-        </p:spPr>
-      </p:pic>
-    </p:spTree>
-    <p:extLst>
-      <p:ext uri="{BB962C8B-B14F-4D97-AF65-F5344CB8AC3E}">
-        <p14:creationId xmlns:p14="http://schemas.microsoft.com/office/powerpoint/2010/main" val="2581553982"/>
-      </p:ext>
-    </p:extLst>
-  </p:cSld>
-  <p:clrMapOvr>
-    <a:masterClrMapping/>
-  </p:clrMapOvr>
-</p:sld>
-</file>
-
-<file path=ppt/slides/slide31.xml><?xml version="1.0" encoding="utf-8"?>
-<p:sld xmlns:a="http://schemas.openxmlformats.org/drawingml/2006/main" xmlns:r="http://schemas.openxmlformats.org/officeDocument/2006/relationships" xmlns:p="http://schemas.openxmlformats.org/presentationml/2006/main">
-  <p:cSld>
-    <p:spTree>
-      <p:nvGrpSpPr>
-        <p:cNvPr id="1" name=""/>
-        <p:cNvGrpSpPr/>
-        <p:nvPr/>
-      </p:nvGrpSpPr>
-      <p:grpSpPr>
-        <a:xfrm>
-          <a:off x="0" y="0"/>
-          <a:ext cx="0" cy="0"/>
-          <a:chOff x="0" y="0"/>
-          <a:chExt cx="0" cy="0"/>
-        </a:xfrm>
-      </p:grpSpPr>
-      <p:sp>
-        <p:nvSpPr>
-          <p:cNvPr id="2" name="Title 1"/>
-          <p:cNvSpPr>
-            <a:spLocks noGrp="1"/>
-          </p:cNvSpPr>
-          <p:nvPr>
-            <p:ph type="title"/>
-          </p:nvPr>
-        </p:nvSpPr>
-        <p:spPr/>
-        <p:txBody>
-          <a:bodyPr/>
-          <a:lstStyle/>
-          <a:p>
-            <a:r>
-              <a:rPr lang="en-PH" dirty="0"/>
-              <a:t>State Diagram</a:t>
-            </a:r>
-          </a:p>
-        </p:txBody>
-      </p:sp>
-      <p:sp>
-        <p:nvSpPr>
-          <p:cNvPr id="6" name="Oval 5"/>
-          <p:cNvSpPr/>
-          <p:nvPr/>
-        </p:nvSpPr>
-        <p:spPr>
-          <a:xfrm>
-            <a:off x="2910829" y="1503883"/>
-            <a:ext cx="255495" cy="268941"/>
-          </a:xfrm>
-          <a:prstGeom prst="ellipse">
-            <a:avLst/>
-          </a:prstGeom>
-          <a:solidFill>
-            <a:schemeClr val="tx2">
-              <a:lumMod val="60000"/>
-              <a:lumOff val="40000"/>
-            </a:schemeClr>
-          </a:solidFill>
-          <a:ln>
-            <a:noFill/>
-          </a:ln>
-        </p:spPr>
-        <p:style>
-          <a:lnRef idx="3">
-            <a:schemeClr val="lt1"/>
-          </a:lnRef>
-          <a:fillRef idx="1">
-            <a:schemeClr val="accent3"/>
-          </a:fillRef>
-          <a:effectRef idx="1">
-            <a:schemeClr val="accent3"/>
-          </a:effectRef>
-          <a:fontRef idx="minor">
-            <a:schemeClr val="lt1"/>
-          </a:fontRef>
-        </p:style>
-        <p:txBody>
-          <a:bodyPr rtlCol="0" anchor="ctr"/>
-          <a:lstStyle/>
-          <a:p>
-            <a:pPr algn="ctr"/>
-            <a:endParaRPr lang="en-PH"/>
-          </a:p>
-        </p:txBody>
-      </p:sp>
-      <p:cxnSp>
-        <p:nvCxnSpPr>
-          <p:cNvPr id="7" name="Straight Arrow Connector 6"/>
-          <p:cNvCxnSpPr>
-            <a:stCxn id="6" idx="4"/>
-            <a:endCxn id="8" idx="0"/>
-          </p:cNvCxnSpPr>
-          <p:nvPr/>
-        </p:nvCxnSpPr>
-        <p:spPr>
-          <a:xfrm>
-            <a:off x="3038577" y="1772824"/>
-            <a:ext cx="1" cy="404902"/>
-          </a:xfrm>
-          <a:prstGeom prst="straightConnector1">
-            <a:avLst/>
-          </a:prstGeom>
-          <a:ln>
-            <a:solidFill>
-              <a:srgbClr val="FFC000"/>
-            </a:solidFill>
-            <a:tailEnd type="triangle"/>
-          </a:ln>
-        </p:spPr>
-        <p:style>
-          <a:lnRef idx="3">
-            <a:schemeClr val="accent2"/>
-          </a:lnRef>
-          <a:fillRef idx="0">
-            <a:schemeClr val="accent2"/>
-          </a:fillRef>
-          <a:effectRef idx="2">
-            <a:schemeClr val="accent2"/>
-          </a:effectRef>
-          <a:fontRef idx="minor">
-            <a:schemeClr val="tx1"/>
-          </a:fontRef>
-        </p:style>
-      </p:cxnSp>
-      <p:sp>
-        <p:nvSpPr>
-          <p:cNvPr id="8" name="Rounded Rectangle 7"/>
-          <p:cNvSpPr/>
-          <p:nvPr/>
-        </p:nvSpPr>
-        <p:spPr>
-          <a:xfrm>
-            <a:off x="2245704" y="2177726"/>
-            <a:ext cx="1585747" cy="809803"/>
-          </a:xfrm>
-          <a:prstGeom prst="roundRect">
-            <a:avLst/>
-          </a:prstGeom>
-          <a:solidFill>
-            <a:schemeClr val="tx2">
-              <a:lumMod val="60000"/>
-              <a:lumOff val="40000"/>
-            </a:schemeClr>
-          </a:solidFill>
-          <a:ln>
-            <a:noFill/>
-          </a:ln>
-        </p:spPr>
-        <p:style>
-          <a:lnRef idx="2">
-            <a:schemeClr val="accent1">
-              <a:shade val="50000"/>
-            </a:schemeClr>
-          </a:lnRef>
-          <a:fillRef idx="1">
-            <a:schemeClr val="accent1"/>
-          </a:fillRef>
-          <a:effectRef idx="0">
-            <a:schemeClr val="accent1"/>
-          </a:effectRef>
-          <a:fontRef idx="minor">
-            <a:schemeClr val="lt1"/>
-          </a:fontRef>
-        </p:style>
-        <p:txBody>
-          <a:bodyPr rtlCol="0" anchor="ctr"/>
-          <a:lstStyle/>
-          <a:p>
-            <a:pPr algn="ctr"/>
-            <a:r>
-              <a:rPr lang="en-PH" sz="1400" dirty="0"/>
-              <a:t>Send  encrypted data</a:t>
-            </a:r>
-          </a:p>
-        </p:txBody>
-      </p:sp>
-      <p:sp>
-        <p:nvSpPr>
-          <p:cNvPr id="10" name="Rounded Rectangle 9"/>
-          <p:cNvSpPr/>
-          <p:nvPr/>
-        </p:nvSpPr>
-        <p:spPr>
-          <a:xfrm>
-            <a:off x="2245704" y="3420781"/>
-            <a:ext cx="1585747" cy="809803"/>
-          </a:xfrm>
-          <a:prstGeom prst="roundRect">
-            <a:avLst/>
-          </a:prstGeom>
-          <a:solidFill>
-            <a:schemeClr val="tx2">
-              <a:lumMod val="60000"/>
-              <a:lumOff val="40000"/>
-            </a:schemeClr>
-          </a:solidFill>
-          <a:ln>
-            <a:noFill/>
-          </a:ln>
-        </p:spPr>
-        <p:style>
-          <a:lnRef idx="2">
-            <a:schemeClr val="accent1">
-              <a:shade val="50000"/>
-            </a:schemeClr>
-          </a:lnRef>
-          <a:fillRef idx="1">
-            <a:schemeClr val="accent1"/>
-          </a:fillRef>
-          <a:effectRef idx="0">
-            <a:schemeClr val="accent1"/>
-          </a:effectRef>
-          <a:fontRef idx="minor">
-            <a:schemeClr val="lt1"/>
-          </a:fontRef>
-        </p:style>
-        <p:txBody>
-          <a:bodyPr rtlCol="0" anchor="ctr"/>
-          <a:lstStyle/>
-          <a:p>
-            <a:pPr algn="ctr"/>
-            <a:r>
-              <a:rPr lang="en-PH" sz="1400" dirty="0"/>
-              <a:t>Decrypt data</a:t>
-            </a:r>
-          </a:p>
-        </p:txBody>
-      </p:sp>
-      <p:sp>
-        <p:nvSpPr>
-          <p:cNvPr id="12" name="Rounded Rectangle 11"/>
-          <p:cNvSpPr/>
-          <p:nvPr/>
-        </p:nvSpPr>
-        <p:spPr>
-          <a:xfrm>
-            <a:off x="3650418" y="4803733"/>
-            <a:ext cx="1585747" cy="809803"/>
-          </a:xfrm>
-          <a:prstGeom prst="roundRect">
-            <a:avLst/>
-          </a:prstGeom>
-          <a:solidFill>
-            <a:schemeClr val="tx2">
-              <a:lumMod val="60000"/>
-              <a:lumOff val="40000"/>
-            </a:schemeClr>
-          </a:solidFill>
-          <a:ln>
-            <a:noFill/>
-          </a:ln>
-        </p:spPr>
-        <p:style>
-          <a:lnRef idx="2">
-            <a:schemeClr val="accent1">
-              <a:shade val="50000"/>
-            </a:schemeClr>
-          </a:lnRef>
-          <a:fillRef idx="1">
-            <a:schemeClr val="accent1"/>
-          </a:fillRef>
-          <a:effectRef idx="0">
-            <a:schemeClr val="accent1"/>
-          </a:effectRef>
-          <a:fontRef idx="minor">
-            <a:schemeClr val="lt1"/>
-          </a:fontRef>
-        </p:style>
-        <p:txBody>
-          <a:bodyPr rtlCol="0" anchor="ctr"/>
-          <a:lstStyle/>
-          <a:p>
-            <a:pPr algn="ctr"/>
-            <a:r>
-              <a:rPr lang="en-PH" sz="1400" dirty="0"/>
-              <a:t>Create key exchange</a:t>
-            </a:r>
-          </a:p>
-        </p:txBody>
-      </p:sp>
-      <p:sp>
-        <p:nvSpPr>
-          <p:cNvPr id="13" name="Rounded Rectangle 12"/>
-          <p:cNvSpPr/>
-          <p:nvPr/>
-        </p:nvSpPr>
-        <p:spPr>
-          <a:xfrm>
-            <a:off x="6727832" y="4803733"/>
-            <a:ext cx="1585747" cy="809803"/>
-          </a:xfrm>
-          <a:prstGeom prst="roundRect">
-            <a:avLst/>
-          </a:prstGeom>
-          <a:solidFill>
-            <a:schemeClr val="tx2">
-              <a:lumMod val="60000"/>
-              <a:lumOff val="40000"/>
-            </a:schemeClr>
-          </a:solidFill>
-          <a:ln>
-            <a:noFill/>
-          </a:ln>
-        </p:spPr>
-        <p:style>
-          <a:lnRef idx="2">
-            <a:schemeClr val="accent1">
-              <a:shade val="50000"/>
-            </a:schemeClr>
-          </a:lnRef>
-          <a:fillRef idx="1">
-            <a:schemeClr val="accent1"/>
-          </a:fillRef>
-          <a:effectRef idx="0">
-            <a:schemeClr val="accent1"/>
-          </a:effectRef>
-          <a:fontRef idx="minor">
-            <a:schemeClr val="lt1"/>
-          </a:fontRef>
-        </p:style>
-        <p:txBody>
-          <a:bodyPr rtlCol="0" anchor="ctr"/>
-          <a:lstStyle/>
-          <a:p>
-            <a:pPr algn="ctr"/>
-            <a:r>
-              <a:rPr lang="en-PH" sz="1400" dirty="0"/>
-              <a:t>Send encrypted ERs</a:t>
-            </a:r>
-          </a:p>
-        </p:txBody>
-      </p:sp>
-      <p:sp>
-        <p:nvSpPr>
-          <p:cNvPr id="14" name="Rounded Rectangle 13"/>
-          <p:cNvSpPr/>
-          <p:nvPr/>
-        </p:nvSpPr>
-        <p:spPr>
-          <a:xfrm>
-            <a:off x="6727832" y="3426089"/>
-            <a:ext cx="1585747" cy="809803"/>
-          </a:xfrm>
-          <a:prstGeom prst="roundRect">
-            <a:avLst/>
-          </a:prstGeom>
-          <a:solidFill>
-            <a:schemeClr val="tx2">
-              <a:lumMod val="60000"/>
-              <a:lumOff val="40000"/>
-            </a:schemeClr>
-          </a:solidFill>
-          <a:ln>
-            <a:noFill/>
-          </a:ln>
-        </p:spPr>
-        <p:style>
-          <a:lnRef idx="2">
-            <a:schemeClr val="accent1">
-              <a:shade val="50000"/>
-            </a:schemeClr>
-          </a:lnRef>
-          <a:fillRef idx="1">
-            <a:schemeClr val="accent1"/>
-          </a:fillRef>
-          <a:effectRef idx="0">
-            <a:schemeClr val="accent1"/>
-          </a:effectRef>
-          <a:fontRef idx="minor">
-            <a:schemeClr val="lt1"/>
-          </a:fontRef>
-        </p:style>
-        <p:txBody>
-          <a:bodyPr rtlCol="0" anchor="ctr"/>
-          <a:lstStyle/>
-          <a:p>
-            <a:pPr algn="ctr"/>
-            <a:r>
-              <a:rPr lang="en-PH" sz="1400" dirty="0"/>
-              <a:t>Verify hash value</a:t>
-            </a:r>
-          </a:p>
-        </p:txBody>
-      </p:sp>
-      <p:cxnSp>
-        <p:nvCxnSpPr>
-          <p:cNvPr id="22" name="Straight Arrow Connector 21"/>
-          <p:cNvCxnSpPr>
-            <a:stCxn id="8" idx="2"/>
-            <a:endCxn id="10" idx="0"/>
-          </p:cNvCxnSpPr>
-          <p:nvPr/>
-        </p:nvCxnSpPr>
-        <p:spPr>
-          <a:xfrm>
-            <a:off x="3038578" y="2987529"/>
-            <a:ext cx="0" cy="433252"/>
-          </a:xfrm>
-          <a:prstGeom prst="straightConnector1">
-            <a:avLst/>
-          </a:prstGeom>
-          <a:ln>
-            <a:solidFill>
-              <a:srgbClr val="FFC000"/>
-            </a:solidFill>
-            <a:tailEnd type="triangle"/>
-          </a:ln>
-        </p:spPr>
-        <p:style>
-          <a:lnRef idx="1">
-            <a:schemeClr val="accent1"/>
-          </a:lnRef>
-          <a:fillRef idx="0">
-            <a:schemeClr val="accent1"/>
-          </a:fillRef>
-          <a:effectRef idx="0">
-            <a:schemeClr val="accent1"/>
-          </a:effectRef>
-          <a:fontRef idx="minor">
-            <a:schemeClr val="tx1"/>
-          </a:fontRef>
-        </p:style>
-      </p:cxnSp>
-      <p:cxnSp>
-        <p:nvCxnSpPr>
-          <p:cNvPr id="36" name="Elbow Connector 35"/>
-          <p:cNvCxnSpPr>
-            <a:stCxn id="10" idx="2"/>
-            <a:endCxn id="12" idx="1"/>
-          </p:cNvCxnSpPr>
-          <p:nvPr/>
-        </p:nvCxnSpPr>
-        <p:spPr>
-          <a:xfrm rot="16200000" flipH="1">
-            <a:off x="2855473" y="4413689"/>
-            <a:ext cx="978051" cy="611840"/>
-          </a:xfrm>
-          <a:prstGeom prst="bentConnector2">
-            <a:avLst/>
-          </a:prstGeom>
-          <a:ln>
-            <a:solidFill>
-              <a:srgbClr val="FFC000"/>
-            </a:solidFill>
-          </a:ln>
-        </p:spPr>
-        <p:style>
-          <a:lnRef idx="1">
-            <a:schemeClr val="accent1"/>
-          </a:lnRef>
-          <a:fillRef idx="0">
-            <a:schemeClr val="accent1"/>
-          </a:fillRef>
-          <a:effectRef idx="0">
-            <a:schemeClr val="accent1"/>
-          </a:effectRef>
-          <a:fontRef idx="minor">
-            <a:schemeClr val="tx1"/>
-          </a:fontRef>
-        </p:style>
-      </p:cxnSp>
-      <p:cxnSp>
-        <p:nvCxnSpPr>
-          <p:cNvPr id="39" name="Straight Arrow Connector 38"/>
-          <p:cNvCxnSpPr>
-            <a:stCxn id="12" idx="3"/>
-            <a:endCxn id="13" idx="1"/>
-          </p:cNvCxnSpPr>
-          <p:nvPr/>
-        </p:nvCxnSpPr>
-        <p:spPr>
-          <a:xfrm>
-            <a:off x="5236165" y="5208635"/>
-            <a:ext cx="1491667" cy="0"/>
-          </a:xfrm>
-          <a:prstGeom prst="straightConnector1">
-            <a:avLst/>
-          </a:prstGeom>
-          <a:ln>
-            <a:solidFill>
-              <a:srgbClr val="FFC000"/>
-            </a:solidFill>
-            <a:tailEnd type="triangle"/>
-          </a:ln>
-        </p:spPr>
-        <p:style>
-          <a:lnRef idx="1">
-            <a:schemeClr val="accent1"/>
-          </a:lnRef>
-          <a:fillRef idx="0">
-            <a:schemeClr val="accent1"/>
-          </a:fillRef>
-          <a:effectRef idx="0">
-            <a:schemeClr val="accent1"/>
-          </a:effectRef>
-          <a:fontRef idx="minor">
-            <a:schemeClr val="tx1"/>
-          </a:fontRef>
-        </p:style>
-      </p:cxnSp>
-      <p:cxnSp>
-        <p:nvCxnSpPr>
-          <p:cNvPr id="42" name="Straight Arrow Connector 41"/>
-          <p:cNvCxnSpPr>
-            <a:stCxn id="13" idx="0"/>
-            <a:endCxn id="14" idx="2"/>
-          </p:cNvCxnSpPr>
-          <p:nvPr/>
-        </p:nvCxnSpPr>
-        <p:spPr>
-          <a:xfrm flipV="1">
-            <a:off x="7520706" y="4235892"/>
-            <a:ext cx="0" cy="567841"/>
-          </a:xfrm>
-          <a:prstGeom prst="straightConnector1">
-            <a:avLst/>
-          </a:prstGeom>
-          <a:ln>
-            <a:solidFill>
-              <a:srgbClr val="FFC000"/>
-            </a:solidFill>
-            <a:tailEnd type="triangle"/>
-          </a:ln>
-        </p:spPr>
-        <p:style>
-          <a:lnRef idx="1">
-            <a:schemeClr val="accent1"/>
-          </a:lnRef>
-          <a:fillRef idx="0">
-            <a:schemeClr val="accent1"/>
-          </a:fillRef>
-          <a:effectRef idx="0">
-            <a:schemeClr val="accent1"/>
-          </a:effectRef>
-          <a:fontRef idx="minor">
-            <a:schemeClr val="tx1"/>
-          </a:fontRef>
-        </p:style>
-      </p:cxnSp>
-      <p:cxnSp>
-        <p:nvCxnSpPr>
-          <p:cNvPr id="45" name="Straight Arrow Connector 44"/>
-          <p:cNvCxnSpPr>
-            <a:stCxn id="14" idx="3"/>
-          </p:cNvCxnSpPr>
-          <p:nvPr/>
-        </p:nvCxnSpPr>
-        <p:spPr>
-          <a:xfrm flipV="1">
-            <a:off x="8313579" y="3825683"/>
-            <a:ext cx="698794" cy="5308"/>
-          </a:xfrm>
-          <a:prstGeom prst="straightConnector1">
-            <a:avLst/>
-          </a:prstGeom>
-          <a:ln>
-            <a:solidFill>
-              <a:srgbClr val="FFC000"/>
-            </a:solidFill>
-            <a:tailEnd type="triangle"/>
-          </a:ln>
-        </p:spPr>
-        <p:style>
-          <a:lnRef idx="1">
-            <a:schemeClr val="accent1"/>
-          </a:lnRef>
-          <a:fillRef idx="0">
-            <a:schemeClr val="accent1"/>
-          </a:fillRef>
-          <a:effectRef idx="0">
-            <a:schemeClr val="accent1"/>
-          </a:effectRef>
-          <a:fontRef idx="minor">
-            <a:schemeClr val="tx1"/>
-          </a:fontRef>
-        </p:style>
-      </p:cxnSp>
-      <p:sp>
-        <p:nvSpPr>
-          <p:cNvPr id="50" name="Oval 49"/>
-          <p:cNvSpPr/>
-          <p:nvPr/>
-        </p:nvSpPr>
-        <p:spPr>
-          <a:xfrm>
-            <a:off x="9012373" y="3711382"/>
-            <a:ext cx="217170" cy="228600"/>
-          </a:xfrm>
-          <a:prstGeom prst="ellipse">
-            <a:avLst/>
-          </a:prstGeom>
-          <a:noFill/>
-          <a:ln w="57150" cap="flat" cmpd="sng" algn="ctr">
-            <a:solidFill>
-              <a:schemeClr val="tx2">
-                <a:lumMod val="60000"/>
-                <a:lumOff val="40000"/>
-              </a:schemeClr>
-            </a:solidFill>
-            <a:prstDash val="solid"/>
-            <a:round/>
-            <a:headEnd type="none" w="med" len="med"/>
-            <a:tailEnd type="none" w="med" len="med"/>
-          </a:ln>
-        </p:spPr>
-        <p:style>
-          <a:lnRef idx="0">
-            <a:scrgbClr r="0" g="0" b="0"/>
-          </a:lnRef>
-          <a:fillRef idx="0">
-            <a:scrgbClr r="0" g="0" b="0"/>
-          </a:fillRef>
-          <a:effectRef idx="0">
-            <a:scrgbClr r="0" g="0" b="0"/>
-          </a:effectRef>
-          <a:fontRef idx="minor">
-            <a:schemeClr val="dk1"/>
-          </a:fontRef>
-        </p:style>
-        <p:txBody>
-          <a:bodyPr rtlCol="0" anchor="ctr"/>
-          <a:lstStyle/>
-          <a:p>
-            <a:pPr algn="ctr"/>
-            <a:endParaRPr lang="en-PH" b="1">
-              <a:ln w="22225">
-                <a:solidFill>
-                  <a:schemeClr val="accent2"/>
-                </a:solidFill>
-                <a:prstDash val="solid"/>
-              </a:ln>
-              <a:solidFill>
-                <a:schemeClr val="accent2">
-                  <a:lumMod val="40000"/>
-                  <a:lumOff val="60000"/>
-                </a:schemeClr>
-              </a:solidFill>
-            </a:endParaRPr>
-          </a:p>
-        </p:txBody>
-      </p:sp>
-      <p:sp>
-        <p:nvSpPr>
-          <p:cNvPr id="58" name="TextBox 57"/>
-          <p:cNvSpPr txBox="1"/>
-          <p:nvPr/>
-        </p:nvSpPr>
-        <p:spPr>
-          <a:xfrm>
-            <a:off x="1633862" y="1767497"/>
-            <a:ext cx="1532462" cy="307777"/>
-          </a:xfrm>
-          <a:prstGeom prst="rect">
-            <a:avLst/>
-          </a:prstGeom>
-          <a:noFill/>
-        </p:spPr>
-        <p:txBody>
-          <a:bodyPr wrap="square" rtlCol="0">
-            <a:spAutoFit/>
-          </a:bodyPr>
-          <a:lstStyle/>
-          <a:p>
-            <a:pPr algn="ctr"/>
-            <a:r>
-              <a:rPr lang="en-PH" sz="1400" dirty="0"/>
-              <a:t>VCM public key</a:t>
-            </a:r>
-          </a:p>
-        </p:txBody>
-      </p:sp>
-      <p:sp>
-        <p:nvSpPr>
-          <p:cNvPr id="60" name="TextBox 59"/>
-          <p:cNvSpPr txBox="1"/>
-          <p:nvPr/>
-        </p:nvSpPr>
-        <p:spPr>
-          <a:xfrm>
-            <a:off x="1546331" y="3064444"/>
-            <a:ext cx="1532462" cy="307777"/>
-          </a:xfrm>
-          <a:prstGeom prst="rect">
-            <a:avLst/>
-          </a:prstGeom>
-          <a:noFill/>
-        </p:spPr>
-        <p:txBody>
-          <a:bodyPr wrap="square" rtlCol="0">
-            <a:spAutoFit/>
-          </a:bodyPr>
-          <a:lstStyle/>
-          <a:p>
-            <a:pPr algn="ctr"/>
-            <a:r>
-              <a:rPr lang="en-PH" sz="1400" dirty="0"/>
-              <a:t>Private key</a:t>
-            </a:r>
-          </a:p>
-        </p:txBody>
-      </p:sp>
-      <p:sp>
-        <p:nvSpPr>
-          <p:cNvPr id="61" name="TextBox 60"/>
-          <p:cNvSpPr txBox="1"/>
-          <p:nvPr/>
-        </p:nvSpPr>
-        <p:spPr>
-          <a:xfrm>
-            <a:off x="5477158" y="4685414"/>
-            <a:ext cx="1103760" cy="523220"/>
-          </a:xfrm>
-          <a:prstGeom prst="rect">
-            <a:avLst/>
-          </a:prstGeom>
-          <a:noFill/>
-        </p:spPr>
-        <p:txBody>
-          <a:bodyPr wrap="square" rtlCol="0">
-            <a:spAutoFit/>
-          </a:bodyPr>
-          <a:lstStyle/>
-          <a:p>
-            <a:pPr algn="ctr"/>
-            <a:r>
-              <a:rPr lang="en-PH" sz="1400" dirty="0"/>
-              <a:t>Generated key</a:t>
-            </a:r>
-          </a:p>
-        </p:txBody>
-      </p:sp>
-      <p:sp>
-        <p:nvSpPr>
-          <p:cNvPr id="62" name="TextBox 61"/>
-          <p:cNvSpPr txBox="1"/>
-          <p:nvPr/>
-        </p:nvSpPr>
-        <p:spPr>
-          <a:xfrm>
-            <a:off x="7487826" y="4411346"/>
-            <a:ext cx="1377632" cy="307777"/>
-          </a:xfrm>
-          <a:prstGeom prst="rect">
-            <a:avLst/>
-          </a:prstGeom>
-          <a:noFill/>
-        </p:spPr>
-        <p:txBody>
-          <a:bodyPr wrap="square" rtlCol="0">
-            <a:spAutoFit/>
-          </a:bodyPr>
-          <a:lstStyle/>
-          <a:p>
-            <a:pPr algn="ctr"/>
-            <a:r>
-              <a:rPr lang="en-PH" sz="1400" dirty="0"/>
-              <a:t>Encrypted ERs</a:t>
-            </a:r>
-          </a:p>
-        </p:txBody>
-      </p:sp>
-    </p:spTree>
-    <p:extLst>
-      <p:ext uri="{BB962C8B-B14F-4D97-AF65-F5344CB8AC3E}">
-        <p14:creationId xmlns:p14="http://schemas.microsoft.com/office/powerpoint/2010/main" val="1275207489"/>
       </p:ext>
     </p:extLst>
   </p:cSld>
@@ -22641,303 +22215,14 @@
           <a:p>
             <a:r>
               <a:rPr lang="en-PH" dirty="0"/>
-              <a:t>Timing Diagram</a:t>
-            </a:r>
-          </a:p>
-        </p:txBody>
-      </p:sp>
-      <p:sp>
-        <p:nvSpPr>
-          <p:cNvPr id="6" name="Hexagon 5"/>
-          <p:cNvSpPr/>
-          <p:nvPr/>
-        </p:nvSpPr>
-        <p:spPr>
-          <a:xfrm>
-            <a:off x="1736358" y="2561356"/>
-            <a:ext cx="1806750" cy="443753"/>
-          </a:xfrm>
-          <a:prstGeom prst="hexagon">
-            <a:avLst/>
-          </a:prstGeom>
-          <a:solidFill>
-            <a:schemeClr val="tx2">
-              <a:lumMod val="60000"/>
-              <a:lumOff val="40000"/>
-            </a:schemeClr>
-          </a:solidFill>
-          <a:ln>
-            <a:noFill/>
-          </a:ln>
-        </p:spPr>
-        <p:style>
-          <a:lnRef idx="2">
-            <a:schemeClr val="accent1">
-              <a:shade val="50000"/>
-            </a:schemeClr>
-          </a:lnRef>
-          <a:fillRef idx="1">
-            <a:schemeClr val="accent1"/>
-          </a:fillRef>
-          <a:effectRef idx="0">
-            <a:schemeClr val="accent1"/>
-          </a:effectRef>
-          <a:fontRef idx="minor">
-            <a:schemeClr val="lt1"/>
-          </a:fontRef>
-        </p:style>
-        <p:txBody>
-          <a:bodyPr rtlCol="0" anchor="ctr"/>
-          <a:lstStyle/>
-          <a:p>
-            <a:pPr algn="ctr"/>
-            <a:r>
-              <a:rPr lang="en-PH" sz="1400" dirty="0"/>
-              <a:t>Encrypt data</a:t>
-            </a:r>
-          </a:p>
-        </p:txBody>
-      </p:sp>
-      <p:sp>
-        <p:nvSpPr>
-          <p:cNvPr id="7" name="Hexagon 6"/>
-          <p:cNvSpPr/>
-          <p:nvPr/>
-        </p:nvSpPr>
-        <p:spPr>
-          <a:xfrm>
-            <a:off x="3522395" y="2561292"/>
-            <a:ext cx="1806750" cy="443753"/>
-          </a:xfrm>
-          <a:prstGeom prst="hexagon">
-            <a:avLst/>
-          </a:prstGeom>
-          <a:solidFill>
-            <a:schemeClr val="tx2">
-              <a:lumMod val="60000"/>
-              <a:lumOff val="40000"/>
-            </a:schemeClr>
-          </a:solidFill>
-          <a:ln>
-            <a:noFill/>
-          </a:ln>
-        </p:spPr>
-        <p:style>
-          <a:lnRef idx="2">
-            <a:schemeClr val="accent1">
-              <a:shade val="50000"/>
-            </a:schemeClr>
-          </a:lnRef>
-          <a:fillRef idx="1">
-            <a:schemeClr val="accent1"/>
-          </a:fillRef>
-          <a:effectRef idx="0">
-            <a:schemeClr val="accent1"/>
-          </a:effectRef>
-          <a:fontRef idx="minor">
-            <a:schemeClr val="lt1"/>
-          </a:fontRef>
-        </p:style>
-        <p:txBody>
-          <a:bodyPr rtlCol="0" anchor="ctr"/>
-          <a:lstStyle/>
-          <a:p>
-            <a:pPr algn="ctr"/>
-            <a:r>
-              <a:rPr lang="en-PH" sz="1400" dirty="0"/>
-              <a:t>Decrypt data</a:t>
-            </a:r>
-          </a:p>
-        </p:txBody>
-      </p:sp>
-      <p:sp>
-        <p:nvSpPr>
-          <p:cNvPr id="8" name="Hexagon 7"/>
-          <p:cNvSpPr/>
-          <p:nvPr/>
-        </p:nvSpPr>
-        <p:spPr>
-          <a:xfrm>
-            <a:off x="5308432" y="2553335"/>
-            <a:ext cx="1806750" cy="443753"/>
-          </a:xfrm>
-          <a:prstGeom prst="hexagon">
-            <a:avLst/>
-          </a:prstGeom>
-          <a:solidFill>
-            <a:schemeClr val="tx2">
-              <a:lumMod val="60000"/>
-              <a:lumOff val="40000"/>
-            </a:schemeClr>
-          </a:solidFill>
-          <a:ln>
-            <a:noFill/>
-          </a:ln>
-        </p:spPr>
-        <p:style>
-          <a:lnRef idx="2">
-            <a:schemeClr val="accent1">
-              <a:shade val="50000"/>
-            </a:schemeClr>
-          </a:lnRef>
-          <a:fillRef idx="1">
-            <a:schemeClr val="accent1"/>
-          </a:fillRef>
-          <a:effectRef idx="0">
-            <a:schemeClr val="accent1"/>
-          </a:effectRef>
-          <a:fontRef idx="minor">
-            <a:schemeClr val="lt1"/>
-          </a:fontRef>
-        </p:style>
-        <p:txBody>
-          <a:bodyPr rtlCol="0" anchor="ctr"/>
-          <a:lstStyle/>
-          <a:p>
-            <a:pPr algn="ctr"/>
-            <a:r>
-              <a:rPr lang="en-PH" sz="1400" dirty="0"/>
-              <a:t>Create key exchange</a:t>
-            </a:r>
-          </a:p>
-        </p:txBody>
-      </p:sp>
-      <p:sp>
-        <p:nvSpPr>
-          <p:cNvPr id="9" name="Hexagon 8"/>
-          <p:cNvSpPr/>
-          <p:nvPr/>
-        </p:nvSpPr>
-        <p:spPr>
-          <a:xfrm>
-            <a:off x="7115182" y="2569183"/>
-            <a:ext cx="1806750" cy="443753"/>
-          </a:xfrm>
-          <a:prstGeom prst="hexagon">
-            <a:avLst/>
-          </a:prstGeom>
-          <a:solidFill>
-            <a:schemeClr val="tx2">
-              <a:lumMod val="60000"/>
-              <a:lumOff val="40000"/>
-            </a:schemeClr>
-          </a:solidFill>
-          <a:ln>
-            <a:noFill/>
-          </a:ln>
-        </p:spPr>
-        <p:style>
-          <a:lnRef idx="2">
-            <a:schemeClr val="accent1">
-              <a:shade val="50000"/>
-            </a:schemeClr>
-          </a:lnRef>
-          <a:fillRef idx="1">
-            <a:schemeClr val="accent1"/>
-          </a:fillRef>
-          <a:effectRef idx="0">
-            <a:schemeClr val="accent1"/>
-          </a:effectRef>
-          <a:fontRef idx="minor">
-            <a:schemeClr val="lt1"/>
-          </a:fontRef>
-        </p:style>
-        <p:txBody>
-          <a:bodyPr rtlCol="0" anchor="ctr"/>
-          <a:lstStyle/>
-          <a:p>
-            <a:pPr algn="ctr"/>
-            <a:r>
-              <a:rPr lang="en-PH" sz="1400" dirty="0"/>
-              <a:t>Send encrypted ERs</a:t>
-            </a:r>
-          </a:p>
-        </p:txBody>
-      </p:sp>
-      <p:sp>
-        <p:nvSpPr>
-          <p:cNvPr id="10" name="Hexagon 9"/>
-          <p:cNvSpPr/>
-          <p:nvPr/>
-        </p:nvSpPr>
-        <p:spPr>
-          <a:xfrm>
-            <a:off x="8921932" y="2577204"/>
-            <a:ext cx="1806750" cy="443753"/>
-          </a:xfrm>
-          <a:prstGeom prst="hexagon">
-            <a:avLst/>
-          </a:prstGeom>
-          <a:solidFill>
-            <a:schemeClr val="tx2">
-              <a:lumMod val="60000"/>
-              <a:lumOff val="40000"/>
-            </a:schemeClr>
-          </a:solidFill>
-          <a:ln>
-            <a:noFill/>
-          </a:ln>
-        </p:spPr>
-        <p:style>
-          <a:lnRef idx="2">
-            <a:schemeClr val="accent1">
-              <a:shade val="50000"/>
-            </a:schemeClr>
-          </a:lnRef>
-          <a:fillRef idx="1">
-            <a:schemeClr val="accent1"/>
-          </a:fillRef>
-          <a:effectRef idx="0">
-            <a:schemeClr val="accent1"/>
-          </a:effectRef>
-          <a:fontRef idx="minor">
-            <a:schemeClr val="lt1"/>
-          </a:fontRef>
-        </p:style>
-        <p:txBody>
-          <a:bodyPr rtlCol="0" anchor="ctr"/>
-          <a:lstStyle/>
-          <a:p>
-            <a:pPr algn="ctr"/>
-            <a:r>
-              <a:rPr lang="en-PH" sz="1400" dirty="0"/>
-              <a:t>Verify hash value</a:t>
-            </a:r>
-          </a:p>
-        </p:txBody>
-      </p:sp>
-      <p:sp>
-        <p:nvSpPr>
-          <p:cNvPr id="14" name="TextBox 13"/>
-          <p:cNvSpPr txBox="1"/>
-          <p:nvPr/>
-        </p:nvSpPr>
-        <p:spPr>
-          <a:xfrm>
-            <a:off x="1608909" y="3020957"/>
-            <a:ext cx="9235440" cy="369332"/>
-          </a:xfrm>
-          <a:prstGeom prst="rect">
-            <a:avLst/>
-          </a:prstGeom>
-          <a:noFill/>
-        </p:spPr>
-        <p:txBody>
-          <a:bodyPr wrap="square" rtlCol="0">
-            <a:spAutoFit/>
-          </a:bodyPr>
-          <a:lstStyle/>
-          <a:p>
-            <a:r>
-              <a:rPr lang="en-PH" dirty="0"/>
-              <a:t>|--------30s--------|-----------30s------------|----------30s----------|----------30s----------|---------30s---------|</a:t>
+              <a:t>Sequence Diagram</a:t>
             </a:r>
           </a:p>
         </p:txBody>
       </p:sp>
       <p:pic>
         <p:nvPicPr>
-          <p:cNvPr id="23" name="Picture 22"/>
+          <p:cNvPr id="4" name="Picture 3"/>
           <p:cNvPicPr>
             <a:picLocks noChangeAspect="1"/>
           </p:cNvPicPr>
@@ -22957,7 +22242,7 @@
         </p:blipFill>
         <p:spPr>
           <a:xfrm>
-            <a:off x="10343804" y="4696690"/>
+            <a:off x="-251961" y="5056301"/>
             <a:ext cx="2435221" cy="2435221"/>
           </a:xfrm>
           <a:prstGeom prst="rect">
@@ -22967,7 +22252,7 @@
       </p:pic>
       <p:pic>
         <p:nvPicPr>
-          <p:cNvPr id="24" name="Picture 23"/>
+          <p:cNvPr id="5" name="Picture 4"/>
           <p:cNvPicPr>
             <a:picLocks noChangeAspect="1"/>
           </p:cNvPicPr>
@@ -22987,18 +22272,47 @@
         </p:blipFill>
         <p:spPr>
           <a:xfrm>
-            <a:off x="9882312" y="4197927"/>
+            <a:off x="-189517" y="3979707"/>
             <a:ext cx="1391006" cy="1391006"/>
           </a:xfrm>
           <a:prstGeom prst="rect">
             <a:avLst/>
           </a:prstGeom>
+        </p:spPr>
+      </p:pic>
+      <p:pic>
+        <p:nvPicPr>
+          <p:cNvPr id="8" name="Content Placeholder 7"/>
+          <p:cNvPicPr>
+            <a:picLocks noGrp="1" noChangeAspect="1"/>
+          </p:cNvPicPr>
+          <p:nvPr>
+            <p:ph idx="1"/>
+          </p:nvPr>
+        </p:nvPicPr>
+        <p:blipFill>
+          <a:blip r:embed="rId4">
+            <a:extLst>
+              <a:ext uri="{28A0092B-C50C-407E-A947-70E740481C1C}">
+                <a14:useLocalDpi xmlns:a14="http://schemas.microsoft.com/office/drawing/2010/main" val="0"/>
+              </a:ext>
+            </a:extLst>
+          </a:blip>
+          <a:stretch>
+            <a:fillRect/>
+          </a:stretch>
+        </p:blipFill>
+        <p:spPr>
+          <a:xfrm>
+            <a:off x="3275542" y="1700856"/>
+            <a:ext cx="6596592" cy="4144013"/>
+          </a:xfrm>
         </p:spPr>
       </p:pic>
     </p:spTree>
     <p:extLst>
       <p:ext uri="{BB962C8B-B14F-4D97-AF65-F5344CB8AC3E}">
-        <p14:creationId xmlns:p14="http://schemas.microsoft.com/office/powerpoint/2010/main" val="3928705800"/>
+        <p14:creationId xmlns:p14="http://schemas.microsoft.com/office/powerpoint/2010/main" val="2581553982"/>
       </p:ext>
     </p:extLst>
   </p:cSld>
@@ -23042,6 +22356,1182 @@
           <a:p>
             <a:r>
               <a:rPr lang="en-PH" dirty="0"/>
+              <a:t>State Diagram</a:t>
+            </a:r>
+          </a:p>
+        </p:txBody>
+      </p:sp>
+      <p:sp>
+        <p:nvSpPr>
+          <p:cNvPr id="6" name="Oval 5"/>
+          <p:cNvSpPr/>
+          <p:nvPr/>
+        </p:nvSpPr>
+        <p:spPr>
+          <a:xfrm>
+            <a:off x="2910829" y="1503883"/>
+            <a:ext cx="255495" cy="268941"/>
+          </a:xfrm>
+          <a:prstGeom prst="ellipse">
+            <a:avLst/>
+          </a:prstGeom>
+          <a:solidFill>
+            <a:schemeClr val="tx2">
+              <a:lumMod val="60000"/>
+              <a:lumOff val="40000"/>
+            </a:schemeClr>
+          </a:solidFill>
+          <a:ln>
+            <a:noFill/>
+          </a:ln>
+        </p:spPr>
+        <p:style>
+          <a:lnRef idx="3">
+            <a:schemeClr val="lt1"/>
+          </a:lnRef>
+          <a:fillRef idx="1">
+            <a:schemeClr val="accent3"/>
+          </a:fillRef>
+          <a:effectRef idx="1">
+            <a:schemeClr val="accent3"/>
+          </a:effectRef>
+          <a:fontRef idx="minor">
+            <a:schemeClr val="lt1"/>
+          </a:fontRef>
+        </p:style>
+        <p:txBody>
+          <a:bodyPr rtlCol="0" anchor="ctr"/>
+          <a:lstStyle/>
+          <a:p>
+            <a:pPr algn="ctr"/>
+            <a:endParaRPr lang="en-PH"/>
+          </a:p>
+        </p:txBody>
+      </p:sp>
+      <p:cxnSp>
+        <p:nvCxnSpPr>
+          <p:cNvPr id="7" name="Straight Arrow Connector 6"/>
+          <p:cNvCxnSpPr>
+            <a:stCxn id="6" idx="4"/>
+            <a:endCxn id="8" idx="0"/>
+          </p:cNvCxnSpPr>
+          <p:nvPr/>
+        </p:nvCxnSpPr>
+        <p:spPr>
+          <a:xfrm>
+            <a:off x="3038577" y="1772824"/>
+            <a:ext cx="1" cy="404902"/>
+          </a:xfrm>
+          <a:prstGeom prst="straightConnector1">
+            <a:avLst/>
+          </a:prstGeom>
+          <a:ln>
+            <a:solidFill>
+              <a:srgbClr val="FFC000"/>
+            </a:solidFill>
+            <a:tailEnd type="triangle"/>
+          </a:ln>
+        </p:spPr>
+        <p:style>
+          <a:lnRef idx="3">
+            <a:schemeClr val="accent2"/>
+          </a:lnRef>
+          <a:fillRef idx="0">
+            <a:schemeClr val="accent2"/>
+          </a:fillRef>
+          <a:effectRef idx="2">
+            <a:schemeClr val="accent2"/>
+          </a:effectRef>
+          <a:fontRef idx="minor">
+            <a:schemeClr val="tx1"/>
+          </a:fontRef>
+        </p:style>
+      </p:cxnSp>
+      <p:sp>
+        <p:nvSpPr>
+          <p:cNvPr id="8" name="Rounded Rectangle 7"/>
+          <p:cNvSpPr/>
+          <p:nvPr/>
+        </p:nvSpPr>
+        <p:spPr>
+          <a:xfrm>
+            <a:off x="2245704" y="2177726"/>
+            <a:ext cx="1585747" cy="809803"/>
+          </a:xfrm>
+          <a:prstGeom prst="roundRect">
+            <a:avLst/>
+          </a:prstGeom>
+          <a:solidFill>
+            <a:schemeClr val="tx2">
+              <a:lumMod val="60000"/>
+              <a:lumOff val="40000"/>
+            </a:schemeClr>
+          </a:solidFill>
+          <a:ln>
+            <a:noFill/>
+          </a:ln>
+        </p:spPr>
+        <p:style>
+          <a:lnRef idx="2">
+            <a:schemeClr val="accent1">
+              <a:shade val="50000"/>
+            </a:schemeClr>
+          </a:lnRef>
+          <a:fillRef idx="1">
+            <a:schemeClr val="accent1"/>
+          </a:fillRef>
+          <a:effectRef idx="0">
+            <a:schemeClr val="accent1"/>
+          </a:effectRef>
+          <a:fontRef idx="minor">
+            <a:schemeClr val="lt1"/>
+          </a:fontRef>
+        </p:style>
+        <p:txBody>
+          <a:bodyPr rtlCol="0" anchor="ctr"/>
+          <a:lstStyle/>
+          <a:p>
+            <a:pPr algn="ctr"/>
+            <a:r>
+              <a:rPr lang="en-PH" sz="1400" dirty="0"/>
+              <a:t>Send  encrypted data</a:t>
+            </a:r>
+          </a:p>
+        </p:txBody>
+      </p:sp>
+      <p:sp>
+        <p:nvSpPr>
+          <p:cNvPr id="10" name="Rounded Rectangle 9"/>
+          <p:cNvSpPr/>
+          <p:nvPr/>
+        </p:nvSpPr>
+        <p:spPr>
+          <a:xfrm>
+            <a:off x="2245704" y="3420781"/>
+            <a:ext cx="1585747" cy="809803"/>
+          </a:xfrm>
+          <a:prstGeom prst="roundRect">
+            <a:avLst/>
+          </a:prstGeom>
+          <a:solidFill>
+            <a:schemeClr val="tx2">
+              <a:lumMod val="60000"/>
+              <a:lumOff val="40000"/>
+            </a:schemeClr>
+          </a:solidFill>
+          <a:ln>
+            <a:noFill/>
+          </a:ln>
+        </p:spPr>
+        <p:style>
+          <a:lnRef idx="2">
+            <a:schemeClr val="accent1">
+              <a:shade val="50000"/>
+            </a:schemeClr>
+          </a:lnRef>
+          <a:fillRef idx="1">
+            <a:schemeClr val="accent1"/>
+          </a:fillRef>
+          <a:effectRef idx="0">
+            <a:schemeClr val="accent1"/>
+          </a:effectRef>
+          <a:fontRef idx="minor">
+            <a:schemeClr val="lt1"/>
+          </a:fontRef>
+        </p:style>
+        <p:txBody>
+          <a:bodyPr rtlCol="0" anchor="ctr"/>
+          <a:lstStyle/>
+          <a:p>
+            <a:pPr algn="ctr"/>
+            <a:r>
+              <a:rPr lang="en-PH" sz="1400" dirty="0"/>
+              <a:t>Decrypt data</a:t>
+            </a:r>
+          </a:p>
+        </p:txBody>
+      </p:sp>
+      <p:sp>
+        <p:nvSpPr>
+          <p:cNvPr id="12" name="Rounded Rectangle 11"/>
+          <p:cNvSpPr/>
+          <p:nvPr/>
+        </p:nvSpPr>
+        <p:spPr>
+          <a:xfrm>
+            <a:off x="3650418" y="4803733"/>
+            <a:ext cx="1585747" cy="809803"/>
+          </a:xfrm>
+          <a:prstGeom prst="roundRect">
+            <a:avLst/>
+          </a:prstGeom>
+          <a:solidFill>
+            <a:schemeClr val="tx2">
+              <a:lumMod val="60000"/>
+              <a:lumOff val="40000"/>
+            </a:schemeClr>
+          </a:solidFill>
+          <a:ln>
+            <a:noFill/>
+          </a:ln>
+        </p:spPr>
+        <p:style>
+          <a:lnRef idx="2">
+            <a:schemeClr val="accent1">
+              <a:shade val="50000"/>
+            </a:schemeClr>
+          </a:lnRef>
+          <a:fillRef idx="1">
+            <a:schemeClr val="accent1"/>
+          </a:fillRef>
+          <a:effectRef idx="0">
+            <a:schemeClr val="accent1"/>
+          </a:effectRef>
+          <a:fontRef idx="minor">
+            <a:schemeClr val="lt1"/>
+          </a:fontRef>
+        </p:style>
+        <p:txBody>
+          <a:bodyPr rtlCol="0" anchor="ctr"/>
+          <a:lstStyle/>
+          <a:p>
+            <a:pPr algn="ctr"/>
+            <a:r>
+              <a:rPr lang="en-PH" sz="1400" dirty="0"/>
+              <a:t>Create key exchange</a:t>
+            </a:r>
+          </a:p>
+        </p:txBody>
+      </p:sp>
+      <p:sp>
+        <p:nvSpPr>
+          <p:cNvPr id="13" name="Rounded Rectangle 12"/>
+          <p:cNvSpPr/>
+          <p:nvPr/>
+        </p:nvSpPr>
+        <p:spPr>
+          <a:xfrm>
+            <a:off x="6727832" y="4803733"/>
+            <a:ext cx="1585747" cy="809803"/>
+          </a:xfrm>
+          <a:prstGeom prst="roundRect">
+            <a:avLst/>
+          </a:prstGeom>
+          <a:solidFill>
+            <a:schemeClr val="tx2">
+              <a:lumMod val="60000"/>
+              <a:lumOff val="40000"/>
+            </a:schemeClr>
+          </a:solidFill>
+          <a:ln>
+            <a:noFill/>
+          </a:ln>
+        </p:spPr>
+        <p:style>
+          <a:lnRef idx="2">
+            <a:schemeClr val="accent1">
+              <a:shade val="50000"/>
+            </a:schemeClr>
+          </a:lnRef>
+          <a:fillRef idx="1">
+            <a:schemeClr val="accent1"/>
+          </a:fillRef>
+          <a:effectRef idx="0">
+            <a:schemeClr val="accent1"/>
+          </a:effectRef>
+          <a:fontRef idx="minor">
+            <a:schemeClr val="lt1"/>
+          </a:fontRef>
+        </p:style>
+        <p:txBody>
+          <a:bodyPr rtlCol="0" anchor="ctr"/>
+          <a:lstStyle/>
+          <a:p>
+            <a:pPr algn="ctr"/>
+            <a:r>
+              <a:rPr lang="en-PH" sz="1400" dirty="0"/>
+              <a:t>Send encrypted ERs</a:t>
+            </a:r>
+          </a:p>
+        </p:txBody>
+      </p:sp>
+      <p:sp>
+        <p:nvSpPr>
+          <p:cNvPr id="14" name="Rounded Rectangle 13"/>
+          <p:cNvSpPr/>
+          <p:nvPr/>
+        </p:nvSpPr>
+        <p:spPr>
+          <a:xfrm>
+            <a:off x="6727832" y="3426089"/>
+            <a:ext cx="1585747" cy="809803"/>
+          </a:xfrm>
+          <a:prstGeom prst="roundRect">
+            <a:avLst/>
+          </a:prstGeom>
+          <a:solidFill>
+            <a:schemeClr val="tx2">
+              <a:lumMod val="60000"/>
+              <a:lumOff val="40000"/>
+            </a:schemeClr>
+          </a:solidFill>
+          <a:ln>
+            <a:noFill/>
+          </a:ln>
+        </p:spPr>
+        <p:style>
+          <a:lnRef idx="2">
+            <a:schemeClr val="accent1">
+              <a:shade val="50000"/>
+            </a:schemeClr>
+          </a:lnRef>
+          <a:fillRef idx="1">
+            <a:schemeClr val="accent1"/>
+          </a:fillRef>
+          <a:effectRef idx="0">
+            <a:schemeClr val="accent1"/>
+          </a:effectRef>
+          <a:fontRef idx="minor">
+            <a:schemeClr val="lt1"/>
+          </a:fontRef>
+        </p:style>
+        <p:txBody>
+          <a:bodyPr rtlCol="0" anchor="ctr"/>
+          <a:lstStyle/>
+          <a:p>
+            <a:pPr algn="ctr"/>
+            <a:r>
+              <a:rPr lang="en-PH" sz="1400" dirty="0"/>
+              <a:t>Verify hash value</a:t>
+            </a:r>
+          </a:p>
+        </p:txBody>
+      </p:sp>
+      <p:cxnSp>
+        <p:nvCxnSpPr>
+          <p:cNvPr id="22" name="Straight Arrow Connector 21"/>
+          <p:cNvCxnSpPr>
+            <a:stCxn id="8" idx="2"/>
+            <a:endCxn id="10" idx="0"/>
+          </p:cNvCxnSpPr>
+          <p:nvPr/>
+        </p:nvCxnSpPr>
+        <p:spPr>
+          <a:xfrm>
+            <a:off x="3038578" y="2987529"/>
+            <a:ext cx="0" cy="433252"/>
+          </a:xfrm>
+          <a:prstGeom prst="straightConnector1">
+            <a:avLst/>
+          </a:prstGeom>
+          <a:ln>
+            <a:solidFill>
+              <a:srgbClr val="FFC000"/>
+            </a:solidFill>
+            <a:tailEnd type="triangle"/>
+          </a:ln>
+        </p:spPr>
+        <p:style>
+          <a:lnRef idx="1">
+            <a:schemeClr val="accent1"/>
+          </a:lnRef>
+          <a:fillRef idx="0">
+            <a:schemeClr val="accent1"/>
+          </a:fillRef>
+          <a:effectRef idx="0">
+            <a:schemeClr val="accent1"/>
+          </a:effectRef>
+          <a:fontRef idx="minor">
+            <a:schemeClr val="tx1"/>
+          </a:fontRef>
+        </p:style>
+      </p:cxnSp>
+      <p:cxnSp>
+        <p:nvCxnSpPr>
+          <p:cNvPr id="36" name="Elbow Connector 35"/>
+          <p:cNvCxnSpPr>
+            <a:stCxn id="10" idx="2"/>
+            <a:endCxn id="12" idx="1"/>
+          </p:cNvCxnSpPr>
+          <p:nvPr/>
+        </p:nvCxnSpPr>
+        <p:spPr>
+          <a:xfrm rot="16200000" flipH="1">
+            <a:off x="2855473" y="4413689"/>
+            <a:ext cx="978051" cy="611840"/>
+          </a:xfrm>
+          <a:prstGeom prst="bentConnector2">
+            <a:avLst/>
+          </a:prstGeom>
+          <a:ln>
+            <a:solidFill>
+              <a:srgbClr val="FFC000"/>
+            </a:solidFill>
+          </a:ln>
+        </p:spPr>
+        <p:style>
+          <a:lnRef idx="1">
+            <a:schemeClr val="accent1"/>
+          </a:lnRef>
+          <a:fillRef idx="0">
+            <a:schemeClr val="accent1"/>
+          </a:fillRef>
+          <a:effectRef idx="0">
+            <a:schemeClr val="accent1"/>
+          </a:effectRef>
+          <a:fontRef idx="minor">
+            <a:schemeClr val="tx1"/>
+          </a:fontRef>
+        </p:style>
+      </p:cxnSp>
+      <p:cxnSp>
+        <p:nvCxnSpPr>
+          <p:cNvPr id="39" name="Straight Arrow Connector 38"/>
+          <p:cNvCxnSpPr>
+            <a:stCxn id="12" idx="3"/>
+            <a:endCxn id="13" idx="1"/>
+          </p:cNvCxnSpPr>
+          <p:nvPr/>
+        </p:nvCxnSpPr>
+        <p:spPr>
+          <a:xfrm>
+            <a:off x="5236165" y="5208635"/>
+            <a:ext cx="1491667" cy="0"/>
+          </a:xfrm>
+          <a:prstGeom prst="straightConnector1">
+            <a:avLst/>
+          </a:prstGeom>
+          <a:ln>
+            <a:solidFill>
+              <a:srgbClr val="FFC000"/>
+            </a:solidFill>
+            <a:tailEnd type="triangle"/>
+          </a:ln>
+        </p:spPr>
+        <p:style>
+          <a:lnRef idx="1">
+            <a:schemeClr val="accent1"/>
+          </a:lnRef>
+          <a:fillRef idx="0">
+            <a:schemeClr val="accent1"/>
+          </a:fillRef>
+          <a:effectRef idx="0">
+            <a:schemeClr val="accent1"/>
+          </a:effectRef>
+          <a:fontRef idx="minor">
+            <a:schemeClr val="tx1"/>
+          </a:fontRef>
+        </p:style>
+      </p:cxnSp>
+      <p:cxnSp>
+        <p:nvCxnSpPr>
+          <p:cNvPr id="42" name="Straight Arrow Connector 41"/>
+          <p:cNvCxnSpPr>
+            <a:stCxn id="13" idx="0"/>
+            <a:endCxn id="14" idx="2"/>
+          </p:cNvCxnSpPr>
+          <p:nvPr/>
+        </p:nvCxnSpPr>
+        <p:spPr>
+          <a:xfrm flipV="1">
+            <a:off x="7520706" y="4235892"/>
+            <a:ext cx="0" cy="567841"/>
+          </a:xfrm>
+          <a:prstGeom prst="straightConnector1">
+            <a:avLst/>
+          </a:prstGeom>
+          <a:ln>
+            <a:solidFill>
+              <a:srgbClr val="FFC000"/>
+            </a:solidFill>
+            <a:tailEnd type="triangle"/>
+          </a:ln>
+        </p:spPr>
+        <p:style>
+          <a:lnRef idx="1">
+            <a:schemeClr val="accent1"/>
+          </a:lnRef>
+          <a:fillRef idx="0">
+            <a:schemeClr val="accent1"/>
+          </a:fillRef>
+          <a:effectRef idx="0">
+            <a:schemeClr val="accent1"/>
+          </a:effectRef>
+          <a:fontRef idx="minor">
+            <a:schemeClr val="tx1"/>
+          </a:fontRef>
+        </p:style>
+      </p:cxnSp>
+      <p:cxnSp>
+        <p:nvCxnSpPr>
+          <p:cNvPr id="45" name="Straight Arrow Connector 44"/>
+          <p:cNvCxnSpPr>
+            <a:stCxn id="14" idx="3"/>
+          </p:cNvCxnSpPr>
+          <p:nvPr/>
+        </p:nvCxnSpPr>
+        <p:spPr>
+          <a:xfrm flipV="1">
+            <a:off x="8313579" y="3825683"/>
+            <a:ext cx="698794" cy="5308"/>
+          </a:xfrm>
+          <a:prstGeom prst="straightConnector1">
+            <a:avLst/>
+          </a:prstGeom>
+          <a:ln>
+            <a:solidFill>
+              <a:srgbClr val="FFC000"/>
+            </a:solidFill>
+            <a:tailEnd type="triangle"/>
+          </a:ln>
+        </p:spPr>
+        <p:style>
+          <a:lnRef idx="1">
+            <a:schemeClr val="accent1"/>
+          </a:lnRef>
+          <a:fillRef idx="0">
+            <a:schemeClr val="accent1"/>
+          </a:fillRef>
+          <a:effectRef idx="0">
+            <a:schemeClr val="accent1"/>
+          </a:effectRef>
+          <a:fontRef idx="minor">
+            <a:schemeClr val="tx1"/>
+          </a:fontRef>
+        </p:style>
+      </p:cxnSp>
+      <p:sp>
+        <p:nvSpPr>
+          <p:cNvPr id="50" name="Oval 49"/>
+          <p:cNvSpPr/>
+          <p:nvPr/>
+        </p:nvSpPr>
+        <p:spPr>
+          <a:xfrm>
+            <a:off x="9012373" y="3711382"/>
+            <a:ext cx="217170" cy="228600"/>
+          </a:xfrm>
+          <a:prstGeom prst="ellipse">
+            <a:avLst/>
+          </a:prstGeom>
+          <a:noFill/>
+          <a:ln w="57150" cap="flat" cmpd="sng" algn="ctr">
+            <a:solidFill>
+              <a:schemeClr val="tx2">
+                <a:lumMod val="60000"/>
+                <a:lumOff val="40000"/>
+              </a:schemeClr>
+            </a:solidFill>
+            <a:prstDash val="solid"/>
+            <a:round/>
+            <a:headEnd type="none" w="med" len="med"/>
+            <a:tailEnd type="none" w="med" len="med"/>
+          </a:ln>
+        </p:spPr>
+        <p:style>
+          <a:lnRef idx="0">
+            <a:scrgbClr r="0" g="0" b="0"/>
+          </a:lnRef>
+          <a:fillRef idx="0">
+            <a:scrgbClr r="0" g="0" b="0"/>
+          </a:fillRef>
+          <a:effectRef idx="0">
+            <a:scrgbClr r="0" g="0" b="0"/>
+          </a:effectRef>
+          <a:fontRef idx="minor">
+            <a:schemeClr val="dk1"/>
+          </a:fontRef>
+        </p:style>
+        <p:txBody>
+          <a:bodyPr rtlCol="0" anchor="ctr"/>
+          <a:lstStyle/>
+          <a:p>
+            <a:pPr algn="ctr"/>
+            <a:endParaRPr lang="en-PH" b="1">
+              <a:ln w="22225">
+                <a:solidFill>
+                  <a:schemeClr val="accent2"/>
+                </a:solidFill>
+                <a:prstDash val="solid"/>
+              </a:ln>
+              <a:solidFill>
+                <a:schemeClr val="accent2">
+                  <a:lumMod val="40000"/>
+                  <a:lumOff val="60000"/>
+                </a:schemeClr>
+              </a:solidFill>
+            </a:endParaRPr>
+          </a:p>
+        </p:txBody>
+      </p:sp>
+      <p:sp>
+        <p:nvSpPr>
+          <p:cNvPr id="58" name="TextBox 57"/>
+          <p:cNvSpPr txBox="1"/>
+          <p:nvPr/>
+        </p:nvSpPr>
+        <p:spPr>
+          <a:xfrm>
+            <a:off x="1633862" y="1767497"/>
+            <a:ext cx="1532462" cy="307777"/>
+          </a:xfrm>
+          <a:prstGeom prst="rect">
+            <a:avLst/>
+          </a:prstGeom>
+          <a:noFill/>
+        </p:spPr>
+        <p:txBody>
+          <a:bodyPr wrap="square" rtlCol="0">
+            <a:spAutoFit/>
+          </a:bodyPr>
+          <a:lstStyle/>
+          <a:p>
+            <a:pPr algn="ctr"/>
+            <a:r>
+              <a:rPr lang="en-PH" sz="1400" dirty="0"/>
+              <a:t>VCM public key</a:t>
+            </a:r>
+          </a:p>
+        </p:txBody>
+      </p:sp>
+      <p:sp>
+        <p:nvSpPr>
+          <p:cNvPr id="60" name="TextBox 59"/>
+          <p:cNvSpPr txBox="1"/>
+          <p:nvPr/>
+        </p:nvSpPr>
+        <p:spPr>
+          <a:xfrm>
+            <a:off x="1546331" y="3064444"/>
+            <a:ext cx="1532462" cy="307777"/>
+          </a:xfrm>
+          <a:prstGeom prst="rect">
+            <a:avLst/>
+          </a:prstGeom>
+          <a:noFill/>
+        </p:spPr>
+        <p:txBody>
+          <a:bodyPr wrap="square" rtlCol="0">
+            <a:spAutoFit/>
+          </a:bodyPr>
+          <a:lstStyle/>
+          <a:p>
+            <a:pPr algn="ctr"/>
+            <a:r>
+              <a:rPr lang="en-PH" sz="1400" dirty="0"/>
+              <a:t>Private key</a:t>
+            </a:r>
+          </a:p>
+        </p:txBody>
+      </p:sp>
+      <p:sp>
+        <p:nvSpPr>
+          <p:cNvPr id="61" name="TextBox 60"/>
+          <p:cNvSpPr txBox="1"/>
+          <p:nvPr/>
+        </p:nvSpPr>
+        <p:spPr>
+          <a:xfrm>
+            <a:off x="5477158" y="4685414"/>
+            <a:ext cx="1103760" cy="523220"/>
+          </a:xfrm>
+          <a:prstGeom prst="rect">
+            <a:avLst/>
+          </a:prstGeom>
+          <a:noFill/>
+        </p:spPr>
+        <p:txBody>
+          <a:bodyPr wrap="square" rtlCol="0">
+            <a:spAutoFit/>
+          </a:bodyPr>
+          <a:lstStyle/>
+          <a:p>
+            <a:pPr algn="ctr"/>
+            <a:r>
+              <a:rPr lang="en-PH" sz="1400" dirty="0"/>
+              <a:t>Generated key</a:t>
+            </a:r>
+          </a:p>
+        </p:txBody>
+      </p:sp>
+      <p:sp>
+        <p:nvSpPr>
+          <p:cNvPr id="62" name="TextBox 61"/>
+          <p:cNvSpPr txBox="1"/>
+          <p:nvPr/>
+        </p:nvSpPr>
+        <p:spPr>
+          <a:xfrm>
+            <a:off x="7487826" y="4411346"/>
+            <a:ext cx="1377632" cy="307777"/>
+          </a:xfrm>
+          <a:prstGeom prst="rect">
+            <a:avLst/>
+          </a:prstGeom>
+          <a:noFill/>
+        </p:spPr>
+        <p:txBody>
+          <a:bodyPr wrap="square" rtlCol="0">
+            <a:spAutoFit/>
+          </a:bodyPr>
+          <a:lstStyle/>
+          <a:p>
+            <a:pPr algn="ctr"/>
+            <a:r>
+              <a:rPr lang="en-PH" sz="1400" dirty="0"/>
+              <a:t>Encrypted ERs</a:t>
+            </a:r>
+          </a:p>
+        </p:txBody>
+      </p:sp>
+    </p:spTree>
+    <p:extLst>
+      <p:ext uri="{BB962C8B-B14F-4D97-AF65-F5344CB8AC3E}">
+        <p14:creationId xmlns:p14="http://schemas.microsoft.com/office/powerpoint/2010/main" val="1275207489"/>
+      </p:ext>
+    </p:extLst>
+  </p:cSld>
+  <p:clrMapOvr>
+    <a:masterClrMapping/>
+  </p:clrMapOvr>
+</p:sld>
+</file>
+
+<file path=ppt/slides/slide34.xml><?xml version="1.0" encoding="utf-8"?>
+<p:sld xmlns:a="http://schemas.openxmlformats.org/drawingml/2006/main" xmlns:r="http://schemas.openxmlformats.org/officeDocument/2006/relationships" xmlns:p="http://schemas.openxmlformats.org/presentationml/2006/main">
+  <p:cSld>
+    <p:spTree>
+      <p:nvGrpSpPr>
+        <p:cNvPr id="1" name=""/>
+        <p:cNvGrpSpPr/>
+        <p:nvPr/>
+      </p:nvGrpSpPr>
+      <p:grpSpPr>
+        <a:xfrm>
+          <a:off x="0" y="0"/>
+          <a:ext cx="0" cy="0"/>
+          <a:chOff x="0" y="0"/>
+          <a:chExt cx="0" cy="0"/>
+        </a:xfrm>
+      </p:grpSpPr>
+      <p:sp>
+        <p:nvSpPr>
+          <p:cNvPr id="2" name="Title 1"/>
+          <p:cNvSpPr>
+            <a:spLocks noGrp="1"/>
+          </p:cNvSpPr>
+          <p:nvPr>
+            <p:ph type="title"/>
+          </p:nvPr>
+        </p:nvSpPr>
+        <p:spPr/>
+        <p:txBody>
+          <a:bodyPr/>
+          <a:lstStyle/>
+          <a:p>
+            <a:r>
+              <a:rPr lang="en-PH" dirty="0"/>
+              <a:t>Timing Diagram</a:t>
+            </a:r>
+          </a:p>
+        </p:txBody>
+      </p:sp>
+      <p:sp>
+        <p:nvSpPr>
+          <p:cNvPr id="6" name="Hexagon 5"/>
+          <p:cNvSpPr/>
+          <p:nvPr/>
+        </p:nvSpPr>
+        <p:spPr>
+          <a:xfrm>
+            <a:off x="1736358" y="2561356"/>
+            <a:ext cx="1806750" cy="443753"/>
+          </a:xfrm>
+          <a:prstGeom prst="hexagon">
+            <a:avLst/>
+          </a:prstGeom>
+          <a:solidFill>
+            <a:schemeClr val="tx2">
+              <a:lumMod val="60000"/>
+              <a:lumOff val="40000"/>
+            </a:schemeClr>
+          </a:solidFill>
+          <a:ln>
+            <a:noFill/>
+          </a:ln>
+        </p:spPr>
+        <p:style>
+          <a:lnRef idx="2">
+            <a:schemeClr val="accent1">
+              <a:shade val="50000"/>
+            </a:schemeClr>
+          </a:lnRef>
+          <a:fillRef idx="1">
+            <a:schemeClr val="accent1"/>
+          </a:fillRef>
+          <a:effectRef idx="0">
+            <a:schemeClr val="accent1"/>
+          </a:effectRef>
+          <a:fontRef idx="minor">
+            <a:schemeClr val="lt1"/>
+          </a:fontRef>
+        </p:style>
+        <p:txBody>
+          <a:bodyPr rtlCol="0" anchor="ctr"/>
+          <a:lstStyle/>
+          <a:p>
+            <a:pPr algn="ctr"/>
+            <a:r>
+              <a:rPr lang="en-PH" sz="1400" dirty="0"/>
+              <a:t>Encrypt data</a:t>
+            </a:r>
+          </a:p>
+        </p:txBody>
+      </p:sp>
+      <p:sp>
+        <p:nvSpPr>
+          <p:cNvPr id="7" name="Hexagon 6"/>
+          <p:cNvSpPr/>
+          <p:nvPr/>
+        </p:nvSpPr>
+        <p:spPr>
+          <a:xfrm>
+            <a:off x="3522395" y="2561292"/>
+            <a:ext cx="1806750" cy="443753"/>
+          </a:xfrm>
+          <a:prstGeom prst="hexagon">
+            <a:avLst/>
+          </a:prstGeom>
+          <a:solidFill>
+            <a:schemeClr val="tx2">
+              <a:lumMod val="60000"/>
+              <a:lumOff val="40000"/>
+            </a:schemeClr>
+          </a:solidFill>
+          <a:ln>
+            <a:noFill/>
+          </a:ln>
+        </p:spPr>
+        <p:style>
+          <a:lnRef idx="2">
+            <a:schemeClr val="accent1">
+              <a:shade val="50000"/>
+            </a:schemeClr>
+          </a:lnRef>
+          <a:fillRef idx="1">
+            <a:schemeClr val="accent1"/>
+          </a:fillRef>
+          <a:effectRef idx="0">
+            <a:schemeClr val="accent1"/>
+          </a:effectRef>
+          <a:fontRef idx="minor">
+            <a:schemeClr val="lt1"/>
+          </a:fontRef>
+        </p:style>
+        <p:txBody>
+          <a:bodyPr rtlCol="0" anchor="ctr"/>
+          <a:lstStyle/>
+          <a:p>
+            <a:pPr algn="ctr"/>
+            <a:r>
+              <a:rPr lang="en-PH" sz="1400" dirty="0"/>
+              <a:t>Decrypt data</a:t>
+            </a:r>
+          </a:p>
+        </p:txBody>
+      </p:sp>
+      <p:sp>
+        <p:nvSpPr>
+          <p:cNvPr id="8" name="Hexagon 7"/>
+          <p:cNvSpPr/>
+          <p:nvPr/>
+        </p:nvSpPr>
+        <p:spPr>
+          <a:xfrm>
+            <a:off x="5308432" y="2553335"/>
+            <a:ext cx="1806750" cy="443753"/>
+          </a:xfrm>
+          <a:prstGeom prst="hexagon">
+            <a:avLst/>
+          </a:prstGeom>
+          <a:solidFill>
+            <a:schemeClr val="tx2">
+              <a:lumMod val="60000"/>
+              <a:lumOff val="40000"/>
+            </a:schemeClr>
+          </a:solidFill>
+          <a:ln>
+            <a:noFill/>
+          </a:ln>
+        </p:spPr>
+        <p:style>
+          <a:lnRef idx="2">
+            <a:schemeClr val="accent1">
+              <a:shade val="50000"/>
+            </a:schemeClr>
+          </a:lnRef>
+          <a:fillRef idx="1">
+            <a:schemeClr val="accent1"/>
+          </a:fillRef>
+          <a:effectRef idx="0">
+            <a:schemeClr val="accent1"/>
+          </a:effectRef>
+          <a:fontRef idx="minor">
+            <a:schemeClr val="lt1"/>
+          </a:fontRef>
+        </p:style>
+        <p:txBody>
+          <a:bodyPr rtlCol="0" anchor="ctr"/>
+          <a:lstStyle/>
+          <a:p>
+            <a:pPr algn="ctr"/>
+            <a:r>
+              <a:rPr lang="en-PH" sz="1400" dirty="0"/>
+              <a:t>Create key exchange</a:t>
+            </a:r>
+          </a:p>
+        </p:txBody>
+      </p:sp>
+      <p:sp>
+        <p:nvSpPr>
+          <p:cNvPr id="9" name="Hexagon 8"/>
+          <p:cNvSpPr/>
+          <p:nvPr/>
+        </p:nvSpPr>
+        <p:spPr>
+          <a:xfrm>
+            <a:off x="7115182" y="2569183"/>
+            <a:ext cx="1806750" cy="443753"/>
+          </a:xfrm>
+          <a:prstGeom prst="hexagon">
+            <a:avLst/>
+          </a:prstGeom>
+          <a:solidFill>
+            <a:schemeClr val="tx2">
+              <a:lumMod val="60000"/>
+              <a:lumOff val="40000"/>
+            </a:schemeClr>
+          </a:solidFill>
+          <a:ln>
+            <a:noFill/>
+          </a:ln>
+        </p:spPr>
+        <p:style>
+          <a:lnRef idx="2">
+            <a:schemeClr val="accent1">
+              <a:shade val="50000"/>
+            </a:schemeClr>
+          </a:lnRef>
+          <a:fillRef idx="1">
+            <a:schemeClr val="accent1"/>
+          </a:fillRef>
+          <a:effectRef idx="0">
+            <a:schemeClr val="accent1"/>
+          </a:effectRef>
+          <a:fontRef idx="minor">
+            <a:schemeClr val="lt1"/>
+          </a:fontRef>
+        </p:style>
+        <p:txBody>
+          <a:bodyPr rtlCol="0" anchor="ctr"/>
+          <a:lstStyle/>
+          <a:p>
+            <a:pPr algn="ctr"/>
+            <a:r>
+              <a:rPr lang="en-PH" sz="1400" dirty="0"/>
+              <a:t>Send encrypted ERs</a:t>
+            </a:r>
+          </a:p>
+        </p:txBody>
+      </p:sp>
+      <p:sp>
+        <p:nvSpPr>
+          <p:cNvPr id="10" name="Hexagon 9"/>
+          <p:cNvSpPr/>
+          <p:nvPr/>
+        </p:nvSpPr>
+        <p:spPr>
+          <a:xfrm>
+            <a:off x="8921932" y="2577204"/>
+            <a:ext cx="1806750" cy="443753"/>
+          </a:xfrm>
+          <a:prstGeom prst="hexagon">
+            <a:avLst/>
+          </a:prstGeom>
+          <a:solidFill>
+            <a:schemeClr val="tx2">
+              <a:lumMod val="60000"/>
+              <a:lumOff val="40000"/>
+            </a:schemeClr>
+          </a:solidFill>
+          <a:ln>
+            <a:noFill/>
+          </a:ln>
+        </p:spPr>
+        <p:style>
+          <a:lnRef idx="2">
+            <a:schemeClr val="accent1">
+              <a:shade val="50000"/>
+            </a:schemeClr>
+          </a:lnRef>
+          <a:fillRef idx="1">
+            <a:schemeClr val="accent1"/>
+          </a:fillRef>
+          <a:effectRef idx="0">
+            <a:schemeClr val="accent1"/>
+          </a:effectRef>
+          <a:fontRef idx="minor">
+            <a:schemeClr val="lt1"/>
+          </a:fontRef>
+        </p:style>
+        <p:txBody>
+          <a:bodyPr rtlCol="0" anchor="ctr"/>
+          <a:lstStyle/>
+          <a:p>
+            <a:pPr algn="ctr"/>
+            <a:r>
+              <a:rPr lang="en-PH" sz="1400" dirty="0"/>
+              <a:t>Verify hash value</a:t>
+            </a:r>
+          </a:p>
+        </p:txBody>
+      </p:sp>
+      <p:sp>
+        <p:nvSpPr>
+          <p:cNvPr id="14" name="TextBox 13"/>
+          <p:cNvSpPr txBox="1"/>
+          <p:nvPr/>
+        </p:nvSpPr>
+        <p:spPr>
+          <a:xfrm>
+            <a:off x="1608909" y="3020957"/>
+            <a:ext cx="9235440" cy="369332"/>
+          </a:xfrm>
+          <a:prstGeom prst="rect">
+            <a:avLst/>
+          </a:prstGeom>
+          <a:noFill/>
+        </p:spPr>
+        <p:txBody>
+          <a:bodyPr wrap="square" rtlCol="0">
+            <a:spAutoFit/>
+          </a:bodyPr>
+          <a:lstStyle/>
+          <a:p>
+            <a:r>
+              <a:rPr lang="en-PH" dirty="0"/>
+              <a:t>|--------30s--------|-----------30s------------|----------30s----------|----------30s----------|---------30s---------|</a:t>
+            </a:r>
+          </a:p>
+        </p:txBody>
+      </p:sp>
+      <p:pic>
+        <p:nvPicPr>
+          <p:cNvPr id="23" name="Picture 22"/>
+          <p:cNvPicPr>
+            <a:picLocks noChangeAspect="1"/>
+          </p:cNvPicPr>
+          <p:nvPr/>
+        </p:nvPicPr>
+        <p:blipFill>
+          <a:blip r:embed="rId2">
+            <a:extLst>
+              <a:ext uri="{28A0092B-C50C-407E-A947-70E740481C1C}">
+                <a14:useLocalDpi xmlns:a14="http://schemas.microsoft.com/office/drawing/2010/main" val="0"/>
+              </a:ext>
+            </a:extLst>
+          </a:blip>
+          <a:stretch>
+            <a:fillRect/>
+          </a:stretch>
+        </p:blipFill>
+        <p:spPr>
+          <a:xfrm>
+            <a:off x="10343804" y="4696690"/>
+            <a:ext cx="2435221" cy="2435221"/>
+          </a:xfrm>
+          <a:prstGeom prst="rect">
+            <a:avLst/>
+          </a:prstGeom>
+        </p:spPr>
+      </p:pic>
+      <p:pic>
+        <p:nvPicPr>
+          <p:cNvPr id="24" name="Picture 23"/>
+          <p:cNvPicPr>
+            <a:picLocks noChangeAspect="1"/>
+          </p:cNvPicPr>
+          <p:nvPr/>
+        </p:nvPicPr>
+        <p:blipFill>
+          <a:blip r:embed="rId3" cstate="hqprint">
+            <a:extLst>
+              <a:ext uri="{28A0092B-C50C-407E-A947-70E740481C1C}">
+                <a14:useLocalDpi xmlns:a14="http://schemas.microsoft.com/office/drawing/2010/main" val="0"/>
+              </a:ext>
+            </a:extLst>
+          </a:blip>
+          <a:stretch>
+            <a:fillRect/>
+          </a:stretch>
+        </p:blipFill>
+        <p:spPr>
+          <a:xfrm>
+            <a:off x="9882312" y="4197927"/>
+            <a:ext cx="1391006" cy="1391006"/>
+          </a:xfrm>
+          <a:prstGeom prst="rect">
+            <a:avLst/>
+          </a:prstGeom>
+        </p:spPr>
+      </p:pic>
+    </p:spTree>
+    <p:extLst>
+      <p:ext uri="{BB962C8B-B14F-4D97-AF65-F5344CB8AC3E}">
+        <p14:creationId xmlns:p14="http://schemas.microsoft.com/office/powerpoint/2010/main" val="3928705800"/>
+      </p:ext>
+    </p:extLst>
+  </p:cSld>
+  <p:clrMapOvr>
+    <a:masterClrMapping/>
+  </p:clrMapOvr>
+</p:sld>
+</file>
+
+<file path=ppt/slides/slide35.xml><?xml version="1.0" encoding="utf-8"?>
+<p:sld xmlns:a="http://schemas.openxmlformats.org/drawingml/2006/main" xmlns:r="http://schemas.openxmlformats.org/officeDocument/2006/relationships" xmlns:p="http://schemas.openxmlformats.org/presentationml/2006/main">
+  <p:cSld>
+    <p:spTree>
+      <p:nvGrpSpPr>
+        <p:cNvPr id="1" name=""/>
+        <p:cNvGrpSpPr/>
+        <p:nvPr/>
+      </p:nvGrpSpPr>
+      <p:grpSpPr>
+        <a:xfrm>
+          <a:off x="0" y="0"/>
+          <a:ext cx="0" cy="0"/>
+          <a:chOff x="0" y="0"/>
+          <a:chExt cx="0" cy="0"/>
+        </a:xfrm>
+      </p:grpSpPr>
+      <p:sp>
+        <p:nvSpPr>
+          <p:cNvPr id="2" name="Title 1"/>
+          <p:cNvSpPr>
+            <a:spLocks noGrp="1"/>
+          </p:cNvSpPr>
+          <p:nvPr>
+            <p:ph type="title"/>
+          </p:nvPr>
+        </p:nvSpPr>
+        <p:spPr/>
+        <p:txBody>
+          <a:bodyPr/>
+          <a:lstStyle/>
+          <a:p>
+            <a:r>
+              <a:rPr lang="en-PH" dirty="0"/>
               <a:t>Interaction Overview Diagram</a:t>
             </a:r>
           </a:p>
@@ -23294,7 +23784,7 @@
 </p:sld>
 </file>
 
-<file path=ppt/slides/slide34.xml><?xml version="1.0" encoding="utf-8"?>
+<file path=ppt/slides/slide36.xml><?xml version="1.0" encoding="utf-8"?>
 <p:sld xmlns:a="http://schemas.openxmlformats.org/drawingml/2006/main" xmlns:r="http://schemas.openxmlformats.org/officeDocument/2006/relationships" xmlns:p="http://schemas.openxmlformats.org/presentationml/2006/main">
   <p:cSld>
     <p:spTree>
@@ -23989,7 +24479,7 @@
 </p:sld>
 </file>
 
-<file path=ppt/slides/slide35.xml><?xml version="1.0" encoding="utf-8"?>
+<file path=ppt/slides/slide37.xml><?xml version="1.0" encoding="utf-8"?>
 <p:sld xmlns:a="http://schemas.openxmlformats.org/drawingml/2006/main" xmlns:r="http://schemas.openxmlformats.org/officeDocument/2006/relationships" xmlns:p="http://schemas.openxmlformats.org/presentationml/2006/main" show="0">
   <p:cSld>
     <p:spTree>
@@ -24070,7 +24560,7 @@
 </p:sld>
 </file>
 
-<file path=ppt/slides/slide36.xml><?xml version="1.0" encoding="utf-8"?>
+<file path=ppt/slides/slide38.xml><?xml version="1.0" encoding="utf-8"?>
 <p:sld xmlns:a="http://schemas.openxmlformats.org/drawingml/2006/main" xmlns:r="http://schemas.openxmlformats.org/officeDocument/2006/relationships" xmlns:p="http://schemas.openxmlformats.org/presentationml/2006/main" show="0">
   <p:cSld>
     <p:spTree>
@@ -24151,7 +24641,7 @@
 </p:sld>
 </file>
 
-<file path=ppt/slides/slide37.xml><?xml version="1.0" encoding="utf-8"?>
+<file path=ppt/slides/slide39.xml><?xml version="1.0" encoding="utf-8"?>
 <p:sld xmlns:a="http://schemas.openxmlformats.org/drawingml/2006/main" xmlns:r="http://schemas.openxmlformats.org/officeDocument/2006/relationships" xmlns:p="http://schemas.openxmlformats.org/presentationml/2006/main" show="0">
   <p:cSld>
     <p:spTree>
@@ -24287,78 +24777,38 @@
         </p:nvSpPr>
         <p:spPr>
           <a:xfrm>
-            <a:off x="838200" y="1497496"/>
+            <a:off x="838200" y="1806989"/>
             <a:ext cx="9896061" cy="4679467"/>
           </a:xfrm>
         </p:spPr>
         <p:txBody>
           <a:bodyPr>
-            <a:normAutofit/>
+            <a:normAutofit lnSpcReduction="10000"/>
           </a:bodyPr>
           <a:lstStyle/>
           <a:p>
             <a:r>
               <a:rPr lang="en-PH" dirty="0"/>
-              <a:t>Furthermore, the ñ controversy showed that the entire automated election system uses a hash function called MD5.</a:t>
-            </a:r>
-          </a:p>
-          <a:p>
-            <a:r>
-              <a:rPr lang="en-PH" dirty="0" err="1"/>
-              <a:t>Comelec-Smartmatic</a:t>
-            </a:r>
+              <a:t>The purpose of the said “secret server” or the “queue server” is to first receive all the transmitted votes before distributing it to the three official servers declared by the COMELEC.</a:t>
+            </a:r>
+          </a:p>
+          <a:p>
             <a:r>
               <a:rPr lang="en-PH" dirty="0"/>
-              <a:t> still used it </a:t>
-            </a:r>
-            <a:r>
-              <a:rPr lang="en-PH" b="1" dirty="0"/>
-              <a:t>even if </a:t>
-            </a:r>
+              <a:t>However, the normal process that should be done for the ER transmission as mandated by the law is to simply transmit the votes directly to the said servers.</a:t>
+            </a:r>
+          </a:p>
+          <a:p>
             <a:r>
               <a:rPr lang="en-PH" dirty="0"/>
-              <a:t>many developers have suggested to avoid the usage of the technology.</a:t>
-            </a:r>
-          </a:p>
-          <a:p>
-            <a:pPr lvl="1"/>
-            <a:r>
-              <a:rPr lang="en-PH" i="1" dirty="0"/>
-              <a:t>Carnegie Mellon University – Software Engineering Institute </a:t>
-            </a:r>
+              <a:t>These “secret servers” never undergone the initial source code review which is essential in every machine that would be used during the elections.</a:t>
+            </a:r>
+          </a:p>
+          <a:p>
             <a:r>
               <a:rPr lang="en-PH" dirty="0"/>
-              <a:t>stated that: “Software developers, Certification Authorities, website owners, and users should avoid using the MD5 algorithm in any capacity. As previous research has demonstrated, it should be considered cryptographically broken and unsuitable for further use.”</a:t>
-            </a:r>
-          </a:p>
-          <a:p>
-            <a:pPr lvl="1"/>
-            <a:r>
-              <a:rPr lang="en-PH" dirty="0"/>
-              <a:t>Recently, </a:t>
-            </a:r>
-            <a:r>
-              <a:rPr lang="en-PH" i="1" dirty="0"/>
-              <a:t>Microsoft</a:t>
-            </a:r>
-            <a:r>
-              <a:rPr lang="en-PH" dirty="0"/>
-              <a:t> announced </a:t>
-            </a:r>
-            <a:r>
-              <a:rPr lang="en-PH" i="1" dirty="0">
-                <a:hlinkClick r:id="rId3"/>
-              </a:rPr>
-              <a:t>Security Advisory 2862973</a:t>
-            </a:r>
-            <a:r>
-              <a:rPr lang="en-PH" dirty="0"/>
-              <a:t> that will block the MD5 has algorithm. This hashing algorithm is quite long in the tooth and has not been a recommended hash for many years.</a:t>
-            </a:r>
-          </a:p>
-          <a:p>
-            <a:pPr lvl="1"/>
-            <a:endParaRPr lang="en-PH" dirty="0"/>
+              <a:t>There were no watchers assigned in the said server putting the integrity of the May 2016 election under a cloud of doubt</a:t>
+            </a:r>
           </a:p>
         </p:txBody>
       </p:sp>
@@ -24371,7 +24821,7 @@
           <p:nvPr/>
         </p:nvPicPr>
         <p:blipFill>
-          <a:blip r:embed="rId4">
+          <a:blip r:embed="rId3">
             <a:extLst>
               <a:ext uri="{28A0092B-C50C-407E-A947-70E740481C1C}">
                 <a14:useLocalDpi xmlns:a14="http://schemas.microsoft.com/office/drawing/2010/main" val="0"/>
@@ -24401,7 +24851,7 @@
           <p:nvPr/>
         </p:nvPicPr>
         <p:blipFill>
-          <a:blip r:embed="rId5" cstate="hqprint">
+          <a:blip r:embed="rId4" cstate="hqprint">
             <a:extLst>
               <a:ext uri="{28A0092B-C50C-407E-A947-70E740481C1C}">
                 <a14:useLocalDpi xmlns:a14="http://schemas.microsoft.com/office/drawing/2010/main" val="0"/>
@@ -24425,7 +24875,7 @@
     </p:spTree>
     <p:extLst>
       <p:ext uri="{BB962C8B-B14F-4D97-AF65-F5344CB8AC3E}">
-        <p14:creationId xmlns:p14="http://schemas.microsoft.com/office/powerpoint/2010/main" val="459273828"/>
+        <p14:creationId xmlns:p14="http://schemas.microsoft.com/office/powerpoint/2010/main" val="570840287"/>
       </p:ext>
     </p:extLst>
   </p:cSld>
@@ -24486,8 +24936,8 @@
         </p:nvSpPr>
         <p:spPr>
           <a:xfrm>
-            <a:off x="838200" y="1825625"/>
-            <a:ext cx="9867314" cy="4351338"/>
+            <a:off x="838200" y="1497496"/>
+            <a:ext cx="9896061" cy="4679467"/>
           </a:xfrm>
         </p:spPr>
         <p:txBody>
@@ -24498,13 +24948,65 @@
           <a:p>
             <a:r>
               <a:rPr lang="en-PH" dirty="0"/>
-              <a:t>MD5 is just a hash function – not encryption at all.</a:t>
-            </a:r>
-          </a:p>
-          <a:p>
-            <a:pPr marL="0" indent="0">
-              <a:buNone/>
-            </a:pPr>
+              <a:t>Furthermore, the ñ controversy showed that the entire automated election system uses a hash function called MD5.</a:t>
+            </a:r>
+          </a:p>
+          <a:p>
+            <a:r>
+              <a:rPr lang="en-PH" dirty="0" err="1"/>
+              <a:t>Comelec-Smartmatic</a:t>
+            </a:r>
+            <a:r>
+              <a:rPr lang="en-PH" dirty="0"/>
+              <a:t> still used it </a:t>
+            </a:r>
+            <a:r>
+              <a:rPr lang="en-PH" b="1" dirty="0"/>
+              <a:t>even if </a:t>
+            </a:r>
+            <a:r>
+              <a:rPr lang="en-PH" dirty="0"/>
+              <a:t>many developers have suggested to avoid the usage of the technology.</a:t>
+            </a:r>
+          </a:p>
+          <a:p>
+            <a:pPr lvl="1"/>
+            <a:r>
+              <a:rPr lang="en-PH" i="1" dirty="0"/>
+              <a:t>Carnegie Mellon University – Software Engineering Institute </a:t>
+            </a:r>
+            <a:r>
+              <a:rPr lang="en-PH" dirty="0"/>
+              <a:t>stated that: “Software developers, Certification Authorities, website owners, and users should avoid using the MD5 algorithm in any capacity. As previous research has demonstrated, it should be considered cryptographically broken and unsuitable for further use.”</a:t>
+            </a:r>
+          </a:p>
+          <a:p>
+            <a:pPr lvl="1"/>
+            <a:r>
+              <a:rPr lang="en-PH" dirty="0"/>
+              <a:t>Recently, </a:t>
+            </a:r>
+            <a:r>
+              <a:rPr lang="en-PH" i="1" dirty="0"/>
+              <a:t>Microsoft</a:t>
+            </a:r>
+            <a:r>
+              <a:rPr lang="en-PH" dirty="0"/>
+              <a:t> announced </a:t>
+            </a:r>
+            <a:r>
+              <a:rPr lang="en-PH" i="1" dirty="0">
+                <a:hlinkClick r:id="rId3"/>
+              </a:rPr>
+              <a:t>Security Advisory 2862973</a:t>
+            </a:r>
+            <a:r>
+              <a:rPr lang="en-PH" dirty="0"/>
+              <a:t> that will block the MD5 has algorithm. This hashing algorithm is quite long in the tooth and has not been a recommended hash for many years.</a:t>
+            </a:r>
+          </a:p>
+          <a:p>
+            <a:pPr lvl="1"/>
             <a:endParaRPr lang="en-PH" dirty="0"/>
           </a:p>
         </p:txBody>
@@ -24518,7 +25020,7 @@
           <p:nvPr/>
         </p:nvPicPr>
         <p:blipFill>
-          <a:blip r:embed="rId3">
+          <a:blip r:embed="rId4">
             <a:extLst>
               <a:ext uri="{28A0092B-C50C-407E-A947-70E740481C1C}">
                 <a14:useLocalDpi xmlns:a14="http://schemas.microsoft.com/office/drawing/2010/main" val="0"/>
@@ -24531,7 +25033,7 @@
         </p:blipFill>
         <p:spPr>
           <a:xfrm>
-            <a:off x="10343804" y="4696690"/>
+            <a:off x="10595595" y="4723195"/>
             <a:ext cx="2435221" cy="2435221"/>
           </a:xfrm>
           <a:prstGeom prst="rect">
@@ -24548,7 +25050,7 @@
           <p:nvPr/>
         </p:nvPicPr>
         <p:blipFill>
-          <a:blip r:embed="rId4" cstate="hqprint">
+          <a:blip r:embed="rId5" cstate="hqprint">
             <a:extLst>
               <a:ext uri="{28A0092B-C50C-407E-A947-70E740481C1C}">
                 <a14:useLocalDpi xmlns:a14="http://schemas.microsoft.com/office/drawing/2010/main" val="0"/>
@@ -24561,38 +25063,8 @@
         </p:blipFill>
         <p:spPr>
           <a:xfrm>
-            <a:off x="10469217" y="3641336"/>
+            <a:off x="10734261" y="3561822"/>
             <a:ext cx="1391006" cy="1391006"/>
-          </a:xfrm>
-          <a:prstGeom prst="rect">
-            <a:avLst/>
-          </a:prstGeom>
-        </p:spPr>
-      </p:pic>
-      <p:pic>
-        <p:nvPicPr>
-          <p:cNvPr id="6" name="Picture 5"/>
-          <p:cNvPicPr>
-            <a:picLocks noChangeAspect="1"/>
-          </p:cNvPicPr>
-          <p:nvPr/>
-        </p:nvPicPr>
-        <p:blipFill>
-          <a:blip r:embed="rId5">
-            <a:extLst>
-              <a:ext uri="{28A0092B-C50C-407E-A947-70E740481C1C}">
-                <a14:useLocalDpi xmlns:a14="http://schemas.microsoft.com/office/drawing/2010/main" val="0"/>
-              </a:ext>
-            </a:extLst>
-          </a:blip>
-          <a:stretch>
-            <a:fillRect/>
-          </a:stretch>
-        </p:blipFill>
-        <p:spPr>
-          <a:xfrm>
-            <a:off x="2030827" y="2516981"/>
-            <a:ext cx="7471733" cy="3659982"/>
           </a:xfrm>
           <a:prstGeom prst="rect">
             <a:avLst/>
@@ -24602,7 +25074,7 @@
     </p:spTree>
     <p:extLst>
       <p:ext uri="{BB962C8B-B14F-4D97-AF65-F5344CB8AC3E}">
-        <p14:creationId xmlns:p14="http://schemas.microsoft.com/office/powerpoint/2010/main" val="2796707930"/>
+        <p14:creationId xmlns:p14="http://schemas.microsoft.com/office/powerpoint/2010/main" val="459273828"/>
       </p:ext>
     </p:extLst>
   </p:cSld>
@@ -24646,7 +25118,7 @@
           <a:p>
             <a:r>
               <a:rPr lang="en-PH" dirty="0"/>
-              <a:t>Statement of the Problem</a:t>
+              <a:t>Background of the Problem</a:t>
             </a:r>
           </a:p>
         </p:txBody>
@@ -24661,26 +25133,28 @@
             <p:ph idx="1"/>
           </p:nvPr>
         </p:nvSpPr>
-        <p:spPr/>
+        <p:spPr>
+          <a:xfrm>
+            <a:off x="838200" y="1825625"/>
+            <a:ext cx="9867314" cy="4351338"/>
+          </a:xfrm>
+        </p:spPr>
         <p:txBody>
           <a:bodyPr>
             <a:normAutofit/>
           </a:bodyPr>
           <a:lstStyle/>
           <a:p>
-            <a:pPr marL="457200" lvl="1" indent="0" algn="ctr">
+            <a:r>
+              <a:rPr lang="en-PH" dirty="0"/>
+              <a:t>MD5 is just a hash function – not encryption at all.</a:t>
+            </a:r>
+          </a:p>
+          <a:p>
+            <a:pPr marL="0" indent="0">
               <a:buNone/>
             </a:pPr>
-            <a:endParaRPr lang="en-PH" sz="3200" dirty="0"/>
-          </a:p>
-          <a:p>
-            <a:pPr marL="457200" lvl="1" indent="0" algn="ctr">
-              <a:buNone/>
-            </a:pPr>
-            <a:r>
-              <a:rPr lang="en-PH" sz="3200" dirty="0"/>
-              <a:t>How can the Philippine automated election system eliminate the possibility of secret servers to secure the transmission of election returns on the server-level?</a:t>
-            </a:r>
+            <a:endParaRPr lang="en-PH" dirty="0"/>
           </a:p>
         </p:txBody>
       </p:sp>
@@ -24736,8 +25210,38 @@
         </p:blipFill>
         <p:spPr>
           <a:xfrm>
-            <a:off x="9882312" y="4197927"/>
+            <a:off x="10469217" y="3641336"/>
             <a:ext cx="1391006" cy="1391006"/>
+          </a:xfrm>
+          <a:prstGeom prst="rect">
+            <a:avLst/>
+          </a:prstGeom>
+        </p:spPr>
+      </p:pic>
+      <p:pic>
+        <p:nvPicPr>
+          <p:cNvPr id="6" name="Picture 5"/>
+          <p:cNvPicPr>
+            <a:picLocks noChangeAspect="1"/>
+          </p:cNvPicPr>
+          <p:nvPr/>
+        </p:nvPicPr>
+        <p:blipFill>
+          <a:blip r:embed="rId5">
+            <a:extLst>
+              <a:ext uri="{28A0092B-C50C-407E-A947-70E740481C1C}">
+                <a14:useLocalDpi xmlns:a14="http://schemas.microsoft.com/office/drawing/2010/main" val="0"/>
+              </a:ext>
+            </a:extLst>
+          </a:blip>
+          <a:stretch>
+            <a:fillRect/>
+          </a:stretch>
+        </p:blipFill>
+        <p:spPr>
+          <a:xfrm>
+            <a:off x="2030827" y="2516981"/>
+            <a:ext cx="7471733" cy="3659982"/>
           </a:xfrm>
           <a:prstGeom prst="rect">
             <a:avLst/>
@@ -24747,7 +25251,7 @@
     </p:spTree>
     <p:extLst>
       <p:ext uri="{BB962C8B-B14F-4D97-AF65-F5344CB8AC3E}">
-        <p14:creationId xmlns:p14="http://schemas.microsoft.com/office/powerpoint/2010/main" val="1509484594"/>
+        <p14:creationId xmlns:p14="http://schemas.microsoft.com/office/powerpoint/2010/main" val="2796707930"/>
       </p:ext>
     </p:extLst>
   </p:cSld>
@@ -24791,7 +25295,7 @@
           <a:p>
             <a:r>
               <a:rPr lang="en-PH" dirty="0"/>
-              <a:t>Objectives</a:t>
+              <a:t>Statement of the Problem</a:t>
             </a:r>
           </a:p>
         </p:txBody>
@@ -24806,46 +25310,25 @@
             <p:ph idx="1"/>
           </p:nvPr>
         </p:nvSpPr>
-        <p:spPr>
-          <a:xfrm>
-            <a:off x="838200" y="1825625"/>
-            <a:ext cx="8623300" cy="4351338"/>
-          </a:xfrm>
-        </p:spPr>
-        <p:txBody>
-          <a:bodyPr/>
-          <a:lstStyle/>
-          <a:p>
-            <a:r>
-              <a:rPr lang="en-PH" dirty="0"/>
-              <a:t>General Objectives</a:t>
-            </a:r>
-          </a:p>
-          <a:p>
-            <a:pPr lvl="1"/>
-            <a:r>
-              <a:rPr lang="en-PH" dirty="0"/>
-              <a:t>To know the vital issues currently present in the transmission of the votes</a:t>
-            </a:r>
-          </a:p>
-          <a:p>
-            <a:pPr lvl="1"/>
-            <a:r>
-              <a:rPr lang="en-PH" dirty="0"/>
-              <a:t>To propose a system that would prevent electoral fraud in the transmission of votes in the automated election system</a:t>
-            </a:r>
-          </a:p>
-          <a:p>
-            <a:r>
-              <a:rPr lang="en-PH" dirty="0"/>
-              <a:t>Specific Objectives</a:t>
-            </a:r>
-          </a:p>
-          <a:p>
-            <a:pPr lvl="1"/>
-            <a:r>
-              <a:rPr lang="en-PH" dirty="0"/>
-              <a:t>To provide a technical solution that allows the verification of  the servers’ authenticity through the use of a public key infrastructure as a security mechanism</a:t>
+        <p:spPr/>
+        <p:txBody>
+          <a:bodyPr>
+            <a:normAutofit/>
+          </a:bodyPr>
+          <a:lstStyle/>
+          <a:p>
+            <a:pPr marL="457200" lvl="1" indent="0" algn="ctr">
+              <a:buNone/>
+            </a:pPr>
+            <a:endParaRPr lang="en-PH" sz="3200" dirty="0"/>
+          </a:p>
+          <a:p>
+            <a:pPr marL="457200" lvl="1" indent="0" algn="ctr">
+              <a:buNone/>
+            </a:pPr>
+            <a:r>
+              <a:rPr lang="en-PH" sz="3200" dirty="0"/>
+              <a:t>How can the Philippine automated election system eliminate the possibility of secret servers to secure the transmission of election returns on the server-level?</a:t>
             </a:r>
           </a:p>
         </p:txBody>
@@ -24913,7 +25396,7 @@
     </p:spTree>
     <p:extLst>
       <p:ext uri="{BB962C8B-B14F-4D97-AF65-F5344CB8AC3E}">
-        <p14:creationId xmlns:p14="http://schemas.microsoft.com/office/powerpoint/2010/main" val="62891387"/>
+        <p14:creationId xmlns:p14="http://schemas.microsoft.com/office/powerpoint/2010/main" val="1509484594"/>
       </p:ext>
     </p:extLst>
   </p:cSld>
@@ -24957,7 +25440,7 @@
           <a:p>
             <a:r>
               <a:rPr lang="en-PH" dirty="0"/>
-              <a:t>Significance of the Study</a:t>
+              <a:t>Objectives</a:t>
             </a:r>
           </a:p>
         </p:txBody>
@@ -24975,7 +25458,7 @@
         <p:spPr>
           <a:xfrm>
             <a:off x="838200" y="1825625"/>
-            <a:ext cx="9044112" cy="4351338"/>
+            <a:ext cx="8623300" cy="4351338"/>
           </a:xfrm>
         </p:spPr>
         <p:txBody>
@@ -24983,45 +25466,36 @@
           <a:lstStyle/>
           <a:p>
             <a:r>
-              <a:rPr lang="en-US" sz="2400" dirty="0"/>
-              <a:t>To the Filipino Citizens</a:t>
+              <a:rPr lang="en-PH" dirty="0"/>
+              <a:t>General Objectives</a:t>
             </a:r>
           </a:p>
           <a:p>
             <a:pPr lvl="1"/>
             <a:r>
-              <a:rPr lang="en-US" dirty="0"/>
-              <a:t>This study will benefit the Filipino citizens for ensuring the security of the casted votes. Also, it would prevent malicious individuals from manipulating the votes. 	</a:t>
-            </a:r>
-          </a:p>
-          <a:p>
-            <a:r>
-              <a:rPr lang="en-US" sz="2400" dirty="0"/>
-              <a:t>To the COMELEC</a:t>
+              <a:rPr lang="en-PH" dirty="0"/>
+              <a:t>To know the vital issues currently present in the transmission of the votes</a:t>
             </a:r>
           </a:p>
           <a:p>
             <a:pPr lvl="1"/>
             <a:r>
-              <a:rPr lang="en-US" dirty="0"/>
-              <a:t>This research would significantly contribute to the goal of the COMELEC to conduct a fair and transparent election. </a:t>
-            </a:r>
-          </a:p>
-          <a:p>
-            <a:r>
-              <a:rPr lang="en-US" sz="2400" dirty="0"/>
-              <a:t>To the Future Researchers</a:t>
+              <a:rPr lang="en-PH" dirty="0"/>
+              <a:t>To propose a system that would prevent electoral fraud in the transmission of votes in the automated election system</a:t>
+            </a:r>
+          </a:p>
+          <a:p>
+            <a:r>
+              <a:rPr lang="en-PH" dirty="0"/>
+              <a:t>Specific Objectives</a:t>
             </a:r>
           </a:p>
           <a:p>
             <a:pPr lvl="1"/>
             <a:r>
-              <a:rPr lang="en-US" dirty="0"/>
-              <a:t>The system that would be created will serve as a guide and inspiration for other developers who would also want to pursue the prospect of automated election system.</a:t>
-            </a:r>
-          </a:p>
-          <a:p>
-            <a:endParaRPr lang="en-PH" dirty="0"/>
+              <a:rPr lang="en-PH" dirty="0"/>
+              <a:t>To provide a technical solution that allows the verification of  the servers’ authenticity through the use of a public key infrastructure as a security mechanism</a:t>
+            </a:r>
           </a:p>
         </p:txBody>
       </p:sp>
@@ -25088,7 +25562,7 @@
     </p:spTree>
     <p:extLst>
       <p:ext uri="{BB962C8B-B14F-4D97-AF65-F5344CB8AC3E}">
-        <p14:creationId xmlns:p14="http://schemas.microsoft.com/office/powerpoint/2010/main" val="760615654"/>
+        <p14:creationId xmlns:p14="http://schemas.microsoft.com/office/powerpoint/2010/main" val="62891387"/>
       </p:ext>
     </p:extLst>
   </p:cSld>
@@ -25132,7 +25606,7 @@
           <a:p>
             <a:r>
               <a:rPr lang="en-PH" dirty="0"/>
-              <a:t>Scope and Limitations</a:t>
+              <a:t>Significance of the Study</a:t>
             </a:r>
           </a:p>
         </p:txBody>
@@ -25149,27 +25623,54 @@
         </p:nvSpPr>
         <p:spPr>
           <a:xfrm>
-            <a:off x="1097281" y="1812373"/>
-            <a:ext cx="9330524" cy="4351338"/>
+            <a:off x="838200" y="1825625"/>
+            <a:ext cx="9044112" cy="4351338"/>
           </a:xfrm>
         </p:spPr>
         <p:txBody>
           <a:bodyPr/>
           <a:lstStyle/>
           <a:p>
-            <a:pPr marL="0" indent="0" algn="ctr">
-              <a:buNone/>
-            </a:pPr>
+            <a:r>
+              <a:rPr lang="en-US" sz="2400" dirty="0"/>
+              <a:t>To the Filipino Citizens</a:t>
+            </a:r>
+          </a:p>
+          <a:p>
+            <a:pPr lvl="1"/>
+            <a:r>
+              <a:rPr lang="en-US" dirty="0"/>
+              <a:t>This study will benefit the Filipino citizens for ensuring the security of the casted votes. Also, it would prevent malicious individuals from manipulating the votes. 	</a:t>
+            </a:r>
+          </a:p>
+          <a:p>
+            <a:r>
+              <a:rPr lang="en-US" sz="2400" dirty="0"/>
+              <a:t>To the COMELEC</a:t>
+            </a:r>
+          </a:p>
+          <a:p>
+            <a:pPr lvl="1"/>
+            <a:r>
+              <a:rPr lang="en-US" dirty="0"/>
+              <a:t>This research would significantly contribute to the goal of the COMELEC to conduct a fair and transparent election. </a:t>
+            </a:r>
+          </a:p>
+          <a:p>
+            <a:r>
+              <a:rPr lang="en-US" sz="2400" dirty="0"/>
+              <a:t>To the Future Researchers</a:t>
+            </a:r>
+          </a:p>
+          <a:p>
+            <a:pPr lvl="1"/>
+            <a:r>
+              <a:rPr lang="en-US" dirty="0"/>
+              <a:t>The system that would be created will serve as a guide and inspiration for other developers who would also want to pursue the prospect of automated election system.</a:t>
+            </a:r>
+          </a:p>
+          <a:p>
             <a:endParaRPr lang="en-PH" dirty="0"/>
-          </a:p>
-          <a:p>
-            <a:pPr marL="0" indent="0" algn="ctr">
-              <a:buNone/>
-            </a:pPr>
-            <a:r>
-              <a:rPr lang="en-PH" dirty="0"/>
-              <a:t>The scope of the study would only include the issues and possible solutions for the security of the transmission of election returns on the server-level of the automated election system in the Philippines. Further study on the other parts of the automated election system will no longer be covered.</a:t>
-            </a:r>
           </a:p>
         </p:txBody>
       </p:sp>
@@ -25236,7 +25737,7 @@
     </p:spTree>
     <p:extLst>
       <p:ext uri="{BB962C8B-B14F-4D97-AF65-F5344CB8AC3E}">
-        <p14:creationId xmlns:p14="http://schemas.microsoft.com/office/powerpoint/2010/main" val="4098786842"/>
+        <p14:creationId xmlns:p14="http://schemas.microsoft.com/office/powerpoint/2010/main" val="760615654"/>
       </p:ext>
     </p:extLst>
   </p:cSld>
